--- a/Vorlesung/3 Vererbung-Polymorphie.pptx
+++ b/Vorlesung/3 Vererbung-Polymorphie.pptx
@@ -2717,7 +2717,7 @@
           <a:lstStyle/>
           <a:p>
             <a:r>
-              <a:rPr lang="de-DE" altLang="de-DE" smtClean="0">
+              <a:rPr lang="de-DE" altLang="de-DE" dirty="0" smtClean="0">
                 <a:latin typeface="Times New Roman" pitchFamily="16" charset="0"/>
               </a:rPr>
               <a:t>#1 Vorteile der Polymorphie</a:t>
@@ -2725,23 +2725,47 @@
           </a:p>
           <a:p>
             <a:r>
-              <a:rPr lang="de-DE" altLang="de-DE" smtClean="0">
+              <a:rPr lang="de-DE" altLang="de-DE" dirty="0" smtClean="0">
                 <a:latin typeface="Times New Roman" pitchFamily="16" charset="0"/>
               </a:rPr>
-              <a:t>	- Abschottung der Komponenten voneinander (Separation of Concerns)</a:t>
-            </a:r>
-          </a:p>
-          <a:p>
-            <a:r>
-              <a:rPr lang="de-DE" altLang="de-DE" smtClean="0">
+              <a:t>	- Abschottung der Komponenten voneinander (Separation </a:t>
+            </a:r>
+            <a:r>
+              <a:rPr lang="de-DE" altLang="de-DE" dirty="0" err="1" smtClean="0">
                 <a:latin typeface="Times New Roman" pitchFamily="16" charset="0"/>
               </a:rPr>
+              <a:t>of</a:t>
+            </a:r>
+            <a:r>
+              <a:rPr lang="de-DE" altLang="de-DE" dirty="0" smtClean="0">
+                <a:latin typeface="Times New Roman" pitchFamily="16" charset="0"/>
+              </a:rPr>
+              <a:t> </a:t>
+            </a:r>
+            <a:r>
+              <a:rPr lang="de-DE" altLang="de-DE" dirty="0" err="1" smtClean="0">
+                <a:latin typeface="Times New Roman" pitchFamily="16" charset="0"/>
+              </a:rPr>
+              <a:t>Concerns</a:t>
+            </a:r>
+            <a:r>
+              <a:rPr lang="de-DE" altLang="de-DE" dirty="0" smtClean="0">
+                <a:latin typeface="Times New Roman" pitchFamily="16" charset="0"/>
+              </a:rPr>
+              <a:t>)</a:t>
+            </a:r>
+          </a:p>
+          <a:p>
+            <a:r>
+              <a:rPr lang="de-DE" altLang="de-DE" dirty="0" smtClean="0">
+                <a:latin typeface="Times New Roman" pitchFamily="16" charset="0"/>
+              </a:rPr>
               <a:t>	- Template-basierte Programmierung (definiere Erweiterungspunkte der Klasse)</a:t>
             </a:r>
           </a:p>
           <a:p>
             <a:r>
-              <a:rPr lang="de-DE" altLang="de-DE" smtClean="0">
+              <a:rPr lang="de-DE" altLang="de-DE" dirty="0" smtClean="0">
                 <a:latin typeface="Times New Roman" pitchFamily="16" charset="0"/>
               </a:rPr>
               <a:t>	- Viele Anwendungen von C brauchen keine flexibel austauschbaren Komponenten(??)</a:t>
@@ -2749,44 +2773,112 @@
           </a:p>
           <a:p>
             <a:r>
-              <a:rPr lang="de-DE" altLang="de-DE" smtClean="0">
+              <a:rPr lang="de-DE" altLang="de-DE" dirty="0" smtClean="0">
                 <a:latin typeface="Times New Roman" pitchFamily="16" charset="0"/>
               </a:rPr>
-              <a:t>	- Andere Mechanismen als Polymorphie: Funktionspointer</a:t>
-            </a:r>
-          </a:p>
-          <a:p>
-            <a:r>
-              <a:rPr lang="de-DE" altLang="de-DE" smtClean="0">
+              <a:t>	- Andere Mechanismen als Polymorphie: </a:t>
+            </a:r>
+            <a:r>
+              <a:rPr lang="de-DE" altLang="de-DE" dirty="0" err="1" smtClean="0">
                 <a:latin typeface="Times New Roman" pitchFamily="16" charset="0"/>
               </a:rPr>
-              <a:t>	- </a:t>
-            </a:r>
-          </a:p>
-          <a:p>
-            <a:endParaRPr lang="de-DE" altLang="de-DE" smtClean="0">
+              <a:t>Funktionspointer</a:t>
+            </a:r>
+            <a:endParaRPr lang="de-DE" altLang="de-DE" dirty="0" smtClean="0">
               <a:latin typeface="Times New Roman" pitchFamily="16" charset="0"/>
             </a:endParaRPr>
           </a:p>
           <a:p>
             <a:r>
-              <a:rPr lang="de-DE" altLang="de-DE" smtClean="0">
+              <a:rPr lang="de-DE" altLang="de-DE" dirty="0" smtClean="0">
                 <a:latin typeface="Times New Roman" pitchFamily="16" charset="0"/>
               </a:rPr>
+              <a:t>	- </a:t>
+            </a:r>
+          </a:p>
+          <a:p>
+            <a:endParaRPr lang="de-DE" altLang="de-DE" dirty="0" smtClean="0">
+              <a:latin typeface="Times New Roman" pitchFamily="16" charset="0"/>
+            </a:endParaRPr>
+          </a:p>
+          <a:p>
+            <a:r>
+              <a:rPr lang="de-DE" altLang="de-DE" dirty="0" smtClean="0">
+                <a:latin typeface="Times New Roman" pitchFamily="16" charset="0"/>
+              </a:rPr>
               <a:t>#2 Polymorphie ohne Vererbung</a:t>
             </a:r>
           </a:p>
           <a:p>
             <a:r>
-              <a:rPr lang="de-DE" altLang="de-DE" smtClean="0">
+              <a:rPr lang="de-DE" altLang="de-DE" dirty="0" smtClean="0">
                 <a:latin typeface="Times New Roman" pitchFamily="16" charset="0"/>
               </a:rPr>
-              <a:t>	- Ja, z.B. „Duck Typing“: Es wird zur Compilezeit nicht überprüft, ob die Methode tatsächlich vorhanden ist.</a:t>
-            </a:r>
-          </a:p>
-          <a:p>
-            <a:r>
-              <a:rPr lang="de-DE" altLang="de-DE" smtClean="0">
+              <a:t>	- Superklasse</a:t>
+            </a:r>
+            <a:r>
+              <a:rPr lang="de-DE" altLang="de-DE" baseline="0" dirty="0" smtClean="0">
+                <a:latin typeface="Times New Roman" pitchFamily="16" charset="0"/>
+              </a:rPr>
+              <a:t> stellt statisch sicher, dass alle </a:t>
+            </a:r>
+            <a:r>
+              <a:rPr lang="de-DE" altLang="de-DE" baseline="0" dirty="0" err="1" smtClean="0">
+                <a:latin typeface="Times New Roman" pitchFamily="16" charset="0"/>
+              </a:rPr>
+              <a:t>Kindklassen</a:t>
+            </a:r>
+            <a:r>
+              <a:rPr lang="de-DE" altLang="de-DE" baseline="0" dirty="0" smtClean="0">
+                <a:latin typeface="Times New Roman" pitchFamily="16" charset="0"/>
+              </a:rPr>
+              <a:t> eine einheitliche Schnittstelle anbieten.</a:t>
+            </a:r>
+            <a:r>
+              <a:rPr lang="de-DE" altLang="de-DE" dirty="0" smtClean="0">
+                <a:latin typeface="Times New Roman" pitchFamily="16" charset="0"/>
+              </a:rPr>
+              <a:t/>
+            </a:r>
+            <a:br>
+              <a:rPr lang="de-DE" altLang="de-DE" dirty="0" smtClean="0">
+                <a:latin typeface="Times New Roman" pitchFamily="16" charset="0"/>
+              </a:rPr>
+            </a:br>
+            <a:r>
+              <a:rPr lang="de-DE" altLang="de-DE" dirty="0" smtClean="0">
+                <a:latin typeface="Times New Roman" pitchFamily="16" charset="0"/>
+              </a:rPr>
+              <a:t>	- Ja, z.B. „Duck </a:t>
+            </a:r>
+            <a:r>
+              <a:rPr lang="de-DE" altLang="de-DE" dirty="0" err="1" smtClean="0">
+                <a:latin typeface="Times New Roman" pitchFamily="16" charset="0"/>
+              </a:rPr>
+              <a:t>Typing</a:t>
+            </a:r>
+            <a:r>
+              <a:rPr lang="de-DE" altLang="de-DE" dirty="0" smtClean="0">
+                <a:latin typeface="Times New Roman" pitchFamily="16" charset="0"/>
+              </a:rPr>
+              <a:t>“: Es wird zur </a:t>
+            </a:r>
+            <a:r>
+              <a:rPr lang="de-DE" altLang="de-DE" dirty="0" err="1" smtClean="0">
+                <a:latin typeface="Times New Roman" pitchFamily="16" charset="0"/>
+              </a:rPr>
+              <a:t>Compilezeit</a:t>
+            </a:r>
+            <a:r>
+              <a:rPr lang="de-DE" altLang="de-DE" dirty="0" smtClean="0">
+                <a:latin typeface="Times New Roman" pitchFamily="16" charset="0"/>
+              </a:rPr>
+              <a:t> nicht überprüft, ob die Methode tatsächlich vorhanden ist.</a:t>
+            </a:r>
+          </a:p>
+          <a:p>
+            <a:r>
+              <a:rPr lang="de-DE" altLang="de-DE" dirty="0" smtClean="0">
                 <a:latin typeface="Times New Roman" pitchFamily="16" charset="0"/>
               </a:rPr>
               <a:t>	- </a:t>
@@ -4471,11 +4563,194 @@
             </a:r>
             <a:r>
               <a:rPr lang="de-DE" dirty="0" smtClean="0"/>
-              <a:t>. trotzdem statische </a:t>
-            </a:r>
-            <a:r>
-              <a:rPr lang="de-DE" smtClean="0"/>
-              <a:t>Analyse vornehmen</a:t>
+              <a:t>. trotzdem statische Analyse vornehmen</a:t>
+            </a:r>
+          </a:p>
+          <a:p>
+            <a:pPr marL="171450" indent="-171450">
+              <a:buFontTx/>
+              <a:buChar char="-"/>
+              <a:defRPr/>
+            </a:pPr>
+            <a:endParaRPr lang="de-DE" dirty="0" smtClean="0"/>
+          </a:p>
+          <a:p>
+            <a:pPr marL="0" indent="0">
+              <a:buFontTx/>
+              <a:buNone/>
+              <a:defRPr/>
+            </a:pPr>
+            <a:r>
+              <a:rPr lang="de-DE" dirty="0" smtClean="0"/>
+              <a:t>#2 </a:t>
+            </a:r>
+            <a:r>
+              <a:rPr lang="de-DE" dirty="0" smtClean="0"/>
+              <a:t>– </a:t>
+            </a:r>
+          </a:p>
+          <a:p>
+            <a:pPr marL="171450" indent="-171450">
+              <a:buFontTx/>
+              <a:buChar char="-"/>
+              <a:defRPr/>
+            </a:pPr>
+            <a:r>
+              <a:rPr lang="de-DE" baseline="0" dirty="0" smtClean="0"/>
+              <a:t>(2) nutzt den Zuweisungsoperator: </a:t>
+            </a:r>
+            <a:r>
+              <a:rPr lang="de-DE" baseline="0" dirty="0" err="1" smtClean="0"/>
+              <a:t>void</a:t>
+            </a:r>
+            <a:r>
+              <a:rPr lang="de-DE" baseline="0" dirty="0" smtClean="0"/>
+              <a:t> </a:t>
+            </a:r>
+            <a:r>
+              <a:rPr lang="de-DE" baseline="0" dirty="0" err="1" smtClean="0"/>
+              <a:t>EnergyMinimizingStrategy</a:t>
+            </a:r>
+            <a:r>
+              <a:rPr lang="de-DE" baseline="0" dirty="0" smtClean="0"/>
+              <a:t>::</a:t>
+            </a:r>
+            <a:r>
+              <a:rPr lang="de-DE" baseline="0" dirty="0" err="1" smtClean="0"/>
+              <a:t>operator</a:t>
+            </a:r>
+            <a:r>
+              <a:rPr lang="de-DE" baseline="0" dirty="0" smtClean="0"/>
+              <a:t>=(</a:t>
+            </a:r>
+            <a:r>
+              <a:rPr lang="de-DE" baseline="0" dirty="0" err="1" smtClean="0"/>
+              <a:t>const</a:t>
+            </a:r>
+            <a:r>
+              <a:rPr lang="de-DE" baseline="0" dirty="0" smtClean="0"/>
+              <a:t> </a:t>
+            </a:r>
+            <a:r>
+              <a:rPr lang="de-DE" baseline="0" dirty="0" err="1" smtClean="0"/>
+              <a:t>EnergyMinimizingStrategy</a:t>
+            </a:r>
+            <a:r>
+              <a:rPr lang="de-DE" baseline="0" dirty="0" smtClean="0"/>
+              <a:t> &amp;</a:t>
+            </a:r>
+            <a:r>
+              <a:rPr lang="de-DE" baseline="0" dirty="0" err="1" smtClean="0"/>
+              <a:t>strategy</a:t>
+            </a:r>
+            <a:r>
+              <a:rPr lang="de-DE" baseline="0" dirty="0" smtClean="0"/>
+              <a:t>)</a:t>
+            </a:r>
+          </a:p>
+          <a:p>
+            <a:pPr marL="914400" lvl="1" indent="-171450">
+              <a:buFontTx/>
+              <a:buChar char="-"/>
+              <a:defRPr/>
+            </a:pPr>
+            <a:r>
+              <a:rPr lang="de-DE" baseline="0" dirty="0" smtClean="0"/>
+              <a:t>Hier wird zunächst eine Instanz per </a:t>
+            </a:r>
+            <a:r>
+              <a:rPr lang="de-DE" baseline="0" dirty="0" err="1" smtClean="0"/>
+              <a:t>Defaul</a:t>
+            </a:r>
+            <a:r>
+              <a:rPr lang="de-DE" baseline="0" dirty="0" smtClean="0"/>
+              <a:t>-Konstruktor angelegt und dann mittels </a:t>
+            </a:r>
+            <a:r>
+              <a:rPr lang="de-DE" baseline="0" dirty="0" err="1" smtClean="0"/>
+              <a:t>operator</a:t>
+            </a:r>
+            <a:r>
+              <a:rPr lang="de-DE" baseline="0" dirty="0" smtClean="0"/>
+              <a:t>= </a:t>
+            </a:r>
+            <a:r>
+              <a:rPr lang="de-DE" baseline="0" smtClean="0"/>
+              <a:t>„überschrieben/aktualisiert“</a:t>
+            </a:r>
+            <a:endParaRPr lang="de-DE" baseline="0" dirty="0" smtClean="0"/>
+          </a:p>
+          <a:p>
+            <a:pPr marL="171450" marR="0" indent="-171450" algn="l" defTabSz="449263" rtl="0" eaLnBrk="0" fontAlgn="base" latinLnBrk="0" hangingPunct="0">
+              <a:lnSpc>
+                <a:spcPct val="100000"/>
+              </a:lnSpc>
+              <a:spcBef>
+                <a:spcPct val="30000"/>
+              </a:spcBef>
+              <a:spcAft>
+                <a:spcPct val="0"/>
+              </a:spcAft>
+              <a:buClr>
+                <a:srgbClr val="000000"/>
+              </a:buClr>
+              <a:buSzPct val="100000"/>
+              <a:buFontTx/>
+              <a:buChar char="-"/>
+              <a:tabLst/>
+              <a:defRPr/>
+            </a:pPr>
+            <a:r>
+              <a:rPr lang="de-DE" baseline="0" dirty="0" smtClean="0"/>
+              <a:t>(3) nutzt den </a:t>
+            </a:r>
+            <a:r>
+              <a:rPr lang="de-DE" baseline="0" dirty="0" err="1" smtClean="0"/>
+              <a:t>Copy</a:t>
+            </a:r>
+            <a:r>
+              <a:rPr lang="de-DE" baseline="0" dirty="0" smtClean="0"/>
+              <a:t> </a:t>
+            </a:r>
+            <a:r>
+              <a:rPr lang="de-DE" baseline="0" dirty="0" err="1" smtClean="0"/>
+              <a:t>Constructor</a:t>
+            </a:r>
+            <a:r>
+              <a:rPr lang="de-DE" baseline="0" dirty="0" smtClean="0"/>
+              <a:t>: </a:t>
+            </a:r>
+            <a:r>
+              <a:rPr lang="de-DE" baseline="0" dirty="0" err="1" smtClean="0"/>
+              <a:t>EnergyMinimizingStrategy</a:t>
+            </a:r>
+            <a:r>
+              <a:rPr lang="de-DE" baseline="0" dirty="0" smtClean="0"/>
+              <a:t>(</a:t>
+            </a:r>
+            <a:r>
+              <a:rPr lang="de-DE" baseline="0" dirty="0" err="1" smtClean="0"/>
+              <a:t>const</a:t>
+            </a:r>
+            <a:r>
+              <a:rPr lang="de-DE" baseline="0" dirty="0" smtClean="0"/>
+              <a:t> </a:t>
+            </a:r>
+            <a:r>
+              <a:rPr lang="de-DE" baseline="0" dirty="0" err="1" smtClean="0"/>
+              <a:t>EnergyMinimizingStrategy</a:t>
+            </a:r>
+            <a:r>
+              <a:rPr lang="de-DE" baseline="0" dirty="0" smtClean="0"/>
+              <a:t>  &amp;</a:t>
+            </a:r>
+            <a:r>
+              <a:rPr lang="de-DE" baseline="0" dirty="0" err="1" smtClean="0"/>
+              <a:t>strategy</a:t>
+            </a:r>
+            <a:r>
+              <a:rPr lang="de-DE" baseline="0" dirty="0" smtClean="0"/>
+              <a:t>)</a:t>
             </a:r>
             <a:endParaRPr lang="de-DE" dirty="0"/>
           </a:p>
@@ -9775,7 +10050,7 @@
           <a:graphicData uri="http://schemas.openxmlformats.org/presentationml/2006/ole">
             <mc:AlternateContent xmlns:mc="http://schemas.openxmlformats.org/markup-compatibility/2006">
               <mc:Choice xmlns:v="urn:schemas-microsoft-com:vml" Requires="v">
-                <p:oleObj spid="_x0000_s1038" r:id="rId16" imgW="1038370" imgH="980952" progId="">
+                <p:oleObj spid="_x0000_s1060" r:id="rId16" imgW="1038370" imgH="980952" progId="">
                   <p:embed/>
                 </p:oleObj>
               </mc:Choice>
@@ -10213,7 +10488,7 @@
                 </a:lnSpc>
                 <a:defRPr/>
               </a:pPr>
-              <a:t>05.08.2014</a:t>
+              <a:t>11.08.2014</a:t>
             </a:fld>
             <a:r>
               <a:rPr lang="en-GB" altLang="de-DE" sz="1000" smtClean="0">
@@ -12581,26 +12856,17 @@
               <a:gd name="adj3" fmla="val 16667"/>
             </a:avLst>
           </a:prstGeom>
-          <a:solidFill>
-            <a:schemeClr val="bg1"/>
-          </a:solidFill>
-          <a:ln>
-            <a:solidFill>
-              <a:schemeClr val="tx1"/>
-            </a:solidFill>
-          </a:ln>
+          <a:ln/>
         </p:spPr>
         <p:style>
-          <a:lnRef idx="2">
-            <a:schemeClr val="accent1">
-              <a:shade val="50000"/>
-            </a:schemeClr>
+          <a:lnRef idx="1">
+            <a:schemeClr val="dk1"/>
           </a:lnRef>
-          <a:fillRef idx="1">
-            <a:schemeClr val="accent1"/>
+          <a:fillRef idx="3">
+            <a:schemeClr val="dk1"/>
           </a:fillRef>
-          <a:effectRef idx="0">
-            <a:schemeClr val="accent1"/>
+          <a:effectRef idx="2">
+            <a:schemeClr val="dk1"/>
           </a:effectRef>
           <a:fontRef idx="minor">
             <a:schemeClr val="lt1"/>
@@ -12616,7 +12882,7 @@
             <a:r>
               <a:rPr lang="de-DE" dirty="0">
                 <a:solidFill>
-                  <a:schemeClr val="tx1"/>
+                  <a:schemeClr val="bg1"/>
                 </a:solidFill>
               </a:rPr>
               <a:t>Typen ohne Namen auch möglich</a:t>
@@ -12642,26 +12908,17 @@
               <a:gd name="adj3" fmla="val 16667"/>
             </a:avLst>
           </a:prstGeom>
-          <a:solidFill>
-            <a:schemeClr val="bg1"/>
-          </a:solidFill>
-          <a:ln>
-            <a:solidFill>
-              <a:schemeClr val="tx1"/>
-            </a:solidFill>
-          </a:ln>
+          <a:ln/>
         </p:spPr>
         <p:style>
-          <a:lnRef idx="2">
-            <a:schemeClr val="accent1">
-              <a:shade val="50000"/>
-            </a:schemeClr>
+          <a:lnRef idx="1">
+            <a:schemeClr val="dk1"/>
           </a:lnRef>
-          <a:fillRef idx="1">
-            <a:schemeClr val="accent1"/>
+          <a:fillRef idx="3">
+            <a:schemeClr val="dk1"/>
           </a:fillRef>
-          <a:effectRef idx="0">
-            <a:schemeClr val="accent1"/>
+          <a:effectRef idx="2">
+            <a:schemeClr val="dk1"/>
           </a:effectRef>
           <a:fontRef idx="minor">
             <a:schemeClr val="lt1"/>
@@ -12677,7 +12934,7 @@
             <a:r>
               <a:rPr lang="de-DE" b="1" dirty="0" err="1">
                 <a:solidFill>
-                  <a:srgbClr val="7F0055"/>
+                  <a:schemeClr val="bg1"/>
                 </a:solidFill>
                 <a:latin typeface="Consolas"/>
               </a:rPr>
@@ -12686,7 +12943,7 @@
             <a:r>
               <a:rPr lang="de-DE" b="1" dirty="0">
                 <a:solidFill>
-                  <a:srgbClr val="000000"/>
+                  <a:schemeClr val="bg1"/>
                 </a:solidFill>
                 <a:latin typeface="Consolas"/>
               </a:rPr>
@@ -12695,7 +12952,7 @@
             <a:r>
               <a:rPr lang="de-DE" b="1" dirty="0" err="1">
                 <a:solidFill>
-                  <a:srgbClr val="005032"/>
+                  <a:schemeClr val="bg1"/>
                 </a:solidFill>
                 <a:latin typeface="Consolas"/>
               </a:rPr>
@@ -12704,7 +12961,7 @@
             <a:r>
               <a:rPr lang="de-DE" dirty="0">
                 <a:solidFill>
-                  <a:schemeClr val="tx1"/>
+                  <a:schemeClr val="bg1"/>
                 </a:solidFill>
               </a:rPr>
               <a:t>* und nicht </a:t>
@@ -12712,7 +12969,7 @@
             <a:r>
               <a:rPr lang="de-DE" b="1" dirty="0" err="1">
                 <a:solidFill>
-                  <a:srgbClr val="7F0055"/>
+                  <a:schemeClr val="bg1"/>
                 </a:solidFill>
                 <a:latin typeface="Consolas"/>
               </a:rPr>
@@ -12721,7 +12978,7 @@
             <a:r>
               <a:rPr lang="de-DE" b="1" dirty="0">
                 <a:solidFill>
-                  <a:srgbClr val="000000"/>
+                  <a:schemeClr val="bg1"/>
                 </a:solidFill>
                 <a:latin typeface="Consolas"/>
               </a:rPr>
@@ -12730,7 +12987,7 @@
             <a:r>
               <a:rPr lang="de-DE" b="1" dirty="0" err="1">
                 <a:solidFill>
-                  <a:srgbClr val="005032"/>
+                  <a:schemeClr val="bg1"/>
                 </a:solidFill>
                 <a:latin typeface="Consolas"/>
               </a:rPr>
@@ -12739,7 +12996,7 @@
             <a:r>
               <a:rPr lang="de-DE" dirty="0">
                 <a:solidFill>
-                  <a:schemeClr val="tx1"/>
+                  <a:schemeClr val="bg1"/>
                 </a:solidFill>
               </a:rPr>
               <a:t>&amp;, da der Zeiger sich ändert (aber nicht das Objekt worauf gezeigt wird!)</a:t>
@@ -12765,26 +13022,17 @@
               <a:gd name="adj3" fmla="val 16667"/>
             </a:avLst>
           </a:prstGeom>
-          <a:solidFill>
-            <a:schemeClr val="bg1"/>
-          </a:solidFill>
-          <a:ln>
-            <a:solidFill>
-              <a:schemeClr val="tx1"/>
-            </a:solidFill>
-          </a:ln>
+          <a:ln/>
         </p:spPr>
         <p:style>
-          <a:lnRef idx="2">
-            <a:schemeClr val="accent1">
-              <a:shade val="50000"/>
-            </a:schemeClr>
+          <a:lnRef idx="1">
+            <a:schemeClr val="dk1"/>
           </a:lnRef>
-          <a:fillRef idx="1">
-            <a:schemeClr val="accent1"/>
+          <a:fillRef idx="3">
+            <a:schemeClr val="dk1"/>
           </a:fillRef>
-          <a:effectRef idx="0">
-            <a:schemeClr val="accent1"/>
+          <a:effectRef idx="2">
+            <a:schemeClr val="dk1"/>
           </a:effectRef>
           <a:fontRef idx="minor">
             <a:schemeClr val="lt1"/>
@@ -12800,11 +13048,181 @@
             <a:r>
               <a:rPr lang="de-DE" dirty="0">
                 <a:solidFill>
-                  <a:schemeClr val="tx1"/>
+                  <a:schemeClr val="bg1"/>
                 </a:solidFill>
               </a:rPr>
               <a:t>Verwendung der Strategie bleibt gleich, egal welche konkrete Strategie verwendet wird</a:t>
             </a:r>
+          </a:p>
+        </p:txBody>
+      </p:sp>
+      <p:sp>
+        <p:nvSpPr>
+          <p:cNvPr id="12" name="Gefaltete Ecke 11"/>
+          <p:cNvSpPr/>
+          <p:nvPr/>
+        </p:nvSpPr>
+        <p:spPr bwMode="auto">
+          <a:xfrm>
+            <a:off x="2771800" y="1672134"/>
+            <a:ext cx="1130424" cy="504056"/>
+          </a:xfrm>
+          <a:prstGeom prst="foldedCorner">
+            <a:avLst/>
+          </a:prstGeom>
+          <a:solidFill>
+            <a:schemeClr val="bg1"/>
+          </a:solidFill>
+          <a:ln w="9525" cap="flat" cmpd="sng" algn="ctr">
+            <a:solidFill>
+              <a:schemeClr val="tx1"/>
+            </a:solidFill>
+            <a:prstDash val="solid"/>
+            <a:round/>
+            <a:headEnd type="none" w="med" len="med"/>
+            <a:tailEnd type="none" w="med" len="med"/>
+          </a:ln>
+          <a:effectLst/>
+          <a:extLst/>
+        </p:spPr>
+        <p:txBody>
+          <a:bodyPr vert="horz" wrap="none" lIns="91440" tIns="45720" rIns="91440" bIns="45720" numCol="1" rtlCol="0" anchor="ctr" anchorCtr="0" compatLnSpc="1">
+            <a:prstTxWarp prst="textNoShape">
+              <a:avLst/>
+            </a:prstTxWarp>
+          </a:bodyPr>
+          <a:lstStyle/>
+          <a:p>
+            <a:pPr marL="0" marR="0" indent="0" algn="ctr" defTabSz="449263" rtl="0" eaLnBrk="1" fontAlgn="base" latinLnBrk="0" hangingPunct="1">
+              <a:lnSpc>
+                <a:spcPct val="93000"/>
+              </a:lnSpc>
+              <a:spcBef>
+                <a:spcPct val="0"/>
+              </a:spcBef>
+              <a:spcAft>
+                <a:spcPct val="0"/>
+              </a:spcAft>
+              <a:buClr>
+                <a:srgbClr val="000000"/>
+              </a:buClr>
+              <a:buSzPct val="100000"/>
+              <a:buFont typeface="Arial" charset="0"/>
+              <a:buNone/>
+              <a:tabLst/>
+            </a:pPr>
+            <a:r>
+              <a:rPr kumimoji="0" lang="de-DE" sz="1800" b="0" i="0" u="none" strike="noStrike" cap="none" normalizeH="0" baseline="0" dirty="0" err="1" smtClean="0">
+                <a:ln>
+                  <a:noFill/>
+                </a:ln>
+                <a:solidFill>
+                  <a:schemeClr val="tx1"/>
+                </a:solidFill>
+                <a:effectLst/>
+                <a:latin typeface="Arial" charset="0"/>
+                <a:ea typeface="Lucida Sans Unicode" pitchFamily="34" charset="0"/>
+                <a:cs typeface="Lucida Sans Unicode" pitchFamily="34" charset="0"/>
+              </a:rPr>
+              <a:t>Elevator.h</a:t>
+            </a:r>
+            <a:endParaRPr kumimoji="0" lang="en-US" sz="1800" b="0" i="0" u="none" strike="noStrike" cap="none" normalizeH="0" baseline="0" dirty="0" smtClean="0">
+              <a:ln>
+                <a:noFill/>
+              </a:ln>
+              <a:solidFill>
+                <a:schemeClr val="tx1"/>
+              </a:solidFill>
+              <a:effectLst/>
+              <a:latin typeface="Arial" charset="0"/>
+              <a:ea typeface="Lucida Sans Unicode" pitchFamily="34" charset="0"/>
+              <a:cs typeface="Lucida Sans Unicode" pitchFamily="34" charset="0"/>
+            </a:endParaRPr>
+          </a:p>
+        </p:txBody>
+      </p:sp>
+      <p:sp>
+        <p:nvSpPr>
+          <p:cNvPr id="13" name="Gefaltete Ecke 12"/>
+          <p:cNvSpPr/>
+          <p:nvPr/>
+        </p:nvSpPr>
+        <p:spPr bwMode="auto">
+          <a:xfrm>
+            <a:off x="7524328" y="1672134"/>
+            <a:ext cx="1418456" cy="504056"/>
+          </a:xfrm>
+          <a:prstGeom prst="foldedCorner">
+            <a:avLst/>
+          </a:prstGeom>
+          <a:solidFill>
+            <a:schemeClr val="bg1"/>
+          </a:solidFill>
+          <a:ln w="9525" cap="flat" cmpd="sng" algn="ctr">
+            <a:solidFill>
+              <a:schemeClr val="tx1"/>
+            </a:solidFill>
+            <a:prstDash val="solid"/>
+            <a:round/>
+            <a:headEnd type="none" w="med" len="med"/>
+            <a:tailEnd type="none" w="med" len="med"/>
+          </a:ln>
+          <a:effectLst/>
+          <a:extLst/>
+        </p:spPr>
+        <p:txBody>
+          <a:bodyPr vert="horz" wrap="none" lIns="91440" tIns="45720" rIns="91440" bIns="45720" numCol="1" rtlCol="0" anchor="ctr" anchorCtr="0" compatLnSpc="1">
+            <a:prstTxWarp prst="textNoShape">
+              <a:avLst/>
+            </a:prstTxWarp>
+          </a:bodyPr>
+          <a:lstStyle/>
+          <a:p>
+            <a:pPr marL="0" marR="0" indent="0" algn="ctr" defTabSz="449263" rtl="0" eaLnBrk="1" fontAlgn="base" latinLnBrk="0" hangingPunct="1">
+              <a:lnSpc>
+                <a:spcPct val="93000"/>
+              </a:lnSpc>
+              <a:spcBef>
+                <a:spcPct val="0"/>
+              </a:spcBef>
+              <a:spcAft>
+                <a:spcPct val="0"/>
+              </a:spcAft>
+              <a:buClr>
+                <a:srgbClr val="000000"/>
+              </a:buClr>
+              <a:buSzPct val="100000"/>
+              <a:buFont typeface="Arial" charset="0"/>
+              <a:buNone/>
+              <a:tabLst/>
+            </a:pPr>
+            <a:r>
+              <a:rPr kumimoji="0" lang="de-DE" sz="1800" b="0" i="0" u="none" strike="noStrike" cap="none" normalizeH="0" baseline="0" dirty="0" smtClean="0">
+                <a:ln>
+                  <a:noFill/>
+                </a:ln>
+                <a:solidFill>
+                  <a:schemeClr val="tx1"/>
+                </a:solidFill>
+                <a:effectLst/>
+                <a:latin typeface="Arial" charset="0"/>
+                <a:ea typeface="Lucida Sans Unicode" pitchFamily="34" charset="0"/>
+                <a:cs typeface="Lucida Sans Unicode" pitchFamily="34" charset="0"/>
+              </a:rPr>
+              <a:t>Elevator.cpp</a:t>
+            </a:r>
+            <a:endParaRPr kumimoji="0" lang="en-US" sz="1800" b="0" i="0" u="none" strike="noStrike" cap="none" normalizeH="0" baseline="0" dirty="0" smtClean="0">
+              <a:ln>
+                <a:noFill/>
+              </a:ln>
+              <a:solidFill>
+                <a:schemeClr val="tx1"/>
+              </a:solidFill>
+              <a:effectLst/>
+              <a:latin typeface="Arial" charset="0"/>
+              <a:ea typeface="Lucida Sans Unicode" pitchFamily="34" charset="0"/>
+              <a:cs typeface="Lucida Sans Unicode" pitchFamily="34" charset="0"/>
+            </a:endParaRPr>
           </a:p>
         </p:txBody>
       </p:sp>
@@ -13234,16 +13652,25 @@
               <a:buNone/>
             </a:pPr>
             <a:r>
-              <a:rPr lang="de-DE" altLang="de-DE" sz="1200">
+              <a:rPr lang="de-DE" altLang="de-DE" sz="1200" dirty="0">
                 <a:solidFill>
                   <a:srgbClr val="7F0055"/>
                 </a:solidFill>
                 <a:latin typeface="Consolas" pitchFamily="49" charset="0"/>
               </a:rPr>
-              <a:t>#include</a:t>
-            </a:r>
-            <a:r>
-              <a:rPr lang="de-DE" altLang="de-DE" sz="1200">
+              <a:t>#</a:t>
+            </a:r>
+            <a:r>
+              <a:rPr lang="de-DE" altLang="de-DE" sz="1200" dirty="0" err="1">
+                <a:solidFill>
+                  <a:srgbClr val="7F0055"/>
+                </a:solidFill>
+                <a:latin typeface="Consolas" pitchFamily="49" charset="0"/>
+              </a:rPr>
+              <a:t>include</a:t>
+            </a:r>
+            <a:r>
+              <a:rPr lang="de-DE" altLang="de-DE" sz="1200" dirty="0">
                 <a:solidFill>
                   <a:srgbClr val="000000"/>
                 </a:solidFill>
@@ -13252,13 +13679,31 @@
               <a:t> </a:t>
             </a:r>
             <a:r>
-              <a:rPr lang="de-DE" altLang="de-DE" sz="1200">
+              <a:rPr lang="de-DE" altLang="de-DE" sz="1200" dirty="0">
                 <a:solidFill>
                   <a:srgbClr val="2A00FF"/>
                 </a:solidFill>
                 <a:latin typeface="Consolas" pitchFamily="49" charset="0"/>
               </a:rPr>
-              <a:t>&lt;vector&gt;</a:t>
+              <a:t>&lt;</a:t>
+            </a:r>
+            <a:r>
+              <a:rPr lang="de-DE" altLang="de-DE" sz="1200" dirty="0" err="1">
+                <a:solidFill>
+                  <a:srgbClr val="2A00FF"/>
+                </a:solidFill>
+                <a:latin typeface="Consolas" pitchFamily="49" charset="0"/>
+              </a:rPr>
+              <a:t>vector</a:t>
+            </a:r>
+            <a:r>
+              <a:rPr lang="de-DE" altLang="de-DE" sz="1200" dirty="0">
+                <a:solidFill>
+                  <a:srgbClr val="2A00FF"/>
+                </a:solidFill>
+                <a:latin typeface="Consolas" pitchFamily="49" charset="0"/>
+              </a:rPr>
+              <a:t>&gt;</a:t>
             </a:r>
           </a:p>
           <a:p>
@@ -13270,7 +13715,7 @@
               <a:buFont typeface="Arial" charset="0"/>
               <a:buNone/>
             </a:pPr>
-            <a:endParaRPr lang="de-DE" altLang="de-DE" sz="1200" b="0">
+            <a:endParaRPr lang="de-DE" altLang="de-DE" sz="1200" b="0" dirty="0">
               <a:latin typeface="Consolas" pitchFamily="49" charset="0"/>
             </a:endParaRPr>
           </a:p>
@@ -13284,16 +13729,25 @@
               <a:buNone/>
             </a:pPr>
             <a:r>
-              <a:rPr lang="de-DE" altLang="de-DE" sz="1200">
+              <a:rPr lang="de-DE" altLang="de-DE" sz="1200" dirty="0">
                 <a:solidFill>
                   <a:srgbClr val="7F0055"/>
                 </a:solidFill>
                 <a:latin typeface="Consolas" pitchFamily="49" charset="0"/>
               </a:rPr>
-              <a:t>#include</a:t>
-            </a:r>
-            <a:r>
-              <a:rPr lang="de-DE" altLang="de-DE" sz="1200">
+              <a:t>#</a:t>
+            </a:r>
+            <a:r>
+              <a:rPr lang="de-DE" altLang="de-DE" sz="1200" dirty="0" err="1">
+                <a:solidFill>
+                  <a:srgbClr val="7F0055"/>
+                </a:solidFill>
+                <a:latin typeface="Consolas" pitchFamily="49" charset="0"/>
+              </a:rPr>
+              <a:t>include</a:t>
+            </a:r>
+            <a:r>
+              <a:rPr lang="de-DE" altLang="de-DE" sz="1200" dirty="0">
                 <a:solidFill>
                   <a:srgbClr val="000000"/>
                 </a:solidFill>
@@ -13302,13 +13756,31 @@
               <a:t> </a:t>
             </a:r>
             <a:r>
-              <a:rPr lang="de-DE" altLang="de-DE" sz="1200">
+              <a:rPr lang="de-DE" altLang="de-DE" sz="1200" dirty="0">
                 <a:solidFill>
                   <a:srgbClr val="2A00FF"/>
                 </a:solidFill>
                 <a:latin typeface="Consolas" pitchFamily="49" charset="0"/>
               </a:rPr>
-              <a:t>"Floor.h"</a:t>
+              <a:t>"</a:t>
+            </a:r>
+            <a:r>
+              <a:rPr lang="de-DE" altLang="de-DE" sz="1200" dirty="0" err="1">
+                <a:solidFill>
+                  <a:srgbClr val="2A00FF"/>
+                </a:solidFill>
+                <a:latin typeface="Consolas" pitchFamily="49" charset="0"/>
+              </a:rPr>
+              <a:t>Floor.h</a:t>
+            </a:r>
+            <a:r>
+              <a:rPr lang="de-DE" altLang="de-DE" sz="1200" dirty="0">
+                <a:solidFill>
+                  <a:srgbClr val="2A00FF"/>
+                </a:solidFill>
+                <a:latin typeface="Consolas" pitchFamily="49" charset="0"/>
+              </a:rPr>
+              <a:t>"</a:t>
             </a:r>
           </a:p>
           <a:p>
@@ -13321,16 +13793,25 @@
               <a:buNone/>
             </a:pPr>
             <a:r>
-              <a:rPr lang="de-DE" altLang="de-DE" sz="1200">
+              <a:rPr lang="de-DE" altLang="de-DE" sz="1200" dirty="0">
                 <a:solidFill>
                   <a:srgbClr val="7F0055"/>
                 </a:solidFill>
                 <a:latin typeface="Consolas" pitchFamily="49" charset="0"/>
               </a:rPr>
-              <a:t>#include</a:t>
-            </a:r>
-            <a:r>
-              <a:rPr lang="de-DE" altLang="de-DE" sz="1200">
+              <a:t>#</a:t>
+            </a:r>
+            <a:r>
+              <a:rPr lang="de-DE" altLang="de-DE" sz="1200" dirty="0" err="1">
+                <a:solidFill>
+                  <a:srgbClr val="7F0055"/>
+                </a:solidFill>
+                <a:latin typeface="Consolas" pitchFamily="49" charset="0"/>
+              </a:rPr>
+              <a:t>include</a:t>
+            </a:r>
+            <a:r>
+              <a:rPr lang="de-DE" altLang="de-DE" sz="1200" dirty="0">
                 <a:solidFill>
                   <a:srgbClr val="000000"/>
                 </a:solidFill>
@@ -13339,13 +13820,31 @@
               <a:t> </a:t>
             </a:r>
             <a:r>
-              <a:rPr lang="de-DE" altLang="de-DE" sz="1200">
+              <a:rPr lang="de-DE" altLang="de-DE" sz="1200" dirty="0">
                 <a:solidFill>
                   <a:srgbClr val="2A00FF"/>
                 </a:solidFill>
                 <a:latin typeface="Consolas" pitchFamily="49" charset="0"/>
               </a:rPr>
-              <a:t>"Elevator.h"</a:t>
+              <a:t>"</a:t>
+            </a:r>
+            <a:r>
+              <a:rPr lang="de-DE" altLang="de-DE" sz="1200" dirty="0" err="1">
+                <a:solidFill>
+                  <a:srgbClr val="2A00FF"/>
+                </a:solidFill>
+                <a:latin typeface="Consolas" pitchFamily="49" charset="0"/>
+              </a:rPr>
+              <a:t>Elevator.h</a:t>
+            </a:r>
+            <a:r>
+              <a:rPr lang="de-DE" altLang="de-DE" sz="1200" dirty="0">
+                <a:solidFill>
+                  <a:srgbClr val="2A00FF"/>
+                </a:solidFill>
+                <a:latin typeface="Consolas" pitchFamily="49" charset="0"/>
+              </a:rPr>
+              <a:t>"</a:t>
             </a:r>
           </a:p>
           <a:p>
@@ -13357,7 +13856,7 @@
               <a:buFont typeface="Arial" charset="0"/>
               <a:buNone/>
             </a:pPr>
-            <a:endParaRPr lang="de-DE" altLang="de-DE" sz="1200" b="0">
+            <a:endParaRPr lang="de-DE" altLang="de-DE" sz="1200" b="0" dirty="0">
               <a:latin typeface="Consolas" pitchFamily="49" charset="0"/>
             </a:endParaRPr>
           </a:p>
@@ -13371,7 +13870,7 @@
               <a:buNone/>
             </a:pPr>
             <a:r>
-              <a:rPr lang="de-DE" altLang="de-DE" sz="1200">
+              <a:rPr lang="de-DE" altLang="de-DE" sz="1200" dirty="0" err="1">
                 <a:solidFill>
                   <a:srgbClr val="7F0055"/>
                 </a:solidFill>
@@ -13380,7 +13879,7 @@
               <a:t>class</a:t>
             </a:r>
             <a:r>
-              <a:rPr lang="de-DE" altLang="de-DE" sz="1200">
+              <a:rPr lang="de-DE" altLang="de-DE" sz="1200" dirty="0">
                 <a:solidFill>
                   <a:srgbClr val="000000"/>
                 </a:solidFill>
@@ -13389,7 +13888,7 @@
               <a:t> </a:t>
             </a:r>
             <a:r>
-              <a:rPr lang="de-DE" altLang="de-DE" sz="1200">
+              <a:rPr lang="de-DE" altLang="de-DE" sz="1200" dirty="0">
                 <a:solidFill>
                   <a:srgbClr val="005032"/>
                 </a:solidFill>
@@ -13398,7 +13897,7 @@
               <a:t>Building</a:t>
             </a:r>
             <a:r>
-              <a:rPr lang="de-DE" altLang="de-DE" sz="1200">
+              <a:rPr lang="de-DE" altLang="de-DE" sz="1200" dirty="0">
                 <a:solidFill>
                   <a:srgbClr val="000000"/>
                 </a:solidFill>
@@ -13417,7 +13916,7 @@
               <a:buNone/>
             </a:pPr>
             <a:r>
-              <a:rPr lang="de-DE" altLang="de-DE" sz="1200">
+              <a:rPr lang="de-DE" altLang="de-DE" sz="1200" dirty="0" err="1">
                 <a:solidFill>
                   <a:srgbClr val="7F0055"/>
                 </a:solidFill>
@@ -13426,7 +13925,7 @@
               <a:t>public</a:t>
             </a:r>
             <a:r>
-              <a:rPr lang="de-DE" altLang="de-DE" sz="1200">
+              <a:rPr lang="de-DE" altLang="de-DE" sz="1200" dirty="0">
                 <a:solidFill>
                   <a:srgbClr val="000000"/>
                 </a:solidFill>
@@ -13445,7 +13944,7 @@
               <a:buNone/>
             </a:pPr>
             <a:r>
-              <a:rPr lang="de-DE" altLang="de-DE" sz="1200">
+              <a:rPr lang="de-DE" altLang="de-DE" sz="1200" dirty="0">
                 <a:solidFill>
                   <a:srgbClr val="000000"/>
                 </a:solidFill>
@@ -13454,7 +13953,7 @@
               <a:t>  Building(</a:t>
             </a:r>
             <a:r>
-              <a:rPr lang="de-DE" altLang="de-DE" sz="1200">
+              <a:rPr lang="de-DE" altLang="de-DE" sz="1200" dirty="0" err="1">
                 <a:solidFill>
                   <a:srgbClr val="7F0055"/>
                 </a:solidFill>
@@ -13463,13 +13962,31 @@
               <a:t>int</a:t>
             </a:r>
             <a:r>
-              <a:rPr lang="de-DE" altLang="de-DE" sz="1200">
-                <a:solidFill>
-                  <a:srgbClr val="000000"/>
-                </a:solidFill>
-                <a:latin typeface="Consolas" pitchFamily="49" charset="0"/>
-              </a:rPr>
-              <a:t> numberOfFloors,   </a:t>
+              <a:rPr lang="de-DE" altLang="de-DE" sz="1200" dirty="0">
+                <a:solidFill>
+                  <a:srgbClr val="000000"/>
+                </a:solidFill>
+                <a:latin typeface="Consolas" pitchFamily="49" charset="0"/>
+              </a:rPr>
+              <a:t> </a:t>
+            </a:r>
+            <a:r>
+              <a:rPr lang="de-DE" altLang="de-DE" sz="1200" dirty="0" err="1">
+                <a:solidFill>
+                  <a:srgbClr val="000000"/>
+                </a:solidFill>
+                <a:latin typeface="Consolas" pitchFamily="49" charset="0"/>
+              </a:rPr>
+              <a:t>numberOfFloors</a:t>
+            </a:r>
+            <a:r>
+              <a:rPr lang="de-DE" altLang="de-DE" sz="1200" dirty="0">
+                <a:solidFill>
+                  <a:srgbClr val="000000"/>
+                </a:solidFill>
+                <a:latin typeface="Consolas" pitchFamily="49" charset="0"/>
+              </a:rPr>
+              <a:t>,   </a:t>
             </a:r>
           </a:p>
           <a:p>
@@ -13482,7 +13999,7 @@
               <a:buNone/>
             </a:pPr>
             <a:r>
-              <a:rPr lang="de-DE" altLang="de-DE" sz="1200">
+              <a:rPr lang="de-DE" altLang="de-DE" sz="1200" dirty="0">
                 <a:solidFill>
                   <a:srgbClr val="000000"/>
                 </a:solidFill>
@@ -13491,7 +14008,7 @@
               <a:t>           </a:t>
             </a:r>
             <a:r>
-              <a:rPr lang="de-DE" altLang="de-DE" sz="1200">
+              <a:rPr lang="de-DE" altLang="de-DE" sz="1200" dirty="0" err="1">
                 <a:solidFill>
                   <a:srgbClr val="005032"/>
                 </a:solidFill>
@@ -13500,13 +14017,31 @@
               <a:t>ConstElevatorStrategyPtr</a:t>
             </a:r>
             <a:r>
-              <a:rPr lang="de-DE" altLang="de-DE" sz="1200">
-                <a:solidFill>
-                  <a:srgbClr val="000000"/>
-                </a:solidFill>
-                <a:latin typeface="Consolas" pitchFamily="49" charset="0"/>
-              </a:rPr>
-              <a:t> strategy);  </a:t>
+              <a:rPr lang="de-DE" altLang="de-DE" sz="1200" dirty="0">
+                <a:solidFill>
+                  <a:srgbClr val="000000"/>
+                </a:solidFill>
+                <a:latin typeface="Consolas" pitchFamily="49" charset="0"/>
+              </a:rPr>
+              <a:t> </a:t>
+            </a:r>
+            <a:r>
+              <a:rPr lang="de-DE" altLang="de-DE" sz="1200" dirty="0" err="1">
+                <a:solidFill>
+                  <a:srgbClr val="000000"/>
+                </a:solidFill>
+                <a:latin typeface="Consolas" pitchFamily="49" charset="0"/>
+              </a:rPr>
+              <a:t>strategy</a:t>
+            </a:r>
+            <a:r>
+              <a:rPr lang="de-DE" altLang="de-DE" sz="1200" dirty="0">
+                <a:solidFill>
+                  <a:srgbClr val="000000"/>
+                </a:solidFill>
+                <a:latin typeface="Consolas" pitchFamily="49" charset="0"/>
+              </a:rPr>
+              <a:t>);  </a:t>
             </a:r>
           </a:p>
           <a:p>
@@ -13519,7 +14054,7 @@
               <a:buNone/>
             </a:pPr>
             <a:r>
-              <a:rPr lang="de-DE" altLang="de-DE" sz="1200">
+              <a:rPr lang="de-DE" altLang="de-DE" sz="1200" dirty="0">
                 <a:solidFill>
                   <a:srgbClr val="000000"/>
                 </a:solidFill>
@@ -13537,7 +14072,7 @@
               <a:buFont typeface="Arial" charset="0"/>
               <a:buNone/>
             </a:pPr>
-            <a:endParaRPr lang="de-DE" altLang="de-DE" sz="1200" b="0">
+            <a:endParaRPr lang="de-DE" altLang="de-DE" sz="1200" b="0" dirty="0">
               <a:latin typeface="Consolas" pitchFamily="49" charset="0"/>
             </a:endParaRPr>
           </a:p>
@@ -13551,7 +14086,7 @@
               <a:buNone/>
             </a:pPr>
             <a:r>
-              <a:rPr lang="de-DE" altLang="de-DE" sz="1200">
+              <a:rPr lang="de-DE" altLang="de-DE" sz="1200" dirty="0">
                 <a:solidFill>
                   <a:srgbClr val="7F0055"/>
                 </a:solidFill>
@@ -13560,7 +14095,7 @@
               <a:t>  inline</a:t>
             </a:r>
             <a:r>
-              <a:rPr lang="de-DE" altLang="de-DE" sz="1200">
+              <a:rPr lang="de-DE" altLang="de-DE" sz="1200" dirty="0">
                 <a:solidFill>
                   <a:srgbClr val="000000"/>
                 </a:solidFill>
@@ -13569,7 +14104,7 @@
               <a:t> </a:t>
             </a:r>
             <a:r>
-              <a:rPr lang="de-DE" altLang="de-DE" sz="1200">
+              <a:rPr lang="de-DE" altLang="de-DE" sz="1200" dirty="0" err="1">
                 <a:solidFill>
                   <a:srgbClr val="7F0055"/>
                 </a:solidFill>
@@ -13578,16 +14113,34 @@
               <a:t>int</a:t>
             </a:r>
             <a:r>
-              <a:rPr lang="de-DE" altLang="de-DE" sz="1200">
-                <a:solidFill>
-                  <a:srgbClr val="000000"/>
-                </a:solidFill>
-                <a:latin typeface="Consolas" pitchFamily="49" charset="0"/>
-              </a:rPr>
-              <a:t> numberOfFloors() </a:t>
-            </a:r>
-            <a:r>
-              <a:rPr lang="de-DE" altLang="de-DE" sz="1200">
+              <a:rPr lang="de-DE" altLang="de-DE" sz="1200" dirty="0">
+                <a:solidFill>
+                  <a:srgbClr val="000000"/>
+                </a:solidFill>
+                <a:latin typeface="Consolas" pitchFamily="49" charset="0"/>
+              </a:rPr>
+              <a:t> </a:t>
+            </a:r>
+            <a:r>
+              <a:rPr lang="de-DE" altLang="de-DE" sz="1200" dirty="0" err="1">
+                <a:solidFill>
+                  <a:srgbClr val="000000"/>
+                </a:solidFill>
+                <a:latin typeface="Consolas" pitchFamily="49" charset="0"/>
+              </a:rPr>
+              <a:t>numberOfFloors</a:t>
+            </a:r>
+            <a:r>
+              <a:rPr lang="de-DE" altLang="de-DE" sz="1200" dirty="0">
+                <a:solidFill>
+                  <a:srgbClr val="000000"/>
+                </a:solidFill>
+                <a:latin typeface="Consolas" pitchFamily="49" charset="0"/>
+              </a:rPr>
+              <a:t>() </a:t>
+            </a:r>
+            <a:r>
+              <a:rPr lang="de-DE" altLang="de-DE" sz="1200" dirty="0" err="1">
                 <a:solidFill>
                   <a:srgbClr val="7F0055"/>
                 </a:solidFill>
@@ -13596,7 +14149,7 @@
               <a:t>const</a:t>
             </a:r>
             <a:r>
-              <a:rPr lang="de-DE" altLang="de-DE" sz="1200">
+              <a:rPr lang="de-DE" altLang="de-DE" sz="1200" dirty="0">
                 <a:solidFill>
                   <a:srgbClr val="000000"/>
                 </a:solidFill>
@@ -13615,16 +14168,25 @@
               <a:buNone/>
             </a:pPr>
             <a:r>
-              <a:rPr lang="de-DE" altLang="de-DE" sz="1200">
+              <a:rPr lang="de-DE" altLang="de-DE" sz="1200" dirty="0">
                 <a:solidFill>
                   <a:srgbClr val="7F0055"/>
                 </a:solidFill>
                 <a:latin typeface="Consolas" pitchFamily="49" charset="0"/>
               </a:rPr>
-              <a:t>    return</a:t>
-            </a:r>
-            <a:r>
-              <a:rPr lang="de-DE" altLang="de-DE" sz="1200">
+              <a:t>    </a:t>
+            </a:r>
+            <a:r>
+              <a:rPr lang="de-DE" altLang="de-DE" sz="1200" dirty="0" err="1">
+                <a:solidFill>
+                  <a:srgbClr val="7F0055"/>
+                </a:solidFill>
+                <a:latin typeface="Consolas" pitchFamily="49" charset="0"/>
+              </a:rPr>
+              <a:t>return</a:t>
+            </a:r>
+            <a:r>
+              <a:rPr lang="de-DE" altLang="de-DE" sz="1200" dirty="0">
                 <a:solidFill>
                   <a:srgbClr val="000000"/>
                 </a:solidFill>
@@ -13633,7 +14195,7 @@
               <a:t> </a:t>
             </a:r>
             <a:r>
-              <a:rPr lang="de-DE" altLang="de-DE" sz="1200">
+              <a:rPr lang="de-DE" altLang="de-DE" sz="1200" dirty="0" err="1">
                 <a:solidFill>
                   <a:srgbClr val="0000C0"/>
                 </a:solidFill>
@@ -13642,13 +14204,22 @@
               <a:t>floors</a:t>
             </a:r>
             <a:r>
-              <a:rPr lang="de-DE" altLang="de-DE" sz="1200">
-                <a:solidFill>
-                  <a:srgbClr val="000000"/>
-                </a:solidFill>
-                <a:latin typeface="Consolas" pitchFamily="49" charset="0"/>
-              </a:rPr>
-              <a:t>.size();</a:t>
+              <a:rPr lang="de-DE" altLang="de-DE" sz="1200" dirty="0" err="1">
+                <a:solidFill>
+                  <a:srgbClr val="000000"/>
+                </a:solidFill>
+                <a:latin typeface="Consolas" pitchFamily="49" charset="0"/>
+              </a:rPr>
+              <a:t>.size</a:t>
+            </a:r>
+            <a:r>
+              <a:rPr lang="de-DE" altLang="de-DE" sz="1200" dirty="0">
+                <a:solidFill>
+                  <a:srgbClr val="000000"/>
+                </a:solidFill>
+                <a:latin typeface="Consolas" pitchFamily="49" charset="0"/>
+              </a:rPr>
+              <a:t>();</a:t>
             </a:r>
           </a:p>
           <a:p>
@@ -13661,7 +14232,7 @@
               <a:buNone/>
             </a:pPr>
             <a:r>
-              <a:rPr lang="de-DE" altLang="de-DE" sz="1200" b="0">
+              <a:rPr lang="de-DE" altLang="de-DE" sz="1200" b="0" dirty="0">
                 <a:solidFill>
                   <a:srgbClr val="000000"/>
                 </a:solidFill>
@@ -13679,7 +14250,7 @@
               <a:buFont typeface="Arial" charset="0"/>
               <a:buNone/>
             </a:pPr>
-            <a:endParaRPr lang="de-DE" altLang="de-DE" sz="1200" b="0">
+            <a:endParaRPr lang="de-DE" altLang="de-DE" sz="1200" b="0" dirty="0">
               <a:latin typeface="Consolas" pitchFamily="49" charset="0"/>
             </a:endParaRPr>
           </a:p>
@@ -13693,7 +14264,7 @@
               <a:buNone/>
             </a:pPr>
             <a:r>
-              <a:rPr lang="de-DE" altLang="de-DE" sz="1200">
+              <a:rPr lang="de-DE" altLang="de-DE" sz="1200" dirty="0">
                 <a:solidFill>
                   <a:srgbClr val="7F0055"/>
                 </a:solidFill>
@@ -13702,7 +14273,7 @@
               <a:t>  inline</a:t>
             </a:r>
             <a:r>
-              <a:rPr lang="de-DE" altLang="de-DE" sz="1200">
+              <a:rPr lang="de-DE" altLang="de-DE" sz="1200" dirty="0">
                 <a:solidFill>
                   <a:srgbClr val="000000"/>
                 </a:solidFill>
@@ -13711,7 +14282,7 @@
               <a:t> </a:t>
             </a:r>
             <a:r>
-              <a:rPr lang="de-DE" altLang="de-DE" sz="1200">
+              <a:rPr lang="de-DE" altLang="de-DE" sz="1200" dirty="0">
                 <a:solidFill>
                   <a:srgbClr val="005032"/>
                 </a:solidFill>
@@ -13720,13 +14291,31 @@
               <a:t>Elevator</a:t>
             </a:r>
             <a:r>
-              <a:rPr lang="de-DE" altLang="de-DE" sz="1200">
-                <a:solidFill>
-                  <a:srgbClr val="000000"/>
-                </a:solidFill>
-                <a:latin typeface="Consolas" pitchFamily="49" charset="0"/>
-              </a:rPr>
-              <a:t>&amp; getElevator() {</a:t>
+              <a:rPr lang="de-DE" altLang="de-DE" sz="1200" dirty="0">
+                <a:solidFill>
+                  <a:srgbClr val="000000"/>
+                </a:solidFill>
+                <a:latin typeface="Consolas" pitchFamily="49" charset="0"/>
+              </a:rPr>
+              <a:t>&amp; </a:t>
+            </a:r>
+            <a:r>
+              <a:rPr lang="de-DE" altLang="de-DE" sz="1200" dirty="0" err="1">
+                <a:solidFill>
+                  <a:srgbClr val="000000"/>
+                </a:solidFill>
+                <a:latin typeface="Consolas" pitchFamily="49" charset="0"/>
+              </a:rPr>
+              <a:t>getElevator</a:t>
+            </a:r>
+            <a:r>
+              <a:rPr lang="de-DE" altLang="de-DE" sz="1200" dirty="0">
+                <a:solidFill>
+                  <a:srgbClr val="000000"/>
+                </a:solidFill>
+                <a:latin typeface="Consolas" pitchFamily="49" charset="0"/>
+              </a:rPr>
+              <a:t>() {</a:t>
             </a:r>
           </a:p>
           <a:p>
@@ -13739,16 +14328,25 @@
               <a:buNone/>
             </a:pPr>
             <a:r>
-              <a:rPr lang="de-DE" altLang="de-DE" sz="1200">
+              <a:rPr lang="de-DE" altLang="de-DE" sz="1200" dirty="0">
                 <a:solidFill>
                   <a:srgbClr val="7F0055"/>
                 </a:solidFill>
                 <a:latin typeface="Consolas" pitchFamily="49" charset="0"/>
               </a:rPr>
-              <a:t>    return</a:t>
-            </a:r>
-            <a:r>
-              <a:rPr lang="de-DE" altLang="de-DE" sz="1200">
+              <a:t>    </a:t>
+            </a:r>
+            <a:r>
+              <a:rPr lang="de-DE" altLang="de-DE" sz="1200" dirty="0" err="1">
+                <a:solidFill>
+                  <a:srgbClr val="7F0055"/>
+                </a:solidFill>
+                <a:latin typeface="Consolas" pitchFamily="49" charset="0"/>
+              </a:rPr>
+              <a:t>return</a:t>
+            </a:r>
+            <a:r>
+              <a:rPr lang="de-DE" altLang="de-DE" sz="1200" dirty="0">
                 <a:solidFill>
                   <a:srgbClr val="000000"/>
                 </a:solidFill>
@@ -13757,7 +14355,7 @@
               <a:t> </a:t>
             </a:r>
             <a:r>
-              <a:rPr lang="de-DE" altLang="de-DE" sz="1200">
+              <a:rPr lang="de-DE" altLang="de-DE" sz="1200" dirty="0" err="1">
                 <a:solidFill>
                   <a:srgbClr val="0000C0"/>
                 </a:solidFill>
@@ -13766,7 +14364,7 @@
               <a:t>elevator</a:t>
             </a:r>
             <a:r>
-              <a:rPr lang="de-DE" altLang="de-DE" sz="1200">
+              <a:rPr lang="de-DE" altLang="de-DE" sz="1200" dirty="0">
                 <a:solidFill>
                   <a:srgbClr val="000000"/>
                 </a:solidFill>
@@ -13785,7 +14383,7 @@
               <a:buNone/>
             </a:pPr>
             <a:r>
-              <a:rPr lang="de-DE" altLang="de-DE" sz="1200" b="0">
+              <a:rPr lang="de-DE" altLang="de-DE" sz="1200" b="0" dirty="0">
                 <a:solidFill>
                   <a:srgbClr val="000000"/>
                 </a:solidFill>
@@ -13803,7 +14401,7 @@
               <a:buFont typeface="Arial" charset="0"/>
               <a:buNone/>
             </a:pPr>
-            <a:endParaRPr lang="de-DE" altLang="de-DE" sz="1200" b="0">
+            <a:endParaRPr lang="de-DE" altLang="de-DE" sz="1200" b="0" dirty="0">
               <a:latin typeface="Consolas" pitchFamily="49" charset="0"/>
             </a:endParaRPr>
           </a:p>
@@ -13817,7 +14415,7 @@
               <a:buNone/>
             </a:pPr>
             <a:r>
-              <a:rPr lang="de-DE" altLang="de-DE" sz="1200">
+              <a:rPr lang="de-DE" altLang="de-DE" sz="1200" dirty="0">
                 <a:solidFill>
                   <a:srgbClr val="7F0055"/>
                 </a:solidFill>
@@ -13826,7 +14424,7 @@
               <a:t>private</a:t>
             </a:r>
             <a:r>
-              <a:rPr lang="de-DE" altLang="de-DE" sz="1200">
+              <a:rPr lang="de-DE" altLang="de-DE" sz="1200" dirty="0">
                 <a:solidFill>
                   <a:srgbClr val="000000"/>
                 </a:solidFill>
@@ -13845,16 +14443,34 @@
               <a:buNone/>
             </a:pPr>
             <a:r>
-              <a:rPr lang="de-DE" altLang="de-DE" sz="1200" b="0">
-                <a:solidFill>
-                  <a:srgbClr val="000000"/>
-                </a:solidFill>
-                <a:latin typeface="Consolas" pitchFamily="49" charset="0"/>
-              </a:rPr>
-              <a:t>  std::</a:t>
-            </a:r>
-            <a:r>
-              <a:rPr lang="de-DE" altLang="de-DE" sz="1200" b="0">
+              <a:rPr lang="de-DE" altLang="de-DE" sz="1200" b="0" dirty="0">
+                <a:solidFill>
+                  <a:srgbClr val="000000"/>
+                </a:solidFill>
+                <a:latin typeface="Consolas" pitchFamily="49" charset="0"/>
+              </a:rPr>
+              <a:t>  </a:t>
+            </a:r>
+            <a:r>
+              <a:rPr lang="de-DE" altLang="de-DE" sz="1200" b="0" dirty="0" err="1">
+                <a:solidFill>
+                  <a:srgbClr val="000000"/>
+                </a:solidFill>
+                <a:latin typeface="Consolas" pitchFamily="49" charset="0"/>
+              </a:rPr>
+              <a:t>std</a:t>
+            </a:r>
+            <a:r>
+              <a:rPr lang="de-DE" altLang="de-DE" sz="1200" b="0" dirty="0">
+                <a:solidFill>
+                  <a:srgbClr val="000000"/>
+                </a:solidFill>
+                <a:latin typeface="Consolas" pitchFamily="49" charset="0"/>
+              </a:rPr>
+              <a:t>::</a:t>
+            </a:r>
+            <a:r>
+              <a:rPr lang="de-DE" altLang="de-DE" sz="1200" b="0" dirty="0" err="1">
                 <a:solidFill>
                   <a:srgbClr val="005032"/>
                 </a:solidFill>
@@ -13863,7 +14479,7 @@
               <a:t>vector</a:t>
             </a:r>
             <a:r>
-              <a:rPr lang="de-DE" altLang="de-DE" sz="1200" b="0">
+              <a:rPr lang="de-DE" altLang="de-DE" sz="1200" b="0" dirty="0">
                 <a:solidFill>
                   <a:srgbClr val="000000"/>
                 </a:solidFill>
@@ -13872,7 +14488,7 @@
               <a:t>&lt;</a:t>
             </a:r>
             <a:r>
-              <a:rPr lang="de-DE" altLang="de-DE" sz="1200" b="0">
+              <a:rPr lang="de-DE" altLang="de-DE" sz="1200" b="0" dirty="0">
                 <a:solidFill>
                   <a:srgbClr val="005032"/>
                 </a:solidFill>
@@ -13881,7 +14497,7 @@
               <a:t>Floor</a:t>
             </a:r>
             <a:r>
-              <a:rPr lang="de-DE" altLang="de-DE" sz="1200" b="0">
+              <a:rPr lang="de-DE" altLang="de-DE" sz="1200" b="0" dirty="0">
                 <a:solidFill>
                   <a:srgbClr val="000000"/>
                 </a:solidFill>
@@ -13890,7 +14506,7 @@
               <a:t>&gt; </a:t>
             </a:r>
             <a:r>
-              <a:rPr lang="de-DE" altLang="de-DE" sz="1200" b="0">
+              <a:rPr lang="de-DE" altLang="de-DE" sz="1200" b="0" dirty="0" err="1">
                 <a:solidFill>
                   <a:srgbClr val="0000C0"/>
                 </a:solidFill>
@@ -13899,7 +14515,7 @@
               <a:t>floors</a:t>
             </a:r>
             <a:r>
-              <a:rPr lang="de-DE" altLang="de-DE" sz="1200" b="0">
+              <a:rPr lang="de-DE" altLang="de-DE" sz="1200" b="0" dirty="0">
                 <a:solidFill>
                   <a:srgbClr val="000000"/>
                 </a:solidFill>
@@ -13918,7 +14534,7 @@
               <a:buNone/>
             </a:pPr>
             <a:r>
-              <a:rPr lang="de-DE" altLang="de-DE" sz="1200" b="0">
+              <a:rPr lang="de-DE" altLang="de-DE" sz="1200" b="0" dirty="0">
                 <a:solidFill>
                   <a:srgbClr val="005032"/>
                 </a:solidFill>
@@ -13927,7 +14543,7 @@
               <a:t>  Elevator</a:t>
             </a:r>
             <a:r>
-              <a:rPr lang="de-DE" altLang="de-DE" sz="1200" b="0">
+              <a:rPr lang="de-DE" altLang="de-DE" sz="1200" b="0" dirty="0">
                 <a:solidFill>
                   <a:srgbClr val="000000"/>
                 </a:solidFill>
@@ -13936,7 +14552,7 @@
               <a:t> </a:t>
             </a:r>
             <a:r>
-              <a:rPr lang="de-DE" altLang="de-DE" sz="1200" b="0">
+              <a:rPr lang="de-DE" altLang="de-DE" sz="1200" b="0" dirty="0" err="1">
                 <a:solidFill>
                   <a:srgbClr val="0000C0"/>
                 </a:solidFill>
@@ -13945,7 +14561,7 @@
               <a:t>elevator</a:t>
             </a:r>
             <a:r>
-              <a:rPr lang="de-DE" altLang="de-DE" sz="1200" b="0">
+              <a:rPr lang="de-DE" altLang="de-DE" sz="1200" b="0" dirty="0">
                 <a:solidFill>
                   <a:srgbClr val="000000"/>
                 </a:solidFill>
@@ -13964,7 +14580,7 @@
               <a:buNone/>
             </a:pPr>
             <a:r>
-              <a:rPr lang="de-DE" altLang="de-DE" sz="1200" b="0">
+              <a:rPr lang="de-DE" altLang="de-DE" sz="1200" b="0" dirty="0">
                 <a:solidFill>
                   <a:srgbClr val="000000"/>
                 </a:solidFill>
@@ -14195,16 +14811,25 @@
               <a:buNone/>
             </a:pPr>
             <a:r>
-              <a:rPr lang="de-DE" altLang="de-DE" sz="1200">
+              <a:rPr lang="de-DE" altLang="de-DE" sz="1200" dirty="0">
                 <a:solidFill>
                   <a:srgbClr val="7F0055"/>
                 </a:solidFill>
                 <a:latin typeface="Consolas" pitchFamily="49" charset="0"/>
               </a:rPr>
-              <a:t>#include</a:t>
-            </a:r>
-            <a:r>
-              <a:rPr lang="de-DE" altLang="de-DE" sz="1200">
+              <a:t>#</a:t>
+            </a:r>
+            <a:r>
+              <a:rPr lang="de-DE" altLang="de-DE" sz="1200" dirty="0" err="1">
+                <a:solidFill>
+                  <a:srgbClr val="7F0055"/>
+                </a:solidFill>
+                <a:latin typeface="Consolas" pitchFamily="49" charset="0"/>
+              </a:rPr>
+              <a:t>include</a:t>
+            </a:r>
+            <a:r>
+              <a:rPr lang="de-DE" altLang="de-DE" sz="1200" dirty="0">
                 <a:solidFill>
                   <a:srgbClr val="000000"/>
                 </a:solidFill>
@@ -14213,13 +14838,31 @@
               <a:t> </a:t>
             </a:r>
             <a:r>
-              <a:rPr lang="de-DE" altLang="de-DE" sz="1200">
+              <a:rPr lang="de-DE" altLang="de-DE" sz="1200" dirty="0">
                 <a:solidFill>
                   <a:srgbClr val="2A00FF"/>
                 </a:solidFill>
                 <a:latin typeface="Consolas" pitchFamily="49" charset="0"/>
               </a:rPr>
-              <a:t>&lt;iostream&gt;</a:t>
+              <a:t>&lt;</a:t>
+            </a:r>
+            <a:r>
+              <a:rPr lang="de-DE" altLang="de-DE" sz="1200" dirty="0" err="1">
+                <a:solidFill>
+                  <a:srgbClr val="2A00FF"/>
+                </a:solidFill>
+                <a:latin typeface="Consolas" pitchFamily="49" charset="0"/>
+              </a:rPr>
+              <a:t>iostream</a:t>
+            </a:r>
+            <a:r>
+              <a:rPr lang="de-DE" altLang="de-DE" sz="1200" dirty="0">
+                <a:solidFill>
+                  <a:srgbClr val="2A00FF"/>
+                </a:solidFill>
+                <a:latin typeface="Consolas" pitchFamily="49" charset="0"/>
+              </a:rPr>
+              <a:t>&gt;</a:t>
             </a:r>
           </a:p>
           <a:p>
@@ -14232,7 +14875,7 @@
               <a:buNone/>
             </a:pPr>
             <a:r>
-              <a:rPr lang="de-DE" altLang="de-DE" sz="1200">
+              <a:rPr lang="de-DE" altLang="de-DE" sz="1200" dirty="0" err="1">
                 <a:solidFill>
                   <a:srgbClr val="7F0055"/>
                 </a:solidFill>
@@ -14241,13 +14884,49 @@
               <a:t>using</a:t>
             </a:r>
             <a:r>
-              <a:rPr lang="de-DE" altLang="de-DE" sz="1200">
-                <a:solidFill>
-                  <a:srgbClr val="000000"/>
-                </a:solidFill>
-                <a:latin typeface="Consolas" pitchFamily="49" charset="0"/>
-              </a:rPr>
-              <a:t> std::cout;</a:t>
+              <a:rPr lang="de-DE" altLang="de-DE" sz="1200" dirty="0">
+                <a:solidFill>
+                  <a:srgbClr val="000000"/>
+                </a:solidFill>
+                <a:latin typeface="Consolas" pitchFamily="49" charset="0"/>
+              </a:rPr>
+              <a:t> </a:t>
+            </a:r>
+            <a:r>
+              <a:rPr lang="de-DE" altLang="de-DE" sz="1200" dirty="0" err="1">
+                <a:solidFill>
+                  <a:srgbClr val="000000"/>
+                </a:solidFill>
+                <a:latin typeface="Consolas" pitchFamily="49" charset="0"/>
+              </a:rPr>
+              <a:t>std</a:t>
+            </a:r>
+            <a:r>
+              <a:rPr lang="de-DE" altLang="de-DE" sz="1200" dirty="0">
+                <a:solidFill>
+                  <a:srgbClr val="000000"/>
+                </a:solidFill>
+                <a:latin typeface="Consolas" pitchFamily="49" charset="0"/>
+              </a:rPr>
+              <a:t>::</a:t>
+            </a:r>
+            <a:r>
+              <a:rPr lang="de-DE" altLang="de-DE" sz="1200" dirty="0" err="1">
+                <a:solidFill>
+                  <a:srgbClr val="000000"/>
+                </a:solidFill>
+                <a:latin typeface="Consolas" pitchFamily="49" charset="0"/>
+              </a:rPr>
+              <a:t>cout</a:t>
+            </a:r>
+            <a:r>
+              <a:rPr lang="de-DE" altLang="de-DE" sz="1200" dirty="0">
+                <a:solidFill>
+                  <a:srgbClr val="000000"/>
+                </a:solidFill>
+                <a:latin typeface="Consolas" pitchFamily="49" charset="0"/>
+              </a:rPr>
+              <a:t>;</a:t>
             </a:r>
           </a:p>
           <a:p>
@@ -14260,7 +14939,7 @@
               <a:buNone/>
             </a:pPr>
             <a:r>
-              <a:rPr lang="de-DE" altLang="de-DE" sz="1200">
+              <a:rPr lang="de-DE" altLang="de-DE" sz="1200" dirty="0" err="1">
                 <a:solidFill>
                   <a:srgbClr val="7F0055"/>
                 </a:solidFill>
@@ -14269,15 +14948,51 @@
               <a:t>using</a:t>
             </a:r>
             <a:r>
-              <a:rPr lang="de-DE" altLang="de-DE" sz="1200">
-                <a:solidFill>
-                  <a:srgbClr val="000000"/>
-                </a:solidFill>
-                <a:latin typeface="Consolas" pitchFamily="49" charset="0"/>
-              </a:rPr>
-              <a:t> std::endl;</a:t>
-            </a:r>
-            <a:endParaRPr lang="de-DE" altLang="de-DE" sz="1200" b="0">
+              <a:rPr lang="de-DE" altLang="de-DE" sz="1200" dirty="0">
+                <a:solidFill>
+                  <a:srgbClr val="000000"/>
+                </a:solidFill>
+                <a:latin typeface="Consolas" pitchFamily="49" charset="0"/>
+              </a:rPr>
+              <a:t> </a:t>
+            </a:r>
+            <a:r>
+              <a:rPr lang="de-DE" altLang="de-DE" sz="1200" dirty="0" err="1">
+                <a:solidFill>
+                  <a:srgbClr val="000000"/>
+                </a:solidFill>
+                <a:latin typeface="Consolas" pitchFamily="49" charset="0"/>
+              </a:rPr>
+              <a:t>std</a:t>
+            </a:r>
+            <a:r>
+              <a:rPr lang="de-DE" altLang="de-DE" sz="1200" dirty="0">
+                <a:solidFill>
+                  <a:srgbClr val="000000"/>
+                </a:solidFill>
+                <a:latin typeface="Consolas" pitchFamily="49" charset="0"/>
+              </a:rPr>
+              <a:t>::</a:t>
+            </a:r>
+            <a:r>
+              <a:rPr lang="de-DE" altLang="de-DE" sz="1200" dirty="0" err="1">
+                <a:solidFill>
+                  <a:srgbClr val="000000"/>
+                </a:solidFill>
+                <a:latin typeface="Consolas" pitchFamily="49" charset="0"/>
+              </a:rPr>
+              <a:t>endl</a:t>
+            </a:r>
+            <a:r>
+              <a:rPr lang="de-DE" altLang="de-DE" sz="1200" dirty="0">
+                <a:solidFill>
+                  <a:srgbClr val="000000"/>
+                </a:solidFill>
+                <a:latin typeface="Consolas" pitchFamily="49" charset="0"/>
+              </a:rPr>
+              <a:t>;</a:t>
+            </a:r>
+            <a:endParaRPr lang="de-DE" altLang="de-DE" sz="1200" b="0" dirty="0">
               <a:latin typeface="Consolas" pitchFamily="49" charset="0"/>
             </a:endParaRPr>
           </a:p>
@@ -14291,16 +15006,25 @@
               <a:buNone/>
             </a:pPr>
             <a:r>
-              <a:rPr lang="de-DE" altLang="de-DE" sz="1200">
+              <a:rPr lang="de-DE" altLang="de-DE" sz="1200" dirty="0">
                 <a:solidFill>
                   <a:srgbClr val="7F0055"/>
                 </a:solidFill>
                 <a:latin typeface="Consolas" pitchFamily="49" charset="0"/>
               </a:rPr>
-              <a:t>#include</a:t>
-            </a:r>
-            <a:r>
-              <a:rPr lang="de-DE" altLang="de-DE" sz="1200">
+              <a:t>#</a:t>
+            </a:r>
+            <a:r>
+              <a:rPr lang="de-DE" altLang="de-DE" sz="1200" dirty="0" err="1">
+                <a:solidFill>
+                  <a:srgbClr val="7F0055"/>
+                </a:solidFill>
+                <a:latin typeface="Consolas" pitchFamily="49" charset="0"/>
+              </a:rPr>
+              <a:t>include</a:t>
+            </a:r>
+            <a:r>
+              <a:rPr lang="de-DE" altLang="de-DE" sz="1200" dirty="0">
                 <a:solidFill>
                   <a:srgbClr val="000000"/>
                 </a:solidFill>
@@ -14309,15 +15033,33 @@
               <a:t> </a:t>
             </a:r>
             <a:r>
-              <a:rPr lang="de-DE" altLang="de-DE" sz="1200">
+              <a:rPr lang="de-DE" altLang="de-DE" sz="1200" dirty="0">
                 <a:solidFill>
                   <a:srgbClr val="2A00FF"/>
                 </a:solidFill>
                 <a:latin typeface="Consolas" pitchFamily="49" charset="0"/>
               </a:rPr>
-              <a:t>&lt;algorithm&gt;</a:t>
-            </a:r>
-            <a:endParaRPr lang="de-DE" altLang="de-DE" sz="1200" b="0">
+              <a:t>&lt;</a:t>
+            </a:r>
+            <a:r>
+              <a:rPr lang="de-DE" altLang="de-DE" sz="1200" dirty="0" err="1">
+                <a:solidFill>
+                  <a:srgbClr val="2A00FF"/>
+                </a:solidFill>
+                <a:latin typeface="Consolas" pitchFamily="49" charset="0"/>
+              </a:rPr>
+              <a:t>algorithm</a:t>
+            </a:r>
+            <a:r>
+              <a:rPr lang="de-DE" altLang="de-DE" sz="1200" dirty="0">
+                <a:solidFill>
+                  <a:srgbClr val="2A00FF"/>
+                </a:solidFill>
+                <a:latin typeface="Consolas" pitchFamily="49" charset="0"/>
+              </a:rPr>
+              <a:t>&gt;</a:t>
+            </a:r>
+            <a:endParaRPr lang="de-DE" altLang="de-DE" sz="1200" b="0" dirty="0">
               <a:latin typeface="Consolas" pitchFamily="49" charset="0"/>
             </a:endParaRPr>
           </a:p>
@@ -14331,16 +15073,25 @@
               <a:buNone/>
             </a:pPr>
             <a:r>
-              <a:rPr lang="de-DE" altLang="de-DE" sz="1200">
+              <a:rPr lang="de-DE" altLang="de-DE" sz="1200" dirty="0">
                 <a:solidFill>
                   <a:srgbClr val="7F0055"/>
                 </a:solidFill>
                 <a:latin typeface="Consolas" pitchFamily="49" charset="0"/>
               </a:rPr>
-              <a:t>#include</a:t>
-            </a:r>
-            <a:r>
-              <a:rPr lang="de-DE" altLang="de-DE" sz="1200">
+              <a:t>#</a:t>
+            </a:r>
+            <a:r>
+              <a:rPr lang="de-DE" altLang="de-DE" sz="1200" dirty="0" err="1">
+                <a:solidFill>
+                  <a:srgbClr val="7F0055"/>
+                </a:solidFill>
+                <a:latin typeface="Consolas" pitchFamily="49" charset="0"/>
+              </a:rPr>
+              <a:t>include</a:t>
+            </a:r>
+            <a:r>
+              <a:rPr lang="de-DE" altLang="de-DE" sz="1200" dirty="0">
                 <a:solidFill>
                   <a:srgbClr val="000000"/>
                 </a:solidFill>
@@ -14349,15 +15100,33 @@
               <a:t> </a:t>
             </a:r>
             <a:r>
-              <a:rPr lang="de-DE" altLang="de-DE" sz="1200">
+              <a:rPr lang="de-DE" altLang="de-DE" sz="1200" dirty="0">
                 <a:solidFill>
                   <a:srgbClr val="2A00FF"/>
                 </a:solidFill>
                 <a:latin typeface="Consolas" pitchFamily="49" charset="0"/>
               </a:rPr>
-              <a:t>"Building.h"</a:t>
-            </a:r>
-            <a:endParaRPr lang="de-DE" altLang="de-DE" sz="1200" b="0">
+              <a:t>"</a:t>
+            </a:r>
+            <a:r>
+              <a:rPr lang="de-DE" altLang="de-DE" sz="1200" dirty="0" err="1">
+                <a:solidFill>
+                  <a:srgbClr val="2A00FF"/>
+                </a:solidFill>
+                <a:latin typeface="Consolas" pitchFamily="49" charset="0"/>
+              </a:rPr>
+              <a:t>Building.h</a:t>
+            </a:r>
+            <a:r>
+              <a:rPr lang="de-DE" altLang="de-DE" sz="1200" dirty="0">
+                <a:solidFill>
+                  <a:srgbClr val="2A00FF"/>
+                </a:solidFill>
+                <a:latin typeface="Consolas" pitchFamily="49" charset="0"/>
+              </a:rPr>
+              <a:t>"</a:t>
+            </a:r>
+            <a:endParaRPr lang="de-DE" altLang="de-DE" sz="1200" b="0" dirty="0">
               <a:latin typeface="Consolas" pitchFamily="49" charset="0"/>
             </a:endParaRPr>
           </a:p>
@@ -14370,7 +15139,7 @@
               <a:buFont typeface="Arial" charset="0"/>
               <a:buNone/>
             </a:pPr>
-            <a:endParaRPr lang="de-DE" altLang="de-DE" sz="1200" b="0">
+            <a:endParaRPr lang="de-DE" altLang="de-DE" sz="1200" b="0" dirty="0">
               <a:latin typeface="Consolas" pitchFamily="49" charset="0"/>
             </a:endParaRPr>
           </a:p>
@@ -14384,7 +15153,7 @@
               <a:buNone/>
             </a:pPr>
             <a:r>
-              <a:rPr lang="de-DE" altLang="de-DE" sz="1200">
+              <a:rPr lang="de-DE" altLang="de-DE" sz="1200" dirty="0">
                 <a:solidFill>
                   <a:srgbClr val="000000"/>
                 </a:solidFill>
@@ -14393,7 +15162,7 @@
               <a:t>Building::Building(</a:t>
             </a:r>
             <a:r>
-              <a:rPr lang="de-DE" altLang="de-DE" sz="1200">
+              <a:rPr lang="de-DE" altLang="de-DE" sz="1200" dirty="0" err="1">
                 <a:solidFill>
                   <a:srgbClr val="7F0055"/>
                 </a:solidFill>
@@ -14402,13 +15171,31 @@
               <a:t>int</a:t>
             </a:r>
             <a:r>
-              <a:rPr lang="de-DE" altLang="de-DE" sz="1200">
-                <a:solidFill>
-                  <a:srgbClr val="000000"/>
-                </a:solidFill>
-                <a:latin typeface="Consolas" pitchFamily="49" charset="0"/>
-              </a:rPr>
-              <a:t> numberOfFloors,</a:t>
+              <a:rPr lang="de-DE" altLang="de-DE" sz="1200" dirty="0">
+                <a:solidFill>
+                  <a:srgbClr val="000000"/>
+                </a:solidFill>
+                <a:latin typeface="Consolas" pitchFamily="49" charset="0"/>
+              </a:rPr>
+              <a:t> </a:t>
+            </a:r>
+            <a:r>
+              <a:rPr lang="de-DE" altLang="de-DE" sz="1200" dirty="0" err="1">
+                <a:solidFill>
+                  <a:srgbClr val="000000"/>
+                </a:solidFill>
+                <a:latin typeface="Consolas" pitchFamily="49" charset="0"/>
+              </a:rPr>
+              <a:t>numberOfFloors</a:t>
+            </a:r>
+            <a:r>
+              <a:rPr lang="de-DE" altLang="de-DE" sz="1200" dirty="0">
+                <a:solidFill>
+                  <a:srgbClr val="000000"/>
+                </a:solidFill>
+                <a:latin typeface="Consolas" pitchFamily="49" charset="0"/>
+              </a:rPr>
+              <a:t>,</a:t>
             </a:r>
           </a:p>
           <a:p>
@@ -14421,7 +15208,7 @@
               <a:buNone/>
             </a:pPr>
             <a:r>
-              <a:rPr lang="de-DE" altLang="de-DE" sz="1200" b="0">
+              <a:rPr lang="de-DE" altLang="de-DE" sz="1200" b="0" dirty="0">
                 <a:solidFill>
                   <a:srgbClr val="000000"/>
                 </a:solidFill>
@@ -14430,7 +15217,7 @@
               <a:t>                   </a:t>
             </a:r>
             <a:r>
-              <a:rPr lang="de-DE" altLang="de-DE" sz="1200" b="0">
+              <a:rPr lang="de-DE" altLang="de-DE" sz="1200" b="0" dirty="0" err="1">
                 <a:solidFill>
                   <a:srgbClr val="005032"/>
                 </a:solidFill>
@@ -14439,13 +15226,31 @@
               <a:t>ConstElevatorStrategyPtr</a:t>
             </a:r>
             <a:r>
-              <a:rPr lang="de-DE" altLang="de-DE" sz="1200" b="0">
-                <a:solidFill>
-                  <a:srgbClr val="000000"/>
-                </a:solidFill>
-                <a:latin typeface="Consolas" pitchFamily="49" charset="0"/>
-              </a:rPr>
-              <a:t> strategy):</a:t>
+              <a:rPr lang="de-DE" altLang="de-DE" sz="1200" b="0" dirty="0">
+                <a:solidFill>
+                  <a:srgbClr val="000000"/>
+                </a:solidFill>
+                <a:latin typeface="Consolas" pitchFamily="49" charset="0"/>
+              </a:rPr>
+              <a:t> </a:t>
+            </a:r>
+            <a:r>
+              <a:rPr lang="de-DE" altLang="de-DE" sz="1200" b="0" dirty="0" err="1">
+                <a:solidFill>
+                  <a:srgbClr val="000000"/>
+                </a:solidFill>
+                <a:latin typeface="Consolas" pitchFamily="49" charset="0"/>
+              </a:rPr>
+              <a:t>strategy</a:t>
+            </a:r>
+            <a:r>
+              <a:rPr lang="de-DE" altLang="de-DE" sz="1200" b="0" dirty="0">
+                <a:solidFill>
+                  <a:srgbClr val="000000"/>
+                </a:solidFill>
+                <a:latin typeface="Consolas" pitchFamily="49" charset="0"/>
+              </a:rPr>
+              <a:t>):</a:t>
             </a:r>
           </a:p>
           <a:p>
@@ -14458,7 +15263,7 @@
               <a:buNone/>
             </a:pPr>
             <a:r>
-              <a:rPr lang="de-DE" altLang="de-DE" sz="1200" b="0">
+              <a:rPr lang="de-DE" altLang="de-DE" sz="1200" b="0" dirty="0" err="1">
                 <a:solidFill>
                   <a:srgbClr val="0000C0"/>
                 </a:solidFill>
@@ -14467,16 +15272,34 @@
               <a:t>floors</a:t>
             </a:r>
             <a:r>
-              <a:rPr lang="de-DE" altLang="de-DE" sz="1200" b="0">
-                <a:solidFill>
-                  <a:srgbClr val="000000"/>
-                </a:solidFill>
-                <a:latin typeface="Consolas" pitchFamily="49" charset="0"/>
-              </a:rPr>
-              <a:t>(numberOfFloors, </a:t>
-            </a:r>
-            <a:r>
-              <a:rPr lang="de-DE" altLang="de-DE" sz="1200" b="0">
+              <a:rPr lang="de-DE" altLang="de-DE" sz="1200" b="0" dirty="0">
+                <a:solidFill>
+                  <a:srgbClr val="000000"/>
+                </a:solidFill>
+                <a:latin typeface="Consolas" pitchFamily="49" charset="0"/>
+              </a:rPr>
+              <a:t>(</a:t>
+            </a:r>
+            <a:r>
+              <a:rPr lang="de-DE" altLang="de-DE" sz="1200" b="0" dirty="0" err="1">
+                <a:solidFill>
+                  <a:srgbClr val="000000"/>
+                </a:solidFill>
+                <a:latin typeface="Consolas" pitchFamily="49" charset="0"/>
+              </a:rPr>
+              <a:t>numberOfFloors</a:t>
+            </a:r>
+            <a:r>
+              <a:rPr lang="de-DE" altLang="de-DE" sz="1200" b="0" dirty="0">
+                <a:solidFill>
+                  <a:srgbClr val="000000"/>
+                </a:solidFill>
+                <a:latin typeface="Consolas" pitchFamily="49" charset="0"/>
+              </a:rPr>
+              <a:t>, </a:t>
+            </a:r>
+            <a:r>
+              <a:rPr lang="de-DE" altLang="de-DE" sz="1200" b="0" dirty="0">
                 <a:solidFill>
                   <a:srgbClr val="005032"/>
                 </a:solidFill>
@@ -14485,7 +15308,7 @@
               <a:t>Floor</a:t>
             </a:r>
             <a:r>
-              <a:rPr lang="de-DE" altLang="de-DE" sz="1200" b="0">
+              <a:rPr lang="de-DE" altLang="de-DE" sz="1200" b="0" dirty="0">
                 <a:solidFill>
                   <a:srgbClr val="000000"/>
                 </a:solidFill>
@@ -14504,7 +15327,7 @@
               <a:buNone/>
             </a:pPr>
             <a:r>
-              <a:rPr lang="de-DE" altLang="de-DE" sz="1200" b="0">
+              <a:rPr lang="de-DE" altLang="de-DE" sz="1200" b="0" dirty="0" err="1">
                 <a:solidFill>
                   <a:srgbClr val="0000C0"/>
                 </a:solidFill>
@@ -14513,7 +15336,7 @@
               <a:t>elevator</a:t>
             </a:r>
             <a:r>
-              <a:rPr lang="de-DE" altLang="de-DE" sz="1200" b="0">
+              <a:rPr lang="de-DE" altLang="de-DE" sz="1200" b="0" dirty="0">
                 <a:solidFill>
                   <a:srgbClr val="000000"/>
                 </a:solidFill>
@@ -14522,7 +15345,7 @@
               <a:t>(&amp;</a:t>
             </a:r>
             <a:r>
-              <a:rPr lang="de-DE" altLang="de-DE" sz="1200" b="0">
+              <a:rPr lang="de-DE" altLang="de-DE" sz="1200" b="0" dirty="0" err="1">
                 <a:solidFill>
                   <a:srgbClr val="0000C0"/>
                 </a:solidFill>
@@ -14531,13 +15354,31 @@
               <a:t>floors</a:t>
             </a:r>
             <a:r>
-              <a:rPr lang="de-DE" altLang="de-DE" sz="1200" b="0">
-                <a:solidFill>
-                  <a:srgbClr val="000000"/>
-                </a:solidFill>
-                <a:latin typeface="Consolas" pitchFamily="49" charset="0"/>
-              </a:rPr>
-              <a:t>[0], strategy)</a:t>
+              <a:rPr lang="de-DE" altLang="de-DE" sz="1200" b="0" dirty="0">
+                <a:solidFill>
+                  <a:srgbClr val="000000"/>
+                </a:solidFill>
+                <a:latin typeface="Consolas" pitchFamily="49" charset="0"/>
+              </a:rPr>
+              <a:t>[0], </a:t>
+            </a:r>
+            <a:r>
+              <a:rPr lang="de-DE" altLang="de-DE" sz="1200" b="0" dirty="0" err="1">
+                <a:solidFill>
+                  <a:srgbClr val="000000"/>
+                </a:solidFill>
+                <a:latin typeface="Consolas" pitchFamily="49" charset="0"/>
+              </a:rPr>
+              <a:t>strategy</a:t>
+            </a:r>
+            <a:r>
+              <a:rPr lang="de-DE" altLang="de-DE" sz="1200" b="0" dirty="0">
+                <a:solidFill>
+                  <a:srgbClr val="000000"/>
+                </a:solidFill>
+                <a:latin typeface="Consolas" pitchFamily="49" charset="0"/>
+              </a:rPr>
+              <a:t>)</a:t>
             </a:r>
           </a:p>
           <a:p>
@@ -14550,7 +15391,7 @@
               <a:buNone/>
             </a:pPr>
             <a:r>
-              <a:rPr lang="de-DE" altLang="de-DE" sz="1200" b="0">
+              <a:rPr lang="de-DE" altLang="de-DE" sz="1200" b="0" dirty="0">
                 <a:solidFill>
                   <a:srgbClr val="000000"/>
                 </a:solidFill>
@@ -14569,16 +15410,25 @@
               <a:buNone/>
             </a:pPr>
             <a:r>
-              <a:rPr lang="de-DE" altLang="de-DE" sz="1200">
+              <a:rPr lang="de-DE" altLang="de-DE" sz="1200" dirty="0">
                 <a:solidFill>
                   <a:srgbClr val="7F0055"/>
                 </a:solidFill>
                 <a:latin typeface="Consolas" pitchFamily="49" charset="0"/>
               </a:rPr>
-              <a:t>  for</a:t>
-            </a:r>
-            <a:r>
-              <a:rPr lang="de-DE" altLang="de-DE" sz="1200">
+              <a:t>  </a:t>
+            </a:r>
+            <a:r>
+              <a:rPr lang="de-DE" altLang="de-DE" sz="1200" dirty="0" err="1">
+                <a:solidFill>
+                  <a:srgbClr val="7F0055"/>
+                </a:solidFill>
+                <a:latin typeface="Consolas" pitchFamily="49" charset="0"/>
+              </a:rPr>
+              <a:t>for</a:t>
+            </a:r>
+            <a:r>
+              <a:rPr lang="de-DE" altLang="de-DE" sz="1200" dirty="0">
                 <a:solidFill>
                   <a:srgbClr val="000000"/>
                 </a:solidFill>
@@ -14587,7 +15437,7 @@
               <a:t> (</a:t>
             </a:r>
             <a:r>
-              <a:rPr lang="de-DE" altLang="de-DE" sz="1200">
+              <a:rPr lang="de-DE" altLang="de-DE" sz="1200" dirty="0" err="1">
                 <a:solidFill>
                   <a:srgbClr val="7F0055"/>
                 </a:solidFill>
@@ -14596,13 +15446,31 @@
               <a:t>int</a:t>
             </a:r>
             <a:r>
-              <a:rPr lang="de-DE" altLang="de-DE" sz="1200">
-                <a:solidFill>
-                  <a:srgbClr val="000000"/>
-                </a:solidFill>
-                <a:latin typeface="Consolas" pitchFamily="49" charset="0"/>
-              </a:rPr>
-              <a:t> i = 0; i &lt; numberOfFloors; i++)</a:t>
+              <a:rPr lang="de-DE" altLang="de-DE" sz="1200" dirty="0">
+                <a:solidFill>
+                  <a:srgbClr val="000000"/>
+                </a:solidFill>
+                <a:latin typeface="Consolas" pitchFamily="49" charset="0"/>
+              </a:rPr>
+              <a:t> i = 0; i &lt; </a:t>
+            </a:r>
+            <a:r>
+              <a:rPr lang="de-DE" altLang="de-DE" sz="1200" dirty="0" err="1">
+                <a:solidFill>
+                  <a:srgbClr val="000000"/>
+                </a:solidFill>
+                <a:latin typeface="Consolas" pitchFamily="49" charset="0"/>
+              </a:rPr>
+              <a:t>numberOfFloors</a:t>
+            </a:r>
+            <a:r>
+              <a:rPr lang="de-DE" altLang="de-DE" sz="1200" dirty="0">
+                <a:solidFill>
+                  <a:srgbClr val="000000"/>
+                </a:solidFill>
+                <a:latin typeface="Consolas" pitchFamily="49" charset="0"/>
+              </a:rPr>
+              <a:t>; i++)</a:t>
             </a:r>
           </a:p>
           <a:p>
@@ -14615,22 +15483,49 @@
               <a:buNone/>
             </a:pPr>
             <a:r>
-              <a:rPr lang="de-DE" altLang="de-DE" sz="1200" b="0">
+              <a:rPr lang="de-DE" altLang="de-DE" sz="1200" b="0" dirty="0">
                 <a:solidFill>
                   <a:srgbClr val="0000C0"/>
                 </a:solidFill>
                 <a:latin typeface="Consolas" pitchFamily="49" charset="0"/>
               </a:rPr>
-              <a:t>    floors</a:t>
-            </a:r>
-            <a:r>
-              <a:rPr lang="de-DE" altLang="de-DE" sz="1200" b="0">
-                <a:solidFill>
-                  <a:srgbClr val="000000"/>
-                </a:solidFill>
-                <a:latin typeface="Consolas" pitchFamily="49" charset="0"/>
-              </a:rPr>
-              <a:t>[i].setNumber(i);</a:t>
+              <a:t>    </a:t>
+            </a:r>
+            <a:r>
+              <a:rPr lang="de-DE" altLang="de-DE" sz="1200" b="0" dirty="0" err="1">
+                <a:solidFill>
+                  <a:srgbClr val="0000C0"/>
+                </a:solidFill>
+                <a:latin typeface="Consolas" pitchFamily="49" charset="0"/>
+              </a:rPr>
+              <a:t>floors</a:t>
+            </a:r>
+            <a:r>
+              <a:rPr lang="de-DE" altLang="de-DE" sz="1200" b="0" dirty="0">
+                <a:solidFill>
+                  <a:srgbClr val="000000"/>
+                </a:solidFill>
+                <a:latin typeface="Consolas" pitchFamily="49" charset="0"/>
+              </a:rPr>
+              <a:t>[i].</a:t>
+            </a:r>
+            <a:r>
+              <a:rPr lang="de-DE" altLang="de-DE" sz="1200" b="0" dirty="0" err="1">
+                <a:solidFill>
+                  <a:srgbClr val="000000"/>
+                </a:solidFill>
+                <a:latin typeface="Consolas" pitchFamily="49" charset="0"/>
+              </a:rPr>
+              <a:t>setNumber</a:t>
+            </a:r>
+            <a:r>
+              <a:rPr lang="de-DE" altLang="de-DE" sz="1200" b="0" dirty="0">
+                <a:solidFill>
+                  <a:srgbClr val="000000"/>
+                </a:solidFill>
+                <a:latin typeface="Consolas" pitchFamily="49" charset="0"/>
+              </a:rPr>
+              <a:t>(i);</a:t>
             </a:r>
           </a:p>
           <a:p>
@@ -14642,7 +15537,7 @@
               <a:buFont typeface="Arial" charset="0"/>
               <a:buNone/>
             </a:pPr>
-            <a:endParaRPr lang="de-DE" altLang="de-DE" sz="1200" b="0">
+            <a:endParaRPr lang="de-DE" altLang="de-DE" sz="1200" b="0" dirty="0">
               <a:latin typeface="Consolas" pitchFamily="49" charset="0"/>
             </a:endParaRPr>
           </a:p>
@@ -14656,16 +15551,34 @@
               <a:buNone/>
             </a:pPr>
             <a:r>
-              <a:rPr lang="de-DE" altLang="de-DE" sz="1200" b="0">
-                <a:solidFill>
-                  <a:srgbClr val="000000"/>
-                </a:solidFill>
-                <a:latin typeface="Consolas" pitchFamily="49" charset="0"/>
-              </a:rPr>
-              <a:t>  cout &lt;&lt; </a:t>
-            </a:r>
-            <a:r>
-              <a:rPr lang="de-DE" altLang="de-DE" sz="1200" b="0">
+              <a:rPr lang="de-DE" altLang="de-DE" sz="1200" b="0" dirty="0">
+                <a:solidFill>
+                  <a:srgbClr val="000000"/>
+                </a:solidFill>
+                <a:latin typeface="Consolas" pitchFamily="49" charset="0"/>
+              </a:rPr>
+              <a:t>  </a:t>
+            </a:r>
+            <a:r>
+              <a:rPr lang="de-DE" altLang="de-DE" sz="1200" b="0" dirty="0" err="1">
+                <a:solidFill>
+                  <a:srgbClr val="000000"/>
+                </a:solidFill>
+                <a:latin typeface="Consolas" pitchFamily="49" charset="0"/>
+              </a:rPr>
+              <a:t>cout</a:t>
+            </a:r>
+            <a:r>
+              <a:rPr lang="de-DE" altLang="de-DE" sz="1200" b="0" dirty="0">
+                <a:solidFill>
+                  <a:srgbClr val="000000"/>
+                </a:solidFill>
+                <a:latin typeface="Consolas" pitchFamily="49" charset="0"/>
+              </a:rPr>
+              <a:t> &lt;&lt; </a:t>
+            </a:r>
+            <a:r>
+              <a:rPr lang="de-DE" altLang="de-DE" sz="1200" b="0" dirty="0">
                 <a:solidFill>
                   <a:srgbClr val="2A00FF"/>
                 </a:solidFill>
@@ -14684,7 +15597,7 @@
               <a:buNone/>
             </a:pPr>
             <a:r>
-              <a:rPr lang="de-DE" altLang="de-DE" sz="1200" b="0">
+              <a:rPr lang="de-DE" altLang="de-DE" sz="1200" b="0" dirty="0">
                 <a:solidFill>
                   <a:srgbClr val="000000"/>
                 </a:solidFill>
@@ -14693,13 +15606,67 @@
               <a:t>       &lt;&lt; </a:t>
             </a:r>
             <a:r>
-              <a:rPr lang="de-DE" altLang="de-DE" sz="1200" b="0">
+              <a:rPr lang="de-DE" altLang="de-DE" sz="1200" b="0" dirty="0">
                 <a:solidFill>
                   <a:srgbClr val="2A00FF"/>
                 </a:solidFill>
                 <a:latin typeface="Consolas" pitchFamily="49" charset="0"/>
               </a:rPr>
-              <a:t>"Creating building with "</a:t>
+              <a:t>"</a:t>
+            </a:r>
+            <a:r>
+              <a:rPr lang="de-DE" altLang="de-DE" sz="1200" b="0" dirty="0" err="1">
+                <a:solidFill>
+                  <a:srgbClr val="2A00FF"/>
+                </a:solidFill>
+                <a:latin typeface="Consolas" pitchFamily="49" charset="0"/>
+              </a:rPr>
+              <a:t>Creating</a:t>
+            </a:r>
+            <a:r>
+              <a:rPr lang="de-DE" altLang="de-DE" sz="1200" b="0" dirty="0">
+                <a:solidFill>
+                  <a:srgbClr val="2A00FF"/>
+                </a:solidFill>
+                <a:latin typeface="Consolas" pitchFamily="49" charset="0"/>
+              </a:rPr>
+              <a:t> </a:t>
+            </a:r>
+            <a:r>
+              <a:rPr lang="de-DE" altLang="de-DE" sz="1200" b="0" dirty="0" err="1">
+                <a:solidFill>
+                  <a:srgbClr val="2A00FF"/>
+                </a:solidFill>
+                <a:latin typeface="Consolas" pitchFamily="49" charset="0"/>
+              </a:rPr>
+              <a:t>building</a:t>
+            </a:r>
+            <a:r>
+              <a:rPr lang="de-DE" altLang="de-DE" sz="1200" b="0" dirty="0">
+                <a:solidFill>
+                  <a:srgbClr val="2A00FF"/>
+                </a:solidFill>
+                <a:latin typeface="Consolas" pitchFamily="49" charset="0"/>
+              </a:rPr>
+              <a:t> </a:t>
+            </a:r>
+            <a:r>
+              <a:rPr lang="de-DE" altLang="de-DE" sz="1200" b="0" dirty="0" err="1">
+                <a:solidFill>
+                  <a:srgbClr val="2A00FF"/>
+                </a:solidFill>
+                <a:latin typeface="Consolas" pitchFamily="49" charset="0"/>
+              </a:rPr>
+              <a:t>with</a:t>
+            </a:r>
+            <a:r>
+              <a:rPr lang="de-DE" altLang="de-DE" sz="1200" b="0" dirty="0">
+                <a:solidFill>
+                  <a:srgbClr val="2A00FF"/>
+                </a:solidFill>
+                <a:latin typeface="Consolas" pitchFamily="49" charset="0"/>
+              </a:rPr>
+              <a:t> "</a:t>
             </a:r>
           </a:p>
           <a:p>
@@ -14712,14 +15679,29 @@
               <a:buNone/>
             </a:pPr>
             <a:r>
-              <a:rPr lang="de-DE" altLang="de-DE" sz="1200" b="0">
-                <a:solidFill>
-                  <a:srgbClr val="000000"/>
-                </a:solidFill>
-                <a:latin typeface="Consolas" pitchFamily="49" charset="0"/>
-              </a:rPr>
-              <a:t>       &lt;&lt; numberOfFloors</a:t>
-            </a:r>
+              <a:rPr lang="de-DE" altLang="de-DE" sz="1200" b="0" dirty="0">
+                <a:solidFill>
+                  <a:srgbClr val="000000"/>
+                </a:solidFill>
+                <a:latin typeface="Consolas" pitchFamily="49" charset="0"/>
+              </a:rPr>
+              <a:t>       &lt;&lt; </a:t>
+            </a:r>
+            <a:r>
+              <a:rPr lang="de-DE" altLang="de-DE" sz="1200" b="0" dirty="0" err="1">
+                <a:solidFill>
+                  <a:srgbClr val="000000"/>
+                </a:solidFill>
+                <a:latin typeface="Consolas" pitchFamily="49" charset="0"/>
+              </a:rPr>
+              <a:t>numberOfFloors</a:t>
+            </a:r>
+            <a:endParaRPr lang="de-DE" altLang="de-DE" sz="1200" b="0" dirty="0">
+              <a:solidFill>
+                <a:srgbClr val="000000"/>
+              </a:solidFill>
+              <a:latin typeface="Consolas" pitchFamily="49" charset="0"/>
+            </a:endParaRPr>
           </a:p>
           <a:p>
             <a:pPr eaLnBrk="1" hangingPunct="1">
@@ -14731,7 +15713,7 @@
               <a:buNone/>
             </a:pPr>
             <a:r>
-              <a:rPr lang="de-DE" altLang="de-DE" sz="1200" b="0">
+              <a:rPr lang="de-DE" altLang="de-DE" sz="1200" b="0" dirty="0">
                 <a:solidFill>
                   <a:srgbClr val="000000"/>
                 </a:solidFill>
@@ -14740,16 +15722,34 @@
               <a:t>       &lt;&lt; </a:t>
             </a:r>
             <a:r>
-              <a:rPr lang="de-DE" altLang="de-DE" sz="1200" b="0">
+              <a:rPr lang="de-DE" altLang="de-DE" sz="1200" b="0" dirty="0">
                 <a:solidFill>
                   <a:srgbClr val="2A00FF"/>
                 </a:solidFill>
                 <a:latin typeface="Consolas" pitchFamily="49" charset="0"/>
               </a:rPr>
-              <a:t>" floors."</a:t>
-            </a:r>
-            <a:r>
-              <a:rPr lang="de-DE" altLang="de-DE" sz="1200" b="0">
+              <a:t>" </a:t>
+            </a:r>
+            <a:r>
+              <a:rPr lang="de-DE" altLang="de-DE" sz="1200" b="0" dirty="0" err="1">
+                <a:solidFill>
+                  <a:srgbClr val="2A00FF"/>
+                </a:solidFill>
+                <a:latin typeface="Consolas" pitchFamily="49" charset="0"/>
+              </a:rPr>
+              <a:t>floors</a:t>
+            </a:r>
+            <a:r>
+              <a:rPr lang="de-DE" altLang="de-DE" sz="1200" b="0" dirty="0">
+                <a:solidFill>
+                  <a:srgbClr val="2A00FF"/>
+                </a:solidFill>
+                <a:latin typeface="Consolas" pitchFamily="49" charset="0"/>
+              </a:rPr>
+              <a:t>."</a:t>
+            </a:r>
+            <a:r>
+              <a:rPr lang="de-DE" altLang="de-DE" sz="1200" b="0" dirty="0">
                 <a:solidFill>
                   <a:srgbClr val="000000"/>
                 </a:solidFill>
@@ -14758,7 +15758,7 @@
               <a:t> &lt;&lt; </a:t>
             </a:r>
             <a:r>
-              <a:rPr lang="de-DE" altLang="de-DE" sz="1200">
+              <a:rPr lang="de-DE" altLang="de-DE" sz="1200" dirty="0" err="1">
                 <a:solidFill>
                   <a:srgbClr val="642880"/>
                 </a:solidFill>
@@ -14767,7 +15767,7 @@
               <a:t>endl</a:t>
             </a:r>
             <a:r>
-              <a:rPr lang="de-DE" altLang="de-DE" sz="1200">
+              <a:rPr lang="de-DE" altLang="de-DE" sz="1200" dirty="0">
                 <a:solidFill>
                   <a:srgbClr val="000000"/>
                 </a:solidFill>
@@ -14785,7 +15785,7 @@
               <a:buFont typeface="Arial" charset="0"/>
               <a:buNone/>
             </a:pPr>
-            <a:endParaRPr lang="de-DE" altLang="de-DE" sz="1200" b="0">
+            <a:endParaRPr lang="de-DE" altLang="de-DE" sz="1200" b="0" dirty="0">
               <a:latin typeface="Consolas" pitchFamily="49" charset="0"/>
             </a:endParaRPr>
           </a:p>
@@ -14799,16 +15799,34 @@
               <a:buNone/>
             </a:pPr>
             <a:r>
-              <a:rPr lang="de-DE" altLang="de-DE" sz="1200" b="0">
-                <a:solidFill>
-                  <a:srgbClr val="000000"/>
-                </a:solidFill>
-                <a:latin typeface="Consolas" pitchFamily="49" charset="0"/>
-              </a:rPr>
-              <a:t>  cout &lt;&lt; </a:t>
-            </a:r>
-            <a:r>
-              <a:rPr lang="de-DE" altLang="de-DE" sz="1200" b="0">
+              <a:rPr lang="de-DE" altLang="de-DE" sz="1200" b="0" dirty="0">
+                <a:solidFill>
+                  <a:srgbClr val="000000"/>
+                </a:solidFill>
+                <a:latin typeface="Consolas" pitchFamily="49" charset="0"/>
+              </a:rPr>
+              <a:t>  </a:t>
+            </a:r>
+            <a:r>
+              <a:rPr lang="de-DE" altLang="de-DE" sz="1200" b="0" dirty="0" err="1">
+                <a:solidFill>
+                  <a:srgbClr val="000000"/>
+                </a:solidFill>
+                <a:latin typeface="Consolas" pitchFamily="49" charset="0"/>
+              </a:rPr>
+              <a:t>cout</a:t>
+            </a:r>
+            <a:r>
+              <a:rPr lang="de-DE" altLang="de-DE" sz="1200" b="0" dirty="0">
+                <a:solidFill>
+                  <a:srgbClr val="000000"/>
+                </a:solidFill>
+                <a:latin typeface="Consolas" pitchFamily="49" charset="0"/>
+              </a:rPr>
+              <a:t> &lt;&lt; </a:t>
+            </a:r>
+            <a:r>
+              <a:rPr lang="de-DE" altLang="de-DE" sz="1200" b="0" dirty="0">
                 <a:solidFill>
                   <a:srgbClr val="2A00FF"/>
                 </a:solidFill>
@@ -14827,7 +15845,7 @@
               <a:buNone/>
             </a:pPr>
             <a:r>
-              <a:rPr lang="de-DE" altLang="de-DE" sz="1200" b="0">
+              <a:rPr lang="de-DE" altLang="de-DE" sz="1200" b="0" dirty="0">
                 <a:solidFill>
                   <a:srgbClr val="000000"/>
                 </a:solidFill>
@@ -14836,13 +15854,31 @@
               <a:t>       &lt;&lt; </a:t>
             </a:r>
             <a:r>
-              <a:rPr lang="de-DE" altLang="de-DE" sz="1200" b="0">
+              <a:rPr lang="de-DE" altLang="de-DE" sz="1200" b="0" dirty="0">
                 <a:solidFill>
                   <a:srgbClr val="2A00FF"/>
                 </a:solidFill>
                 <a:latin typeface="Consolas" pitchFamily="49" charset="0"/>
               </a:rPr>
-              <a:t>"Elevator is on Floor: "</a:t>
+              <a:t>"Elevator </a:t>
+            </a:r>
+            <a:r>
+              <a:rPr lang="de-DE" altLang="de-DE" sz="1200" b="0" dirty="0" err="1">
+                <a:solidFill>
+                  <a:srgbClr val="2A00FF"/>
+                </a:solidFill>
+                <a:latin typeface="Consolas" pitchFamily="49" charset="0"/>
+              </a:rPr>
+              <a:t>is</a:t>
+            </a:r>
+            <a:r>
+              <a:rPr lang="de-DE" altLang="de-DE" sz="1200" b="0" dirty="0">
+                <a:solidFill>
+                  <a:srgbClr val="2A00FF"/>
+                </a:solidFill>
+                <a:latin typeface="Consolas" pitchFamily="49" charset="0"/>
+              </a:rPr>
+              <a:t> on Floor: "</a:t>
             </a:r>
           </a:p>
           <a:p>
@@ -14855,7 +15891,7 @@
               <a:buNone/>
             </a:pPr>
             <a:r>
-              <a:rPr lang="de-DE" altLang="de-DE" sz="1200" b="0">
+              <a:rPr lang="de-DE" altLang="de-DE" sz="1200" b="0" dirty="0">
                 <a:solidFill>
                   <a:srgbClr val="000000"/>
                 </a:solidFill>
@@ -14864,7 +15900,7 @@
               <a:t>       &lt;&lt; </a:t>
             </a:r>
             <a:r>
-              <a:rPr lang="de-DE" altLang="de-DE" sz="1200" b="0">
+              <a:rPr lang="de-DE" altLang="de-DE" sz="1200" b="0" dirty="0" err="1">
                 <a:solidFill>
                   <a:srgbClr val="0000C0"/>
                 </a:solidFill>
@@ -14873,13 +15909,40 @@
               <a:t>elevator</a:t>
             </a:r>
             <a:r>
-              <a:rPr lang="de-DE" altLang="de-DE" sz="1200" b="0">
-                <a:solidFill>
-                  <a:srgbClr val="000000"/>
-                </a:solidFill>
-                <a:latin typeface="Consolas" pitchFamily="49" charset="0"/>
-              </a:rPr>
-              <a:t>.getCurrentFloor()-&gt;getNumber()</a:t>
+              <a:rPr lang="de-DE" altLang="de-DE" sz="1200" b="0" dirty="0" err="1">
+                <a:solidFill>
+                  <a:srgbClr val="000000"/>
+                </a:solidFill>
+                <a:latin typeface="Consolas" pitchFamily="49" charset="0"/>
+              </a:rPr>
+              <a:t>.getCurrentFloor</a:t>
+            </a:r>
+            <a:r>
+              <a:rPr lang="de-DE" altLang="de-DE" sz="1200" b="0" dirty="0">
+                <a:solidFill>
+                  <a:srgbClr val="000000"/>
+                </a:solidFill>
+                <a:latin typeface="Consolas" pitchFamily="49" charset="0"/>
+              </a:rPr>
+              <a:t>()-&gt;</a:t>
+            </a:r>
+            <a:r>
+              <a:rPr lang="de-DE" altLang="de-DE" sz="1200" b="0" dirty="0" err="1">
+                <a:solidFill>
+                  <a:srgbClr val="000000"/>
+                </a:solidFill>
+                <a:latin typeface="Consolas" pitchFamily="49" charset="0"/>
+              </a:rPr>
+              <a:t>getNumber</a:t>
+            </a:r>
+            <a:r>
+              <a:rPr lang="de-DE" altLang="de-DE" sz="1200" b="0" dirty="0">
+                <a:solidFill>
+                  <a:srgbClr val="000000"/>
+                </a:solidFill>
+                <a:latin typeface="Consolas" pitchFamily="49" charset="0"/>
+              </a:rPr>
+              <a:t>()</a:t>
             </a:r>
           </a:p>
           <a:p>
@@ -14892,7 +15955,7 @@
               <a:buNone/>
             </a:pPr>
             <a:r>
-              <a:rPr lang="de-DE" altLang="de-DE" sz="1200" b="0">
+              <a:rPr lang="de-DE" altLang="de-DE" sz="1200" b="0" dirty="0">
                 <a:solidFill>
                   <a:srgbClr val="000000"/>
                 </a:solidFill>
@@ -14901,7 +15964,7 @@
               <a:t>       &lt;&lt; </a:t>
             </a:r>
             <a:r>
-              <a:rPr lang="de-DE" altLang="de-DE" sz="1200">
+              <a:rPr lang="de-DE" altLang="de-DE" sz="1200" dirty="0" err="1">
                 <a:solidFill>
                   <a:srgbClr val="642880"/>
                 </a:solidFill>
@@ -14910,7 +15973,7 @@
               <a:t>endl</a:t>
             </a:r>
             <a:r>
-              <a:rPr lang="de-DE" altLang="de-DE" sz="1200">
+              <a:rPr lang="de-DE" altLang="de-DE" sz="1200" dirty="0">
                 <a:solidFill>
                   <a:srgbClr val="000000"/>
                 </a:solidFill>
@@ -14929,7 +15992,7 @@
               <a:buNone/>
             </a:pPr>
             <a:r>
-              <a:rPr lang="de-DE" altLang="de-DE" sz="1200" b="0">
+              <a:rPr lang="de-DE" altLang="de-DE" sz="1200" b="0" dirty="0">
                 <a:solidFill>
                   <a:srgbClr val="000000"/>
                 </a:solidFill>
@@ -14947,7 +16010,7 @@
               <a:buFont typeface="Arial" charset="0"/>
               <a:buNone/>
             </a:pPr>
-            <a:endParaRPr lang="de-DE" altLang="de-DE" sz="1200" b="0">
+            <a:endParaRPr lang="de-DE" altLang="de-DE" sz="1200" b="0" dirty="0">
               <a:latin typeface="Consolas" pitchFamily="49" charset="0"/>
             </a:endParaRPr>
           </a:p>
@@ -14961,7 +16024,7 @@
               <a:buNone/>
             </a:pPr>
             <a:r>
-              <a:rPr lang="de-DE" altLang="de-DE" sz="1200">
+              <a:rPr lang="de-DE" altLang="de-DE" sz="1200" dirty="0">
                 <a:solidFill>
                   <a:srgbClr val="000000"/>
                 </a:solidFill>
@@ -14980,16 +16043,34 @@
               <a:buNone/>
             </a:pPr>
             <a:r>
-              <a:rPr lang="de-DE" altLang="de-DE" sz="1200" b="0">
-                <a:solidFill>
-                  <a:srgbClr val="000000"/>
-                </a:solidFill>
-                <a:latin typeface="Consolas" pitchFamily="49" charset="0"/>
-              </a:rPr>
-              <a:t>  cout &lt;&lt; </a:t>
-            </a:r>
-            <a:r>
-              <a:rPr lang="de-DE" altLang="de-DE" sz="1200" b="0">
+              <a:rPr lang="de-DE" altLang="de-DE" sz="1200" b="0" dirty="0">
+                <a:solidFill>
+                  <a:srgbClr val="000000"/>
+                </a:solidFill>
+                <a:latin typeface="Consolas" pitchFamily="49" charset="0"/>
+              </a:rPr>
+              <a:t>  </a:t>
+            </a:r>
+            <a:r>
+              <a:rPr lang="de-DE" altLang="de-DE" sz="1200" b="0" dirty="0" err="1">
+                <a:solidFill>
+                  <a:srgbClr val="000000"/>
+                </a:solidFill>
+                <a:latin typeface="Consolas" pitchFamily="49" charset="0"/>
+              </a:rPr>
+              <a:t>cout</a:t>
+            </a:r>
+            <a:r>
+              <a:rPr lang="de-DE" altLang="de-DE" sz="1200" b="0" dirty="0">
+                <a:solidFill>
+                  <a:srgbClr val="000000"/>
+                </a:solidFill>
+                <a:latin typeface="Consolas" pitchFamily="49" charset="0"/>
+              </a:rPr>
+              <a:t> &lt;&lt; </a:t>
+            </a:r>
+            <a:r>
+              <a:rPr lang="de-DE" altLang="de-DE" sz="1200" b="0" dirty="0">
                 <a:solidFill>
                   <a:srgbClr val="2A00FF"/>
                 </a:solidFill>
@@ -15008,7 +16089,7 @@
               <a:buNone/>
             </a:pPr>
             <a:r>
-              <a:rPr lang="de-DE" altLang="de-DE" sz="1200" b="0">
+              <a:rPr lang="de-DE" altLang="de-DE" sz="1200" b="0" dirty="0">
                 <a:solidFill>
                   <a:srgbClr val="000000"/>
                 </a:solidFill>
@@ -15017,16 +16098,52 @@
               <a:t>       &lt;&lt; </a:t>
             </a:r>
             <a:r>
-              <a:rPr lang="de-DE" altLang="de-DE" sz="1200" b="0">
+              <a:rPr lang="de-DE" altLang="de-DE" sz="1200" b="0" dirty="0">
                 <a:solidFill>
                   <a:srgbClr val="2A00FF"/>
                 </a:solidFill>
                 <a:latin typeface="Consolas" pitchFamily="49" charset="0"/>
               </a:rPr>
-              <a:t>"Destroying building."</a:t>
-            </a:r>
-            <a:r>
-              <a:rPr lang="de-DE" altLang="de-DE" sz="1200" b="0">
+              <a:t>"</a:t>
+            </a:r>
+            <a:r>
+              <a:rPr lang="de-DE" altLang="de-DE" sz="1200" b="0" dirty="0" err="1">
+                <a:solidFill>
+                  <a:srgbClr val="2A00FF"/>
+                </a:solidFill>
+                <a:latin typeface="Consolas" pitchFamily="49" charset="0"/>
+              </a:rPr>
+              <a:t>Destroying</a:t>
+            </a:r>
+            <a:r>
+              <a:rPr lang="de-DE" altLang="de-DE" sz="1200" b="0" dirty="0">
+                <a:solidFill>
+                  <a:srgbClr val="2A00FF"/>
+                </a:solidFill>
+                <a:latin typeface="Consolas" pitchFamily="49" charset="0"/>
+              </a:rPr>
+              <a:t> </a:t>
+            </a:r>
+            <a:r>
+              <a:rPr lang="de-DE" altLang="de-DE" sz="1200" b="0" dirty="0" err="1">
+                <a:solidFill>
+                  <a:srgbClr val="2A00FF"/>
+                </a:solidFill>
+                <a:latin typeface="Consolas" pitchFamily="49" charset="0"/>
+              </a:rPr>
+              <a:t>building</a:t>
+            </a:r>
+            <a:r>
+              <a:rPr lang="de-DE" altLang="de-DE" sz="1200" b="0" dirty="0">
+                <a:solidFill>
+                  <a:srgbClr val="2A00FF"/>
+                </a:solidFill>
+                <a:latin typeface="Consolas" pitchFamily="49" charset="0"/>
+              </a:rPr>
+              <a:t>."</a:t>
+            </a:r>
+            <a:r>
+              <a:rPr lang="de-DE" altLang="de-DE" sz="1200" b="0" dirty="0">
                 <a:solidFill>
                   <a:srgbClr val="000000"/>
                 </a:solidFill>
@@ -15035,7 +16152,7 @@
               <a:t> &lt;&lt; </a:t>
             </a:r>
             <a:r>
-              <a:rPr lang="de-DE" altLang="de-DE" sz="1200">
+              <a:rPr lang="de-DE" altLang="de-DE" sz="1200" dirty="0" err="1">
                 <a:solidFill>
                   <a:srgbClr val="642880"/>
                 </a:solidFill>
@@ -15044,7 +16161,7 @@
               <a:t>endl</a:t>
             </a:r>
             <a:r>
-              <a:rPr lang="de-DE" altLang="de-DE" sz="1200">
+              <a:rPr lang="de-DE" altLang="de-DE" sz="1200" dirty="0">
                 <a:solidFill>
                   <a:srgbClr val="000000"/>
                 </a:solidFill>
@@ -15063,7 +16180,7 @@
               <a:buNone/>
             </a:pPr>
             <a:r>
-              <a:rPr lang="de-DE" altLang="de-DE" sz="1200" b="0">
+              <a:rPr lang="de-DE" altLang="de-DE" sz="1200" b="0" dirty="0">
                 <a:solidFill>
                   <a:srgbClr val="000000"/>
                 </a:solidFill>
@@ -15071,7 +16188,7 @@
               </a:rPr>
               <a:t>}</a:t>
             </a:r>
-            <a:endParaRPr lang="de-DE" altLang="de-DE" sz="1200" b="0"/>
+            <a:endParaRPr lang="de-DE" altLang="de-DE" sz="1200" b="0" dirty="0"/>
           </a:p>
         </p:txBody>
       </p:sp>
@@ -15083,36 +16200,27 @@
         </p:nvSpPr>
         <p:spPr>
           <a:xfrm>
-            <a:off x="2162175" y="1844675"/>
+            <a:off x="2136056" y="2258740"/>
             <a:ext cx="1920875" cy="885825"/>
           </a:xfrm>
           <a:prstGeom prst="wedgeRoundRectCallout">
             <a:avLst>
               <a:gd name="adj1" fmla="val 61459"/>
-              <a:gd name="adj2" fmla="val 91635"/>
+              <a:gd name="adj2" fmla="val 44985"/>
               <a:gd name="adj3" fmla="val 16667"/>
             </a:avLst>
           </a:prstGeom>
-          <a:solidFill>
-            <a:schemeClr val="bg1"/>
-          </a:solidFill>
-          <a:ln>
-            <a:solidFill>
-              <a:schemeClr val="tx1"/>
-            </a:solidFill>
-          </a:ln>
+          <a:ln/>
         </p:spPr>
         <p:style>
-          <a:lnRef idx="2">
-            <a:schemeClr val="accent1">
-              <a:shade val="50000"/>
-            </a:schemeClr>
+          <a:lnRef idx="1">
+            <a:schemeClr val="dk1"/>
           </a:lnRef>
-          <a:fillRef idx="1">
-            <a:schemeClr val="accent1"/>
+          <a:fillRef idx="3">
+            <a:schemeClr val="dk1"/>
           </a:fillRef>
-          <a:effectRef idx="0">
-            <a:schemeClr val="accent1"/>
+          <a:effectRef idx="2">
+            <a:schemeClr val="dk1"/>
           </a:effectRef>
           <a:fontRef idx="minor">
             <a:schemeClr val="lt1"/>
@@ -15128,11 +16236,181 @@
             <a:r>
               <a:rPr lang="de-DE" dirty="0">
                 <a:solidFill>
-                  <a:schemeClr val="tx1"/>
+                  <a:schemeClr val="bg1"/>
                 </a:solidFill>
               </a:rPr>
               <a:t>Strategie wird an Elevator weitergereicht</a:t>
             </a:r>
+          </a:p>
+        </p:txBody>
+      </p:sp>
+      <p:sp>
+        <p:nvSpPr>
+          <p:cNvPr id="7" name="Gefaltete Ecke 6"/>
+          <p:cNvSpPr/>
+          <p:nvPr/>
+        </p:nvSpPr>
+        <p:spPr bwMode="auto">
+          <a:xfrm>
+            <a:off x="2771800" y="1672134"/>
+            <a:ext cx="1130424" cy="504056"/>
+          </a:xfrm>
+          <a:prstGeom prst="foldedCorner">
+            <a:avLst/>
+          </a:prstGeom>
+          <a:solidFill>
+            <a:schemeClr val="bg1"/>
+          </a:solidFill>
+          <a:ln w="9525" cap="flat" cmpd="sng" algn="ctr">
+            <a:solidFill>
+              <a:schemeClr val="tx1"/>
+            </a:solidFill>
+            <a:prstDash val="solid"/>
+            <a:round/>
+            <a:headEnd type="none" w="med" len="med"/>
+            <a:tailEnd type="none" w="med" len="med"/>
+          </a:ln>
+          <a:effectLst/>
+          <a:extLst/>
+        </p:spPr>
+        <p:txBody>
+          <a:bodyPr vert="horz" wrap="none" lIns="91440" tIns="45720" rIns="91440" bIns="45720" numCol="1" rtlCol="0" anchor="ctr" anchorCtr="0" compatLnSpc="1">
+            <a:prstTxWarp prst="textNoShape">
+              <a:avLst/>
+            </a:prstTxWarp>
+          </a:bodyPr>
+          <a:lstStyle/>
+          <a:p>
+            <a:pPr marL="0" marR="0" indent="0" algn="ctr" defTabSz="449263" rtl="0" eaLnBrk="1" fontAlgn="base" latinLnBrk="0" hangingPunct="1">
+              <a:lnSpc>
+                <a:spcPct val="93000"/>
+              </a:lnSpc>
+              <a:spcBef>
+                <a:spcPct val="0"/>
+              </a:spcBef>
+              <a:spcAft>
+                <a:spcPct val="0"/>
+              </a:spcAft>
+              <a:buClr>
+                <a:srgbClr val="000000"/>
+              </a:buClr>
+              <a:buSzPct val="100000"/>
+              <a:buFont typeface="Arial" charset="0"/>
+              <a:buNone/>
+              <a:tabLst/>
+            </a:pPr>
+            <a:r>
+              <a:rPr kumimoji="0" lang="de-DE" sz="1800" b="0" i="0" u="none" strike="noStrike" cap="none" normalizeH="0" baseline="0" dirty="0" err="1" smtClean="0">
+                <a:ln>
+                  <a:noFill/>
+                </a:ln>
+                <a:solidFill>
+                  <a:schemeClr val="tx1"/>
+                </a:solidFill>
+                <a:effectLst/>
+                <a:latin typeface="Arial" charset="0"/>
+                <a:ea typeface="Lucida Sans Unicode" pitchFamily="34" charset="0"/>
+                <a:cs typeface="Lucida Sans Unicode" pitchFamily="34" charset="0"/>
+              </a:rPr>
+              <a:t>Building.h</a:t>
+            </a:r>
+            <a:endParaRPr kumimoji="0" lang="en-US" sz="1800" b="0" i="0" u="none" strike="noStrike" cap="none" normalizeH="0" baseline="0" dirty="0" smtClean="0">
+              <a:ln>
+                <a:noFill/>
+              </a:ln>
+              <a:solidFill>
+                <a:schemeClr val="tx1"/>
+              </a:solidFill>
+              <a:effectLst/>
+              <a:latin typeface="Arial" charset="0"/>
+              <a:ea typeface="Lucida Sans Unicode" pitchFamily="34" charset="0"/>
+              <a:cs typeface="Lucida Sans Unicode" pitchFamily="34" charset="0"/>
+            </a:endParaRPr>
+          </a:p>
+        </p:txBody>
+      </p:sp>
+      <p:sp>
+        <p:nvSpPr>
+          <p:cNvPr id="8" name="Gefaltete Ecke 7"/>
+          <p:cNvSpPr/>
+          <p:nvPr/>
+        </p:nvSpPr>
+        <p:spPr bwMode="auto">
+          <a:xfrm>
+            <a:off x="7524328" y="1672134"/>
+            <a:ext cx="1418456" cy="504056"/>
+          </a:xfrm>
+          <a:prstGeom prst="foldedCorner">
+            <a:avLst/>
+          </a:prstGeom>
+          <a:solidFill>
+            <a:schemeClr val="bg1"/>
+          </a:solidFill>
+          <a:ln w="9525" cap="flat" cmpd="sng" algn="ctr">
+            <a:solidFill>
+              <a:schemeClr val="tx1"/>
+            </a:solidFill>
+            <a:prstDash val="solid"/>
+            <a:round/>
+            <a:headEnd type="none" w="med" len="med"/>
+            <a:tailEnd type="none" w="med" len="med"/>
+          </a:ln>
+          <a:effectLst/>
+          <a:extLst/>
+        </p:spPr>
+        <p:txBody>
+          <a:bodyPr vert="horz" wrap="none" lIns="91440" tIns="45720" rIns="91440" bIns="45720" numCol="1" rtlCol="0" anchor="ctr" anchorCtr="0" compatLnSpc="1">
+            <a:prstTxWarp prst="textNoShape">
+              <a:avLst/>
+            </a:prstTxWarp>
+          </a:bodyPr>
+          <a:lstStyle/>
+          <a:p>
+            <a:pPr marL="0" marR="0" indent="0" algn="ctr" defTabSz="449263" rtl="0" eaLnBrk="1" fontAlgn="base" latinLnBrk="0" hangingPunct="1">
+              <a:lnSpc>
+                <a:spcPct val="93000"/>
+              </a:lnSpc>
+              <a:spcBef>
+                <a:spcPct val="0"/>
+              </a:spcBef>
+              <a:spcAft>
+                <a:spcPct val="0"/>
+              </a:spcAft>
+              <a:buClr>
+                <a:srgbClr val="000000"/>
+              </a:buClr>
+              <a:buSzPct val="100000"/>
+              <a:buFont typeface="Arial" charset="0"/>
+              <a:buNone/>
+              <a:tabLst/>
+            </a:pPr>
+            <a:r>
+              <a:rPr kumimoji="0" lang="de-DE" sz="1800" b="0" i="0" u="none" strike="noStrike" cap="none" normalizeH="0" baseline="0" dirty="0" smtClean="0">
+                <a:ln>
+                  <a:noFill/>
+                </a:ln>
+                <a:solidFill>
+                  <a:schemeClr val="tx1"/>
+                </a:solidFill>
+                <a:effectLst/>
+                <a:latin typeface="Arial" charset="0"/>
+                <a:ea typeface="Lucida Sans Unicode" pitchFamily="34" charset="0"/>
+                <a:cs typeface="Lucida Sans Unicode" pitchFamily="34" charset="0"/>
+              </a:rPr>
+              <a:t>Building.cpp</a:t>
+            </a:r>
+            <a:endParaRPr kumimoji="0" lang="en-US" sz="1800" b="0" i="0" u="none" strike="noStrike" cap="none" normalizeH="0" baseline="0" dirty="0" smtClean="0">
+              <a:ln>
+                <a:noFill/>
+              </a:ln>
+              <a:solidFill>
+                <a:schemeClr val="tx1"/>
+              </a:solidFill>
+              <a:effectLst/>
+              <a:latin typeface="Arial" charset="0"/>
+              <a:ea typeface="Lucida Sans Unicode" pitchFamily="34" charset="0"/>
+              <a:cs typeface="Lucida Sans Unicode" pitchFamily="34" charset="0"/>
+            </a:endParaRPr>
           </a:p>
         </p:txBody>
       </p:sp>
@@ -15249,6 +16527,51 @@
       </p:grpSpPr>
       <p:sp>
         <p:nvSpPr>
+          <p:cNvPr id="13" name="Gefaltete Ecke 12"/>
+          <p:cNvSpPr/>
+          <p:nvPr/>
+        </p:nvSpPr>
+        <p:spPr bwMode="auto">
+          <a:xfrm>
+            <a:off x="5796136" y="1484784"/>
+            <a:ext cx="3146648" cy="397991"/>
+          </a:xfrm>
+          <a:prstGeom prst="foldedCorner">
+            <a:avLst/>
+          </a:prstGeom>
+          <a:solidFill>
+            <a:schemeClr val="bg1"/>
+          </a:solidFill>
+          <a:ln w="9525" cap="flat" cmpd="sng" algn="ctr">
+            <a:solidFill>
+              <a:schemeClr val="tx1"/>
+            </a:solidFill>
+            <a:prstDash val="solid"/>
+            <a:round/>
+            <a:headEnd type="none" w="med" len="med"/>
+            <a:tailEnd type="none" w="med" len="med"/>
+          </a:ln>
+          <a:effectLst/>
+          <a:extLst/>
+        </p:spPr>
+        <p:txBody>
+          <a:bodyPr vert="horz" wrap="none" lIns="91440" tIns="45720" rIns="91440" bIns="45720" numCol="1" rtlCol="0" anchor="ctr" anchorCtr="0" compatLnSpc="1">
+            <a:prstTxWarp prst="textNoShape">
+              <a:avLst/>
+            </a:prstTxWarp>
+          </a:bodyPr>
+          <a:lstStyle/>
+          <a:p>
+            <a:r>
+              <a:rPr lang="de-DE" dirty="0" smtClean="0"/>
+              <a:t>EnergyMinimizingStrategy.cpp</a:t>
+            </a:r>
+            <a:endParaRPr lang="en-US" dirty="0"/>
+          </a:p>
+        </p:txBody>
+      </p:sp>
+      <p:sp>
+        <p:nvSpPr>
           <p:cNvPr id="14338" name="Rechteck 14"/>
           <p:cNvSpPr>
             <a:spLocks noChangeArrowheads="1"/>
@@ -15264,25 +16587,15 @@
             <a:avLst/>
           </a:prstGeom>
           <a:solidFill>
-            <a:srgbClr val="FFFF00">
+            <a:schemeClr val="bg1">
+              <a:lumMod val="75000"/>
               <a:alpha val="50195"/>
-            </a:srgbClr>
+            </a:schemeClr>
           </a:solidFill>
           <a:ln>
             <a:noFill/>
           </a:ln>
-          <a:extLst>
-            <a:ext uri="{91240B29-F687-4F45-9708-019B960494DF}">
-              <a14:hiddenLine xmlns:a14="http://schemas.microsoft.com/office/drawing/2010/main" w="9525">
-                <a:solidFill>
-                  <a:srgbClr val="000000"/>
-                </a:solidFill>
-                <a:miter lim="800000"/>
-                <a:headEnd/>
-                <a:tailEnd/>
-              </a14:hiddenLine>
-            </a:ext>
-          </a:extLst>
+          <a:extLst/>
         </p:spPr>
         <p:txBody>
           <a:bodyPr wrap="none" anchor="ctr"/>
@@ -15440,32 +16753,22 @@
         </p:nvSpPr>
         <p:spPr bwMode="auto">
           <a:xfrm>
-            <a:off x="107950" y="3606800"/>
-            <a:ext cx="3541713" cy="193675"/>
+            <a:off x="323850" y="3573016"/>
+            <a:ext cx="3943617" cy="227459"/>
           </a:xfrm>
           <a:prstGeom prst="rect">
             <a:avLst/>
           </a:prstGeom>
           <a:solidFill>
-            <a:srgbClr val="FFFF00">
+            <a:schemeClr val="bg1">
+              <a:lumMod val="75000"/>
               <a:alpha val="50195"/>
-            </a:srgbClr>
+            </a:schemeClr>
           </a:solidFill>
           <a:ln>
             <a:noFill/>
           </a:ln>
-          <a:extLst>
-            <a:ext uri="{91240B29-F687-4F45-9708-019B960494DF}">
-              <a14:hiddenLine xmlns:a14="http://schemas.microsoft.com/office/drawing/2010/main" w="9525">
-                <a:solidFill>
-                  <a:srgbClr val="000000"/>
-                </a:solidFill>
-                <a:miter lim="800000"/>
-                <a:headEnd/>
-                <a:tailEnd/>
-              </a14:hiddenLine>
-            </a:ext>
-          </a:extLst>
+          <a:extLst/>
         </p:spPr>
         <p:txBody>
           <a:bodyPr wrap="none" anchor="ctr"/>
@@ -15820,16 +17123,25 @@
               <a:buNone/>
             </a:pPr>
             <a:r>
-              <a:rPr lang="de-DE" altLang="de-DE" sz="1200">
+              <a:rPr lang="de-DE" altLang="de-DE" sz="1200" dirty="0">
                 <a:solidFill>
                   <a:srgbClr val="7F0055"/>
                 </a:solidFill>
                 <a:latin typeface="Consolas" pitchFamily="49" charset="0"/>
               </a:rPr>
-              <a:t>#include</a:t>
-            </a:r>
-            <a:r>
-              <a:rPr lang="de-DE" altLang="de-DE" sz="1200">
+              <a:t>#</a:t>
+            </a:r>
+            <a:r>
+              <a:rPr lang="de-DE" altLang="de-DE" sz="1200" dirty="0" err="1">
+                <a:solidFill>
+                  <a:srgbClr val="7F0055"/>
+                </a:solidFill>
+                <a:latin typeface="Consolas" pitchFamily="49" charset="0"/>
+              </a:rPr>
+              <a:t>include</a:t>
+            </a:r>
+            <a:r>
+              <a:rPr lang="de-DE" altLang="de-DE" sz="1200" dirty="0">
                 <a:solidFill>
                   <a:srgbClr val="000000"/>
                 </a:solidFill>
@@ -15838,13 +17150,31 @@
               <a:t> </a:t>
             </a:r>
             <a:r>
-              <a:rPr lang="de-DE" altLang="de-DE" sz="1200">
+              <a:rPr lang="de-DE" altLang="de-DE" sz="1200" dirty="0">
                 <a:solidFill>
                   <a:srgbClr val="2A00FF"/>
                 </a:solidFill>
                 <a:latin typeface="Consolas" pitchFamily="49" charset="0"/>
               </a:rPr>
-              <a:t>"ElevatorStrategy.h"</a:t>
+              <a:t>"</a:t>
+            </a:r>
+            <a:r>
+              <a:rPr lang="de-DE" altLang="de-DE" sz="1200" dirty="0" err="1">
+                <a:solidFill>
+                  <a:srgbClr val="2A00FF"/>
+                </a:solidFill>
+                <a:latin typeface="Consolas" pitchFamily="49" charset="0"/>
+              </a:rPr>
+              <a:t>ElevatorStrategy.h</a:t>
+            </a:r>
+            <a:r>
+              <a:rPr lang="de-DE" altLang="de-DE" sz="1200" dirty="0">
+                <a:solidFill>
+                  <a:srgbClr val="2A00FF"/>
+                </a:solidFill>
+                <a:latin typeface="Consolas" pitchFamily="49" charset="0"/>
+              </a:rPr>
+              <a:t>"</a:t>
             </a:r>
           </a:p>
           <a:p>
@@ -15856,7 +17186,7 @@
               <a:buFont typeface="Arial" charset="0"/>
               <a:buNone/>
             </a:pPr>
-            <a:endParaRPr lang="de-DE" altLang="de-DE" sz="1200" b="0">
+            <a:endParaRPr lang="de-DE" altLang="de-DE" sz="1200" b="0" dirty="0">
               <a:latin typeface="Consolas" pitchFamily="49" charset="0"/>
             </a:endParaRPr>
           </a:p>
@@ -15870,7 +17200,7 @@
               <a:buNone/>
             </a:pPr>
             <a:r>
-              <a:rPr lang="de-DE" altLang="de-DE" sz="1200">
+              <a:rPr lang="de-DE" altLang="de-DE" sz="1200" dirty="0" err="1">
                 <a:solidFill>
                   <a:srgbClr val="7F0055"/>
                 </a:solidFill>
@@ -15879,7 +17209,7 @@
               <a:t>class</a:t>
             </a:r>
             <a:r>
-              <a:rPr lang="de-DE" altLang="de-DE" sz="1200">
+              <a:rPr lang="de-DE" altLang="de-DE" sz="1200" dirty="0">
                 <a:solidFill>
                   <a:srgbClr val="000000"/>
                 </a:solidFill>
@@ -15888,7 +17218,7 @@
               <a:t> </a:t>
             </a:r>
             <a:r>
-              <a:rPr lang="de-DE" altLang="de-DE" sz="1200">
+              <a:rPr lang="de-DE" altLang="de-DE" sz="1200" dirty="0" err="1">
                 <a:solidFill>
                   <a:srgbClr val="005032"/>
                 </a:solidFill>
@@ -15897,7 +17227,7 @@
               <a:t>EnergyMinimizingStrategy</a:t>
             </a:r>
             <a:r>
-              <a:rPr lang="de-DE" altLang="de-DE" sz="1200">
+              <a:rPr lang="de-DE" altLang="de-DE" sz="1200" dirty="0">
                 <a:solidFill>
                   <a:srgbClr val="000000"/>
                 </a:solidFill>
@@ -15916,7 +17246,7 @@
               <a:buNone/>
             </a:pPr>
             <a:r>
-              <a:rPr lang="de-DE" altLang="de-DE" sz="1200">
+              <a:rPr lang="de-DE" altLang="de-DE" sz="1200" dirty="0">
                 <a:solidFill>
                   <a:srgbClr val="000000"/>
                 </a:solidFill>
@@ -15925,7 +17255,7 @@
               <a:t>: </a:t>
             </a:r>
             <a:r>
-              <a:rPr lang="de-DE" altLang="de-DE" sz="1200">
+              <a:rPr lang="de-DE" altLang="de-DE" sz="1200" dirty="0" err="1">
                 <a:solidFill>
                   <a:srgbClr val="7F0055"/>
                 </a:solidFill>
@@ -15934,7 +17264,7 @@
               <a:t>public</a:t>
             </a:r>
             <a:r>
-              <a:rPr lang="de-DE" altLang="de-DE" sz="1200">
+              <a:rPr lang="de-DE" altLang="de-DE" sz="1200" dirty="0">
                 <a:solidFill>
                   <a:srgbClr val="000000"/>
                 </a:solidFill>
@@ -15943,7 +17273,7 @@
               <a:t> </a:t>
             </a:r>
             <a:r>
-              <a:rPr lang="de-DE" altLang="de-DE" sz="1200">
+              <a:rPr lang="de-DE" altLang="de-DE" sz="1200" dirty="0" err="1">
                 <a:solidFill>
                   <a:srgbClr val="005032"/>
                 </a:solidFill>
@@ -15952,7 +17282,7 @@
               <a:t>ElevatorStrategy</a:t>
             </a:r>
             <a:r>
-              <a:rPr lang="de-DE" altLang="de-DE" sz="1200">
+              <a:rPr lang="de-DE" altLang="de-DE" sz="1200" dirty="0">
                 <a:solidFill>
                   <a:srgbClr val="000000"/>
                 </a:solidFill>
@@ -15971,7 +17301,7 @@
               <a:buNone/>
             </a:pPr>
             <a:r>
-              <a:rPr lang="de-DE" altLang="de-DE" sz="1200">
+              <a:rPr lang="de-DE" altLang="de-DE" sz="1200" dirty="0" err="1">
                 <a:solidFill>
                   <a:srgbClr val="7F0055"/>
                 </a:solidFill>
@@ -15980,7 +17310,7 @@
               <a:t>public</a:t>
             </a:r>
             <a:r>
-              <a:rPr lang="de-DE" altLang="de-DE" sz="1200">
+              <a:rPr lang="de-DE" altLang="de-DE" sz="1200" dirty="0">
                 <a:solidFill>
                   <a:srgbClr val="000000"/>
                 </a:solidFill>
@@ -15999,13 +17329,31 @@
               <a:buNone/>
             </a:pPr>
             <a:r>
-              <a:rPr lang="de-DE" altLang="de-DE" sz="1200">
-                <a:solidFill>
-                  <a:srgbClr val="000000"/>
-                </a:solidFill>
-                <a:latin typeface="Consolas" pitchFamily="49" charset="0"/>
-              </a:rPr>
-              <a:t>  EnergyMinimizingStrategy();</a:t>
+              <a:rPr lang="de-DE" altLang="de-DE" sz="1200" dirty="0">
+                <a:solidFill>
+                  <a:srgbClr val="000000"/>
+                </a:solidFill>
+                <a:latin typeface="Consolas" pitchFamily="49" charset="0"/>
+              </a:rPr>
+              <a:t>  </a:t>
+            </a:r>
+            <a:r>
+              <a:rPr lang="de-DE" altLang="de-DE" sz="1200" dirty="0" err="1">
+                <a:solidFill>
+                  <a:srgbClr val="000000"/>
+                </a:solidFill>
+                <a:latin typeface="Consolas" pitchFamily="49" charset="0"/>
+              </a:rPr>
+              <a:t>EnergyMinimizingStrategy</a:t>
+            </a:r>
+            <a:r>
+              <a:rPr lang="de-DE" altLang="de-DE" sz="1200" dirty="0">
+                <a:solidFill>
+                  <a:srgbClr val="000000"/>
+                </a:solidFill>
+                <a:latin typeface="Consolas" pitchFamily="49" charset="0"/>
+              </a:rPr>
+              <a:t>();</a:t>
             </a:r>
           </a:p>
           <a:p>
@@ -16018,13 +17366,31 @@
               <a:buNone/>
             </a:pPr>
             <a:r>
-              <a:rPr lang="de-DE" altLang="de-DE" sz="1200">
-                <a:solidFill>
-                  <a:srgbClr val="000000"/>
-                </a:solidFill>
-                <a:latin typeface="Consolas" pitchFamily="49" charset="0"/>
-              </a:rPr>
-              <a:t>  ~EnergyMinimizingStrategy();</a:t>
+              <a:rPr lang="de-DE" altLang="de-DE" sz="1200" dirty="0">
+                <a:solidFill>
+                  <a:srgbClr val="000000"/>
+                </a:solidFill>
+                <a:latin typeface="Consolas" pitchFamily="49" charset="0"/>
+              </a:rPr>
+              <a:t>  ~</a:t>
+            </a:r>
+            <a:r>
+              <a:rPr lang="de-DE" altLang="de-DE" sz="1200" dirty="0" err="1">
+                <a:solidFill>
+                  <a:srgbClr val="000000"/>
+                </a:solidFill>
+                <a:latin typeface="Consolas" pitchFamily="49" charset="0"/>
+              </a:rPr>
+              <a:t>EnergyMinimizingStrategy</a:t>
+            </a:r>
+            <a:r>
+              <a:rPr lang="de-DE" altLang="de-DE" sz="1200" dirty="0">
+                <a:solidFill>
+                  <a:srgbClr val="000000"/>
+                </a:solidFill>
+                <a:latin typeface="Consolas" pitchFamily="49" charset="0"/>
+              </a:rPr>
+              <a:t>();</a:t>
             </a:r>
           </a:p>
           <a:p>
@@ -16036,7 +17402,7 @@
               <a:buFont typeface="Arial" charset="0"/>
               <a:buNone/>
             </a:pPr>
-            <a:endParaRPr lang="de-DE" altLang="de-DE" sz="1200" b="0">
+            <a:endParaRPr lang="de-DE" altLang="de-DE" sz="1200" b="0" dirty="0">
               <a:latin typeface="Consolas" pitchFamily="49" charset="0"/>
             </a:endParaRPr>
           </a:p>
@@ -16050,16 +17416,25 @@
               <a:buNone/>
             </a:pPr>
             <a:r>
-              <a:rPr lang="en-US" altLang="de-DE" sz="1200">
+              <a:rPr lang="en-US" altLang="de-DE" sz="1200" dirty="0">
                 <a:solidFill>
                   <a:srgbClr val="7F0055"/>
                 </a:solidFill>
                 <a:latin typeface="Consolas" pitchFamily="49" charset="0"/>
               </a:rPr>
-              <a:t>  const</a:t>
-            </a:r>
-            <a:r>
-              <a:rPr lang="en-US" altLang="de-DE" sz="1200">
+              <a:t>  </a:t>
+            </a:r>
+            <a:r>
+              <a:rPr lang="en-US" altLang="de-DE" sz="1200" dirty="0" err="1">
+                <a:solidFill>
+                  <a:srgbClr val="7F0055"/>
+                </a:solidFill>
+                <a:latin typeface="Consolas" pitchFamily="49" charset="0"/>
+              </a:rPr>
+              <a:t>const</a:t>
+            </a:r>
+            <a:r>
+              <a:rPr lang="en-US" altLang="de-DE" sz="1200" dirty="0">
                 <a:solidFill>
                   <a:srgbClr val="000000"/>
                 </a:solidFill>
@@ -16068,7 +17443,7 @@
               <a:t> </a:t>
             </a:r>
             <a:r>
-              <a:rPr lang="en-US" altLang="de-DE" sz="1200">
+              <a:rPr lang="en-US" altLang="de-DE" sz="1200" dirty="0">
                 <a:solidFill>
                   <a:srgbClr val="005032"/>
                 </a:solidFill>
@@ -16077,7 +17452,7 @@
               <a:t>Floor</a:t>
             </a:r>
             <a:r>
-              <a:rPr lang="en-US" altLang="de-DE" sz="1200">
+              <a:rPr lang="en-US" altLang="de-DE" sz="1200" dirty="0">
                 <a:solidFill>
                   <a:srgbClr val="000000"/>
                 </a:solidFill>
@@ -16096,7 +17471,7 @@
               <a:buNone/>
             </a:pPr>
             <a:r>
-              <a:rPr lang="en-US" altLang="de-DE" sz="1200">
+              <a:rPr lang="en-US" altLang="de-DE" sz="1200" dirty="0">
                 <a:solidFill>
                   <a:srgbClr val="000000"/>
                 </a:solidFill>
@@ -16105,7 +17480,7 @@
               <a:t>  next(</a:t>
             </a:r>
             <a:r>
-              <a:rPr lang="en-US" altLang="de-DE" sz="1200">
+              <a:rPr lang="en-US" altLang="de-DE" sz="1200" dirty="0" err="1">
                 <a:solidFill>
                   <a:srgbClr val="7F0055"/>
                 </a:solidFill>
@@ -16114,7 +17489,7 @@
               <a:t>const</a:t>
             </a:r>
             <a:r>
-              <a:rPr lang="en-US" altLang="de-DE" sz="1200">
+              <a:rPr lang="en-US" altLang="de-DE" sz="1200" dirty="0">
                 <a:solidFill>
                   <a:srgbClr val="000000"/>
                 </a:solidFill>
@@ -16123,7 +17498,7 @@
               <a:t> </a:t>
             </a:r>
             <a:r>
-              <a:rPr lang="en-US" altLang="de-DE" sz="1200">
+              <a:rPr lang="en-US" altLang="de-DE" sz="1200" dirty="0">
                 <a:solidFill>
                   <a:srgbClr val="005032"/>
                 </a:solidFill>
@@ -16132,7 +17507,7 @@
               <a:t>Elevator</a:t>
             </a:r>
             <a:r>
-              <a:rPr lang="en-US" altLang="de-DE" sz="1200">
+              <a:rPr lang="en-US" altLang="de-DE" sz="1200" dirty="0">
                 <a:solidFill>
                   <a:srgbClr val="000000"/>
                 </a:solidFill>
@@ -16141,7 +17516,7 @@
               <a:t>* elevator) </a:t>
             </a:r>
             <a:r>
-              <a:rPr lang="en-US" altLang="de-DE" sz="1200">
+              <a:rPr lang="en-US" altLang="de-DE" sz="1200" dirty="0" err="1">
                 <a:solidFill>
                   <a:srgbClr val="7F0055"/>
                 </a:solidFill>
@@ -16150,7 +17525,7 @@
               <a:t>const</a:t>
             </a:r>
             <a:r>
-              <a:rPr lang="en-US" altLang="de-DE" sz="1200">
+              <a:rPr lang="en-US" altLang="de-DE" sz="1200" dirty="0">
                 <a:solidFill>
                   <a:srgbClr val="000000"/>
                 </a:solidFill>
@@ -16169,7 +17544,7 @@
               <a:buNone/>
             </a:pPr>
             <a:r>
-              <a:rPr lang="de-DE" altLang="de-DE" sz="1200" b="0">
+              <a:rPr lang="de-DE" altLang="de-DE" sz="1200" b="0" dirty="0">
                 <a:solidFill>
                   <a:srgbClr val="000000"/>
                 </a:solidFill>
@@ -16177,7 +17552,7 @@
               </a:rPr>
               <a:t>}; </a:t>
             </a:r>
-            <a:endParaRPr lang="de-DE" altLang="de-DE" sz="1200" b="0"/>
+            <a:endParaRPr lang="de-DE" altLang="de-DE" sz="1200" b="0" dirty="0"/>
           </a:p>
         </p:txBody>
       </p:sp>
@@ -16366,16 +17741,25 @@
               <a:buNone/>
             </a:pPr>
             <a:r>
-              <a:rPr lang="de-DE" altLang="de-DE" sz="1200">
+              <a:rPr lang="de-DE" altLang="de-DE" sz="1200" dirty="0">
                 <a:solidFill>
                   <a:srgbClr val="7F0055"/>
                 </a:solidFill>
                 <a:latin typeface="Consolas" pitchFamily="49" charset="0"/>
               </a:rPr>
-              <a:t>#include</a:t>
-            </a:r>
-            <a:r>
-              <a:rPr lang="de-DE" altLang="de-DE" sz="1200">
+              <a:t>#</a:t>
+            </a:r>
+            <a:r>
+              <a:rPr lang="de-DE" altLang="de-DE" sz="1200" dirty="0" err="1">
+                <a:solidFill>
+                  <a:srgbClr val="7F0055"/>
+                </a:solidFill>
+                <a:latin typeface="Consolas" pitchFamily="49" charset="0"/>
+              </a:rPr>
+              <a:t>include</a:t>
+            </a:r>
+            <a:r>
+              <a:rPr lang="de-DE" altLang="de-DE" sz="1200" dirty="0">
                 <a:solidFill>
                   <a:srgbClr val="000000"/>
                 </a:solidFill>
@@ -16384,13 +17768,31 @@
               <a:t> </a:t>
             </a:r>
             <a:r>
-              <a:rPr lang="de-DE" altLang="de-DE" sz="1200">
+              <a:rPr lang="de-DE" altLang="de-DE" sz="1200" dirty="0">
                 <a:solidFill>
                   <a:srgbClr val="2A00FF"/>
                 </a:solidFill>
                 <a:latin typeface="Consolas" pitchFamily="49" charset="0"/>
               </a:rPr>
-              <a:t>"EnergyMinimizingStrategy.h"</a:t>
+              <a:t>"</a:t>
+            </a:r>
+            <a:r>
+              <a:rPr lang="de-DE" altLang="de-DE" sz="1200" dirty="0" err="1">
+                <a:solidFill>
+                  <a:srgbClr val="2A00FF"/>
+                </a:solidFill>
+                <a:latin typeface="Consolas" pitchFamily="49" charset="0"/>
+              </a:rPr>
+              <a:t>EnergyMinimizingStrategy.h</a:t>
+            </a:r>
+            <a:r>
+              <a:rPr lang="de-DE" altLang="de-DE" sz="1200" dirty="0">
+                <a:solidFill>
+                  <a:srgbClr val="2A00FF"/>
+                </a:solidFill>
+                <a:latin typeface="Consolas" pitchFamily="49" charset="0"/>
+              </a:rPr>
+              <a:t>"</a:t>
             </a:r>
           </a:p>
           <a:p>
@@ -16403,16 +17805,25 @@
               <a:buNone/>
             </a:pPr>
             <a:r>
-              <a:rPr lang="de-DE" altLang="de-DE" sz="1200">
+              <a:rPr lang="de-DE" altLang="de-DE" sz="1200" dirty="0">
                 <a:solidFill>
                   <a:srgbClr val="7F0055"/>
                 </a:solidFill>
                 <a:latin typeface="Consolas" pitchFamily="49" charset="0"/>
               </a:rPr>
-              <a:t>#include</a:t>
-            </a:r>
-            <a:r>
-              <a:rPr lang="de-DE" altLang="de-DE" sz="1200">
+              <a:t>#</a:t>
+            </a:r>
+            <a:r>
+              <a:rPr lang="de-DE" altLang="de-DE" sz="1200" dirty="0" err="1">
+                <a:solidFill>
+                  <a:srgbClr val="7F0055"/>
+                </a:solidFill>
+                <a:latin typeface="Consolas" pitchFamily="49" charset="0"/>
+              </a:rPr>
+              <a:t>include</a:t>
+            </a:r>
+            <a:r>
+              <a:rPr lang="de-DE" altLang="de-DE" sz="1200" dirty="0">
                 <a:solidFill>
                   <a:srgbClr val="000000"/>
                 </a:solidFill>
@@ -16421,13 +17832,31 @@
               <a:t> </a:t>
             </a:r>
             <a:r>
-              <a:rPr lang="de-DE" altLang="de-DE" sz="1200">
+              <a:rPr lang="de-DE" altLang="de-DE" sz="1200" dirty="0">
                 <a:solidFill>
                   <a:srgbClr val="2A00FF"/>
                 </a:solidFill>
                 <a:latin typeface="Consolas" pitchFamily="49" charset="0"/>
               </a:rPr>
-              <a:t>"Elevator.h"</a:t>
+              <a:t>"</a:t>
+            </a:r>
+            <a:r>
+              <a:rPr lang="de-DE" altLang="de-DE" sz="1200" dirty="0" err="1">
+                <a:solidFill>
+                  <a:srgbClr val="2A00FF"/>
+                </a:solidFill>
+                <a:latin typeface="Consolas" pitchFamily="49" charset="0"/>
+              </a:rPr>
+              <a:t>Elevator.h</a:t>
+            </a:r>
+            <a:r>
+              <a:rPr lang="de-DE" altLang="de-DE" sz="1200" dirty="0">
+                <a:solidFill>
+                  <a:srgbClr val="2A00FF"/>
+                </a:solidFill>
+                <a:latin typeface="Consolas" pitchFamily="49" charset="0"/>
+              </a:rPr>
+              <a:t>"</a:t>
             </a:r>
           </a:p>
           <a:p>
@@ -16440,7 +17869,7 @@
               <a:buNone/>
             </a:pPr>
             <a:r>
-              <a:rPr lang="de-DE" altLang="de-DE" sz="1200">
+              <a:rPr lang="de-DE" altLang="de-DE" sz="1200" dirty="0" err="1">
                 <a:solidFill>
                   <a:srgbClr val="7F0055"/>
                 </a:solidFill>
@@ -16449,7 +17878,7 @@
               <a:t>using</a:t>
             </a:r>
             <a:r>
-              <a:rPr lang="de-DE" altLang="de-DE" sz="1200">
+              <a:rPr lang="de-DE" altLang="de-DE" sz="1200" dirty="0">
                 <a:solidFill>
                   <a:srgbClr val="000000"/>
                 </a:solidFill>
@@ -16458,7 +17887,7 @@
               <a:t> </a:t>
             </a:r>
             <a:r>
-              <a:rPr lang="de-DE" altLang="de-DE" sz="1200">
+              <a:rPr lang="de-DE" altLang="de-DE" sz="1200" dirty="0" err="1">
                 <a:solidFill>
                   <a:srgbClr val="7F0055"/>
                 </a:solidFill>
@@ -16467,13 +17896,31 @@
               <a:t>namespace</a:t>
             </a:r>
             <a:r>
-              <a:rPr lang="de-DE" altLang="de-DE" sz="1200">
-                <a:solidFill>
-                  <a:srgbClr val="000000"/>
-                </a:solidFill>
-                <a:latin typeface="Consolas" pitchFamily="49" charset="0"/>
-              </a:rPr>
-              <a:t> std;</a:t>
+              <a:rPr lang="de-DE" altLang="de-DE" sz="1200" dirty="0">
+                <a:solidFill>
+                  <a:srgbClr val="000000"/>
+                </a:solidFill>
+                <a:latin typeface="Consolas" pitchFamily="49" charset="0"/>
+              </a:rPr>
+              <a:t> </a:t>
+            </a:r>
+            <a:r>
+              <a:rPr lang="de-DE" altLang="de-DE" sz="1200" dirty="0" err="1">
+                <a:solidFill>
+                  <a:srgbClr val="000000"/>
+                </a:solidFill>
+                <a:latin typeface="Consolas" pitchFamily="49" charset="0"/>
+              </a:rPr>
+              <a:t>std</a:t>
+            </a:r>
+            <a:r>
+              <a:rPr lang="de-DE" altLang="de-DE" sz="1200" dirty="0">
+                <a:solidFill>
+                  <a:srgbClr val="000000"/>
+                </a:solidFill>
+                <a:latin typeface="Consolas" pitchFamily="49" charset="0"/>
+              </a:rPr>
+              <a:t>;</a:t>
             </a:r>
           </a:p>
           <a:p>
@@ -16485,7 +17932,7 @@
               <a:buFont typeface="Arial" charset="0"/>
               <a:buNone/>
             </a:pPr>
-            <a:endParaRPr lang="de-DE" altLang="de-DE" sz="1200" b="0">
+            <a:endParaRPr lang="de-DE" altLang="de-DE" sz="1200" b="0" dirty="0">
               <a:latin typeface="Consolas" pitchFamily="49" charset="0"/>
             </a:endParaRPr>
           </a:p>
@@ -16499,13 +17946,40 @@
               <a:buNone/>
             </a:pPr>
             <a:r>
-              <a:rPr lang="de-DE" altLang="de-DE" sz="1200">
-                <a:solidFill>
-                  <a:srgbClr val="000000"/>
-                </a:solidFill>
-                <a:latin typeface="Consolas" pitchFamily="49" charset="0"/>
-              </a:rPr>
-              <a:t>EnergyMinimizingStrategy::EnergyMinimizingStrategy()</a:t>
+              <a:rPr lang="de-DE" altLang="de-DE" sz="1200" dirty="0" err="1">
+                <a:solidFill>
+                  <a:srgbClr val="000000"/>
+                </a:solidFill>
+                <a:latin typeface="Consolas" pitchFamily="49" charset="0"/>
+              </a:rPr>
+              <a:t>EnergyMinimizingStrategy</a:t>
+            </a:r>
+            <a:r>
+              <a:rPr lang="de-DE" altLang="de-DE" sz="1200" dirty="0">
+                <a:solidFill>
+                  <a:srgbClr val="000000"/>
+                </a:solidFill>
+                <a:latin typeface="Consolas" pitchFamily="49" charset="0"/>
+              </a:rPr>
+              <a:t>::</a:t>
+            </a:r>
+            <a:r>
+              <a:rPr lang="de-DE" altLang="de-DE" sz="1200" dirty="0" err="1">
+                <a:solidFill>
+                  <a:srgbClr val="000000"/>
+                </a:solidFill>
+                <a:latin typeface="Consolas" pitchFamily="49" charset="0"/>
+              </a:rPr>
+              <a:t>EnergyMinimizingStrategy</a:t>
+            </a:r>
+            <a:r>
+              <a:rPr lang="de-DE" altLang="de-DE" sz="1200" dirty="0">
+                <a:solidFill>
+                  <a:srgbClr val="000000"/>
+                </a:solidFill>
+                <a:latin typeface="Consolas" pitchFamily="49" charset="0"/>
+              </a:rPr>
+              <a:t>()</a:t>
             </a:r>
           </a:p>
           <a:p>
@@ -16518,13 +17992,31 @@
               <a:buNone/>
             </a:pPr>
             <a:r>
-              <a:rPr lang="de-DE" altLang="de-DE" sz="1200">
-                <a:solidFill>
-                  <a:srgbClr val="000000"/>
-                </a:solidFill>
-                <a:latin typeface="Consolas" pitchFamily="49" charset="0"/>
-              </a:rPr>
-              <a:t>: ElevatorStrategy() {</a:t>
+              <a:rPr lang="de-DE" altLang="de-DE" sz="1200" dirty="0">
+                <a:solidFill>
+                  <a:srgbClr val="000000"/>
+                </a:solidFill>
+                <a:latin typeface="Consolas" pitchFamily="49" charset="0"/>
+              </a:rPr>
+              <a:t>: </a:t>
+            </a:r>
+            <a:r>
+              <a:rPr lang="de-DE" altLang="de-DE" sz="1200" dirty="0" err="1">
+                <a:solidFill>
+                  <a:srgbClr val="000000"/>
+                </a:solidFill>
+                <a:latin typeface="Consolas" pitchFamily="49" charset="0"/>
+              </a:rPr>
+              <a:t>ElevatorStrategy</a:t>
+            </a:r>
+            <a:r>
+              <a:rPr lang="de-DE" altLang="de-DE" sz="1200" dirty="0">
+                <a:solidFill>
+                  <a:srgbClr val="000000"/>
+                </a:solidFill>
+                <a:latin typeface="Consolas" pitchFamily="49" charset="0"/>
+              </a:rPr>
+              <a:t>() {</a:t>
             </a:r>
           </a:p>
           <a:p>
@@ -16537,22 +18029,58 @@
               <a:buNone/>
             </a:pPr>
             <a:r>
-              <a:rPr lang="de-DE" altLang="de-DE" sz="1200" b="0">
-                <a:solidFill>
-                  <a:srgbClr val="000000"/>
-                </a:solidFill>
-                <a:latin typeface="Consolas" pitchFamily="49" charset="0"/>
-              </a:rPr>
-              <a:t>  cout &lt;&lt; </a:t>
-            </a:r>
-            <a:r>
-              <a:rPr lang="de-DE" altLang="de-DE" sz="1200" b="0">
+              <a:rPr lang="de-DE" altLang="de-DE" sz="1200" b="0" dirty="0">
+                <a:solidFill>
+                  <a:srgbClr val="000000"/>
+                </a:solidFill>
+                <a:latin typeface="Consolas" pitchFamily="49" charset="0"/>
+              </a:rPr>
+              <a:t>  </a:t>
+            </a:r>
+            <a:r>
+              <a:rPr lang="de-DE" altLang="de-DE" sz="1200" b="0" dirty="0" err="1">
+                <a:solidFill>
+                  <a:srgbClr val="000000"/>
+                </a:solidFill>
+                <a:latin typeface="Consolas" pitchFamily="49" charset="0"/>
+              </a:rPr>
+              <a:t>cout</a:t>
+            </a:r>
+            <a:r>
+              <a:rPr lang="de-DE" altLang="de-DE" sz="1200" b="0" dirty="0">
+                <a:solidFill>
+                  <a:srgbClr val="000000"/>
+                </a:solidFill>
+                <a:latin typeface="Consolas" pitchFamily="49" charset="0"/>
+              </a:rPr>
+              <a:t> &lt;&lt; </a:t>
+            </a:r>
+            <a:r>
+              <a:rPr lang="de-DE" altLang="de-DE" sz="1200" b="0" dirty="0">
                 <a:solidFill>
                   <a:srgbClr val="2A00FF"/>
                 </a:solidFill>
                 <a:latin typeface="Consolas" pitchFamily="49" charset="0"/>
               </a:rPr>
-              <a:t>"EnergyMinimizingStrategy(): "</a:t>
+              <a:t>"</a:t>
+            </a:r>
+            <a:r>
+              <a:rPr lang="de-DE" altLang="de-DE" sz="1200" b="0" dirty="0" err="1">
+                <a:solidFill>
+                  <a:srgbClr val="2A00FF"/>
+                </a:solidFill>
+                <a:latin typeface="Consolas" pitchFamily="49" charset="0"/>
+              </a:rPr>
+              <a:t>EnergyMinimizingStrategy</a:t>
+            </a:r>
+            <a:r>
+              <a:rPr lang="de-DE" altLang="de-DE" sz="1200" b="0" dirty="0">
+                <a:solidFill>
+                  <a:srgbClr val="2A00FF"/>
+                </a:solidFill>
+                <a:latin typeface="Consolas" pitchFamily="49" charset="0"/>
+              </a:rPr>
+              <a:t>(): "</a:t>
             </a:r>
           </a:p>
           <a:p>
@@ -16565,7 +18093,7 @@
               <a:buNone/>
             </a:pPr>
             <a:r>
-              <a:rPr lang="en-US" altLang="de-DE" sz="1200" b="0">
+              <a:rPr lang="en-US" altLang="de-DE" sz="1200" b="0" dirty="0">
                 <a:solidFill>
                   <a:srgbClr val="000000"/>
                 </a:solidFill>
@@ -16574,7 +18102,7 @@
               <a:t>       &lt;&lt; </a:t>
             </a:r>
             <a:r>
-              <a:rPr lang="en-US" altLang="de-DE" sz="1200" b="0">
+              <a:rPr lang="en-US" altLang="de-DE" sz="1200" b="0" dirty="0">
                 <a:solidFill>
                   <a:srgbClr val="2A00FF"/>
                 </a:solidFill>
@@ -16583,7 +18111,7 @@
               <a:t>"Creating energy minimizing strategy"</a:t>
             </a:r>
             <a:r>
-              <a:rPr lang="en-US" altLang="de-DE" sz="1200" b="0">
+              <a:rPr lang="en-US" altLang="de-DE" sz="1200" b="0" dirty="0">
                 <a:solidFill>
                   <a:srgbClr val="000000"/>
                 </a:solidFill>
@@ -16602,7 +18130,7 @@
               <a:buNone/>
             </a:pPr>
             <a:r>
-              <a:rPr lang="en-US" altLang="de-DE" sz="1200" b="0">
+              <a:rPr lang="en-US" altLang="de-DE" sz="1200" b="0" dirty="0">
                 <a:solidFill>
                   <a:srgbClr val="000000"/>
                 </a:solidFill>
@@ -16611,7 +18139,7 @@
               <a:t>       &lt;&lt; </a:t>
             </a:r>
             <a:r>
-              <a:rPr lang="en-US" altLang="de-DE" sz="1200">
+              <a:rPr lang="en-US" altLang="de-DE" sz="1200" dirty="0" err="1">
                 <a:solidFill>
                   <a:srgbClr val="642880"/>
                 </a:solidFill>
@@ -16620,7 +18148,7 @@
               <a:t>endl</a:t>
             </a:r>
             <a:r>
-              <a:rPr lang="en-US" altLang="de-DE" sz="1200">
+              <a:rPr lang="en-US" altLang="de-DE" sz="1200" dirty="0">
                 <a:solidFill>
                   <a:srgbClr val="000000"/>
                 </a:solidFill>
@@ -16639,7 +18167,7 @@
               <a:buNone/>
             </a:pPr>
             <a:r>
-              <a:rPr lang="de-DE" altLang="de-DE" sz="1200" b="0">
+              <a:rPr lang="de-DE" altLang="de-DE" sz="1200" b="0" dirty="0">
                 <a:solidFill>
                   <a:srgbClr val="000000"/>
                 </a:solidFill>
@@ -16657,7 +18185,7 @@
               <a:buFont typeface="Arial" charset="0"/>
               <a:buNone/>
             </a:pPr>
-            <a:endParaRPr lang="de-DE" altLang="de-DE" sz="1200" b="0">
+            <a:endParaRPr lang="de-DE" altLang="de-DE" sz="1200" b="0" dirty="0">
               <a:latin typeface="Consolas" pitchFamily="49" charset="0"/>
             </a:endParaRPr>
           </a:p>
@@ -16671,13 +18199,40 @@
               <a:buNone/>
             </a:pPr>
             <a:r>
-              <a:rPr lang="de-DE" altLang="de-DE" sz="1200">
-                <a:solidFill>
-                  <a:srgbClr val="000000"/>
-                </a:solidFill>
-                <a:latin typeface="Consolas" pitchFamily="49" charset="0"/>
-              </a:rPr>
-              <a:t>EnergyMinimizingStrategy::~EnergyMinimizingStrategy() {</a:t>
+              <a:rPr lang="de-DE" altLang="de-DE" sz="1200" dirty="0" err="1">
+                <a:solidFill>
+                  <a:srgbClr val="000000"/>
+                </a:solidFill>
+                <a:latin typeface="Consolas" pitchFamily="49" charset="0"/>
+              </a:rPr>
+              <a:t>EnergyMinimizingStrategy</a:t>
+            </a:r>
+            <a:r>
+              <a:rPr lang="de-DE" altLang="de-DE" sz="1200" dirty="0">
+                <a:solidFill>
+                  <a:srgbClr val="000000"/>
+                </a:solidFill>
+                <a:latin typeface="Consolas" pitchFamily="49" charset="0"/>
+              </a:rPr>
+              <a:t>::~</a:t>
+            </a:r>
+            <a:r>
+              <a:rPr lang="de-DE" altLang="de-DE" sz="1200" dirty="0" err="1">
+                <a:solidFill>
+                  <a:srgbClr val="000000"/>
+                </a:solidFill>
+                <a:latin typeface="Consolas" pitchFamily="49" charset="0"/>
+              </a:rPr>
+              <a:t>EnergyMinimizingStrategy</a:t>
+            </a:r>
+            <a:r>
+              <a:rPr lang="de-DE" altLang="de-DE" sz="1200" dirty="0">
+                <a:solidFill>
+                  <a:srgbClr val="000000"/>
+                </a:solidFill>
+                <a:latin typeface="Consolas" pitchFamily="49" charset="0"/>
+              </a:rPr>
+              <a:t>() {</a:t>
             </a:r>
           </a:p>
           <a:p>
@@ -16690,22 +18245,58 @@
               <a:buNone/>
             </a:pPr>
             <a:r>
-              <a:rPr lang="de-DE" altLang="de-DE" sz="1200" b="0">
-                <a:solidFill>
-                  <a:srgbClr val="000000"/>
-                </a:solidFill>
-                <a:latin typeface="Consolas" pitchFamily="49" charset="0"/>
-              </a:rPr>
-              <a:t>  cout &lt;&lt; </a:t>
-            </a:r>
-            <a:r>
-              <a:rPr lang="de-DE" altLang="de-DE" sz="1200" b="0">
+              <a:rPr lang="de-DE" altLang="de-DE" sz="1200" b="0" dirty="0">
+                <a:solidFill>
+                  <a:srgbClr val="000000"/>
+                </a:solidFill>
+                <a:latin typeface="Consolas" pitchFamily="49" charset="0"/>
+              </a:rPr>
+              <a:t>  </a:t>
+            </a:r>
+            <a:r>
+              <a:rPr lang="de-DE" altLang="de-DE" sz="1200" b="0" dirty="0" err="1">
+                <a:solidFill>
+                  <a:srgbClr val="000000"/>
+                </a:solidFill>
+                <a:latin typeface="Consolas" pitchFamily="49" charset="0"/>
+              </a:rPr>
+              <a:t>cout</a:t>
+            </a:r>
+            <a:r>
+              <a:rPr lang="de-DE" altLang="de-DE" sz="1200" b="0" dirty="0">
+                <a:solidFill>
+                  <a:srgbClr val="000000"/>
+                </a:solidFill>
+                <a:latin typeface="Consolas" pitchFamily="49" charset="0"/>
+              </a:rPr>
+              <a:t> &lt;&lt; </a:t>
+            </a:r>
+            <a:r>
+              <a:rPr lang="de-DE" altLang="de-DE" sz="1200" b="0" dirty="0">
                 <a:solidFill>
                   <a:srgbClr val="2A00FF"/>
                 </a:solidFill>
                 <a:latin typeface="Consolas" pitchFamily="49" charset="0"/>
               </a:rPr>
-              <a:t>"~EnergyMinimizingStrategy(): "</a:t>
+              <a:t>"~</a:t>
+            </a:r>
+            <a:r>
+              <a:rPr lang="de-DE" altLang="de-DE" sz="1200" b="0" dirty="0" err="1">
+                <a:solidFill>
+                  <a:srgbClr val="2A00FF"/>
+                </a:solidFill>
+                <a:latin typeface="Consolas" pitchFamily="49" charset="0"/>
+              </a:rPr>
+              <a:t>EnergyMinimizingStrategy</a:t>
+            </a:r>
+            <a:r>
+              <a:rPr lang="de-DE" altLang="de-DE" sz="1200" b="0" dirty="0">
+                <a:solidFill>
+                  <a:srgbClr val="2A00FF"/>
+                </a:solidFill>
+                <a:latin typeface="Consolas" pitchFamily="49" charset="0"/>
+              </a:rPr>
+              <a:t>(): "</a:t>
             </a:r>
           </a:p>
           <a:p>
@@ -16718,7 +18309,7 @@
               <a:buNone/>
             </a:pPr>
             <a:r>
-              <a:rPr lang="en-US" altLang="de-DE" sz="1200" b="0">
+              <a:rPr lang="en-US" altLang="de-DE" sz="1200" b="0" dirty="0">
                 <a:solidFill>
                   <a:srgbClr val="000000"/>
                 </a:solidFill>
@@ -16727,7 +18318,7 @@
               <a:t>       &lt;&lt; </a:t>
             </a:r>
             <a:r>
-              <a:rPr lang="en-US" altLang="de-DE" sz="1200" b="0">
+              <a:rPr lang="en-US" altLang="de-DE" sz="1200" b="0" dirty="0">
                 <a:solidFill>
                   <a:srgbClr val="2A00FF"/>
                 </a:solidFill>
@@ -16736,7 +18327,7 @@
               <a:t>"Destroying energy minimizing strategy"</a:t>
             </a:r>
             <a:r>
-              <a:rPr lang="en-US" altLang="de-DE" sz="1200" b="0">
+              <a:rPr lang="en-US" altLang="de-DE" sz="1200" b="0" dirty="0">
                 <a:solidFill>
                   <a:srgbClr val="000000"/>
                 </a:solidFill>
@@ -16755,7 +18346,7 @@
               <a:buNone/>
             </a:pPr>
             <a:r>
-              <a:rPr lang="en-US" altLang="de-DE" sz="1200" b="0">
+              <a:rPr lang="en-US" altLang="de-DE" sz="1200" b="0" dirty="0">
                 <a:solidFill>
                   <a:srgbClr val="000000"/>
                 </a:solidFill>
@@ -16764,7 +18355,7 @@
               <a:t>       &lt;&lt; </a:t>
             </a:r>
             <a:r>
-              <a:rPr lang="en-US" altLang="de-DE" sz="1200">
+              <a:rPr lang="en-US" altLang="de-DE" sz="1200" dirty="0" err="1">
                 <a:solidFill>
                   <a:srgbClr val="642880"/>
                 </a:solidFill>
@@ -16773,7 +18364,7 @@
               <a:t>endl</a:t>
             </a:r>
             <a:r>
-              <a:rPr lang="en-US" altLang="de-DE" sz="1200">
+              <a:rPr lang="en-US" altLang="de-DE" sz="1200" dirty="0">
                 <a:solidFill>
                   <a:srgbClr val="000000"/>
                 </a:solidFill>
@@ -16792,7 +18383,7 @@
               <a:buNone/>
             </a:pPr>
             <a:r>
-              <a:rPr lang="de-DE" altLang="de-DE" sz="1200" b="0">
+              <a:rPr lang="de-DE" altLang="de-DE" sz="1200" b="0" dirty="0">
                 <a:solidFill>
                   <a:srgbClr val="000000"/>
                 </a:solidFill>
@@ -16810,7 +18401,7 @@
               <a:buFont typeface="Arial" charset="0"/>
               <a:buNone/>
             </a:pPr>
-            <a:endParaRPr lang="de-DE" altLang="de-DE" sz="1200" b="0">
+            <a:endParaRPr lang="de-DE" altLang="de-DE" sz="1200" b="0" dirty="0">
               <a:latin typeface="Consolas" pitchFamily="49" charset="0"/>
             </a:endParaRPr>
           </a:p>
@@ -16824,7 +18415,7 @@
               <a:buNone/>
             </a:pPr>
             <a:r>
-              <a:rPr lang="de-DE" altLang="de-DE" sz="1200">
+              <a:rPr lang="de-DE" altLang="de-DE" sz="1200" dirty="0" err="1">
                 <a:solidFill>
                   <a:srgbClr val="7F0055"/>
                 </a:solidFill>
@@ -16833,7 +18424,7 @@
               <a:t>const</a:t>
             </a:r>
             <a:r>
-              <a:rPr lang="de-DE" altLang="de-DE" sz="1200">
+              <a:rPr lang="de-DE" altLang="de-DE" sz="1200" dirty="0">
                 <a:solidFill>
                   <a:srgbClr val="000000"/>
                 </a:solidFill>
@@ -16842,7 +18433,7 @@
               <a:t> </a:t>
             </a:r>
             <a:r>
-              <a:rPr lang="de-DE" altLang="de-DE" sz="1200">
+              <a:rPr lang="de-DE" altLang="de-DE" sz="1200" dirty="0">
                 <a:solidFill>
                   <a:srgbClr val="005032"/>
                 </a:solidFill>
@@ -16851,13 +18442,31 @@
               <a:t>Floor</a:t>
             </a:r>
             <a:r>
-              <a:rPr lang="de-DE" altLang="de-DE" sz="1200">
-                <a:solidFill>
-                  <a:srgbClr val="000000"/>
-                </a:solidFill>
-                <a:latin typeface="Consolas" pitchFamily="49" charset="0"/>
-              </a:rPr>
-              <a:t>* EnergyMinimizingStrategy::</a:t>
+              <a:rPr lang="de-DE" altLang="de-DE" sz="1200" dirty="0">
+                <a:solidFill>
+                  <a:srgbClr val="000000"/>
+                </a:solidFill>
+                <a:latin typeface="Consolas" pitchFamily="49" charset="0"/>
+              </a:rPr>
+              <a:t>* </a:t>
+            </a:r>
+            <a:r>
+              <a:rPr lang="de-DE" altLang="de-DE" sz="1200" dirty="0" err="1">
+                <a:solidFill>
+                  <a:srgbClr val="000000"/>
+                </a:solidFill>
+                <a:latin typeface="Consolas" pitchFamily="49" charset="0"/>
+              </a:rPr>
+              <a:t>EnergyMinimizingStrategy</a:t>
+            </a:r>
+            <a:r>
+              <a:rPr lang="de-DE" altLang="de-DE" sz="1200" dirty="0">
+                <a:solidFill>
+                  <a:srgbClr val="000000"/>
+                </a:solidFill>
+                <a:latin typeface="Consolas" pitchFamily="49" charset="0"/>
+              </a:rPr>
+              <a:t>::</a:t>
             </a:r>
           </a:p>
           <a:p>
@@ -16870,16 +18479,25 @@
               <a:buNone/>
             </a:pPr>
             <a:r>
-              <a:rPr lang="de-DE" altLang="de-DE" sz="1200">
-                <a:solidFill>
-                  <a:srgbClr val="000000"/>
-                </a:solidFill>
-                <a:latin typeface="Consolas" pitchFamily="49" charset="0"/>
-              </a:rPr>
-              <a:t>next(</a:t>
-            </a:r>
-            <a:r>
-              <a:rPr lang="de-DE" altLang="de-DE" sz="1200">
+              <a:rPr lang="de-DE" altLang="de-DE" sz="1200" dirty="0" err="1">
+                <a:solidFill>
+                  <a:srgbClr val="000000"/>
+                </a:solidFill>
+                <a:latin typeface="Consolas" pitchFamily="49" charset="0"/>
+              </a:rPr>
+              <a:t>next</a:t>
+            </a:r>
+            <a:r>
+              <a:rPr lang="de-DE" altLang="de-DE" sz="1200" dirty="0">
+                <a:solidFill>
+                  <a:srgbClr val="000000"/>
+                </a:solidFill>
+                <a:latin typeface="Consolas" pitchFamily="49" charset="0"/>
+              </a:rPr>
+              <a:t>(</a:t>
+            </a:r>
+            <a:r>
+              <a:rPr lang="de-DE" altLang="de-DE" sz="1200" dirty="0" err="1">
                 <a:solidFill>
                   <a:srgbClr val="7F0055"/>
                 </a:solidFill>
@@ -16888,7 +18506,7 @@
               <a:t>const</a:t>
             </a:r>
             <a:r>
-              <a:rPr lang="de-DE" altLang="de-DE" sz="1200">
+              <a:rPr lang="de-DE" altLang="de-DE" sz="1200" dirty="0">
                 <a:solidFill>
                   <a:srgbClr val="000000"/>
                 </a:solidFill>
@@ -16897,7 +18515,7 @@
               <a:t> </a:t>
             </a:r>
             <a:r>
-              <a:rPr lang="de-DE" altLang="de-DE" sz="1200">
+              <a:rPr lang="de-DE" altLang="de-DE" sz="1200" dirty="0">
                 <a:solidFill>
                   <a:srgbClr val="005032"/>
                 </a:solidFill>
@@ -16906,16 +18524,34 @@
               <a:t>Elevator</a:t>
             </a:r>
             <a:r>
-              <a:rPr lang="de-DE" altLang="de-DE" sz="1200">
-                <a:solidFill>
-                  <a:srgbClr val="000000"/>
-                </a:solidFill>
-                <a:latin typeface="Consolas" pitchFamily="49" charset="0"/>
-              </a:rPr>
-              <a:t>* elevator) </a:t>
-            </a:r>
-            <a:r>
-              <a:rPr lang="en-US" altLang="de-DE" sz="1200">
+              <a:rPr lang="de-DE" altLang="de-DE" sz="1200" dirty="0">
+                <a:solidFill>
+                  <a:srgbClr val="000000"/>
+                </a:solidFill>
+                <a:latin typeface="Consolas" pitchFamily="49" charset="0"/>
+              </a:rPr>
+              <a:t>* </a:t>
+            </a:r>
+            <a:r>
+              <a:rPr lang="de-DE" altLang="de-DE" sz="1200" dirty="0" err="1">
+                <a:solidFill>
+                  <a:srgbClr val="000000"/>
+                </a:solidFill>
+                <a:latin typeface="Consolas" pitchFamily="49" charset="0"/>
+              </a:rPr>
+              <a:t>elevator</a:t>
+            </a:r>
+            <a:r>
+              <a:rPr lang="de-DE" altLang="de-DE" sz="1200" dirty="0">
+                <a:solidFill>
+                  <a:srgbClr val="000000"/>
+                </a:solidFill>
+                <a:latin typeface="Consolas" pitchFamily="49" charset="0"/>
+              </a:rPr>
+              <a:t>) </a:t>
+            </a:r>
+            <a:r>
+              <a:rPr lang="en-US" altLang="de-DE" sz="1200" dirty="0" err="1">
                 <a:solidFill>
                   <a:srgbClr val="7F0055"/>
                 </a:solidFill>
@@ -16924,7 +18560,7 @@
               <a:t>const</a:t>
             </a:r>
             <a:r>
-              <a:rPr lang="de-DE" altLang="de-DE" sz="1200">
+              <a:rPr lang="de-DE" altLang="de-DE" sz="1200" dirty="0">
                 <a:solidFill>
                   <a:srgbClr val="000000"/>
                 </a:solidFill>
@@ -16943,22 +18579,76 @@
               <a:buNone/>
             </a:pPr>
             <a:r>
-              <a:rPr lang="de-DE" altLang="de-DE" sz="1200" b="0">
-                <a:solidFill>
-                  <a:srgbClr val="000000"/>
-                </a:solidFill>
-                <a:latin typeface="Consolas" pitchFamily="49" charset="0"/>
-              </a:rPr>
-              <a:t>  cout &lt;&lt; </a:t>
-            </a:r>
-            <a:r>
-              <a:rPr lang="de-DE" altLang="de-DE" sz="1200" b="0">
+              <a:rPr lang="de-DE" altLang="de-DE" sz="1200" b="0" dirty="0">
+                <a:solidFill>
+                  <a:srgbClr val="000000"/>
+                </a:solidFill>
+                <a:latin typeface="Consolas" pitchFamily="49" charset="0"/>
+              </a:rPr>
+              <a:t>  </a:t>
+            </a:r>
+            <a:r>
+              <a:rPr lang="de-DE" altLang="de-DE" sz="1200" b="0" dirty="0" err="1">
+                <a:solidFill>
+                  <a:srgbClr val="000000"/>
+                </a:solidFill>
+                <a:latin typeface="Consolas" pitchFamily="49" charset="0"/>
+              </a:rPr>
+              <a:t>cout</a:t>
+            </a:r>
+            <a:r>
+              <a:rPr lang="de-DE" altLang="de-DE" sz="1200" b="0" dirty="0">
+                <a:solidFill>
+                  <a:srgbClr val="000000"/>
+                </a:solidFill>
+                <a:latin typeface="Consolas" pitchFamily="49" charset="0"/>
+              </a:rPr>
+              <a:t> &lt;&lt; </a:t>
+            </a:r>
+            <a:r>
+              <a:rPr lang="de-DE" altLang="de-DE" sz="1200" b="0" dirty="0">
                 <a:solidFill>
                   <a:srgbClr val="2A00FF"/>
                 </a:solidFill>
                 <a:latin typeface="Consolas" pitchFamily="49" charset="0"/>
               </a:rPr>
-              <a:t>"EnergyMinimizingStrategy::next(...): "</a:t>
+              <a:t>"</a:t>
+            </a:r>
+            <a:r>
+              <a:rPr lang="de-DE" altLang="de-DE" sz="1200" b="0" dirty="0" err="1">
+                <a:solidFill>
+                  <a:srgbClr val="2A00FF"/>
+                </a:solidFill>
+                <a:latin typeface="Consolas" pitchFamily="49" charset="0"/>
+              </a:rPr>
+              <a:t>EnergyMinimizingStrategy</a:t>
+            </a:r>
+            <a:r>
+              <a:rPr lang="de-DE" altLang="de-DE" sz="1200" b="0" dirty="0">
+                <a:solidFill>
+                  <a:srgbClr val="2A00FF"/>
+                </a:solidFill>
+                <a:latin typeface="Consolas" pitchFamily="49" charset="0"/>
+              </a:rPr>
+              <a:t>::</a:t>
+            </a:r>
+            <a:r>
+              <a:rPr lang="de-DE" altLang="de-DE" sz="1200" b="0" dirty="0" err="1">
+                <a:solidFill>
+                  <a:srgbClr val="2A00FF"/>
+                </a:solidFill>
+                <a:latin typeface="Consolas" pitchFamily="49" charset="0"/>
+              </a:rPr>
+              <a:t>next</a:t>
+            </a:r>
+            <a:r>
+              <a:rPr lang="de-DE" altLang="de-DE" sz="1200" b="0" dirty="0">
+                <a:solidFill>
+                  <a:srgbClr val="2A00FF"/>
+                </a:solidFill>
+                <a:latin typeface="Consolas" pitchFamily="49" charset="0"/>
+              </a:rPr>
+              <a:t>(...): "</a:t>
             </a:r>
           </a:p>
           <a:p>
@@ -16971,7 +18661,7 @@
               <a:buNone/>
             </a:pPr>
             <a:r>
-              <a:rPr lang="en-US" altLang="de-DE" sz="1200" b="0">
+              <a:rPr lang="en-US" altLang="de-DE" sz="1200" b="0" dirty="0">
                 <a:solidFill>
                   <a:srgbClr val="000000"/>
                 </a:solidFill>
@@ -16980,7 +18670,7 @@
               <a:t>       &lt;&lt; </a:t>
             </a:r>
             <a:r>
-              <a:rPr lang="en-US" altLang="de-DE" sz="1200" b="0">
+              <a:rPr lang="en-US" altLang="de-DE" sz="1200" b="0" dirty="0">
                 <a:solidFill>
                   <a:srgbClr val="2A00FF"/>
                 </a:solidFill>
@@ -16989,7 +18679,7 @@
               <a:t>"Perform some complex calculation ..."</a:t>
             </a:r>
             <a:r>
-              <a:rPr lang="en-US" altLang="de-DE" sz="1200" b="0">
+              <a:rPr lang="en-US" altLang="de-DE" sz="1200" b="0" dirty="0">
                 <a:solidFill>
                   <a:srgbClr val="000000"/>
                 </a:solidFill>
@@ -17008,7 +18698,7 @@
               <a:buNone/>
             </a:pPr>
             <a:r>
-              <a:rPr lang="en-US" altLang="de-DE" sz="1200" b="0">
+              <a:rPr lang="en-US" altLang="de-DE" sz="1200" b="0" dirty="0">
                 <a:solidFill>
                   <a:srgbClr val="000000"/>
                 </a:solidFill>
@@ -17017,7 +18707,7 @@
               <a:t>       &lt;&lt; </a:t>
             </a:r>
             <a:r>
-              <a:rPr lang="en-US" altLang="de-DE" sz="1200">
+              <a:rPr lang="en-US" altLang="de-DE" sz="1200" dirty="0" err="1">
                 <a:solidFill>
                   <a:srgbClr val="642880"/>
                 </a:solidFill>
@@ -17026,7 +18716,7 @@
               <a:t>endl</a:t>
             </a:r>
             <a:r>
-              <a:rPr lang="en-US" altLang="de-DE" sz="1200">
+              <a:rPr lang="en-US" altLang="de-DE" sz="1200" dirty="0">
                 <a:solidFill>
                   <a:srgbClr val="000000"/>
                 </a:solidFill>
@@ -17044,7 +18734,7 @@
               <a:buFont typeface="Arial" charset="0"/>
               <a:buNone/>
             </a:pPr>
-            <a:endParaRPr lang="de-DE" altLang="de-DE" sz="1200" b="0">
+            <a:endParaRPr lang="de-DE" altLang="de-DE" sz="1200" b="0" dirty="0">
               <a:latin typeface="Consolas" pitchFamily="49" charset="0"/>
             </a:endParaRPr>
           </a:p>
@@ -17058,22 +18748,67 @@
               <a:buNone/>
             </a:pPr>
             <a:r>
-              <a:rPr lang="de-DE" altLang="de-DE" sz="1200">
+              <a:rPr lang="de-DE" altLang="de-DE" sz="1200" dirty="0">
                 <a:solidFill>
                   <a:srgbClr val="7F0055"/>
                 </a:solidFill>
                 <a:latin typeface="Consolas" pitchFamily="49" charset="0"/>
               </a:rPr>
-              <a:t>  return</a:t>
-            </a:r>
-            <a:r>
-              <a:rPr lang="de-DE" altLang="de-DE" sz="1200">
-                <a:solidFill>
-                  <a:srgbClr val="000000"/>
-                </a:solidFill>
-                <a:latin typeface="Consolas" pitchFamily="49" charset="0"/>
-              </a:rPr>
-              <a:t> elevator-&gt;getCurrentFloor();</a:t>
+              <a:t>  </a:t>
+            </a:r>
+            <a:r>
+              <a:rPr lang="de-DE" altLang="de-DE" sz="1200" dirty="0" err="1">
+                <a:solidFill>
+                  <a:srgbClr val="7F0055"/>
+                </a:solidFill>
+                <a:latin typeface="Consolas" pitchFamily="49" charset="0"/>
+              </a:rPr>
+              <a:t>return</a:t>
+            </a:r>
+            <a:r>
+              <a:rPr lang="de-DE" altLang="de-DE" sz="1200" dirty="0">
+                <a:solidFill>
+                  <a:srgbClr val="000000"/>
+                </a:solidFill>
+                <a:latin typeface="Consolas" pitchFamily="49" charset="0"/>
+              </a:rPr>
+              <a:t> </a:t>
+            </a:r>
+            <a:r>
+              <a:rPr lang="de-DE" altLang="de-DE" sz="1200" dirty="0" err="1">
+                <a:solidFill>
+                  <a:srgbClr val="000000"/>
+                </a:solidFill>
+                <a:latin typeface="Consolas" pitchFamily="49" charset="0"/>
+              </a:rPr>
+              <a:t>elevator</a:t>
+            </a:r>
+            <a:r>
+              <a:rPr lang="de-DE" altLang="de-DE" sz="1200" dirty="0">
+                <a:solidFill>
+                  <a:srgbClr val="000000"/>
+                </a:solidFill>
+                <a:latin typeface="Consolas" pitchFamily="49" charset="0"/>
+              </a:rPr>
+              <a:t>-&gt;</a:t>
+            </a:r>
+            <a:r>
+              <a:rPr lang="de-DE" altLang="de-DE" sz="1200" dirty="0" err="1">
+                <a:solidFill>
+                  <a:srgbClr val="000000"/>
+                </a:solidFill>
+                <a:latin typeface="Consolas" pitchFamily="49" charset="0"/>
+              </a:rPr>
+              <a:t>getCurrentFloor</a:t>
+            </a:r>
+            <a:r>
+              <a:rPr lang="de-DE" altLang="de-DE" sz="1200" dirty="0">
+                <a:solidFill>
+                  <a:srgbClr val="000000"/>
+                </a:solidFill>
+                <a:latin typeface="Consolas" pitchFamily="49" charset="0"/>
+              </a:rPr>
+              <a:t>();</a:t>
             </a:r>
           </a:p>
           <a:p>
@@ -17086,7 +18821,7 @@
               <a:buNone/>
             </a:pPr>
             <a:r>
-              <a:rPr lang="de-DE" altLang="de-DE" sz="1200" b="0">
+              <a:rPr lang="de-DE" altLang="de-DE" sz="1200" b="0" dirty="0">
                 <a:solidFill>
                   <a:srgbClr val="000000"/>
                 </a:solidFill>
@@ -17094,7 +18829,7 @@
               </a:rPr>
               <a:t>}</a:t>
             </a:r>
-            <a:endParaRPr lang="de-DE" altLang="de-DE" sz="1200" b="0"/>
+            <a:endParaRPr lang="de-DE" altLang="de-DE" sz="1200" b="0" dirty="0"/>
           </a:p>
         </p:txBody>
       </p:sp>
@@ -17106,36 +18841,27 @@
         </p:nvSpPr>
         <p:spPr>
           <a:xfrm>
-            <a:off x="1958975" y="1844675"/>
+            <a:off x="1633537" y="2151857"/>
             <a:ext cx="2325688" cy="885825"/>
           </a:xfrm>
           <a:prstGeom prst="wedgeRoundRectCallout">
             <a:avLst>
-              <a:gd name="adj1" fmla="val 2465"/>
-              <a:gd name="adj2" fmla="val 165226"/>
+              <a:gd name="adj1" fmla="val 9270"/>
+              <a:gd name="adj2" fmla="val 105673"/>
               <a:gd name="adj3" fmla="val 16667"/>
             </a:avLst>
           </a:prstGeom>
-          <a:solidFill>
-            <a:schemeClr val="bg1"/>
-          </a:solidFill>
-          <a:ln>
-            <a:solidFill>
-              <a:schemeClr val="tx1"/>
-            </a:solidFill>
-          </a:ln>
+          <a:ln/>
         </p:spPr>
         <p:style>
-          <a:lnRef idx="2">
-            <a:schemeClr val="accent1">
-              <a:shade val="50000"/>
-            </a:schemeClr>
+          <a:lnRef idx="1">
+            <a:schemeClr val="dk1"/>
           </a:lnRef>
-          <a:fillRef idx="1">
-            <a:schemeClr val="accent1"/>
+          <a:fillRef idx="3">
+            <a:schemeClr val="dk1"/>
           </a:fillRef>
-          <a:effectRef idx="0">
-            <a:schemeClr val="accent1"/>
+          <a:effectRef idx="2">
+            <a:schemeClr val="dk1"/>
           </a:effectRef>
           <a:fontRef idx="minor">
             <a:schemeClr val="lt1"/>
@@ -17151,7 +18877,7 @@
             <a:r>
               <a:rPr lang="de-DE" dirty="0">
                 <a:solidFill>
-                  <a:schemeClr val="tx1"/>
+                  <a:schemeClr val="bg1"/>
                 </a:solidFill>
               </a:rPr>
               <a:t>Vererbung in C++ wird so angegeben</a:t>
@@ -17177,26 +18903,17 @@
               <a:gd name="adj3" fmla="val 16667"/>
             </a:avLst>
           </a:prstGeom>
-          <a:solidFill>
-            <a:schemeClr val="bg1"/>
-          </a:solidFill>
-          <a:ln>
-            <a:solidFill>
-              <a:schemeClr val="tx1"/>
-            </a:solidFill>
-          </a:ln>
+          <a:ln/>
         </p:spPr>
         <p:style>
-          <a:lnRef idx="2">
-            <a:schemeClr val="accent1">
-              <a:shade val="50000"/>
-            </a:schemeClr>
+          <a:lnRef idx="1">
+            <a:schemeClr val="dk1"/>
           </a:lnRef>
-          <a:fillRef idx="1">
-            <a:schemeClr val="accent1"/>
+          <a:fillRef idx="3">
+            <a:schemeClr val="dk1"/>
           </a:fillRef>
-          <a:effectRef idx="0">
-            <a:schemeClr val="accent1"/>
+          <a:effectRef idx="2">
+            <a:schemeClr val="dk1"/>
           </a:effectRef>
           <a:fontRef idx="minor">
             <a:schemeClr val="lt1"/>
@@ -17212,7 +18929,7 @@
             <a:r>
               <a:rPr lang="de-DE" b="1" i="1" dirty="0" err="1">
                 <a:solidFill>
-                  <a:schemeClr val="tx1"/>
+                  <a:schemeClr val="bg1"/>
                 </a:solidFill>
               </a:rPr>
               <a:t>public</a:t>
@@ -17220,7 +18937,7 @@
             <a:r>
               <a:rPr lang="de-DE" b="1" i="1" dirty="0">
                 <a:solidFill>
-                  <a:schemeClr val="tx1"/>
+                  <a:schemeClr val="bg1"/>
                 </a:solidFill>
               </a:rPr>
               <a:t>-</a:t>
@@ -17228,7 +18945,7 @@
             <a:r>
               <a:rPr lang="de-DE" b="1" dirty="0">
                 <a:solidFill>
-                  <a:schemeClr val="tx1"/>
+                  <a:schemeClr val="bg1"/>
                 </a:solidFill>
               </a:rPr>
               <a:t>Vererbung</a:t>
@@ -17236,23 +18953,23 @@
             <a:r>
               <a:rPr lang="de-DE" dirty="0">
                 <a:solidFill>
-                  <a:schemeClr val="tx1"/>
+                  <a:schemeClr val="bg1"/>
                 </a:solidFill>
               </a:rPr>
               <a:t> entspricht dem Vererbungskonzept in Java.  </a:t>
             </a:r>
             <a:r>
-              <a:rPr lang="de-DE" i="1" dirty="0" err="1">
-                <a:solidFill>
-                  <a:schemeClr val="tx1"/>
+              <a:rPr lang="de-DE" b="1" i="1" dirty="0" err="1">
+                <a:solidFill>
+                  <a:schemeClr val="bg1"/>
                 </a:solidFill>
               </a:rPr>
               <a:t>protected</a:t>
             </a:r>
             <a:r>
-              <a:rPr lang="de-DE" i="1" dirty="0">
-                <a:solidFill>
-                  <a:schemeClr val="tx1"/>
+              <a:rPr lang="de-DE" b="1" i="1" dirty="0">
+                <a:solidFill>
+                  <a:schemeClr val="bg1"/>
                 </a:solidFill>
               </a:rPr>
               <a:t>-</a:t>
@@ -17260,26 +18977,50 @@
             <a:r>
               <a:rPr lang="de-DE" dirty="0">
                 <a:solidFill>
-                  <a:schemeClr val="tx1"/>
+                  <a:schemeClr val="bg1"/>
                 </a:solidFill>
               </a:rPr>
               <a:t> und </a:t>
             </a:r>
             <a:r>
-              <a:rPr lang="de-DE" i="1" dirty="0">
-                <a:solidFill>
-                  <a:schemeClr val="tx1"/>
-                </a:solidFill>
-              </a:rPr>
-              <a:t>Private</a:t>
+              <a:rPr lang="de-DE" b="1" i="1" dirty="0">
+                <a:solidFill>
+                  <a:schemeClr val="bg1"/>
+                </a:solidFill>
+              </a:rPr>
+              <a:t>p</a:t>
+            </a:r>
+            <a:r>
+              <a:rPr lang="de-DE" b="1" i="1" dirty="0" smtClean="0">
+                <a:solidFill>
+                  <a:schemeClr val="bg1"/>
+                </a:solidFill>
+              </a:rPr>
+              <a:t>rivate</a:t>
+            </a:r>
+            <a:r>
+              <a:rPr lang="de-DE" b="1" dirty="0" smtClean="0">
+                <a:solidFill>
+                  <a:schemeClr val="bg1"/>
+                </a:solidFill>
+              </a:rPr>
+              <a:t>-</a:t>
+            </a:r>
+            <a:r>
+              <a:rPr lang="de-DE" dirty="0" smtClean="0">
+                <a:solidFill>
+                  <a:schemeClr val="bg1"/>
+                </a:solidFill>
+              </a:rPr>
+              <a:t>Vererbung </a:t>
             </a:r>
             <a:r>
               <a:rPr lang="de-DE" dirty="0">
                 <a:solidFill>
-                  <a:schemeClr val="tx1"/>
-                </a:solidFill>
-              </a:rPr>
-              <a:t>-Vererbung schränken die Sichtbarkeit weiter ein</a:t>
+                  <a:schemeClr val="bg1"/>
+                </a:solidFill>
+              </a:rPr>
+              <a:t>schränken die Sichtbarkeit weiter ein</a:t>
             </a:r>
           </a:p>
         </p:txBody>
@@ -17302,26 +19043,17 @@
               <a:gd name="adj3" fmla="val 16667"/>
             </a:avLst>
           </a:prstGeom>
-          <a:solidFill>
-            <a:schemeClr val="bg1"/>
-          </a:solidFill>
-          <a:ln>
-            <a:solidFill>
-              <a:schemeClr val="tx1"/>
-            </a:solidFill>
-          </a:ln>
+          <a:ln/>
         </p:spPr>
         <p:style>
-          <a:lnRef idx="2">
-            <a:schemeClr val="accent1">
-              <a:shade val="50000"/>
-            </a:schemeClr>
+          <a:lnRef idx="1">
+            <a:schemeClr val="dk1"/>
           </a:lnRef>
-          <a:fillRef idx="1">
-            <a:schemeClr val="accent1"/>
+          <a:fillRef idx="3">
+            <a:schemeClr val="dk1"/>
           </a:fillRef>
-          <a:effectRef idx="0">
-            <a:schemeClr val="accent1"/>
+          <a:effectRef idx="2">
+            <a:schemeClr val="dk1"/>
           </a:effectRef>
           <a:fontRef idx="minor">
             <a:schemeClr val="lt1"/>
@@ -17337,7 +19069,7 @@
             <a:r>
               <a:rPr lang="de-DE" dirty="0">
                 <a:solidFill>
-                  <a:schemeClr val="tx1"/>
+                  <a:schemeClr val="bg1"/>
                 </a:solidFill>
               </a:rPr>
               <a:t>Entspricht </a:t>
@@ -17345,7 +19077,7 @@
             <a:r>
               <a:rPr lang="de-DE" b="1" i="1" dirty="0">
                 <a:solidFill>
-                  <a:schemeClr val="tx1"/>
+                  <a:schemeClr val="bg1"/>
                 </a:solidFill>
               </a:rPr>
               <a:t>super()</a:t>
@@ -17353,11 +19085,67 @@
             <a:r>
               <a:rPr lang="de-DE" dirty="0">
                 <a:solidFill>
-                  <a:schemeClr val="tx1"/>
+                  <a:schemeClr val="bg1"/>
                 </a:solidFill>
               </a:rPr>
               <a:t>-Aufruf in Java</a:t>
             </a:r>
+          </a:p>
+        </p:txBody>
+      </p:sp>
+      <p:sp>
+        <p:nvSpPr>
+          <p:cNvPr id="11" name="Gefaltete Ecke 10"/>
+          <p:cNvSpPr/>
+          <p:nvPr/>
+        </p:nvSpPr>
+        <p:spPr bwMode="auto">
+          <a:xfrm>
+            <a:off x="971600" y="1484784"/>
+            <a:ext cx="2930624" cy="431329"/>
+          </a:xfrm>
+          <a:prstGeom prst="foldedCorner">
+            <a:avLst/>
+          </a:prstGeom>
+          <a:solidFill>
+            <a:schemeClr val="bg1"/>
+          </a:solidFill>
+          <a:ln w="9525" cap="flat" cmpd="sng" algn="ctr">
+            <a:solidFill>
+              <a:schemeClr val="tx1"/>
+            </a:solidFill>
+            <a:prstDash val="solid"/>
+            <a:round/>
+            <a:headEnd type="none" w="med" len="med"/>
+            <a:tailEnd type="none" w="med" len="med"/>
+          </a:ln>
+          <a:effectLst/>
+          <a:extLst/>
+        </p:spPr>
+        <p:txBody>
+          <a:bodyPr vert="horz" wrap="none" lIns="91440" tIns="45720" rIns="91440" bIns="45720" numCol="1" rtlCol="0" anchor="ctr" anchorCtr="0" compatLnSpc="1">
+            <a:prstTxWarp prst="textNoShape">
+              <a:avLst/>
+            </a:prstTxWarp>
+          </a:bodyPr>
+          <a:lstStyle/>
+          <a:p>
+            <a:r>
+              <a:rPr lang="de-DE" dirty="0" err="1" smtClean="0"/>
+              <a:t>EnergyMinimizingStrategy.h</a:t>
+            </a:r>
+            <a:endParaRPr kumimoji="0" lang="en-US" sz="1800" b="0" i="0" u="none" strike="noStrike" cap="none" normalizeH="0" baseline="0" dirty="0" smtClean="0">
+              <a:ln>
+                <a:noFill/>
+              </a:ln>
+              <a:solidFill>
+                <a:schemeClr val="tx1"/>
+              </a:solidFill>
+              <a:effectLst/>
+              <a:latin typeface="Arial" charset="0"/>
+              <a:ea typeface="Lucida Sans Unicode" pitchFamily="34" charset="0"/>
+              <a:cs typeface="Lucida Sans Unicode" pitchFamily="34" charset="0"/>
+            </a:endParaRPr>
           </a:p>
         </p:txBody>
       </p:sp>
@@ -17595,9 +19383,8 @@
             <a:avLst/>
           </a:prstGeom>
           <a:solidFill>
-            <a:schemeClr val="accent1">
-              <a:lumMod val="20000"/>
-              <a:lumOff val="80000"/>
+            <a:schemeClr val="bg1">
+              <a:lumMod val="75000"/>
             </a:schemeClr>
           </a:solidFill>
           <a:ln w="9525" cap="flat" cmpd="sng" algn="ctr">
@@ -17976,10 +19763,7 @@
             <a:avLst/>
           </a:prstGeom>
           <a:solidFill>
-            <a:schemeClr val="bg2">
-              <a:lumMod val="60000"/>
-              <a:lumOff val="40000"/>
-            </a:schemeClr>
+            <a:srgbClr val="005AA9"/>
           </a:solidFill>
           <a:ln>
             <a:noFill/>
@@ -18124,10 +19908,7 @@
             <a:avLst/>
           </a:prstGeom>
           <a:solidFill>
-            <a:schemeClr val="bg2">
-              <a:lumMod val="60000"/>
-              <a:lumOff val="40000"/>
-            </a:schemeClr>
+            <a:srgbClr val="005AA9"/>
           </a:solidFill>
           <a:ln>
             <a:noFill/>
@@ -19493,25 +21274,15 @@
             <a:avLst/>
           </a:prstGeom>
           <a:solidFill>
-            <a:srgbClr val="FFFF00">
+            <a:schemeClr val="bg1">
+              <a:lumMod val="75000"/>
               <a:alpha val="50195"/>
-            </a:srgbClr>
+            </a:schemeClr>
           </a:solidFill>
           <a:ln>
             <a:noFill/>
           </a:ln>
-          <a:extLst>
-            <a:ext uri="{91240B29-F687-4F45-9708-019B960494DF}">
-              <a14:hiddenLine xmlns:a14="http://schemas.microsoft.com/office/drawing/2010/main" w="9525">
-                <a:solidFill>
-                  <a:srgbClr val="000000"/>
-                </a:solidFill>
-                <a:miter lim="800000"/>
-                <a:headEnd/>
-                <a:tailEnd/>
-              </a14:hiddenLine>
-            </a:ext>
-          </a:extLst>
+          <a:extLst/>
         </p:spPr>
         <p:txBody>
           <a:bodyPr wrap="none" anchor="ctr"/>
@@ -19676,25 +21447,15 @@
             <a:avLst/>
           </a:prstGeom>
           <a:solidFill>
-            <a:srgbClr val="FFFF00">
+            <a:schemeClr val="bg1">
+              <a:lumMod val="75000"/>
               <a:alpha val="50195"/>
-            </a:srgbClr>
+            </a:schemeClr>
           </a:solidFill>
           <a:ln>
             <a:noFill/>
           </a:ln>
-          <a:extLst>
-            <a:ext uri="{91240B29-F687-4F45-9708-019B960494DF}">
-              <a14:hiddenLine xmlns:a14="http://schemas.microsoft.com/office/drawing/2010/main" w="9525">
-                <a:solidFill>
-                  <a:srgbClr val="000000"/>
-                </a:solidFill>
-                <a:miter lim="800000"/>
-                <a:headEnd/>
-                <a:tailEnd/>
-              </a14:hiddenLine>
-            </a:ext>
-          </a:extLst>
+          <a:extLst/>
         </p:spPr>
         <p:txBody>
           <a:bodyPr wrap="none" anchor="ctr"/>
@@ -19859,25 +21620,15 @@
             <a:avLst/>
           </a:prstGeom>
           <a:solidFill>
-            <a:srgbClr val="FFFF00">
+            <a:schemeClr val="bg1">
+              <a:lumMod val="75000"/>
               <a:alpha val="50195"/>
-            </a:srgbClr>
+            </a:schemeClr>
           </a:solidFill>
           <a:ln>
             <a:noFill/>
           </a:ln>
-          <a:extLst>
-            <a:ext uri="{91240B29-F687-4F45-9708-019B960494DF}">
-              <a14:hiddenLine xmlns:a14="http://schemas.microsoft.com/office/drawing/2010/main" w="9525">
-                <a:solidFill>
-                  <a:srgbClr val="000000"/>
-                </a:solidFill>
-                <a:miter lim="800000"/>
-                <a:headEnd/>
-                <a:tailEnd/>
-              </a14:hiddenLine>
-            </a:ext>
-          </a:extLst>
+          <a:extLst/>
         </p:spPr>
         <p:txBody>
           <a:bodyPr wrap="none" anchor="ctr"/>
@@ -20232,12 +21983,58 @@
               <a:buNone/>
             </a:pPr>
             <a:r>
-              <a:rPr lang="de-DE" altLang="de-DE" sz="1200" b="0">
+              <a:rPr lang="de-DE" altLang="de-DE" sz="1200" b="0" dirty="0" err="1">
                 <a:latin typeface="Consolas" pitchFamily="49" charset="0"/>
                 <a:cs typeface="Consolas" pitchFamily="49" charset="0"/>
               </a:rPr>
-              <a:t>ElevatorStrategy(): Creating basic strategy</a:t>
-            </a:r>
+              <a:t>ElevatorStrategy</a:t>
+            </a:r>
+            <a:r>
+              <a:rPr lang="de-DE" altLang="de-DE" sz="1200" b="0" dirty="0">
+                <a:latin typeface="Consolas" pitchFamily="49" charset="0"/>
+                <a:cs typeface="Consolas" pitchFamily="49" charset="0"/>
+              </a:rPr>
+              <a:t>(): </a:t>
+            </a:r>
+            <a:r>
+              <a:rPr lang="de-DE" altLang="de-DE" sz="1200" b="0" dirty="0" err="1">
+                <a:latin typeface="Consolas" pitchFamily="49" charset="0"/>
+                <a:cs typeface="Consolas" pitchFamily="49" charset="0"/>
+              </a:rPr>
+              <a:t>Creating</a:t>
+            </a:r>
+            <a:r>
+              <a:rPr lang="de-DE" altLang="de-DE" sz="1200" b="0" dirty="0">
+                <a:latin typeface="Consolas" pitchFamily="49" charset="0"/>
+                <a:cs typeface="Consolas" pitchFamily="49" charset="0"/>
+              </a:rPr>
+              <a:t> </a:t>
+            </a:r>
+            <a:r>
+              <a:rPr lang="de-DE" altLang="de-DE" sz="1200" b="0" dirty="0" err="1">
+                <a:latin typeface="Consolas" pitchFamily="49" charset="0"/>
+                <a:cs typeface="Consolas" pitchFamily="49" charset="0"/>
+              </a:rPr>
+              <a:t>basic</a:t>
+            </a:r>
+            <a:r>
+              <a:rPr lang="de-DE" altLang="de-DE" sz="1200" b="0" dirty="0">
+                <a:latin typeface="Consolas" pitchFamily="49" charset="0"/>
+                <a:cs typeface="Consolas" pitchFamily="49" charset="0"/>
+              </a:rPr>
+              <a:t> </a:t>
+            </a:r>
+            <a:r>
+              <a:rPr lang="de-DE" altLang="de-DE" sz="1200" b="0" dirty="0" err="1">
+                <a:latin typeface="Consolas" pitchFamily="49" charset="0"/>
+                <a:cs typeface="Consolas" pitchFamily="49" charset="0"/>
+              </a:rPr>
+              <a:t>strategy</a:t>
+            </a:r>
+            <a:endParaRPr lang="de-DE" altLang="de-DE" sz="1200" b="0" dirty="0">
+              <a:latin typeface="Consolas" pitchFamily="49" charset="0"/>
+              <a:cs typeface="Consolas" pitchFamily="49" charset="0"/>
+            </a:endParaRPr>
           </a:p>
           <a:p>
             <a:pPr eaLnBrk="1" hangingPunct="1">
@@ -20249,12 +22046,72 @@
               <a:buNone/>
             </a:pPr>
             <a:r>
-              <a:rPr lang="de-DE" altLang="de-DE" sz="1200" b="0">
+              <a:rPr lang="de-DE" altLang="de-DE" sz="1200" b="0" dirty="0" err="1">
                 <a:latin typeface="Consolas" pitchFamily="49" charset="0"/>
                 <a:cs typeface="Consolas" pitchFamily="49" charset="0"/>
               </a:rPr>
-              <a:t>EnergyMinimizingStrategy(): Creating energy minimizing strategy</a:t>
-            </a:r>
+              <a:t>EnergyMinimizingStrategy</a:t>
+            </a:r>
+            <a:r>
+              <a:rPr lang="de-DE" altLang="de-DE" sz="1200" b="0" dirty="0">
+                <a:latin typeface="Consolas" pitchFamily="49" charset="0"/>
+                <a:cs typeface="Consolas" pitchFamily="49" charset="0"/>
+              </a:rPr>
+              <a:t>(): </a:t>
+            </a:r>
+            <a:r>
+              <a:rPr lang="de-DE" altLang="de-DE" sz="1200" b="0" dirty="0" err="1">
+                <a:latin typeface="Consolas" pitchFamily="49" charset="0"/>
+                <a:cs typeface="Consolas" pitchFamily="49" charset="0"/>
+              </a:rPr>
+              <a:t>Creating</a:t>
+            </a:r>
+            <a:r>
+              <a:rPr lang="de-DE" altLang="de-DE" sz="1200" b="0" dirty="0">
+                <a:latin typeface="Consolas" pitchFamily="49" charset="0"/>
+                <a:cs typeface="Consolas" pitchFamily="49" charset="0"/>
+              </a:rPr>
+              <a:t> </a:t>
+            </a:r>
+            <a:r>
+              <a:rPr lang="de-DE" altLang="de-DE" sz="1200" b="0" dirty="0" err="1">
+                <a:latin typeface="Consolas" pitchFamily="49" charset="0"/>
+                <a:cs typeface="Consolas" pitchFamily="49" charset="0"/>
+              </a:rPr>
+              <a:t>energy</a:t>
+            </a:r>
+            <a:r>
+              <a:rPr lang="de-DE" altLang="de-DE" sz="1200" b="0" dirty="0">
+                <a:latin typeface="Consolas" pitchFamily="49" charset="0"/>
+                <a:cs typeface="Consolas" pitchFamily="49" charset="0"/>
+              </a:rPr>
+              <a:t> </a:t>
+            </a:r>
+            <a:r>
+              <a:rPr lang="de-DE" altLang="de-DE" sz="1200" b="0" dirty="0" err="1">
+                <a:latin typeface="Consolas" pitchFamily="49" charset="0"/>
+                <a:cs typeface="Consolas" pitchFamily="49" charset="0"/>
+              </a:rPr>
+              <a:t>minimizing</a:t>
+            </a:r>
+            <a:r>
+              <a:rPr lang="de-DE" altLang="de-DE" sz="1200" b="0" dirty="0">
+                <a:latin typeface="Consolas" pitchFamily="49" charset="0"/>
+                <a:cs typeface="Consolas" pitchFamily="49" charset="0"/>
+              </a:rPr>
+              <a:t> </a:t>
+            </a:r>
+            <a:r>
+              <a:rPr lang="de-DE" altLang="de-DE" sz="1200" b="0" dirty="0" err="1">
+                <a:latin typeface="Consolas" pitchFamily="49" charset="0"/>
+                <a:cs typeface="Consolas" pitchFamily="49" charset="0"/>
+              </a:rPr>
+              <a:t>strategy</a:t>
+            </a:r>
+            <a:endParaRPr lang="de-DE" altLang="de-DE" sz="1200" b="0" dirty="0">
+              <a:latin typeface="Consolas" pitchFamily="49" charset="0"/>
+              <a:cs typeface="Consolas" pitchFamily="49" charset="0"/>
+            </a:endParaRPr>
           </a:p>
           <a:p>
             <a:pPr eaLnBrk="1" hangingPunct="1">
@@ -20265,7 +22122,7 @@
               <a:buFont typeface="Arial" charset="0"/>
               <a:buNone/>
             </a:pPr>
-            <a:endParaRPr lang="de-DE" altLang="de-DE" sz="1200" b="0">
+            <a:endParaRPr lang="de-DE" altLang="de-DE" sz="1200" b="0" dirty="0">
               <a:latin typeface="Consolas" pitchFamily="49" charset="0"/>
               <a:cs typeface="Consolas" pitchFamily="49" charset="0"/>
             </a:endParaRPr>
@@ -20280,11 +22137,39 @@
               <a:buNone/>
             </a:pPr>
             <a:r>
-              <a:rPr lang="de-DE" altLang="de-DE" sz="1000" b="0">
+              <a:rPr lang="de-DE" altLang="de-DE" sz="1000" b="0" dirty="0">
                 <a:latin typeface="Consolas" pitchFamily="49" charset="0"/>
                 <a:cs typeface="Consolas" pitchFamily="49" charset="0"/>
               </a:rPr>
-              <a:t>Floor(): Creating floor [0]</a:t>
+              <a:t>Floor(): </a:t>
+            </a:r>
+            <a:r>
+              <a:rPr lang="de-DE" altLang="de-DE" sz="1000" b="0" dirty="0" err="1">
+                <a:latin typeface="Consolas" pitchFamily="49" charset="0"/>
+                <a:cs typeface="Consolas" pitchFamily="49" charset="0"/>
+              </a:rPr>
+              <a:t>Creating</a:t>
+            </a:r>
+            <a:r>
+              <a:rPr lang="de-DE" altLang="de-DE" sz="1000" b="0" dirty="0">
+                <a:latin typeface="Consolas" pitchFamily="49" charset="0"/>
+                <a:cs typeface="Consolas" pitchFamily="49" charset="0"/>
+              </a:rPr>
+              <a:t> </a:t>
+            </a:r>
+            <a:r>
+              <a:rPr lang="de-DE" altLang="de-DE" sz="1000" b="0" dirty="0" err="1">
+                <a:latin typeface="Consolas" pitchFamily="49" charset="0"/>
+                <a:cs typeface="Consolas" pitchFamily="49" charset="0"/>
+              </a:rPr>
+              <a:t>floor</a:t>
+            </a:r>
+            <a:r>
+              <a:rPr lang="de-DE" altLang="de-DE" sz="1000" b="0" dirty="0">
+                <a:latin typeface="Consolas" pitchFamily="49" charset="0"/>
+                <a:cs typeface="Consolas" pitchFamily="49" charset="0"/>
+              </a:rPr>
+              <a:t> [0]</a:t>
             </a:r>
           </a:p>
           <a:p>
@@ -20297,11 +22182,25 @@
               <a:buNone/>
             </a:pPr>
             <a:r>
-              <a:rPr lang="en-US" altLang="de-DE" sz="1000" b="0">
+              <a:rPr lang="en-US" altLang="de-DE" sz="1000" b="0" dirty="0">
                 <a:latin typeface="Consolas" pitchFamily="49" charset="0"/>
                 <a:cs typeface="Consolas" pitchFamily="49" charset="0"/>
               </a:rPr>
-              <a:t>Floor(const Floor&amp;): Copying floor [0]</a:t>
+              <a:t>Floor(</a:t>
+            </a:r>
+            <a:r>
+              <a:rPr lang="en-US" altLang="de-DE" sz="1000" b="0" dirty="0" err="1">
+                <a:latin typeface="Consolas" pitchFamily="49" charset="0"/>
+                <a:cs typeface="Consolas" pitchFamily="49" charset="0"/>
+              </a:rPr>
+              <a:t>const</a:t>
+            </a:r>
+            <a:r>
+              <a:rPr lang="en-US" altLang="de-DE" sz="1000" b="0" dirty="0">
+                <a:latin typeface="Consolas" pitchFamily="49" charset="0"/>
+                <a:cs typeface="Consolas" pitchFamily="49" charset="0"/>
+              </a:rPr>
+              <a:t> Floor&amp;): Copying floor [0]</a:t>
             </a:r>
           </a:p>
           <a:p>
@@ -20314,11 +22213,25 @@
               <a:buNone/>
             </a:pPr>
             <a:r>
-              <a:rPr lang="en-US" altLang="de-DE" sz="1000" b="0">
+              <a:rPr lang="en-US" altLang="de-DE" sz="1000" b="0" dirty="0">
                 <a:latin typeface="Consolas" pitchFamily="49" charset="0"/>
                 <a:cs typeface="Consolas" pitchFamily="49" charset="0"/>
               </a:rPr>
-              <a:t>Floor(const Floor&amp;): Copying floor [0]</a:t>
+              <a:t>Floor(</a:t>
+            </a:r>
+            <a:r>
+              <a:rPr lang="en-US" altLang="de-DE" sz="1000" b="0" dirty="0" err="1">
+                <a:latin typeface="Consolas" pitchFamily="49" charset="0"/>
+                <a:cs typeface="Consolas" pitchFamily="49" charset="0"/>
+              </a:rPr>
+              <a:t>const</a:t>
+            </a:r>
+            <a:r>
+              <a:rPr lang="en-US" altLang="de-DE" sz="1000" b="0" dirty="0">
+                <a:latin typeface="Consolas" pitchFamily="49" charset="0"/>
+                <a:cs typeface="Consolas" pitchFamily="49" charset="0"/>
+              </a:rPr>
+              <a:t> Floor&amp;): Copying floor [0]</a:t>
             </a:r>
           </a:p>
           <a:p>
@@ -20331,11 +22244,25 @@
               <a:buNone/>
             </a:pPr>
             <a:r>
-              <a:rPr lang="en-US" altLang="de-DE" sz="1000" b="0">
+              <a:rPr lang="en-US" altLang="de-DE" sz="1000" b="0" dirty="0">
                 <a:latin typeface="Consolas" pitchFamily="49" charset="0"/>
                 <a:cs typeface="Consolas" pitchFamily="49" charset="0"/>
               </a:rPr>
-              <a:t>Floor(const Floor&amp;): Copying floor [0]</a:t>
+              <a:t>Floor(</a:t>
+            </a:r>
+            <a:r>
+              <a:rPr lang="en-US" altLang="de-DE" sz="1000" b="0" dirty="0" err="1">
+                <a:latin typeface="Consolas" pitchFamily="49" charset="0"/>
+                <a:cs typeface="Consolas" pitchFamily="49" charset="0"/>
+              </a:rPr>
+              <a:t>const</a:t>
+            </a:r>
+            <a:r>
+              <a:rPr lang="en-US" altLang="de-DE" sz="1000" b="0" dirty="0">
+                <a:latin typeface="Consolas" pitchFamily="49" charset="0"/>
+                <a:cs typeface="Consolas" pitchFamily="49" charset="0"/>
+              </a:rPr>
+              <a:t> Floor&amp;): Copying floor [0]</a:t>
             </a:r>
           </a:p>
           <a:p>
@@ -20348,11 +22275,25 @@
               <a:buNone/>
             </a:pPr>
             <a:r>
-              <a:rPr lang="en-US" altLang="de-DE" sz="1000" b="0">
+              <a:rPr lang="en-US" altLang="de-DE" sz="1000" b="0" dirty="0">
                 <a:latin typeface="Consolas" pitchFamily="49" charset="0"/>
                 <a:cs typeface="Consolas" pitchFamily="49" charset="0"/>
               </a:rPr>
-              <a:t>Floor(const Floor&amp;): Copying floor [0]</a:t>
+              <a:t>Floor(</a:t>
+            </a:r>
+            <a:r>
+              <a:rPr lang="en-US" altLang="de-DE" sz="1000" b="0" dirty="0" err="1">
+                <a:latin typeface="Consolas" pitchFamily="49" charset="0"/>
+                <a:cs typeface="Consolas" pitchFamily="49" charset="0"/>
+              </a:rPr>
+              <a:t>const</a:t>
+            </a:r>
+            <a:r>
+              <a:rPr lang="en-US" altLang="de-DE" sz="1000" b="0" dirty="0">
+                <a:latin typeface="Consolas" pitchFamily="49" charset="0"/>
+                <a:cs typeface="Consolas" pitchFamily="49" charset="0"/>
+              </a:rPr>
+              <a:t> Floor&amp;): Copying floor [0]</a:t>
             </a:r>
           </a:p>
           <a:p>
@@ -20365,11 +22306,25 @@
               <a:buNone/>
             </a:pPr>
             <a:r>
-              <a:rPr lang="en-US" altLang="de-DE" sz="1000" b="0">
+              <a:rPr lang="en-US" altLang="de-DE" sz="1000" b="0" dirty="0">
                 <a:latin typeface="Consolas" pitchFamily="49" charset="0"/>
                 <a:cs typeface="Consolas" pitchFamily="49" charset="0"/>
               </a:rPr>
-              <a:t>Floor(const Floor&amp;): Copying floor [0]</a:t>
+              <a:t>Floor(</a:t>
+            </a:r>
+            <a:r>
+              <a:rPr lang="en-US" altLang="de-DE" sz="1000" b="0" dirty="0" err="1">
+                <a:latin typeface="Consolas" pitchFamily="49" charset="0"/>
+                <a:cs typeface="Consolas" pitchFamily="49" charset="0"/>
+              </a:rPr>
+              <a:t>const</a:t>
+            </a:r>
+            <a:r>
+              <a:rPr lang="en-US" altLang="de-DE" sz="1000" b="0" dirty="0">
+                <a:latin typeface="Consolas" pitchFamily="49" charset="0"/>
+                <a:cs typeface="Consolas" pitchFamily="49" charset="0"/>
+              </a:rPr>
+              <a:t> Floor&amp;): Copying floor [0]</a:t>
             </a:r>
           </a:p>
           <a:p>
@@ -20382,11 +22337,25 @@
               <a:buNone/>
             </a:pPr>
             <a:r>
-              <a:rPr lang="en-US" altLang="de-DE" sz="1000" b="0">
+              <a:rPr lang="en-US" altLang="de-DE" sz="1000" b="0" dirty="0">
                 <a:latin typeface="Consolas" pitchFamily="49" charset="0"/>
                 <a:cs typeface="Consolas" pitchFamily="49" charset="0"/>
               </a:rPr>
-              <a:t>Floor(const Floor&amp;): Copying floor [0]</a:t>
+              <a:t>Floor(</a:t>
+            </a:r>
+            <a:r>
+              <a:rPr lang="en-US" altLang="de-DE" sz="1000" b="0" dirty="0" err="1">
+                <a:latin typeface="Consolas" pitchFamily="49" charset="0"/>
+                <a:cs typeface="Consolas" pitchFamily="49" charset="0"/>
+              </a:rPr>
+              <a:t>const</a:t>
+            </a:r>
+            <a:r>
+              <a:rPr lang="en-US" altLang="de-DE" sz="1000" b="0" dirty="0">
+                <a:latin typeface="Consolas" pitchFamily="49" charset="0"/>
+                <a:cs typeface="Consolas" pitchFamily="49" charset="0"/>
+              </a:rPr>
+              <a:t> Floor&amp;): Copying floor [0]</a:t>
             </a:r>
           </a:p>
           <a:p>
@@ -20399,11 +22368,39 @@
               <a:buNone/>
             </a:pPr>
             <a:r>
-              <a:rPr lang="de-DE" altLang="de-DE" sz="1000" b="0">
+              <a:rPr lang="de-DE" altLang="de-DE" sz="1000" b="0" dirty="0">
                 <a:latin typeface="Consolas" pitchFamily="49" charset="0"/>
                 <a:cs typeface="Consolas" pitchFamily="49" charset="0"/>
               </a:rPr>
-              <a:t>~Floor(): Destroying floor [0]</a:t>
+              <a:t>~Floor(): </a:t>
+            </a:r>
+            <a:r>
+              <a:rPr lang="de-DE" altLang="de-DE" sz="1000" b="0" dirty="0" err="1">
+                <a:latin typeface="Consolas" pitchFamily="49" charset="0"/>
+                <a:cs typeface="Consolas" pitchFamily="49" charset="0"/>
+              </a:rPr>
+              <a:t>Destroying</a:t>
+            </a:r>
+            <a:r>
+              <a:rPr lang="de-DE" altLang="de-DE" sz="1000" b="0" dirty="0">
+                <a:latin typeface="Consolas" pitchFamily="49" charset="0"/>
+                <a:cs typeface="Consolas" pitchFamily="49" charset="0"/>
+              </a:rPr>
+              <a:t> </a:t>
+            </a:r>
+            <a:r>
+              <a:rPr lang="de-DE" altLang="de-DE" sz="1000" b="0" dirty="0" err="1">
+                <a:latin typeface="Consolas" pitchFamily="49" charset="0"/>
+                <a:cs typeface="Consolas" pitchFamily="49" charset="0"/>
+              </a:rPr>
+              <a:t>floor</a:t>
+            </a:r>
+            <a:r>
+              <a:rPr lang="de-DE" altLang="de-DE" sz="1000" b="0" dirty="0">
+                <a:latin typeface="Consolas" pitchFamily="49" charset="0"/>
+                <a:cs typeface="Consolas" pitchFamily="49" charset="0"/>
+              </a:rPr>
+              <a:t> [0]</a:t>
             </a:r>
           </a:p>
           <a:p>
@@ -20415,7 +22412,7 @@
               <a:buFont typeface="Arial" charset="0"/>
               <a:buNone/>
             </a:pPr>
-            <a:endParaRPr lang="de-DE" altLang="de-DE" sz="1200" b="0">
+            <a:endParaRPr lang="de-DE" altLang="de-DE" sz="1200" b="0" dirty="0">
               <a:latin typeface="Consolas" pitchFamily="49" charset="0"/>
               <a:cs typeface="Consolas" pitchFamily="49" charset="0"/>
             </a:endParaRPr>
@@ -20430,11 +22427,39 @@
               <a:buNone/>
             </a:pPr>
             <a:r>
-              <a:rPr lang="de-DE" altLang="de-DE" sz="1000" b="0">
+              <a:rPr lang="de-DE" altLang="de-DE" sz="1000" b="0" dirty="0">
                 <a:latin typeface="Consolas" pitchFamily="49" charset="0"/>
                 <a:cs typeface="Consolas" pitchFamily="49" charset="0"/>
               </a:rPr>
-              <a:t>Elevator(): Creating elevator.</a:t>
+              <a:t>Elevator(): </a:t>
+            </a:r>
+            <a:r>
+              <a:rPr lang="de-DE" altLang="de-DE" sz="1000" b="0" dirty="0" err="1">
+                <a:latin typeface="Consolas" pitchFamily="49" charset="0"/>
+                <a:cs typeface="Consolas" pitchFamily="49" charset="0"/>
+              </a:rPr>
+              <a:t>Creating</a:t>
+            </a:r>
+            <a:r>
+              <a:rPr lang="de-DE" altLang="de-DE" sz="1000" b="0" dirty="0">
+                <a:latin typeface="Consolas" pitchFamily="49" charset="0"/>
+                <a:cs typeface="Consolas" pitchFamily="49" charset="0"/>
+              </a:rPr>
+              <a:t> </a:t>
+            </a:r>
+            <a:r>
+              <a:rPr lang="de-DE" altLang="de-DE" sz="1000" b="0" dirty="0" err="1">
+                <a:latin typeface="Consolas" pitchFamily="49" charset="0"/>
+                <a:cs typeface="Consolas" pitchFamily="49" charset="0"/>
+              </a:rPr>
+              <a:t>elevator</a:t>
+            </a:r>
+            <a:r>
+              <a:rPr lang="de-DE" altLang="de-DE" sz="1000" b="0" dirty="0">
+                <a:latin typeface="Consolas" pitchFamily="49" charset="0"/>
+                <a:cs typeface="Consolas" pitchFamily="49" charset="0"/>
+              </a:rPr>
+              <a:t>.</a:t>
             </a:r>
           </a:p>
           <a:p>
@@ -20447,7 +22472,7 @@
               <a:buNone/>
             </a:pPr>
             <a:r>
-              <a:rPr lang="en-US" altLang="de-DE" sz="1000" b="0">
+              <a:rPr lang="en-US" altLang="de-DE" sz="1000" b="0" dirty="0">
                 <a:latin typeface="Consolas" pitchFamily="49" charset="0"/>
                 <a:cs typeface="Consolas" pitchFamily="49" charset="0"/>
               </a:rPr>
@@ -20464,7 +22489,7 @@
               <a:buNone/>
             </a:pPr>
             <a:r>
-              <a:rPr lang="en-US" altLang="de-DE" sz="1000" b="0">
+              <a:rPr lang="en-US" altLang="de-DE" sz="1000" b="0" dirty="0">
                 <a:latin typeface="Consolas" pitchFamily="49" charset="0"/>
                 <a:cs typeface="Consolas" pitchFamily="49" charset="0"/>
               </a:rPr>
@@ -20480,7 +22505,7 @@
               <a:buFont typeface="Arial" charset="0"/>
               <a:buNone/>
             </a:pPr>
-            <a:endParaRPr lang="en-US" altLang="de-DE" sz="1200" b="0">
+            <a:endParaRPr lang="en-US" altLang="de-DE" sz="1200" b="0" dirty="0">
               <a:latin typeface="Consolas" pitchFamily="49" charset="0"/>
               <a:cs typeface="Consolas" pitchFamily="49" charset="0"/>
             </a:endParaRPr>
@@ -20495,14 +22520,34 @@
               <a:buNone/>
             </a:pPr>
             <a:r>
-              <a:rPr lang="en-US" altLang="de-DE" sz="1200">
+              <a:rPr lang="en-US" altLang="de-DE" sz="1200" dirty="0">
                 <a:solidFill>
                   <a:srgbClr val="FF0000"/>
                 </a:solidFill>
                 <a:latin typeface="Consolas" pitchFamily="49" charset="0"/>
                 <a:cs typeface="Consolas" pitchFamily="49" charset="0"/>
               </a:rPr>
-              <a:t>Elevator::moveToNextFloor():  Polymorphic call to strategy.</a:t>
+              <a:t>Elevator::</a:t>
+            </a:r>
+            <a:r>
+              <a:rPr lang="en-US" altLang="de-DE" sz="1200" dirty="0" err="1">
+                <a:solidFill>
+                  <a:srgbClr val="FF0000"/>
+                </a:solidFill>
+                <a:latin typeface="Consolas" pitchFamily="49" charset="0"/>
+                <a:cs typeface="Consolas" pitchFamily="49" charset="0"/>
+              </a:rPr>
+              <a:t>moveToNextFloor</a:t>
+            </a:r>
+            <a:r>
+              <a:rPr lang="en-US" altLang="de-DE" sz="1200" dirty="0">
+                <a:solidFill>
+                  <a:srgbClr val="FF0000"/>
+                </a:solidFill>
+                <a:latin typeface="Consolas" pitchFamily="49" charset="0"/>
+                <a:cs typeface="Consolas" pitchFamily="49" charset="0"/>
+              </a:rPr>
+              <a:t>():  Polymorphic call to strategy.</a:t>
             </a:r>
           </a:p>
           <a:p>
@@ -20515,14 +22560,24 @@
               <a:buNone/>
             </a:pPr>
             <a:r>
-              <a:rPr lang="en-US" altLang="de-DE" sz="1200">
+              <a:rPr lang="en-US" altLang="de-DE" sz="1200" dirty="0" err="1">
                 <a:solidFill>
                   <a:srgbClr val="FF0000"/>
                 </a:solidFill>
                 <a:latin typeface="Consolas" pitchFamily="49" charset="0"/>
                 <a:cs typeface="Consolas" pitchFamily="49" charset="0"/>
               </a:rPr>
-              <a:t>ElevatorStrategy::next(...): Using basic strategy ...</a:t>
+              <a:t>ElevatorStrategy</a:t>
+            </a:r>
+            <a:r>
+              <a:rPr lang="en-US" altLang="de-DE" sz="1200" dirty="0">
+                <a:solidFill>
+                  <a:srgbClr val="FF0000"/>
+                </a:solidFill>
+                <a:latin typeface="Consolas" pitchFamily="49" charset="0"/>
+                <a:cs typeface="Consolas" pitchFamily="49" charset="0"/>
+              </a:rPr>
+              <a:t>::next(...): Using basic strategy ...</a:t>
             </a:r>
           </a:p>
           <a:p>
@@ -20534,7 +22589,7 @@
               <a:buFont typeface="Arial" charset="0"/>
               <a:buNone/>
             </a:pPr>
-            <a:endParaRPr lang="en-US" altLang="de-DE" sz="1200" b="0">
+            <a:endParaRPr lang="en-US" altLang="de-DE" sz="1200" b="0" dirty="0">
               <a:latin typeface="Consolas" pitchFamily="49" charset="0"/>
               <a:cs typeface="Consolas" pitchFamily="49" charset="0"/>
             </a:endParaRPr>
@@ -20549,11 +22604,39 @@
               <a:buNone/>
             </a:pPr>
             <a:r>
-              <a:rPr lang="de-DE" altLang="de-DE" sz="1200" b="0">
+              <a:rPr lang="de-DE" altLang="de-DE" sz="1200" b="0" dirty="0">
                 <a:latin typeface="Consolas" pitchFamily="49" charset="0"/>
                 <a:cs typeface="Consolas" pitchFamily="49" charset="0"/>
               </a:rPr>
-              <a:t>~Building(): Destroying building.</a:t>
+              <a:t>~Building(): </a:t>
+            </a:r>
+            <a:r>
+              <a:rPr lang="de-DE" altLang="de-DE" sz="1200" b="0" dirty="0" err="1">
+                <a:latin typeface="Consolas" pitchFamily="49" charset="0"/>
+                <a:cs typeface="Consolas" pitchFamily="49" charset="0"/>
+              </a:rPr>
+              <a:t>Destroying</a:t>
+            </a:r>
+            <a:r>
+              <a:rPr lang="de-DE" altLang="de-DE" sz="1200" b="0" dirty="0">
+                <a:latin typeface="Consolas" pitchFamily="49" charset="0"/>
+                <a:cs typeface="Consolas" pitchFamily="49" charset="0"/>
+              </a:rPr>
+              <a:t> </a:t>
+            </a:r>
+            <a:r>
+              <a:rPr lang="de-DE" altLang="de-DE" sz="1200" b="0" dirty="0" err="1">
+                <a:latin typeface="Consolas" pitchFamily="49" charset="0"/>
+                <a:cs typeface="Consolas" pitchFamily="49" charset="0"/>
+              </a:rPr>
+              <a:t>building</a:t>
+            </a:r>
+            <a:r>
+              <a:rPr lang="de-DE" altLang="de-DE" sz="1200" b="0" dirty="0">
+                <a:latin typeface="Consolas" pitchFamily="49" charset="0"/>
+                <a:cs typeface="Consolas" pitchFamily="49" charset="0"/>
+              </a:rPr>
+              <a:t>.</a:t>
             </a:r>
           </a:p>
           <a:p>
@@ -20566,11 +22649,39 @@
               <a:buNone/>
             </a:pPr>
             <a:r>
-              <a:rPr lang="de-DE" altLang="de-DE" sz="1200" b="0">
+              <a:rPr lang="de-DE" altLang="de-DE" sz="1200" b="0" dirty="0">
                 <a:latin typeface="Consolas" pitchFamily="49" charset="0"/>
                 <a:cs typeface="Consolas" pitchFamily="49" charset="0"/>
               </a:rPr>
-              <a:t>~Elevator(): Destroying elevator.</a:t>
+              <a:t>~Elevator(): </a:t>
+            </a:r>
+            <a:r>
+              <a:rPr lang="de-DE" altLang="de-DE" sz="1200" b="0" dirty="0" err="1">
+                <a:latin typeface="Consolas" pitchFamily="49" charset="0"/>
+                <a:cs typeface="Consolas" pitchFamily="49" charset="0"/>
+              </a:rPr>
+              <a:t>Destroying</a:t>
+            </a:r>
+            <a:r>
+              <a:rPr lang="de-DE" altLang="de-DE" sz="1200" b="0" dirty="0">
+                <a:latin typeface="Consolas" pitchFamily="49" charset="0"/>
+                <a:cs typeface="Consolas" pitchFamily="49" charset="0"/>
+              </a:rPr>
+              <a:t> </a:t>
+            </a:r>
+            <a:r>
+              <a:rPr lang="de-DE" altLang="de-DE" sz="1200" b="0" dirty="0" err="1">
+                <a:latin typeface="Consolas" pitchFamily="49" charset="0"/>
+                <a:cs typeface="Consolas" pitchFamily="49" charset="0"/>
+              </a:rPr>
+              <a:t>elevator</a:t>
+            </a:r>
+            <a:r>
+              <a:rPr lang="de-DE" altLang="de-DE" sz="1200" b="0" dirty="0">
+                <a:latin typeface="Consolas" pitchFamily="49" charset="0"/>
+                <a:cs typeface="Consolas" pitchFamily="49" charset="0"/>
+              </a:rPr>
+              <a:t>.</a:t>
             </a:r>
           </a:p>
           <a:p>
@@ -20582,7 +22693,7 @@
               <a:buFont typeface="Arial" charset="0"/>
               <a:buNone/>
             </a:pPr>
-            <a:endParaRPr lang="de-DE" altLang="de-DE" sz="1200" b="0">
+            <a:endParaRPr lang="de-DE" altLang="de-DE" sz="1200" b="0" dirty="0">
               <a:latin typeface="Consolas" pitchFamily="49" charset="0"/>
               <a:cs typeface="Consolas" pitchFamily="49" charset="0"/>
             </a:endParaRPr>
@@ -20597,11 +22708,39 @@
               <a:buNone/>
             </a:pPr>
             <a:r>
-              <a:rPr lang="de-DE" altLang="de-DE" sz="1000" b="0">
+              <a:rPr lang="de-DE" altLang="de-DE" sz="1000" b="0" dirty="0">
                 <a:latin typeface="Consolas" pitchFamily="49" charset="0"/>
                 <a:cs typeface="Consolas" pitchFamily="49" charset="0"/>
               </a:rPr>
-              <a:t>~Floor(): Destroying floor [0]</a:t>
+              <a:t>~Floor(): </a:t>
+            </a:r>
+            <a:r>
+              <a:rPr lang="de-DE" altLang="de-DE" sz="1000" b="0" dirty="0" err="1">
+                <a:latin typeface="Consolas" pitchFamily="49" charset="0"/>
+                <a:cs typeface="Consolas" pitchFamily="49" charset="0"/>
+              </a:rPr>
+              <a:t>Destroying</a:t>
+            </a:r>
+            <a:r>
+              <a:rPr lang="de-DE" altLang="de-DE" sz="1000" b="0" dirty="0">
+                <a:latin typeface="Consolas" pitchFamily="49" charset="0"/>
+                <a:cs typeface="Consolas" pitchFamily="49" charset="0"/>
+              </a:rPr>
+              <a:t> </a:t>
+            </a:r>
+            <a:r>
+              <a:rPr lang="de-DE" altLang="de-DE" sz="1000" b="0" dirty="0" err="1">
+                <a:latin typeface="Consolas" pitchFamily="49" charset="0"/>
+                <a:cs typeface="Consolas" pitchFamily="49" charset="0"/>
+              </a:rPr>
+              <a:t>floor</a:t>
+            </a:r>
+            <a:r>
+              <a:rPr lang="de-DE" altLang="de-DE" sz="1000" b="0" dirty="0">
+                <a:latin typeface="Consolas" pitchFamily="49" charset="0"/>
+                <a:cs typeface="Consolas" pitchFamily="49" charset="0"/>
+              </a:rPr>
+              <a:t> [0]</a:t>
             </a:r>
           </a:p>
           <a:p>
@@ -20614,11 +22753,39 @@
               <a:buNone/>
             </a:pPr>
             <a:r>
-              <a:rPr lang="de-DE" altLang="de-DE" sz="1000" b="0">
+              <a:rPr lang="de-DE" altLang="de-DE" sz="1000" b="0" dirty="0">
                 <a:latin typeface="Consolas" pitchFamily="49" charset="0"/>
                 <a:cs typeface="Consolas" pitchFamily="49" charset="0"/>
               </a:rPr>
-              <a:t>~Floor(): Destroying floor [1]</a:t>
+              <a:t>~Floor(): </a:t>
+            </a:r>
+            <a:r>
+              <a:rPr lang="de-DE" altLang="de-DE" sz="1000" b="0" dirty="0" err="1">
+                <a:latin typeface="Consolas" pitchFamily="49" charset="0"/>
+                <a:cs typeface="Consolas" pitchFamily="49" charset="0"/>
+              </a:rPr>
+              <a:t>Destroying</a:t>
+            </a:r>
+            <a:r>
+              <a:rPr lang="de-DE" altLang="de-DE" sz="1000" b="0" dirty="0">
+                <a:latin typeface="Consolas" pitchFamily="49" charset="0"/>
+                <a:cs typeface="Consolas" pitchFamily="49" charset="0"/>
+              </a:rPr>
+              <a:t> </a:t>
+            </a:r>
+            <a:r>
+              <a:rPr lang="de-DE" altLang="de-DE" sz="1000" b="0" dirty="0" err="1">
+                <a:latin typeface="Consolas" pitchFamily="49" charset="0"/>
+                <a:cs typeface="Consolas" pitchFamily="49" charset="0"/>
+              </a:rPr>
+              <a:t>floor</a:t>
+            </a:r>
+            <a:r>
+              <a:rPr lang="de-DE" altLang="de-DE" sz="1000" b="0" dirty="0">
+                <a:latin typeface="Consolas" pitchFamily="49" charset="0"/>
+                <a:cs typeface="Consolas" pitchFamily="49" charset="0"/>
+              </a:rPr>
+              <a:t> [1]</a:t>
             </a:r>
           </a:p>
           <a:p>
@@ -20631,11 +22798,39 @@
               <a:buNone/>
             </a:pPr>
             <a:r>
-              <a:rPr lang="de-DE" altLang="de-DE" sz="1000" b="0">
+              <a:rPr lang="de-DE" altLang="de-DE" sz="1000" b="0" dirty="0">
                 <a:latin typeface="Consolas" pitchFamily="49" charset="0"/>
                 <a:cs typeface="Consolas" pitchFamily="49" charset="0"/>
               </a:rPr>
-              <a:t>~Floor(): Destroying floor [2]</a:t>
+              <a:t>~Floor(): </a:t>
+            </a:r>
+            <a:r>
+              <a:rPr lang="de-DE" altLang="de-DE" sz="1000" b="0" dirty="0" err="1">
+                <a:latin typeface="Consolas" pitchFamily="49" charset="0"/>
+                <a:cs typeface="Consolas" pitchFamily="49" charset="0"/>
+              </a:rPr>
+              <a:t>Destroying</a:t>
+            </a:r>
+            <a:r>
+              <a:rPr lang="de-DE" altLang="de-DE" sz="1000" b="0" dirty="0">
+                <a:latin typeface="Consolas" pitchFamily="49" charset="0"/>
+                <a:cs typeface="Consolas" pitchFamily="49" charset="0"/>
+              </a:rPr>
+              <a:t> </a:t>
+            </a:r>
+            <a:r>
+              <a:rPr lang="de-DE" altLang="de-DE" sz="1000" b="0" dirty="0" err="1">
+                <a:latin typeface="Consolas" pitchFamily="49" charset="0"/>
+                <a:cs typeface="Consolas" pitchFamily="49" charset="0"/>
+              </a:rPr>
+              <a:t>floor</a:t>
+            </a:r>
+            <a:r>
+              <a:rPr lang="de-DE" altLang="de-DE" sz="1000" b="0" dirty="0">
+                <a:latin typeface="Consolas" pitchFamily="49" charset="0"/>
+                <a:cs typeface="Consolas" pitchFamily="49" charset="0"/>
+              </a:rPr>
+              <a:t> [2]</a:t>
             </a:r>
           </a:p>
           <a:p>
@@ -20648,11 +22843,39 @@
               <a:buNone/>
             </a:pPr>
             <a:r>
-              <a:rPr lang="de-DE" altLang="de-DE" sz="1000" b="0">
+              <a:rPr lang="de-DE" altLang="de-DE" sz="1000" b="0" dirty="0">
                 <a:latin typeface="Consolas" pitchFamily="49" charset="0"/>
                 <a:cs typeface="Consolas" pitchFamily="49" charset="0"/>
               </a:rPr>
-              <a:t>~Floor(): Destroying floor [3]</a:t>
+              <a:t>~Floor(): </a:t>
+            </a:r>
+            <a:r>
+              <a:rPr lang="de-DE" altLang="de-DE" sz="1000" b="0" dirty="0" err="1">
+                <a:latin typeface="Consolas" pitchFamily="49" charset="0"/>
+                <a:cs typeface="Consolas" pitchFamily="49" charset="0"/>
+              </a:rPr>
+              <a:t>Destroying</a:t>
+            </a:r>
+            <a:r>
+              <a:rPr lang="de-DE" altLang="de-DE" sz="1000" b="0" dirty="0">
+                <a:latin typeface="Consolas" pitchFamily="49" charset="0"/>
+                <a:cs typeface="Consolas" pitchFamily="49" charset="0"/>
+              </a:rPr>
+              <a:t> </a:t>
+            </a:r>
+            <a:r>
+              <a:rPr lang="de-DE" altLang="de-DE" sz="1000" b="0" dirty="0" err="1">
+                <a:latin typeface="Consolas" pitchFamily="49" charset="0"/>
+                <a:cs typeface="Consolas" pitchFamily="49" charset="0"/>
+              </a:rPr>
+              <a:t>floor</a:t>
+            </a:r>
+            <a:r>
+              <a:rPr lang="de-DE" altLang="de-DE" sz="1000" b="0" dirty="0">
+                <a:latin typeface="Consolas" pitchFamily="49" charset="0"/>
+                <a:cs typeface="Consolas" pitchFamily="49" charset="0"/>
+              </a:rPr>
+              <a:t> [3]</a:t>
             </a:r>
           </a:p>
           <a:p>
@@ -20665,11 +22888,39 @@
               <a:buNone/>
             </a:pPr>
             <a:r>
-              <a:rPr lang="de-DE" altLang="de-DE" sz="1000" b="0">
+              <a:rPr lang="de-DE" altLang="de-DE" sz="1000" b="0" dirty="0">
                 <a:latin typeface="Consolas" pitchFamily="49" charset="0"/>
                 <a:cs typeface="Consolas" pitchFamily="49" charset="0"/>
               </a:rPr>
-              <a:t>~Floor(): Destroying floor [4]</a:t>
+              <a:t>~Floor(): </a:t>
+            </a:r>
+            <a:r>
+              <a:rPr lang="de-DE" altLang="de-DE" sz="1000" b="0" dirty="0" err="1">
+                <a:latin typeface="Consolas" pitchFamily="49" charset="0"/>
+                <a:cs typeface="Consolas" pitchFamily="49" charset="0"/>
+              </a:rPr>
+              <a:t>Destroying</a:t>
+            </a:r>
+            <a:r>
+              <a:rPr lang="de-DE" altLang="de-DE" sz="1000" b="0" dirty="0">
+                <a:latin typeface="Consolas" pitchFamily="49" charset="0"/>
+                <a:cs typeface="Consolas" pitchFamily="49" charset="0"/>
+              </a:rPr>
+              <a:t> </a:t>
+            </a:r>
+            <a:r>
+              <a:rPr lang="de-DE" altLang="de-DE" sz="1000" b="0" dirty="0" err="1">
+                <a:latin typeface="Consolas" pitchFamily="49" charset="0"/>
+                <a:cs typeface="Consolas" pitchFamily="49" charset="0"/>
+              </a:rPr>
+              <a:t>floor</a:t>
+            </a:r>
+            <a:r>
+              <a:rPr lang="de-DE" altLang="de-DE" sz="1000" b="0" dirty="0">
+                <a:latin typeface="Consolas" pitchFamily="49" charset="0"/>
+                <a:cs typeface="Consolas" pitchFamily="49" charset="0"/>
+              </a:rPr>
+              <a:t> [4]</a:t>
             </a:r>
           </a:p>
           <a:p>
@@ -20682,11 +22933,39 @@
               <a:buNone/>
             </a:pPr>
             <a:r>
-              <a:rPr lang="de-DE" altLang="de-DE" sz="1000" b="0">
+              <a:rPr lang="de-DE" altLang="de-DE" sz="1000" b="0" dirty="0">
                 <a:latin typeface="Consolas" pitchFamily="49" charset="0"/>
                 <a:cs typeface="Consolas" pitchFamily="49" charset="0"/>
               </a:rPr>
-              <a:t>~Floor(): Destroying floor [5]</a:t>
+              <a:t>~Floor(): </a:t>
+            </a:r>
+            <a:r>
+              <a:rPr lang="de-DE" altLang="de-DE" sz="1000" b="0" dirty="0" err="1">
+                <a:latin typeface="Consolas" pitchFamily="49" charset="0"/>
+                <a:cs typeface="Consolas" pitchFamily="49" charset="0"/>
+              </a:rPr>
+              <a:t>Destroying</a:t>
+            </a:r>
+            <a:r>
+              <a:rPr lang="de-DE" altLang="de-DE" sz="1000" b="0" dirty="0">
+                <a:latin typeface="Consolas" pitchFamily="49" charset="0"/>
+                <a:cs typeface="Consolas" pitchFamily="49" charset="0"/>
+              </a:rPr>
+              <a:t> </a:t>
+            </a:r>
+            <a:r>
+              <a:rPr lang="de-DE" altLang="de-DE" sz="1000" b="0" dirty="0" err="1">
+                <a:latin typeface="Consolas" pitchFamily="49" charset="0"/>
+                <a:cs typeface="Consolas" pitchFamily="49" charset="0"/>
+              </a:rPr>
+              <a:t>floor</a:t>
+            </a:r>
+            <a:r>
+              <a:rPr lang="de-DE" altLang="de-DE" sz="1000" b="0" dirty="0">
+                <a:latin typeface="Consolas" pitchFamily="49" charset="0"/>
+                <a:cs typeface="Consolas" pitchFamily="49" charset="0"/>
+              </a:rPr>
+              <a:t> [5]</a:t>
             </a:r>
           </a:p>
           <a:p>
@@ -20698,7 +22977,7 @@
               <a:buFont typeface="Arial" charset="0"/>
               <a:buNone/>
             </a:pPr>
-            <a:endParaRPr lang="de-DE" altLang="de-DE" sz="1200" b="0">
+            <a:endParaRPr lang="de-DE" altLang="de-DE" sz="1200" b="0" dirty="0">
               <a:latin typeface="Consolas" pitchFamily="49" charset="0"/>
               <a:cs typeface="Consolas" pitchFamily="49" charset="0"/>
             </a:endParaRPr>
@@ -20713,15 +22992,92 @@
               <a:buNone/>
             </a:pPr>
             <a:r>
-              <a:rPr lang="de-DE" altLang="de-DE" sz="1200">
+              <a:rPr lang="de-DE" altLang="de-DE" sz="1200" dirty="0">
                 <a:solidFill>
                   <a:srgbClr val="FF0000"/>
                 </a:solidFill>
                 <a:latin typeface="Consolas" pitchFamily="49" charset="0"/>
                 <a:cs typeface="Consolas" pitchFamily="49" charset="0"/>
               </a:rPr>
-              <a:t>~ElevatorStrategy(): Destroying basic strategy</a:t>
-            </a:r>
+              <a:t>~</a:t>
+            </a:r>
+            <a:r>
+              <a:rPr lang="de-DE" altLang="de-DE" sz="1200" dirty="0" err="1">
+                <a:solidFill>
+                  <a:srgbClr val="FF0000"/>
+                </a:solidFill>
+                <a:latin typeface="Consolas" pitchFamily="49" charset="0"/>
+                <a:cs typeface="Consolas" pitchFamily="49" charset="0"/>
+              </a:rPr>
+              <a:t>ElevatorStrategy</a:t>
+            </a:r>
+            <a:r>
+              <a:rPr lang="de-DE" altLang="de-DE" sz="1200" dirty="0">
+                <a:solidFill>
+                  <a:srgbClr val="FF0000"/>
+                </a:solidFill>
+                <a:latin typeface="Consolas" pitchFamily="49" charset="0"/>
+                <a:cs typeface="Consolas" pitchFamily="49" charset="0"/>
+              </a:rPr>
+              <a:t>(): </a:t>
+            </a:r>
+            <a:r>
+              <a:rPr lang="de-DE" altLang="de-DE" sz="1200" dirty="0" err="1">
+                <a:solidFill>
+                  <a:srgbClr val="FF0000"/>
+                </a:solidFill>
+                <a:latin typeface="Consolas" pitchFamily="49" charset="0"/>
+                <a:cs typeface="Consolas" pitchFamily="49" charset="0"/>
+              </a:rPr>
+              <a:t>Destroying</a:t>
+            </a:r>
+            <a:r>
+              <a:rPr lang="de-DE" altLang="de-DE" sz="1200" dirty="0">
+                <a:solidFill>
+                  <a:srgbClr val="FF0000"/>
+                </a:solidFill>
+                <a:latin typeface="Consolas" pitchFamily="49" charset="0"/>
+                <a:cs typeface="Consolas" pitchFamily="49" charset="0"/>
+              </a:rPr>
+              <a:t> </a:t>
+            </a:r>
+            <a:r>
+              <a:rPr lang="de-DE" altLang="de-DE" sz="1200" dirty="0" err="1">
+                <a:solidFill>
+                  <a:srgbClr val="FF0000"/>
+                </a:solidFill>
+                <a:latin typeface="Consolas" pitchFamily="49" charset="0"/>
+                <a:cs typeface="Consolas" pitchFamily="49" charset="0"/>
+              </a:rPr>
+              <a:t>basic</a:t>
+            </a:r>
+            <a:r>
+              <a:rPr lang="de-DE" altLang="de-DE" sz="1200" dirty="0">
+                <a:solidFill>
+                  <a:srgbClr val="FF0000"/>
+                </a:solidFill>
+                <a:latin typeface="Consolas" pitchFamily="49" charset="0"/>
+                <a:cs typeface="Consolas" pitchFamily="49" charset="0"/>
+              </a:rPr>
+              <a:t> </a:t>
+            </a:r>
+            <a:r>
+              <a:rPr lang="de-DE" altLang="de-DE" sz="1200" dirty="0" err="1">
+                <a:solidFill>
+                  <a:srgbClr val="FF0000"/>
+                </a:solidFill>
+                <a:latin typeface="Consolas" pitchFamily="49" charset="0"/>
+                <a:cs typeface="Consolas" pitchFamily="49" charset="0"/>
+              </a:rPr>
+              <a:t>strategy</a:t>
+            </a:r>
+            <a:endParaRPr lang="de-DE" altLang="de-DE" sz="1200" dirty="0">
+              <a:solidFill>
+                <a:srgbClr val="FF0000"/>
+              </a:solidFill>
+              <a:latin typeface="Consolas" pitchFamily="49" charset="0"/>
+              <a:cs typeface="Consolas" pitchFamily="49" charset="0"/>
+            </a:endParaRPr>
           </a:p>
         </p:txBody>
       </p:sp>
@@ -20743,26 +23099,17 @@
               <a:gd name="adj3" fmla="val 16667"/>
             </a:avLst>
           </a:prstGeom>
-          <a:solidFill>
-            <a:schemeClr val="bg1"/>
-          </a:solidFill>
-          <a:ln>
-            <a:solidFill>
-              <a:schemeClr val="tx1"/>
-            </a:solidFill>
-          </a:ln>
+          <a:ln/>
         </p:spPr>
         <p:style>
-          <a:lnRef idx="2">
-            <a:schemeClr val="accent1">
-              <a:shade val="50000"/>
-            </a:schemeClr>
+          <a:lnRef idx="1">
+            <a:schemeClr val="dk1"/>
           </a:lnRef>
-          <a:fillRef idx="1">
-            <a:schemeClr val="accent1"/>
+          <a:fillRef idx="3">
+            <a:schemeClr val="dk1"/>
           </a:fillRef>
-          <a:effectRef idx="0">
-            <a:schemeClr val="accent1"/>
+          <a:effectRef idx="2">
+            <a:schemeClr val="dk1"/>
           </a:effectRef>
           <a:fontRef idx="minor">
             <a:schemeClr val="lt1"/>
@@ -20778,7 +23125,7 @@
             <a:r>
               <a:rPr lang="de-DE" dirty="0" err="1">
                 <a:solidFill>
-                  <a:schemeClr val="tx1"/>
+                  <a:schemeClr val="bg1"/>
                 </a:solidFill>
               </a:rPr>
               <a:t>Konstruktoren</a:t>
@@ -20786,7 +23133,7 @@
             <a:r>
               <a:rPr lang="de-DE" dirty="0">
                 <a:solidFill>
-                  <a:schemeClr val="tx1"/>
+                  <a:schemeClr val="bg1"/>
                 </a:solidFill>
               </a:rPr>
               <a:t> werden richtig aufgerufen</a:t>
@@ -20812,26 +23159,17 @@
               <a:gd name="adj3" fmla="val 16667"/>
             </a:avLst>
           </a:prstGeom>
-          <a:solidFill>
-            <a:schemeClr val="bg1"/>
-          </a:solidFill>
-          <a:ln>
-            <a:solidFill>
-              <a:schemeClr val="tx1"/>
-            </a:solidFill>
-          </a:ln>
+          <a:ln/>
         </p:spPr>
         <p:style>
-          <a:lnRef idx="2">
-            <a:schemeClr val="accent1">
-              <a:shade val="50000"/>
-            </a:schemeClr>
+          <a:lnRef idx="1">
+            <a:schemeClr val="dk1"/>
           </a:lnRef>
-          <a:fillRef idx="1">
-            <a:schemeClr val="accent1"/>
+          <a:fillRef idx="3">
+            <a:schemeClr val="dk1"/>
           </a:fillRef>
-          <a:effectRef idx="0">
-            <a:schemeClr val="accent1"/>
+          <a:effectRef idx="2">
+            <a:schemeClr val="dk1"/>
           </a:effectRef>
           <a:fontRef idx="minor">
             <a:schemeClr val="lt1"/>
@@ -20847,10 +23185,18 @@
             <a:r>
               <a:rPr lang="de-DE" dirty="0">
                 <a:solidFill>
-                  <a:schemeClr val="tx1"/>
-                </a:solidFill>
-              </a:rPr>
-              <a:t>Polymorpher Aufruf hat aber nicht funktioniert!</a:t>
+                  <a:schemeClr val="bg1"/>
+                </a:solidFill>
+              </a:rPr>
+              <a:t>Polymorpher Aufruf hat aber </a:t>
+            </a:r>
+            <a:r>
+              <a:rPr lang="de-DE" b="1" dirty="0">
+                <a:solidFill>
+                  <a:schemeClr val="bg1"/>
+                </a:solidFill>
+              </a:rPr>
+              <a:t>nicht funktioniert!</a:t>
             </a:r>
           </a:p>
         </p:txBody>
@@ -20873,26 +23219,17 @@
               <a:gd name="adj3" fmla="val 16667"/>
             </a:avLst>
           </a:prstGeom>
-          <a:solidFill>
-            <a:schemeClr val="bg1"/>
-          </a:solidFill>
-          <a:ln>
-            <a:solidFill>
-              <a:schemeClr val="tx1"/>
-            </a:solidFill>
-          </a:ln>
+          <a:ln/>
         </p:spPr>
         <p:style>
-          <a:lnRef idx="2">
-            <a:schemeClr val="accent1">
-              <a:shade val="50000"/>
-            </a:schemeClr>
+          <a:lnRef idx="1">
+            <a:schemeClr val="dk1"/>
           </a:lnRef>
-          <a:fillRef idx="1">
-            <a:schemeClr val="accent1"/>
+          <a:fillRef idx="3">
+            <a:schemeClr val="dk1"/>
           </a:fillRef>
-          <a:effectRef idx="0">
-            <a:schemeClr val="accent1"/>
+          <a:effectRef idx="2">
+            <a:schemeClr val="dk1"/>
           </a:effectRef>
           <a:fontRef idx="minor">
             <a:schemeClr val="lt1"/>
@@ -20908,7 +23245,7 @@
             <a:r>
               <a:rPr lang="de-DE" dirty="0" err="1">
                 <a:solidFill>
-                  <a:schemeClr val="tx1"/>
+                  <a:schemeClr val="bg1"/>
                 </a:solidFill>
               </a:rPr>
               <a:t>Destruktor</a:t>
@@ -20916,11 +23253,71 @@
             <a:r>
               <a:rPr lang="de-DE" dirty="0">
                 <a:solidFill>
-                  <a:schemeClr val="tx1"/>
+                  <a:schemeClr val="bg1"/>
                 </a:solidFill>
               </a:rPr>
               <a:t> der Subklasse wurde nicht aufgerufen!</a:t>
             </a:r>
+          </a:p>
+        </p:txBody>
+      </p:sp>
+      <p:sp>
+        <p:nvSpPr>
+          <p:cNvPr id="2" name="Textfeld 1"/>
+          <p:cNvSpPr txBox="1"/>
+          <p:nvPr/>
+        </p:nvSpPr>
+        <p:spPr>
+          <a:xfrm>
+            <a:off x="5148064" y="3212976"/>
+            <a:ext cx="441146" cy="951030"/>
+          </a:xfrm>
+          <a:prstGeom prst="rect">
+            <a:avLst/>
+          </a:prstGeom>
+          <a:noFill/>
+        </p:spPr>
+        <p:txBody>
+          <a:bodyPr wrap="none" rtlCol="0">
+            <a:spAutoFit/>
+          </a:bodyPr>
+          <a:lstStyle/>
+          <a:p>
+            <a:r>
+              <a:rPr lang="de-DE" sz="6000" b="1" dirty="0" smtClean="0"/>
+              <a:t>!</a:t>
+            </a:r>
+            <a:endParaRPr lang="en-US" sz="6000" b="1" dirty="0"/>
+          </a:p>
+        </p:txBody>
+      </p:sp>
+      <p:sp>
+        <p:nvSpPr>
+          <p:cNvPr id="11" name="Textfeld 10"/>
+          <p:cNvSpPr txBox="1"/>
+          <p:nvPr/>
+        </p:nvSpPr>
+        <p:spPr>
+          <a:xfrm>
+            <a:off x="4630917" y="5128360"/>
+            <a:ext cx="441146" cy="951030"/>
+          </a:xfrm>
+          <a:prstGeom prst="rect">
+            <a:avLst/>
+          </a:prstGeom>
+          <a:noFill/>
+        </p:spPr>
+        <p:txBody>
+          <a:bodyPr wrap="none" rtlCol="0">
+            <a:spAutoFit/>
+          </a:bodyPr>
+          <a:lstStyle/>
+          <a:p>
+            <a:r>
+              <a:rPr lang="de-DE" sz="6000" b="1" dirty="0" smtClean="0"/>
+              <a:t>!</a:t>
+            </a:r>
+            <a:endParaRPr lang="en-US" sz="6000" b="1" dirty="0"/>
           </a:p>
         </p:txBody>
       </p:sp>
@@ -20991,13 +23388,13 @@
                     </p:cTn>
                   </p:par>
                   <p:par>
-                    <p:cTn id="8" fill="hold" nodeType="clickPar">
+                    <p:cTn id="8" fill="hold">
                       <p:stCondLst>
                         <p:cond delay="indefinite"/>
                       </p:stCondLst>
                       <p:childTnLst>
                         <p:par>
-                          <p:cTn id="9" fill="hold" nodeType="withGroup">
+                          <p:cTn id="9" fill="hold">
                             <p:stCondLst>
                               <p:cond delay="0"/>
                             </p:stCondLst>
@@ -21037,6 +23434,41 @@
                                   </p:childTnLst>
                                 </p:cTn>
                               </p:par>
+                              <p:par>
+                                <p:cTn id="13" presetID="10" presetClass="entr" presetSubtype="0" fill="hold" grpId="0" nodeType="withEffect">
+                                  <p:stCondLst>
+                                    <p:cond delay="0"/>
+                                  </p:stCondLst>
+                                  <p:childTnLst>
+                                    <p:set>
+                                      <p:cBhvr>
+                                        <p:cTn id="14" dur="1" fill="hold">
+                                          <p:stCondLst>
+                                            <p:cond delay="0"/>
+                                          </p:stCondLst>
+                                        </p:cTn>
+                                        <p:tgtEl>
+                                          <p:spTgt spid="2"/>
+                                        </p:tgtEl>
+                                        <p:attrNameLst>
+                                          <p:attrName>style.visibility</p:attrName>
+                                        </p:attrNameLst>
+                                      </p:cBhvr>
+                                      <p:to>
+                                        <p:strVal val="visible"/>
+                                      </p:to>
+                                    </p:set>
+                                    <p:animEffect transition="in" filter="fade">
+                                      <p:cBhvr>
+                                        <p:cTn id="15" dur="500"/>
+                                        <p:tgtEl>
+                                          <p:spTgt spid="2"/>
+                                        </p:tgtEl>
+                                      </p:cBhvr>
+                                    </p:animEffect>
+                                  </p:childTnLst>
+                                </p:cTn>
+                              </p:par>
                             </p:childTnLst>
                           </p:cTn>
                         </p:par>
@@ -21044,26 +23476,26 @@
                     </p:cTn>
                   </p:par>
                   <p:par>
-                    <p:cTn id="13" fill="hold" nodeType="clickPar">
+                    <p:cTn id="16" fill="hold">
                       <p:stCondLst>
                         <p:cond delay="indefinite"/>
                       </p:stCondLst>
                       <p:childTnLst>
                         <p:par>
-                          <p:cTn id="14" fill="hold" nodeType="withGroup">
+                          <p:cTn id="17" fill="hold">
                             <p:stCondLst>
                               <p:cond delay="0"/>
                             </p:stCondLst>
                             <p:childTnLst>
                               <p:par>
-                                <p:cTn id="15" presetID="10" presetClass="entr" presetSubtype="0" fill="hold" grpId="0" nodeType="clickEffect">
+                                <p:cTn id="18" presetID="10" presetClass="entr" presetSubtype="0" fill="hold" grpId="0" nodeType="clickEffect">
                                   <p:stCondLst>
                                     <p:cond delay="0"/>
                                   </p:stCondLst>
                                   <p:childTnLst>
                                     <p:set>
                                       <p:cBhvr>
-                                        <p:cTn id="16" dur="1" fill="hold">
+                                        <p:cTn id="19" dur="1" fill="hold">
                                           <p:stCondLst>
                                             <p:cond delay="0"/>
                                           </p:stCondLst>
@@ -21081,9 +23513,44 @@
                                     </p:set>
                                     <p:animEffect transition="in" filter="fade">
                                       <p:cBhvr>
-                                        <p:cTn id="17" dur="500"/>
+                                        <p:cTn id="20" dur="500"/>
                                         <p:tgtEl>
                                           <p:spTgt spid="10"/>
+                                        </p:tgtEl>
+                                      </p:cBhvr>
+                                    </p:animEffect>
+                                  </p:childTnLst>
+                                </p:cTn>
+                              </p:par>
+                              <p:par>
+                                <p:cTn id="21" presetID="10" presetClass="entr" presetSubtype="0" fill="hold" grpId="0" nodeType="withEffect">
+                                  <p:stCondLst>
+                                    <p:cond delay="0"/>
+                                  </p:stCondLst>
+                                  <p:childTnLst>
+                                    <p:set>
+                                      <p:cBhvr>
+                                        <p:cTn id="22" dur="1" fill="hold">
+                                          <p:stCondLst>
+                                            <p:cond delay="0"/>
+                                          </p:stCondLst>
+                                        </p:cTn>
+                                        <p:tgtEl>
+                                          <p:spTgt spid="11"/>
+                                        </p:tgtEl>
+                                        <p:attrNameLst>
+                                          <p:attrName>style.visibility</p:attrName>
+                                        </p:attrNameLst>
+                                      </p:cBhvr>
+                                      <p:to>
+                                        <p:strVal val="visible"/>
+                                      </p:to>
+                                    </p:set>
+                                    <p:animEffect transition="in" filter="fade">
+                                      <p:cBhvr>
+                                        <p:cTn id="23" dur="500"/>
+                                        <p:tgtEl>
+                                          <p:spTgt spid="11"/>
                                         </p:tgtEl>
                                       </p:cBhvr>
                                     </p:animEffect>
@@ -21121,6 +23588,8 @@
       <p:bldP spid="6" grpId="0" animBg="1"/>
       <p:bldP spid="8" grpId="0" animBg="1"/>
       <p:bldP spid="10" grpId="0" animBg="1"/>
+      <p:bldP spid="2" grpId="0"/>
+      <p:bldP spid="11" grpId="0"/>
     </p:bldLst>
   </p:timing>
 </p:sld>
@@ -21608,25 +24077,15 @@
             <a:avLst/>
           </a:prstGeom>
           <a:solidFill>
-            <a:srgbClr val="FFFF00">
+            <a:schemeClr val="bg1">
+              <a:lumMod val="75000"/>
               <a:alpha val="50195"/>
-            </a:srgbClr>
+            </a:schemeClr>
           </a:solidFill>
           <a:ln>
             <a:noFill/>
           </a:ln>
-          <a:extLst>
-            <a:ext uri="{91240B29-F687-4F45-9708-019B960494DF}">
-              <a14:hiddenLine xmlns:a14="http://schemas.microsoft.com/office/drawing/2010/main" w="9525">
-                <a:solidFill>
-                  <a:srgbClr val="000000"/>
-                </a:solidFill>
-                <a:miter lim="800000"/>
-                <a:headEnd/>
-                <a:tailEnd/>
-              </a14:hiddenLine>
-            </a:ext>
-          </a:extLst>
+          <a:extLst/>
         </p:spPr>
         <p:txBody>
           <a:bodyPr wrap="none" anchor="ctr"/>
@@ -21791,25 +24250,15 @@
             <a:avLst/>
           </a:prstGeom>
           <a:solidFill>
-            <a:srgbClr val="FFFF00">
+            <a:schemeClr val="bg1">
+              <a:lumMod val="75000"/>
               <a:alpha val="50195"/>
-            </a:srgbClr>
+            </a:schemeClr>
           </a:solidFill>
           <a:ln>
             <a:noFill/>
           </a:ln>
-          <a:extLst>
-            <a:ext uri="{91240B29-F687-4F45-9708-019B960494DF}">
-              <a14:hiddenLine xmlns:a14="http://schemas.microsoft.com/office/drawing/2010/main" w="9525">
-                <a:solidFill>
-                  <a:srgbClr val="000000"/>
-                </a:solidFill>
-                <a:miter lim="800000"/>
-                <a:headEnd/>
-                <a:tailEnd/>
-              </a14:hiddenLine>
-            </a:ext>
-          </a:extLst>
+          <a:extLst/>
         </p:spPr>
         <p:txBody>
           <a:bodyPr wrap="none" anchor="ctr"/>
@@ -22164,7 +24613,7 @@
               <a:buNone/>
             </a:pPr>
             <a:r>
-              <a:rPr lang="de-DE" altLang="de-DE" sz="1200">
+              <a:rPr lang="de-DE" altLang="de-DE" sz="1200" dirty="0" err="1">
                 <a:solidFill>
                   <a:srgbClr val="7F0055"/>
                 </a:solidFill>
@@ -22173,7 +24622,7 @@
               <a:t>class</a:t>
             </a:r>
             <a:r>
-              <a:rPr lang="de-DE" altLang="de-DE" sz="1200">
+              <a:rPr lang="de-DE" altLang="de-DE" sz="1200" dirty="0">
                 <a:solidFill>
                   <a:srgbClr val="000000"/>
                 </a:solidFill>
@@ -22182,7 +24631,7 @@
               <a:t> </a:t>
             </a:r>
             <a:r>
-              <a:rPr lang="de-DE" altLang="de-DE" sz="1200">
+              <a:rPr lang="de-DE" altLang="de-DE" sz="1200" dirty="0" err="1">
                 <a:solidFill>
                   <a:srgbClr val="005032"/>
                 </a:solidFill>
@@ -22191,7 +24640,7 @@
               <a:t>ElevatorStrategy</a:t>
             </a:r>
             <a:r>
-              <a:rPr lang="de-DE" altLang="de-DE" sz="1200">
+              <a:rPr lang="de-DE" altLang="de-DE" sz="1200" dirty="0">
                 <a:solidFill>
                   <a:srgbClr val="000000"/>
                 </a:solidFill>
@@ -22210,7 +24659,7 @@
               <a:buNone/>
             </a:pPr>
             <a:r>
-              <a:rPr lang="de-DE" altLang="de-DE" sz="1200">
+              <a:rPr lang="de-DE" altLang="de-DE" sz="1200" dirty="0" err="1">
                 <a:solidFill>
                   <a:srgbClr val="7F0055"/>
                 </a:solidFill>
@@ -22219,7 +24668,7 @@
               <a:t>public</a:t>
             </a:r>
             <a:r>
-              <a:rPr lang="de-DE" altLang="de-DE" sz="1200">
+              <a:rPr lang="de-DE" altLang="de-DE" sz="1200" dirty="0">
                 <a:solidFill>
                   <a:srgbClr val="000000"/>
                 </a:solidFill>
@@ -22238,13 +24687,31 @@
               <a:buNone/>
             </a:pPr>
             <a:r>
-              <a:rPr lang="de-DE" altLang="de-DE" sz="1200">
-                <a:solidFill>
-                  <a:srgbClr val="000000"/>
-                </a:solidFill>
-                <a:latin typeface="Consolas" pitchFamily="49" charset="0"/>
-              </a:rPr>
-              <a:t>  ElevatorStrategy();</a:t>
+              <a:rPr lang="de-DE" altLang="de-DE" sz="1200" dirty="0">
+                <a:solidFill>
+                  <a:srgbClr val="000000"/>
+                </a:solidFill>
+                <a:latin typeface="Consolas" pitchFamily="49" charset="0"/>
+              </a:rPr>
+              <a:t>  </a:t>
+            </a:r>
+            <a:r>
+              <a:rPr lang="de-DE" altLang="de-DE" sz="1200" dirty="0" err="1">
+                <a:solidFill>
+                  <a:srgbClr val="000000"/>
+                </a:solidFill>
+                <a:latin typeface="Consolas" pitchFamily="49" charset="0"/>
+              </a:rPr>
+              <a:t>ElevatorStrategy</a:t>
+            </a:r>
+            <a:r>
+              <a:rPr lang="de-DE" altLang="de-DE" sz="1200" dirty="0">
+                <a:solidFill>
+                  <a:srgbClr val="000000"/>
+                </a:solidFill>
+                <a:latin typeface="Consolas" pitchFamily="49" charset="0"/>
+              </a:rPr>
+              <a:t>();</a:t>
             </a:r>
           </a:p>
           <a:p>
@@ -22257,22 +24724,49 @@
               <a:buNone/>
             </a:pPr>
             <a:r>
-              <a:rPr lang="de-DE" altLang="de-DE" sz="1200">
+              <a:rPr lang="de-DE" altLang="de-DE" sz="1200" dirty="0">
                 <a:solidFill>
                   <a:srgbClr val="7F0055"/>
                 </a:solidFill>
                 <a:latin typeface="Consolas" pitchFamily="49" charset="0"/>
               </a:rPr>
-              <a:t>  virtual</a:t>
-            </a:r>
-            <a:r>
-              <a:rPr lang="de-DE" altLang="de-DE" sz="1200">
-                <a:solidFill>
-                  <a:srgbClr val="000000"/>
-                </a:solidFill>
-                <a:latin typeface="Consolas" pitchFamily="49" charset="0"/>
-              </a:rPr>
-              <a:t> ~ElevatorStrategy();</a:t>
+              <a:t>  </a:t>
+            </a:r>
+            <a:r>
+              <a:rPr lang="de-DE" altLang="de-DE" sz="1200" dirty="0" err="1">
+                <a:solidFill>
+                  <a:srgbClr val="7F0055"/>
+                </a:solidFill>
+                <a:latin typeface="Consolas" pitchFamily="49" charset="0"/>
+              </a:rPr>
+              <a:t>virtual</a:t>
+            </a:r>
+            <a:r>
+              <a:rPr lang="de-DE" altLang="de-DE" sz="1200" dirty="0">
+                <a:solidFill>
+                  <a:srgbClr val="000000"/>
+                </a:solidFill>
+                <a:latin typeface="Consolas" pitchFamily="49" charset="0"/>
+              </a:rPr>
+              <a:t> ~</a:t>
+            </a:r>
+            <a:r>
+              <a:rPr lang="de-DE" altLang="de-DE" sz="1200" dirty="0" err="1">
+                <a:solidFill>
+                  <a:srgbClr val="000000"/>
+                </a:solidFill>
+                <a:latin typeface="Consolas" pitchFamily="49" charset="0"/>
+              </a:rPr>
+              <a:t>ElevatorStrategy</a:t>
+            </a:r>
+            <a:r>
+              <a:rPr lang="de-DE" altLang="de-DE" sz="1200" dirty="0">
+                <a:solidFill>
+                  <a:srgbClr val="000000"/>
+                </a:solidFill>
+                <a:latin typeface="Consolas" pitchFamily="49" charset="0"/>
+              </a:rPr>
+              <a:t>();</a:t>
             </a:r>
           </a:p>
           <a:p>
@@ -22284,7 +24778,7 @@
               <a:buFont typeface="Arial" charset="0"/>
               <a:buNone/>
             </a:pPr>
-            <a:endParaRPr lang="de-DE" altLang="de-DE" sz="1200" b="0">
+            <a:endParaRPr lang="de-DE" altLang="de-DE" sz="1200" b="0" dirty="0">
               <a:latin typeface="Consolas" pitchFamily="49" charset="0"/>
             </a:endParaRPr>
           </a:p>
@@ -22298,7 +24792,7 @@
               <a:buNone/>
             </a:pPr>
             <a:r>
-              <a:rPr lang="en-US" altLang="de-DE" sz="1200">
+              <a:rPr lang="en-US" altLang="de-DE" sz="1200" dirty="0">
                 <a:solidFill>
                   <a:srgbClr val="7F0055"/>
                 </a:solidFill>
@@ -22307,7 +24801,7 @@
               <a:t>  virtual</a:t>
             </a:r>
             <a:r>
-              <a:rPr lang="en-US" altLang="de-DE" sz="1200">
+              <a:rPr lang="en-US" altLang="de-DE" sz="1200" dirty="0">
                 <a:solidFill>
                   <a:srgbClr val="000000"/>
                 </a:solidFill>
@@ -22316,7 +24810,7 @@
               <a:t> </a:t>
             </a:r>
             <a:r>
-              <a:rPr lang="en-US" altLang="de-DE" sz="1200">
+              <a:rPr lang="en-US" altLang="de-DE" sz="1200" dirty="0" err="1">
                 <a:solidFill>
                   <a:srgbClr val="7F0055"/>
                 </a:solidFill>
@@ -22325,7 +24819,7 @@
               <a:t>const</a:t>
             </a:r>
             <a:r>
-              <a:rPr lang="en-US" altLang="de-DE" sz="1200">
+              <a:rPr lang="en-US" altLang="de-DE" sz="1200" dirty="0">
                 <a:solidFill>
                   <a:srgbClr val="000000"/>
                 </a:solidFill>
@@ -22334,7 +24828,7 @@
               <a:t> </a:t>
             </a:r>
             <a:r>
-              <a:rPr lang="en-US" altLang="de-DE" sz="1200">
+              <a:rPr lang="en-US" altLang="de-DE" sz="1200" dirty="0">
                 <a:solidFill>
                   <a:srgbClr val="005032"/>
                 </a:solidFill>
@@ -22343,7 +24837,7 @@
               <a:t>Floor</a:t>
             </a:r>
             <a:r>
-              <a:rPr lang="en-US" altLang="de-DE" sz="1200">
+              <a:rPr lang="en-US" altLang="de-DE" sz="1200" dirty="0">
                 <a:solidFill>
                   <a:srgbClr val="000000"/>
                 </a:solidFill>
@@ -22352,7 +24846,7 @@
               <a:t>* next(</a:t>
             </a:r>
             <a:r>
-              <a:rPr lang="en-US" altLang="de-DE" sz="1200">
+              <a:rPr lang="en-US" altLang="de-DE" sz="1200" dirty="0" err="1">
                 <a:solidFill>
                   <a:srgbClr val="7F0055"/>
                 </a:solidFill>
@@ -22361,7 +24855,7 @@
               <a:t>const</a:t>
             </a:r>
             <a:r>
-              <a:rPr lang="en-US" altLang="de-DE" sz="1200">
+              <a:rPr lang="en-US" altLang="de-DE" sz="1200" dirty="0">
                 <a:solidFill>
                   <a:srgbClr val="000000"/>
                 </a:solidFill>
@@ -22370,7 +24864,7 @@
               <a:t> </a:t>
             </a:r>
             <a:r>
-              <a:rPr lang="en-US" altLang="de-DE" sz="1200">
+              <a:rPr lang="en-US" altLang="de-DE" sz="1200" dirty="0">
                 <a:solidFill>
                   <a:srgbClr val="005032"/>
                 </a:solidFill>
@@ -22379,7 +24873,7 @@
               <a:t>Elevator</a:t>
             </a:r>
             <a:r>
-              <a:rPr lang="en-US" altLang="de-DE" sz="1200">
+              <a:rPr lang="en-US" altLang="de-DE" sz="1200" dirty="0">
                 <a:solidFill>
                   <a:srgbClr val="000000"/>
                 </a:solidFill>
@@ -22388,7 +24882,7 @@
               <a:t>* elevator) </a:t>
             </a:r>
             <a:r>
-              <a:rPr lang="en-US" altLang="de-DE" sz="1200">
+              <a:rPr lang="en-US" altLang="de-DE" sz="1200" dirty="0" err="1">
                 <a:solidFill>
                   <a:srgbClr val="7F0055"/>
                 </a:solidFill>
@@ -22397,7 +24891,7 @@
               <a:t>const</a:t>
             </a:r>
             <a:r>
-              <a:rPr lang="en-US" altLang="de-DE" sz="1200">
+              <a:rPr lang="en-US" altLang="de-DE" sz="1200" dirty="0">
                 <a:solidFill>
                   <a:srgbClr val="000000"/>
                 </a:solidFill>
@@ -22416,7 +24910,7 @@
               <a:buNone/>
             </a:pPr>
             <a:r>
-              <a:rPr lang="de-DE" altLang="de-DE" sz="1200" b="0">
+              <a:rPr lang="de-DE" altLang="de-DE" sz="1200" b="0" dirty="0">
                 <a:solidFill>
                   <a:srgbClr val="000000"/>
                 </a:solidFill>
@@ -22424,7 +24918,7 @@
               </a:rPr>
               <a:t>}; </a:t>
             </a:r>
-            <a:endParaRPr lang="de-DE" altLang="de-DE" sz="1200" b="0"/>
+            <a:endParaRPr lang="de-DE" altLang="de-DE" sz="1200" b="0" dirty="0"/>
           </a:p>
         </p:txBody>
       </p:sp>
@@ -22930,26 +25424,17 @@
               <a:gd name="adj3" fmla="val 16667"/>
             </a:avLst>
           </a:prstGeom>
-          <a:solidFill>
-            <a:schemeClr val="bg1"/>
-          </a:solidFill>
-          <a:ln>
-            <a:solidFill>
-              <a:schemeClr val="tx1"/>
-            </a:solidFill>
-          </a:ln>
+          <a:ln/>
         </p:spPr>
         <p:style>
-          <a:lnRef idx="2">
-            <a:schemeClr val="accent1">
-              <a:shade val="50000"/>
-            </a:schemeClr>
+          <a:lnRef idx="1">
+            <a:schemeClr val="dk1"/>
           </a:lnRef>
-          <a:fillRef idx="1">
-            <a:schemeClr val="accent1"/>
+          <a:fillRef idx="3">
+            <a:schemeClr val="dk1"/>
           </a:fillRef>
-          <a:effectRef idx="0">
-            <a:schemeClr val="accent1"/>
+          <a:effectRef idx="2">
+            <a:schemeClr val="dk1"/>
           </a:effectRef>
           <a:fontRef idx="minor">
             <a:schemeClr val="lt1"/>
@@ -22965,7 +25450,7 @@
             <a:r>
               <a:rPr lang="de-DE" dirty="0">
                 <a:solidFill>
-                  <a:schemeClr val="tx1"/>
+                  <a:schemeClr val="bg1"/>
                 </a:solidFill>
               </a:rPr>
               <a:t>Methoden werden als virtuell gekennzeichnet (nur im Header)</a:t>
@@ -22991,26 +25476,17 @@
               <a:gd name="adj3" fmla="val 16667"/>
             </a:avLst>
           </a:prstGeom>
-          <a:solidFill>
-            <a:schemeClr val="bg1"/>
-          </a:solidFill>
-          <a:ln>
-            <a:solidFill>
-              <a:schemeClr val="tx1"/>
-            </a:solidFill>
-          </a:ln>
+          <a:ln/>
         </p:spPr>
         <p:style>
-          <a:lnRef idx="2">
-            <a:schemeClr val="accent1">
-              <a:shade val="50000"/>
-            </a:schemeClr>
+          <a:lnRef idx="1">
+            <a:schemeClr val="dk1"/>
           </a:lnRef>
-          <a:fillRef idx="1">
-            <a:schemeClr val="accent1"/>
+          <a:fillRef idx="3">
+            <a:schemeClr val="dk1"/>
           </a:fillRef>
-          <a:effectRef idx="0">
-            <a:schemeClr val="accent1"/>
+          <a:effectRef idx="2">
+            <a:schemeClr val="dk1"/>
           </a:effectRef>
           <a:fontRef idx="minor">
             <a:schemeClr val="lt1"/>
@@ -23026,7 +25502,7 @@
             <a:r>
               <a:rPr lang="de-DE" dirty="0">
                 <a:solidFill>
-                  <a:schemeClr val="tx1"/>
+                  <a:schemeClr val="bg1"/>
                 </a:solidFill>
               </a:rPr>
               <a:t>Dies muss nicht in Subklassen wiederholt werden, wird aber häufig der Übersichtshalber gemacht</a:t>
@@ -23052,26 +25528,17 @@
               <a:gd name="adj3" fmla="val 16667"/>
             </a:avLst>
           </a:prstGeom>
-          <a:solidFill>
-            <a:schemeClr val="bg1"/>
-          </a:solidFill>
-          <a:ln>
-            <a:solidFill>
-              <a:schemeClr val="tx1"/>
-            </a:solidFill>
-          </a:ln>
+          <a:ln/>
         </p:spPr>
         <p:style>
-          <a:lnRef idx="2">
-            <a:schemeClr val="accent1">
-              <a:shade val="50000"/>
-            </a:schemeClr>
+          <a:lnRef idx="1">
+            <a:schemeClr val="dk1"/>
           </a:lnRef>
-          <a:fillRef idx="1">
-            <a:schemeClr val="accent1"/>
+          <a:fillRef idx="3">
+            <a:schemeClr val="dk1"/>
           </a:fillRef>
-          <a:effectRef idx="0">
-            <a:schemeClr val="accent1"/>
+          <a:effectRef idx="2">
+            <a:schemeClr val="dk1"/>
           </a:effectRef>
           <a:fontRef idx="minor">
             <a:schemeClr val="lt1"/>
@@ -23087,7 +25554,7 @@
             <a:r>
               <a:rPr lang="de-DE" b="1" dirty="0">
                 <a:solidFill>
-                  <a:schemeClr val="tx1"/>
+                  <a:schemeClr val="bg1"/>
                 </a:solidFill>
               </a:rPr>
               <a:t>Regel</a:t>
@@ -23095,7 +25562,7 @@
             <a:r>
               <a:rPr lang="de-DE" dirty="0">
                 <a:solidFill>
-                  <a:schemeClr val="tx1"/>
+                  <a:schemeClr val="bg1"/>
                 </a:solidFill>
               </a:rPr>
               <a:t>:  Klassen mit virtuellen Methoden sollten einen </a:t>
@@ -23103,7 +25570,7 @@
             <a:r>
               <a:rPr lang="de-DE" b="1" dirty="0">
                 <a:solidFill>
-                  <a:schemeClr val="tx1"/>
+                  <a:schemeClr val="bg1"/>
                 </a:solidFill>
               </a:rPr>
               <a:t>virtuellen </a:t>
@@ -23111,7 +25578,7 @@
             <a:r>
               <a:rPr lang="de-DE" b="1" dirty="0" err="1">
                 <a:solidFill>
-                  <a:schemeClr val="tx1"/>
+                  <a:schemeClr val="bg1"/>
                 </a:solidFill>
               </a:rPr>
               <a:t>Destruktor</a:t>
@@ -23119,7 +25586,7 @@
             <a:r>
               <a:rPr lang="de-DE" dirty="0">
                 <a:solidFill>
-                  <a:schemeClr val="tx1"/>
+                  <a:schemeClr val="bg1"/>
                 </a:solidFill>
               </a:rPr>
               <a:t> besitzen!</a:t>
@@ -23363,25 +25830,15 @@
             <a:avLst/>
           </a:prstGeom>
           <a:solidFill>
-            <a:srgbClr val="FFFF00">
+            <a:schemeClr val="bg1">
+              <a:lumMod val="75000"/>
               <a:alpha val="50195"/>
-            </a:srgbClr>
+            </a:schemeClr>
           </a:solidFill>
           <a:ln>
             <a:noFill/>
           </a:ln>
-          <a:extLst>
-            <a:ext uri="{91240B29-F687-4F45-9708-019B960494DF}">
-              <a14:hiddenLine xmlns:a14="http://schemas.microsoft.com/office/drawing/2010/main" w="9525">
-                <a:solidFill>
-                  <a:srgbClr val="000000"/>
-                </a:solidFill>
-                <a:miter lim="800000"/>
-                <a:headEnd/>
-                <a:tailEnd/>
-              </a14:hiddenLine>
-            </a:ext>
-          </a:extLst>
+          <a:extLst/>
         </p:spPr>
         <p:txBody>
           <a:bodyPr wrap="none" anchor="ctr"/>
@@ -23546,25 +26003,15 @@
             <a:avLst/>
           </a:prstGeom>
           <a:solidFill>
-            <a:srgbClr val="FFFF00">
+            <a:schemeClr val="bg1">
+              <a:lumMod val="75000"/>
               <a:alpha val="50195"/>
-            </a:srgbClr>
+            </a:schemeClr>
           </a:solidFill>
           <a:ln>
             <a:noFill/>
           </a:ln>
-          <a:extLst>
-            <a:ext uri="{91240B29-F687-4F45-9708-019B960494DF}">
-              <a14:hiddenLine xmlns:a14="http://schemas.microsoft.com/office/drawing/2010/main" w="9525">
-                <a:solidFill>
-                  <a:srgbClr val="000000"/>
-                </a:solidFill>
-                <a:miter lim="800000"/>
-                <a:headEnd/>
-                <a:tailEnd/>
-              </a14:hiddenLine>
-            </a:ext>
-          </a:extLst>
+          <a:extLst/>
         </p:spPr>
         <p:txBody>
           <a:bodyPr wrap="none" anchor="ctr"/>
@@ -24484,26 +26931,17 @@
               <a:gd name="adj3" fmla="val 16667"/>
             </a:avLst>
           </a:prstGeom>
-          <a:solidFill>
-            <a:schemeClr val="bg1"/>
-          </a:solidFill>
-          <a:ln>
-            <a:solidFill>
-              <a:schemeClr val="tx1"/>
-            </a:solidFill>
-          </a:ln>
+          <a:ln/>
         </p:spPr>
         <p:style>
-          <a:lnRef idx="2">
-            <a:schemeClr val="accent1">
-              <a:shade val="50000"/>
-            </a:schemeClr>
+          <a:lnRef idx="1">
+            <a:schemeClr val="dk1"/>
           </a:lnRef>
-          <a:fillRef idx="1">
-            <a:schemeClr val="accent1"/>
+          <a:fillRef idx="3">
+            <a:schemeClr val="dk1"/>
           </a:fillRef>
-          <a:effectRef idx="0">
-            <a:schemeClr val="accent1"/>
+          <a:effectRef idx="2">
+            <a:schemeClr val="dk1"/>
           </a:effectRef>
           <a:fontRef idx="minor">
             <a:schemeClr val="lt1"/>
@@ -24519,7 +26957,7 @@
             <a:r>
               <a:rPr lang="de-DE" dirty="0">
                 <a:solidFill>
-                  <a:schemeClr val="tx1"/>
+                  <a:schemeClr val="bg1"/>
                 </a:solidFill>
               </a:rPr>
               <a:t>Polymorpher Aufruf funktioniert jetzt</a:t>
@@ -24545,26 +26983,17 @@
               <a:gd name="adj3" fmla="val 16667"/>
             </a:avLst>
           </a:prstGeom>
-          <a:solidFill>
-            <a:schemeClr val="bg1"/>
-          </a:solidFill>
-          <a:ln>
-            <a:solidFill>
-              <a:schemeClr val="tx1"/>
-            </a:solidFill>
-          </a:ln>
+          <a:ln/>
         </p:spPr>
         <p:style>
-          <a:lnRef idx="2">
-            <a:schemeClr val="accent1">
-              <a:shade val="50000"/>
-            </a:schemeClr>
+          <a:lnRef idx="1">
+            <a:schemeClr val="dk1"/>
           </a:lnRef>
-          <a:fillRef idx="1">
-            <a:schemeClr val="accent1"/>
+          <a:fillRef idx="3">
+            <a:schemeClr val="dk1"/>
           </a:fillRef>
-          <a:effectRef idx="0">
-            <a:schemeClr val="accent1"/>
+          <a:effectRef idx="2">
+            <a:schemeClr val="dk1"/>
           </a:effectRef>
           <a:fontRef idx="minor">
             <a:schemeClr val="lt1"/>
@@ -24580,7 +27009,7 @@
             <a:r>
               <a:rPr lang="de-DE" dirty="0">
                 <a:solidFill>
-                  <a:schemeClr val="tx1"/>
+                  <a:schemeClr val="bg1"/>
                 </a:solidFill>
               </a:rPr>
               <a:t>Und alle </a:t>
@@ -24588,7 +27017,7 @@
             <a:r>
               <a:rPr lang="de-DE" dirty="0" err="1">
                 <a:solidFill>
-                  <a:schemeClr val="tx1"/>
+                  <a:schemeClr val="bg1"/>
                 </a:solidFill>
               </a:rPr>
               <a:t>Destruktoren</a:t>
@@ -24596,7 +27025,7 @@
             <a:r>
               <a:rPr lang="de-DE" dirty="0">
                 <a:solidFill>
-                  <a:schemeClr val="tx1"/>
+                  <a:schemeClr val="bg1"/>
                 </a:solidFill>
               </a:rPr>
               <a:t> werden in der richtigen Reihenfolge aufgerufen</a:t>
@@ -25940,26 +28369,17 @@
               <a:gd name="adj3" fmla="val 16667"/>
             </a:avLst>
           </a:prstGeom>
-          <a:solidFill>
-            <a:schemeClr val="bg1"/>
-          </a:solidFill>
-          <a:ln>
-            <a:solidFill>
-              <a:schemeClr val="tx1"/>
-            </a:solidFill>
-          </a:ln>
+          <a:ln/>
         </p:spPr>
         <p:style>
-          <a:lnRef idx="2">
-            <a:schemeClr val="accent1">
-              <a:shade val="50000"/>
-            </a:schemeClr>
+          <a:lnRef idx="1">
+            <a:schemeClr val="dk1"/>
           </a:lnRef>
-          <a:fillRef idx="1">
-            <a:schemeClr val="accent1"/>
+          <a:fillRef idx="3">
+            <a:schemeClr val="dk1"/>
           </a:fillRef>
-          <a:effectRef idx="0">
-            <a:schemeClr val="accent1"/>
+          <a:effectRef idx="2">
+            <a:schemeClr val="dk1"/>
           </a:effectRef>
           <a:fontRef idx="minor">
             <a:schemeClr val="lt1"/>
@@ -25975,7 +28395,7 @@
             <a:r>
               <a:rPr lang="de-DE" dirty="0">
                 <a:solidFill>
-                  <a:schemeClr val="tx1"/>
+                  <a:schemeClr val="bg1"/>
                 </a:solidFill>
               </a:rPr>
               <a:t>Gebäude mit Etagen</a:t>
@@ -26001,26 +28421,17 @@
               <a:gd name="adj3" fmla="val 16667"/>
             </a:avLst>
           </a:prstGeom>
-          <a:solidFill>
-            <a:schemeClr val="bg1"/>
-          </a:solidFill>
-          <a:ln>
-            <a:solidFill>
-              <a:schemeClr val="tx1"/>
-            </a:solidFill>
-          </a:ln>
+          <a:ln/>
         </p:spPr>
         <p:style>
-          <a:lnRef idx="2">
-            <a:schemeClr val="accent1">
-              <a:shade val="50000"/>
-            </a:schemeClr>
+          <a:lnRef idx="1">
+            <a:schemeClr val="dk1"/>
           </a:lnRef>
-          <a:fillRef idx="1">
-            <a:schemeClr val="accent1"/>
+          <a:fillRef idx="3">
+            <a:schemeClr val="dk1"/>
           </a:fillRef>
-          <a:effectRef idx="0">
-            <a:schemeClr val="accent1"/>
+          <a:effectRef idx="2">
+            <a:schemeClr val="dk1"/>
           </a:effectRef>
           <a:fontRef idx="minor">
             <a:schemeClr val="lt1"/>
@@ -26036,7 +28447,7 @@
             <a:r>
               <a:rPr lang="de-DE" dirty="0">
                 <a:solidFill>
-                  <a:schemeClr val="tx1"/>
+                  <a:schemeClr val="bg1"/>
                 </a:solidFill>
               </a:rPr>
               <a:t>Aufzug</a:t>
@@ -26062,26 +28473,17 @@
               <a:gd name="adj3" fmla="val 16667"/>
             </a:avLst>
           </a:prstGeom>
-          <a:solidFill>
-            <a:schemeClr val="bg1"/>
-          </a:solidFill>
-          <a:ln>
-            <a:solidFill>
-              <a:schemeClr val="tx1"/>
-            </a:solidFill>
-          </a:ln>
+          <a:ln/>
         </p:spPr>
         <p:style>
-          <a:lnRef idx="2">
-            <a:schemeClr val="accent1">
-              <a:shade val="50000"/>
-            </a:schemeClr>
+          <a:lnRef idx="1">
+            <a:schemeClr val="dk1"/>
           </a:lnRef>
-          <a:fillRef idx="1">
-            <a:schemeClr val="accent1"/>
+          <a:fillRef idx="3">
+            <a:schemeClr val="dk1"/>
           </a:fillRef>
-          <a:effectRef idx="0">
-            <a:schemeClr val="accent1"/>
+          <a:effectRef idx="2">
+            <a:schemeClr val="dk1"/>
           </a:effectRef>
           <a:fontRef idx="minor">
             <a:schemeClr val="lt1"/>
@@ -26097,7 +28499,7 @@
             <a:r>
               <a:rPr lang="de-DE" dirty="0">
                 <a:solidFill>
-                  <a:schemeClr val="tx1"/>
+                  <a:schemeClr val="bg1"/>
                 </a:solidFill>
               </a:rPr>
               <a:t>Person mit einem Ziel</a:t>
@@ -26558,26 +28960,17 @@
               <a:gd name="adj3" fmla="val 16667"/>
             </a:avLst>
           </a:prstGeom>
-          <a:solidFill>
-            <a:schemeClr val="bg1"/>
-          </a:solidFill>
-          <a:ln>
-            <a:solidFill>
-              <a:schemeClr val="tx1"/>
-            </a:solidFill>
-          </a:ln>
+          <a:ln/>
         </p:spPr>
         <p:style>
-          <a:lnRef idx="2">
-            <a:schemeClr val="accent1">
-              <a:shade val="50000"/>
-            </a:schemeClr>
+          <a:lnRef idx="1">
+            <a:schemeClr val="dk1"/>
           </a:lnRef>
-          <a:fillRef idx="1">
-            <a:schemeClr val="accent1"/>
+          <a:fillRef idx="3">
+            <a:schemeClr val="dk1"/>
           </a:fillRef>
-          <a:effectRef idx="0">
-            <a:schemeClr val="accent1"/>
+          <a:effectRef idx="2">
+            <a:schemeClr val="dk1"/>
           </a:effectRef>
           <a:fontRef idx="minor">
             <a:schemeClr val="lt1"/>
@@ -26593,7 +28986,7 @@
             <a:r>
               <a:rPr lang="de-DE" dirty="0">
                 <a:solidFill>
-                  <a:schemeClr val="tx1"/>
+                  <a:schemeClr val="bg1"/>
                 </a:solidFill>
               </a:rPr>
               <a:t>Strategie, die den Aufzug kontrolliert</a:t>
@@ -26619,26 +29012,17 @@
               <a:gd name="adj3" fmla="val 16667"/>
             </a:avLst>
           </a:prstGeom>
-          <a:solidFill>
-            <a:schemeClr val="bg1"/>
-          </a:solidFill>
-          <a:ln>
-            <a:solidFill>
-              <a:schemeClr val="tx1"/>
-            </a:solidFill>
-          </a:ln>
+          <a:ln/>
         </p:spPr>
         <p:style>
-          <a:lnRef idx="2">
-            <a:schemeClr val="accent1">
-              <a:shade val="50000"/>
-            </a:schemeClr>
+          <a:lnRef idx="1">
+            <a:schemeClr val="dk1"/>
           </a:lnRef>
-          <a:fillRef idx="1">
-            <a:schemeClr val="accent1"/>
+          <a:fillRef idx="3">
+            <a:schemeClr val="dk1"/>
           </a:fillRef>
-          <a:effectRef idx="0">
-            <a:schemeClr val="accent1"/>
+          <a:effectRef idx="2">
+            <a:schemeClr val="dk1"/>
           </a:effectRef>
           <a:fontRef idx="minor">
             <a:schemeClr val="lt1"/>
@@ -26654,7 +29038,7 @@
             <a:r>
               <a:rPr lang="de-DE" dirty="0">
                 <a:solidFill>
-                  <a:schemeClr val="tx1"/>
+                  <a:schemeClr val="bg1"/>
                 </a:solidFill>
               </a:rPr>
               <a:t>Effizienz:  Energie, Wartezeit, …</a:t>
@@ -27189,25 +29573,15 @@
             <a:avLst/>
           </a:prstGeom>
           <a:solidFill>
-            <a:srgbClr val="FFFF00">
+            <a:schemeClr val="bg1">
+              <a:lumMod val="75000"/>
               <a:alpha val="50195"/>
-            </a:srgbClr>
+            </a:schemeClr>
           </a:solidFill>
           <a:ln>
             <a:noFill/>
           </a:ln>
-          <a:extLst>
-            <a:ext uri="{91240B29-F687-4F45-9708-019B960494DF}">
-              <a14:hiddenLine xmlns:a14="http://schemas.microsoft.com/office/drawing/2010/main" w="9525">
-                <a:solidFill>
-                  <a:srgbClr val="000000"/>
-                </a:solidFill>
-                <a:miter lim="800000"/>
-                <a:headEnd/>
-                <a:tailEnd/>
-              </a14:hiddenLine>
-            </a:ext>
-          </a:extLst>
+          <a:extLst/>
         </p:spPr>
         <p:txBody>
           <a:bodyPr wrap="none" anchor="ctr"/>
@@ -27395,26 +29769,17 @@
               <a:gd name="adj3" fmla="val 16667"/>
             </a:avLst>
           </a:prstGeom>
-          <a:solidFill>
-            <a:schemeClr val="bg1"/>
-          </a:solidFill>
-          <a:ln>
-            <a:solidFill>
-              <a:schemeClr val="tx1"/>
-            </a:solidFill>
-          </a:ln>
+          <a:ln/>
         </p:spPr>
         <p:style>
-          <a:lnRef idx="2">
-            <a:schemeClr val="accent1">
-              <a:shade val="50000"/>
-            </a:schemeClr>
+          <a:lnRef idx="1">
+            <a:schemeClr val="dk1"/>
           </a:lnRef>
-          <a:fillRef idx="1">
-            <a:schemeClr val="accent1"/>
+          <a:fillRef idx="3">
+            <a:schemeClr val="dk1"/>
           </a:fillRef>
-          <a:effectRef idx="0">
-            <a:schemeClr val="accent1"/>
+          <a:effectRef idx="2">
+            <a:schemeClr val="dk1"/>
           </a:effectRef>
           <a:fontRef idx="minor">
             <a:schemeClr val="lt1"/>
@@ -27430,7 +29795,7 @@
             <a:r>
               <a:rPr lang="de-DE" dirty="0">
                 <a:solidFill>
-                  <a:schemeClr val="tx1"/>
+                  <a:schemeClr val="bg1"/>
                 </a:solidFill>
               </a:rPr>
               <a:t>Methode ist hiermit </a:t>
@@ -27438,7 +29803,7 @@
             <a:r>
               <a:rPr lang="de-DE" b="1" dirty="0">
                 <a:solidFill>
-                  <a:schemeClr val="tx1"/>
+                  <a:schemeClr val="bg1"/>
                 </a:solidFill>
               </a:rPr>
               <a:t>rein virtuell</a:t>
@@ -27446,7 +29811,7 @@
             <a:r>
               <a:rPr lang="de-DE" dirty="0">
                 <a:solidFill>
-                  <a:schemeClr val="tx1"/>
+                  <a:schemeClr val="bg1"/>
                 </a:solidFill>
               </a:rPr>
               <a:t> – keine Default-Implementierung.</a:t>
@@ -28216,6 +30581,95 @@
           </a:extLst>
         </p:spPr>
       </p:cxnSp>
+      <p:sp>
+        <p:nvSpPr>
+          <p:cNvPr id="8" name="Abgerundete rechteckige Legende 7"/>
+          <p:cNvSpPr/>
+          <p:nvPr/>
+        </p:nvSpPr>
+        <p:spPr>
+          <a:xfrm>
+            <a:off x="3485356" y="587565"/>
+            <a:ext cx="3168650" cy="814387"/>
+          </a:xfrm>
+          <a:prstGeom prst="wedgeRoundRectCallout">
+            <a:avLst>
+              <a:gd name="adj1" fmla="val -58198"/>
+              <a:gd name="adj2" fmla="val 76032"/>
+              <a:gd name="adj3" fmla="val 16667"/>
+            </a:avLst>
+          </a:prstGeom>
+          <a:ln/>
+        </p:spPr>
+        <p:style>
+          <a:lnRef idx="1">
+            <a:schemeClr val="dk1"/>
+          </a:lnRef>
+          <a:fillRef idx="3">
+            <a:schemeClr val="dk1"/>
+          </a:fillRef>
+          <a:effectRef idx="2">
+            <a:schemeClr val="dk1"/>
+          </a:effectRef>
+          <a:fontRef idx="minor">
+            <a:schemeClr val="lt1"/>
+          </a:fontRef>
+        </p:style>
+        <p:txBody>
+          <a:bodyPr anchor="ctr"/>
+          <a:lstStyle/>
+          <a:p>
+            <a:pPr>
+              <a:defRPr/>
+            </a:pPr>
+            <a:r>
+              <a:rPr lang="de-DE" i="1" dirty="0" err="1" smtClean="0">
+                <a:solidFill>
+                  <a:schemeClr val="bg1"/>
+                </a:solidFill>
+              </a:rPr>
+              <a:t>ElevatorStrategy</a:t>
+            </a:r>
+            <a:r>
+              <a:rPr lang="de-DE" i="1" dirty="0" smtClean="0">
+                <a:solidFill>
+                  <a:schemeClr val="bg1"/>
+                </a:solidFill>
+              </a:rPr>
+              <a:t> </a:t>
+            </a:r>
+            <a:r>
+              <a:rPr lang="de-DE" dirty="0" smtClean="0">
+                <a:solidFill>
+                  <a:schemeClr val="bg1"/>
+                </a:solidFill>
+              </a:rPr>
+              <a:t>kann nicht mehr </a:t>
+            </a:r>
+            <a:r>
+              <a:rPr lang="de-DE" dirty="0" err="1" smtClean="0">
+                <a:solidFill>
+                  <a:schemeClr val="bg1"/>
+                </a:solidFill>
+              </a:rPr>
+              <a:t>instantiert</a:t>
+            </a:r>
+            <a:r>
+              <a:rPr lang="de-DE" dirty="0" smtClean="0">
+                <a:solidFill>
+                  <a:schemeClr val="bg1"/>
+                </a:solidFill>
+              </a:rPr>
+              <a:t> werden.</a:t>
+            </a:r>
+            <a:endParaRPr lang="de-DE" i="1" dirty="0">
+              <a:solidFill>
+                <a:schemeClr val="bg1"/>
+              </a:solidFill>
+            </a:endParaRPr>
+          </a:p>
+        </p:txBody>
+      </p:sp>
     </p:spTree>
   </p:cSld>
   <p:clrMapOvr>
@@ -28283,19 +30737,19 @@
                     </p:cTn>
                   </p:par>
                   <p:par>
-                    <p:cTn id="8" fill="hold" nodeType="clickPar">
+                    <p:cTn id="8" fill="hold">
                       <p:stCondLst>
                         <p:cond delay="indefinite"/>
                       </p:stCondLst>
                       <p:childTnLst>
                         <p:par>
-                          <p:cTn id="9" fill="hold" nodeType="withGroup">
+                          <p:cTn id="9" fill="hold">
                             <p:stCondLst>
                               <p:cond delay="0"/>
                             </p:stCondLst>
                             <p:childTnLst>
                               <p:par>
-                                <p:cTn id="10" presetID="1" presetClass="entr" presetSubtype="0" fill="hold" grpId="0" nodeType="clickEffect">
+                                <p:cTn id="10" presetID="10" presetClass="entr" presetSubtype="0" fill="hold" grpId="0" nodeType="clickEffect">
                                   <p:stCondLst>
                                     <p:cond delay="0"/>
                                   </p:stCondLst>
@@ -28303,6 +30757,59 @@
                                     <p:set>
                                       <p:cBhvr>
                                         <p:cTn id="11" dur="1" fill="hold">
+                                          <p:stCondLst>
+                                            <p:cond delay="0"/>
+                                          </p:stCondLst>
+                                        </p:cTn>
+                                        <p:tgtEl>
+                                          <p:spTgt spid="8"/>
+                                        </p:tgtEl>
+                                        <p:attrNameLst>
+                                          <p:attrName>style.visibility</p:attrName>
+                                        </p:attrNameLst>
+                                      </p:cBhvr>
+                                      <p:to>
+                                        <p:strVal val="visible"/>
+                                      </p:to>
+                                    </p:set>
+                                    <p:animEffect transition="in" filter="fade">
+                                      <p:cBhvr>
+                                        <p:cTn id="12" dur="500"/>
+                                        <p:tgtEl>
+                                          <p:spTgt spid="8"/>
+                                        </p:tgtEl>
+                                      </p:cBhvr>
+                                    </p:animEffect>
+                                  </p:childTnLst>
+                                </p:cTn>
+                              </p:par>
+                            </p:childTnLst>
+                          </p:cTn>
+                        </p:par>
+                      </p:childTnLst>
+                    </p:cTn>
+                  </p:par>
+                  <p:par>
+                    <p:cTn id="13" fill="hold" nodeType="clickPar">
+                      <p:stCondLst>
+                        <p:cond delay="indefinite"/>
+                      </p:stCondLst>
+                      <p:childTnLst>
+                        <p:par>
+                          <p:cTn id="14" fill="hold" nodeType="withGroup">
+                            <p:stCondLst>
+                              <p:cond delay="0"/>
+                            </p:stCondLst>
+                            <p:childTnLst>
+                              <p:par>
+                                <p:cTn id="15" presetID="1" presetClass="entr" presetSubtype="0" fill="hold" grpId="0" nodeType="clickEffect">
+                                  <p:stCondLst>
+                                    <p:cond delay="0"/>
+                                  </p:stCondLst>
+                                  <p:childTnLst>
+                                    <p:set>
+                                      <p:cBhvr>
+                                        <p:cTn id="16" dur="1" fill="hold">
                                           <p:stCondLst>
                                             <p:cond delay="0"/>
                                           </p:stCondLst>
@@ -28322,14 +30829,14 @@
                                 </p:cTn>
                               </p:par>
                               <p:par>
-                                <p:cTn id="12" presetID="1" presetClass="entr" presetSubtype="0" fill="hold" nodeType="withEffect">
+                                <p:cTn id="17" presetID="1" presetClass="entr" presetSubtype="0" fill="hold" nodeType="withEffect">
                                   <p:stCondLst>
                                     <p:cond delay="0"/>
                                   </p:stCondLst>
                                   <p:childTnLst>
                                     <p:set>
                                       <p:cBhvr>
-                                        <p:cTn id="13" dur="1" fill="hold">
+                                        <p:cTn id="18" dur="1" fill="hold">
                                           <p:stCondLst>
                                             <p:cond delay="0"/>
                                           </p:stCondLst>
@@ -28378,6 +30885,7 @@
     <p:bldLst>
       <p:bldP spid="5" grpId="0" animBg="1"/>
       <p:bldP spid="22533" grpId="0"/>
+      <p:bldP spid="8" grpId="0" animBg="1"/>
     </p:bldLst>
   </p:timing>
 </p:sld>
@@ -29492,26 +32000,17 @@
               <a:gd name="adj3" fmla="val 16667"/>
             </a:avLst>
           </a:prstGeom>
-          <a:solidFill>
-            <a:schemeClr val="bg1"/>
-          </a:solidFill>
-          <a:ln>
-            <a:solidFill>
-              <a:schemeClr val="tx1"/>
-            </a:solidFill>
-          </a:ln>
+          <a:ln/>
         </p:spPr>
         <p:style>
-          <a:lnRef idx="2">
-            <a:schemeClr val="accent1">
-              <a:shade val="50000"/>
-            </a:schemeClr>
+          <a:lnRef idx="1">
+            <a:schemeClr val="dk1"/>
           </a:lnRef>
-          <a:fillRef idx="1">
-            <a:schemeClr val="accent1"/>
+          <a:fillRef idx="3">
+            <a:schemeClr val="dk1"/>
           </a:fillRef>
-          <a:effectRef idx="0">
-            <a:schemeClr val="accent1"/>
+          <a:effectRef idx="2">
+            <a:schemeClr val="dk1"/>
           </a:effectRef>
           <a:fontRef idx="minor">
             <a:schemeClr val="lt1"/>
@@ -29527,7 +32026,7 @@
             <a:r>
               <a:rPr lang="de-DE" dirty="0">
                 <a:solidFill>
-                  <a:schemeClr val="tx1"/>
+                  <a:schemeClr val="bg1"/>
                 </a:solidFill>
               </a:rPr>
               <a:t>Der Code im Aufzug, der die Strategie verwendet, soll sich nicht ändern, nur weil eine andere Strategie eingesetzt wird.</a:t>
@@ -29540,7 +32039,7 @@
             <a:r>
               <a:rPr lang="de-DE" dirty="0">
                 <a:solidFill>
-                  <a:schemeClr val="tx1"/>
+                  <a:schemeClr val="bg1"/>
                 </a:solidFill>
               </a:rPr>
               <a:t>(</a:t>
@@ -29548,7 +32047,7 @@
             <a:r>
               <a:rPr lang="de-DE" b="1" dirty="0">
                 <a:solidFill>
-                  <a:schemeClr val="tx1"/>
+                  <a:schemeClr val="bg1"/>
                 </a:solidFill>
               </a:rPr>
               <a:t>Separation </a:t>
@@ -29556,7 +32055,7 @@
             <a:r>
               <a:rPr lang="de-DE" b="1" dirty="0" err="1">
                 <a:solidFill>
-                  <a:schemeClr val="tx1"/>
+                  <a:schemeClr val="bg1"/>
                 </a:solidFill>
               </a:rPr>
               <a:t>of</a:t>
@@ -29564,7 +32063,7 @@
             <a:r>
               <a:rPr lang="de-DE" b="1" dirty="0">
                 <a:solidFill>
-                  <a:schemeClr val="tx1"/>
+                  <a:schemeClr val="bg1"/>
                 </a:solidFill>
               </a:rPr>
               <a:t> </a:t>
@@ -29572,7 +32071,7 @@
             <a:r>
               <a:rPr lang="de-DE" b="1" dirty="0" err="1">
                 <a:solidFill>
-                  <a:schemeClr val="tx1"/>
+                  <a:schemeClr val="bg1"/>
                 </a:solidFill>
               </a:rPr>
               <a:t>Concerns</a:t>
@@ -29580,7 +32079,7 @@
             <a:r>
               <a:rPr lang="de-DE" dirty="0">
                 <a:solidFill>
-                  <a:schemeClr val="tx1"/>
+                  <a:schemeClr val="bg1"/>
                 </a:solidFill>
               </a:rPr>
               <a:t>)</a:t>
@@ -29606,26 +32105,17 @@
               <a:gd name="adj3" fmla="val 16667"/>
             </a:avLst>
           </a:prstGeom>
-          <a:solidFill>
-            <a:schemeClr val="bg1"/>
-          </a:solidFill>
-          <a:ln>
-            <a:solidFill>
-              <a:schemeClr val="tx1"/>
-            </a:solidFill>
-          </a:ln>
+          <a:ln/>
         </p:spPr>
         <p:style>
-          <a:lnRef idx="2">
-            <a:schemeClr val="accent1">
-              <a:shade val="50000"/>
-            </a:schemeClr>
+          <a:lnRef idx="1">
+            <a:schemeClr val="dk1"/>
           </a:lnRef>
-          <a:fillRef idx="1">
-            <a:schemeClr val="accent1"/>
+          <a:fillRef idx="3">
+            <a:schemeClr val="dk1"/>
           </a:fillRef>
-          <a:effectRef idx="0">
-            <a:schemeClr val="accent1"/>
+          <a:effectRef idx="2">
+            <a:schemeClr val="dk1"/>
           </a:effectRef>
           <a:fontRef idx="minor">
             <a:schemeClr val="lt1"/>
@@ -29641,7 +32131,7 @@
             <a:r>
               <a:rPr lang="de-DE" dirty="0">
                 <a:solidFill>
-                  <a:schemeClr val="tx1"/>
+                  <a:schemeClr val="bg1"/>
                 </a:solidFill>
               </a:rPr>
               <a:t>Unterschiedliche Strategien können ergänzt und verwendet werden (</a:t>
@@ -29649,7 +32139,7 @@
             <a:r>
               <a:rPr lang="de-DE" b="1" dirty="0">
                 <a:solidFill>
-                  <a:schemeClr val="tx1"/>
+                  <a:schemeClr val="bg1"/>
                 </a:solidFill>
               </a:rPr>
               <a:t>Erweiterbarkeit</a:t>
@@ -29657,7 +32147,7 @@
             <a:r>
               <a:rPr lang="de-DE" dirty="0">
                 <a:solidFill>
-                  <a:schemeClr val="tx1"/>
+                  <a:schemeClr val="bg1"/>
                 </a:solidFill>
               </a:rPr>
               <a:t>).  Die richtige Methode wird „magisch“ aufgerufen!</a:t>
@@ -30511,26 +33001,17 @@
               <a:gd name="adj3" fmla="val 16667"/>
             </a:avLst>
           </a:prstGeom>
-          <a:solidFill>
-            <a:schemeClr val="bg1"/>
-          </a:solidFill>
-          <a:ln>
-            <a:solidFill>
-              <a:schemeClr val="tx1"/>
-            </a:solidFill>
-          </a:ln>
+          <a:ln/>
         </p:spPr>
         <p:style>
-          <a:lnRef idx="2">
-            <a:schemeClr val="accent1">
-              <a:shade val="50000"/>
-            </a:schemeClr>
+          <a:lnRef idx="1">
+            <a:schemeClr val="dk1"/>
           </a:lnRef>
-          <a:fillRef idx="1">
-            <a:schemeClr val="accent1"/>
+          <a:fillRef idx="3">
+            <a:schemeClr val="dk1"/>
           </a:fillRef>
-          <a:effectRef idx="0">
-            <a:schemeClr val="accent1"/>
+          <a:effectRef idx="2">
+            <a:schemeClr val="dk1"/>
           </a:effectRef>
           <a:fontRef idx="minor">
             <a:schemeClr val="lt1"/>
@@ -30546,7 +33027,7 @@
             <a:r>
               <a:rPr lang="de-DE" dirty="0">
                 <a:solidFill>
-                  <a:schemeClr val="tx1"/>
+                  <a:schemeClr val="bg1"/>
                 </a:solidFill>
               </a:rPr>
               <a:t>Für jede neue Strategie muss die Logik hier (und eventuell an anderen Stellen) erweitert werden!</a:t>
@@ -30554,14 +33035,14 @@
             <a:br>
               <a:rPr lang="de-DE" dirty="0">
                 <a:solidFill>
-                  <a:schemeClr val="tx1"/>
+                  <a:schemeClr val="bg1"/>
                 </a:solidFill>
               </a:rPr>
             </a:br>
             <a:r>
               <a:rPr lang="de-DE" dirty="0">
                 <a:solidFill>
-                  <a:schemeClr val="tx1"/>
+                  <a:schemeClr val="bg1"/>
                 </a:solidFill>
               </a:rPr>
               <a:t>(</a:t>
@@ -30569,7 +33050,7 @@
             <a:r>
               <a:rPr lang="de-DE" b="1" dirty="0">
                 <a:solidFill>
-                  <a:schemeClr val="tx1"/>
+                  <a:schemeClr val="bg1"/>
                 </a:solidFill>
               </a:rPr>
               <a:t>Fluch des </a:t>
@@ -30577,7 +33058,7 @@
             <a:r>
               <a:rPr lang="de-DE" b="1" dirty="0" err="1">
                 <a:solidFill>
-                  <a:schemeClr val="tx1"/>
+                  <a:schemeClr val="bg1"/>
                 </a:solidFill>
               </a:rPr>
               <a:t>switch-case</a:t>
@@ -30585,7 +33066,7 @@
             <a:r>
               <a:rPr lang="de-DE" dirty="0">
                 <a:solidFill>
-                  <a:schemeClr val="tx1"/>
+                  <a:schemeClr val="bg1"/>
                 </a:solidFill>
               </a:rPr>
               <a:t>)</a:t>
@@ -30611,26 +33092,17 @@
               <a:gd name="adj3" fmla="val 16667"/>
             </a:avLst>
           </a:prstGeom>
-          <a:solidFill>
-            <a:schemeClr val="bg1"/>
-          </a:solidFill>
-          <a:ln>
-            <a:solidFill>
-              <a:schemeClr val="tx1"/>
-            </a:solidFill>
-          </a:ln>
+          <a:ln/>
         </p:spPr>
         <p:style>
-          <a:lnRef idx="2">
-            <a:schemeClr val="accent1">
-              <a:shade val="50000"/>
-            </a:schemeClr>
+          <a:lnRef idx="1">
+            <a:schemeClr val="dk1"/>
           </a:lnRef>
-          <a:fillRef idx="1">
-            <a:schemeClr val="accent1"/>
+          <a:fillRef idx="3">
+            <a:schemeClr val="dk1"/>
           </a:fillRef>
-          <a:effectRef idx="0">
-            <a:schemeClr val="accent1"/>
+          <a:effectRef idx="2">
+            <a:schemeClr val="dk1"/>
           </a:effectRef>
           <a:fontRef idx="minor">
             <a:schemeClr val="lt1"/>
@@ -30646,7 +33118,7 @@
             <a:r>
               <a:rPr lang="de-DE" dirty="0">
                 <a:solidFill>
-                  <a:schemeClr val="tx1"/>
+                  <a:schemeClr val="bg1"/>
                 </a:solidFill>
               </a:rPr>
               <a:t>„</a:t>
@@ -30654,7 +33126,7 @@
             <a:r>
               <a:rPr lang="de-DE" dirty="0" err="1">
                 <a:solidFill>
-                  <a:schemeClr val="tx1"/>
+                  <a:schemeClr val="bg1"/>
                 </a:solidFill>
               </a:rPr>
               <a:t>Dispatch</a:t>
@@ -30662,7 +33134,7 @@
             <a:r>
               <a:rPr lang="de-DE" dirty="0">
                 <a:solidFill>
-                  <a:schemeClr val="tx1"/>
+                  <a:schemeClr val="bg1"/>
                 </a:solidFill>
               </a:rPr>
               <a:t>“ geschieht von Hand mit Hilfe einer „Tabelle“</a:t>
@@ -31190,26 +33662,17 @@
               <a:gd name="adj3" fmla="val 16667"/>
             </a:avLst>
           </a:prstGeom>
-          <a:solidFill>
-            <a:schemeClr val="bg1"/>
-          </a:solidFill>
-          <a:ln>
-            <a:solidFill>
-              <a:schemeClr val="tx1"/>
-            </a:solidFill>
-          </a:ln>
+          <a:ln/>
         </p:spPr>
         <p:style>
-          <a:lnRef idx="2">
-            <a:schemeClr val="accent1">
-              <a:shade val="50000"/>
-            </a:schemeClr>
+          <a:lnRef idx="1">
+            <a:schemeClr val="dk1"/>
           </a:lnRef>
-          <a:fillRef idx="1">
-            <a:schemeClr val="accent1"/>
+          <a:fillRef idx="3">
+            <a:schemeClr val="dk1"/>
           </a:fillRef>
-          <a:effectRef idx="0">
-            <a:schemeClr val="accent1"/>
+          <a:effectRef idx="2">
+            <a:schemeClr val="dk1"/>
           </a:effectRef>
           <a:fontRef idx="minor">
             <a:schemeClr val="lt1"/>
@@ -31225,7 +33688,7 @@
             <a:r>
               <a:rPr lang="de-DE" dirty="0">
                 <a:solidFill>
-                  <a:schemeClr val="tx1"/>
+                  <a:schemeClr val="bg1"/>
                 </a:solidFill>
               </a:rPr>
               <a:t>Konkrete Strategie wird bei der Erzeugung des Aufzugs gesetzt.</a:t>
@@ -31237,7 +33700,7 @@
             </a:pPr>
             <a:endParaRPr lang="de-DE" dirty="0">
               <a:solidFill>
-                <a:schemeClr val="tx1"/>
+                <a:schemeClr val="bg1"/>
               </a:solidFill>
             </a:endParaRPr>
           </a:p>
@@ -31248,7 +33711,7 @@
             <a:r>
               <a:rPr lang="de-DE" dirty="0">
                 <a:solidFill>
-                  <a:schemeClr val="tx1"/>
+                  <a:schemeClr val="bg1"/>
                 </a:solidFill>
               </a:rPr>
               <a:t>Dieser Code behandelt die Strategie polymorph und muss für neue Strategien nicht verändert werden!</a:t>
@@ -38529,26 +40992,17 @@
               <a:gd name="adj3" fmla="val 16667"/>
             </a:avLst>
           </a:prstGeom>
-          <a:solidFill>
-            <a:schemeClr val="bg1"/>
-          </a:solidFill>
-          <a:ln>
-            <a:solidFill>
-              <a:schemeClr val="tx1"/>
-            </a:solidFill>
-          </a:ln>
+          <a:ln/>
         </p:spPr>
         <p:style>
-          <a:lnRef idx="2">
-            <a:schemeClr val="accent1">
-              <a:shade val="50000"/>
-            </a:schemeClr>
+          <a:lnRef idx="1">
+            <a:schemeClr val="dk1"/>
           </a:lnRef>
-          <a:fillRef idx="1">
-            <a:schemeClr val="accent1"/>
+          <a:fillRef idx="3">
+            <a:schemeClr val="dk1"/>
           </a:fillRef>
-          <a:effectRef idx="0">
-            <a:schemeClr val="accent1"/>
+          <a:effectRef idx="2">
+            <a:schemeClr val="dk1"/>
           </a:effectRef>
           <a:fontRef idx="minor">
             <a:schemeClr val="lt1"/>
@@ -38564,7 +41018,7 @@
             <a:r>
               <a:rPr lang="de-DE" dirty="0">
                 <a:solidFill>
-                  <a:schemeClr val="tx1"/>
+                  <a:schemeClr val="bg1"/>
                 </a:solidFill>
               </a:rPr>
               <a:t>Abstrakte Oberklasse</a:t>
@@ -38590,26 +41044,17 @@
               <a:gd name="adj3" fmla="val 16667"/>
             </a:avLst>
           </a:prstGeom>
-          <a:solidFill>
-            <a:schemeClr val="bg1"/>
-          </a:solidFill>
-          <a:ln>
-            <a:solidFill>
-              <a:schemeClr val="tx1"/>
-            </a:solidFill>
-          </a:ln>
+          <a:ln/>
         </p:spPr>
         <p:style>
-          <a:lnRef idx="2">
-            <a:schemeClr val="accent1">
-              <a:shade val="50000"/>
-            </a:schemeClr>
+          <a:lnRef idx="1">
+            <a:schemeClr val="dk1"/>
           </a:lnRef>
-          <a:fillRef idx="1">
-            <a:schemeClr val="accent1"/>
+          <a:fillRef idx="3">
+            <a:schemeClr val="dk1"/>
           </a:fillRef>
-          <a:effectRef idx="0">
-            <a:schemeClr val="accent1"/>
+          <a:effectRef idx="2">
+            <a:schemeClr val="dk1"/>
           </a:effectRef>
           <a:fontRef idx="minor">
             <a:schemeClr val="lt1"/>
@@ -38625,7 +41070,7 @@
             <a:r>
               <a:rPr lang="de-DE" dirty="0">
                 <a:solidFill>
-                  <a:schemeClr val="tx1"/>
+                  <a:schemeClr val="bg1"/>
                 </a:solidFill>
               </a:rPr>
               <a:t>Konkrete Subklassen</a:t>
@@ -41016,26 +43461,17 @@
               <a:gd name="adj3" fmla="val 16667"/>
             </a:avLst>
           </a:prstGeom>
-          <a:solidFill>
-            <a:schemeClr val="bg1"/>
-          </a:solidFill>
-          <a:ln>
-            <a:solidFill>
-              <a:schemeClr val="tx1"/>
-            </a:solidFill>
-          </a:ln>
+          <a:ln/>
         </p:spPr>
         <p:style>
-          <a:lnRef idx="2">
-            <a:schemeClr val="accent1">
-              <a:shade val="50000"/>
-            </a:schemeClr>
+          <a:lnRef idx="1">
+            <a:schemeClr val="dk1"/>
           </a:lnRef>
-          <a:fillRef idx="1">
-            <a:schemeClr val="accent1"/>
+          <a:fillRef idx="3">
+            <a:schemeClr val="dk1"/>
           </a:fillRef>
-          <a:effectRef idx="0">
-            <a:schemeClr val="accent1"/>
+          <a:effectRef idx="2">
+            <a:schemeClr val="dk1"/>
           </a:effectRef>
           <a:fontRef idx="minor">
             <a:schemeClr val="lt1"/>
@@ -41051,7 +43487,7 @@
             <a:r>
               <a:rPr lang="de-DE" dirty="0">
                 <a:solidFill>
-                  <a:schemeClr val="tx1"/>
+                  <a:schemeClr val="bg1"/>
                 </a:solidFill>
               </a:rPr>
               <a:t>Kleine Methoden können </a:t>
@@ -41059,7 +43495,7 @@
             <a:r>
               <a:rPr lang="de-DE" i="1" dirty="0">
                 <a:solidFill>
-                  <a:schemeClr val="tx1"/>
+                  <a:schemeClr val="bg1"/>
                 </a:solidFill>
               </a:rPr>
               <a:t>inline</a:t>
@@ -41067,11 +43503,181 @@
             <a:r>
               <a:rPr lang="de-DE" dirty="0">
                 <a:solidFill>
-                  <a:schemeClr val="tx1"/>
+                  <a:schemeClr val="bg1"/>
                 </a:solidFill>
               </a:rPr>
               <a:t> definiert werden!</a:t>
             </a:r>
+          </a:p>
+        </p:txBody>
+      </p:sp>
+      <p:sp>
+        <p:nvSpPr>
+          <p:cNvPr id="2" name="Gefaltete Ecke 1"/>
+          <p:cNvSpPr/>
+          <p:nvPr/>
+        </p:nvSpPr>
+        <p:spPr bwMode="auto">
+          <a:xfrm>
+            <a:off x="3203848" y="1628800"/>
+            <a:ext cx="914400" cy="504056"/>
+          </a:xfrm>
+          <a:prstGeom prst="foldedCorner">
+            <a:avLst/>
+          </a:prstGeom>
+          <a:solidFill>
+            <a:schemeClr val="bg1"/>
+          </a:solidFill>
+          <a:ln w="9525" cap="flat" cmpd="sng" algn="ctr">
+            <a:solidFill>
+              <a:schemeClr val="tx1"/>
+            </a:solidFill>
+            <a:prstDash val="solid"/>
+            <a:round/>
+            <a:headEnd type="none" w="med" len="med"/>
+            <a:tailEnd type="none" w="med" len="med"/>
+          </a:ln>
+          <a:effectLst/>
+          <a:extLst/>
+        </p:spPr>
+        <p:txBody>
+          <a:bodyPr vert="horz" wrap="none" lIns="91440" tIns="45720" rIns="91440" bIns="45720" numCol="1" rtlCol="0" anchor="ctr" anchorCtr="0" compatLnSpc="1">
+            <a:prstTxWarp prst="textNoShape">
+              <a:avLst/>
+            </a:prstTxWarp>
+          </a:bodyPr>
+          <a:lstStyle/>
+          <a:p>
+            <a:pPr marL="0" marR="0" indent="0" algn="ctr" defTabSz="449263" rtl="0" eaLnBrk="1" fontAlgn="base" latinLnBrk="0" hangingPunct="1">
+              <a:lnSpc>
+                <a:spcPct val="93000"/>
+              </a:lnSpc>
+              <a:spcBef>
+                <a:spcPct val="0"/>
+              </a:spcBef>
+              <a:spcAft>
+                <a:spcPct val="0"/>
+              </a:spcAft>
+              <a:buClr>
+                <a:srgbClr val="000000"/>
+              </a:buClr>
+              <a:buSzPct val="100000"/>
+              <a:buFont typeface="Arial" charset="0"/>
+              <a:buNone/>
+              <a:tabLst/>
+            </a:pPr>
+            <a:r>
+              <a:rPr kumimoji="0" lang="de-DE" sz="1800" b="0" i="0" u="none" strike="noStrike" cap="none" normalizeH="0" baseline="0" dirty="0" err="1" smtClean="0">
+                <a:ln>
+                  <a:noFill/>
+                </a:ln>
+                <a:solidFill>
+                  <a:schemeClr val="tx1"/>
+                </a:solidFill>
+                <a:effectLst/>
+                <a:latin typeface="Arial" charset="0"/>
+                <a:ea typeface="Lucida Sans Unicode" pitchFamily="34" charset="0"/>
+                <a:cs typeface="Lucida Sans Unicode" pitchFamily="34" charset="0"/>
+              </a:rPr>
+              <a:t>Floor.h</a:t>
+            </a:r>
+            <a:endParaRPr kumimoji="0" lang="en-US" sz="1800" b="0" i="0" u="none" strike="noStrike" cap="none" normalizeH="0" baseline="0" dirty="0" smtClean="0">
+              <a:ln>
+                <a:noFill/>
+              </a:ln>
+              <a:solidFill>
+                <a:schemeClr val="tx1"/>
+              </a:solidFill>
+              <a:effectLst/>
+              <a:latin typeface="Arial" charset="0"/>
+              <a:ea typeface="Lucida Sans Unicode" pitchFamily="34" charset="0"/>
+              <a:cs typeface="Lucida Sans Unicode" pitchFamily="34" charset="0"/>
+            </a:endParaRPr>
+          </a:p>
+        </p:txBody>
+      </p:sp>
+      <p:sp>
+        <p:nvSpPr>
+          <p:cNvPr id="9" name="Gefaltete Ecke 8"/>
+          <p:cNvSpPr/>
+          <p:nvPr/>
+        </p:nvSpPr>
+        <p:spPr bwMode="auto">
+          <a:xfrm>
+            <a:off x="7740352" y="1628800"/>
+            <a:ext cx="986408" cy="504056"/>
+          </a:xfrm>
+          <a:prstGeom prst="foldedCorner">
+            <a:avLst/>
+          </a:prstGeom>
+          <a:solidFill>
+            <a:schemeClr val="bg1"/>
+          </a:solidFill>
+          <a:ln w="9525" cap="flat" cmpd="sng" algn="ctr">
+            <a:solidFill>
+              <a:schemeClr val="tx1"/>
+            </a:solidFill>
+            <a:prstDash val="solid"/>
+            <a:round/>
+            <a:headEnd type="none" w="med" len="med"/>
+            <a:tailEnd type="none" w="med" len="med"/>
+          </a:ln>
+          <a:effectLst/>
+          <a:extLst/>
+        </p:spPr>
+        <p:txBody>
+          <a:bodyPr vert="horz" wrap="none" lIns="91440" tIns="45720" rIns="91440" bIns="45720" numCol="1" rtlCol="0" anchor="ctr" anchorCtr="0" compatLnSpc="1">
+            <a:prstTxWarp prst="textNoShape">
+              <a:avLst/>
+            </a:prstTxWarp>
+          </a:bodyPr>
+          <a:lstStyle/>
+          <a:p>
+            <a:pPr marL="0" marR="0" indent="0" algn="ctr" defTabSz="449263" rtl="0" eaLnBrk="1" fontAlgn="base" latinLnBrk="0" hangingPunct="1">
+              <a:lnSpc>
+                <a:spcPct val="93000"/>
+              </a:lnSpc>
+              <a:spcBef>
+                <a:spcPct val="0"/>
+              </a:spcBef>
+              <a:spcAft>
+                <a:spcPct val="0"/>
+              </a:spcAft>
+              <a:buClr>
+                <a:srgbClr val="000000"/>
+              </a:buClr>
+              <a:buSzPct val="100000"/>
+              <a:buFont typeface="Arial" charset="0"/>
+              <a:buNone/>
+              <a:tabLst/>
+            </a:pPr>
+            <a:r>
+              <a:rPr kumimoji="0" lang="de-DE" sz="1800" b="0" i="0" u="none" strike="noStrike" cap="none" normalizeH="0" baseline="0" dirty="0" smtClean="0">
+                <a:ln>
+                  <a:noFill/>
+                </a:ln>
+                <a:solidFill>
+                  <a:schemeClr val="tx1"/>
+                </a:solidFill>
+                <a:effectLst/>
+                <a:latin typeface="Arial" charset="0"/>
+                <a:ea typeface="Lucida Sans Unicode" pitchFamily="34" charset="0"/>
+                <a:cs typeface="Lucida Sans Unicode" pitchFamily="34" charset="0"/>
+              </a:rPr>
+              <a:t>Floor.cpp</a:t>
+            </a:r>
+            <a:endParaRPr kumimoji="0" lang="en-US" sz="1800" b="0" i="0" u="none" strike="noStrike" cap="none" normalizeH="0" baseline="0" dirty="0" smtClean="0">
+              <a:ln>
+                <a:noFill/>
+              </a:ln>
+              <a:solidFill>
+                <a:schemeClr val="tx1"/>
+              </a:solidFill>
+              <a:effectLst/>
+              <a:latin typeface="Arial" charset="0"/>
+              <a:ea typeface="Lucida Sans Unicode" pitchFamily="34" charset="0"/>
+              <a:cs typeface="Lucida Sans Unicode" pitchFamily="34" charset="0"/>
+            </a:endParaRPr>
           </a:p>
         </p:txBody>
       </p:sp>
@@ -41188,6 +43794,91 @@
       </p:grpSpPr>
       <p:sp>
         <p:nvSpPr>
+          <p:cNvPr id="9" name="Gefaltete Ecke 8"/>
+          <p:cNvSpPr/>
+          <p:nvPr/>
+        </p:nvSpPr>
+        <p:spPr bwMode="auto">
+          <a:xfrm>
+            <a:off x="1907704" y="1672134"/>
+            <a:ext cx="1994520" cy="504056"/>
+          </a:xfrm>
+          <a:prstGeom prst="foldedCorner">
+            <a:avLst/>
+          </a:prstGeom>
+          <a:solidFill>
+            <a:schemeClr val="bg1"/>
+          </a:solidFill>
+          <a:ln w="9525" cap="flat" cmpd="sng" algn="ctr">
+            <a:solidFill>
+              <a:schemeClr val="tx1"/>
+            </a:solidFill>
+            <a:prstDash val="solid"/>
+            <a:round/>
+            <a:headEnd type="none" w="med" len="med"/>
+            <a:tailEnd type="none" w="med" len="med"/>
+          </a:ln>
+          <a:effectLst/>
+          <a:extLst/>
+        </p:spPr>
+        <p:txBody>
+          <a:bodyPr vert="horz" wrap="none" lIns="91440" tIns="45720" rIns="91440" bIns="45720" numCol="1" rtlCol="0" anchor="ctr" anchorCtr="0" compatLnSpc="1">
+            <a:prstTxWarp prst="textNoShape">
+              <a:avLst/>
+            </a:prstTxWarp>
+          </a:bodyPr>
+          <a:lstStyle/>
+          <a:p>
+            <a:pPr marL="0" marR="0" indent="0" algn="ctr" defTabSz="449263" rtl="0" eaLnBrk="1" fontAlgn="base" latinLnBrk="0" hangingPunct="1">
+              <a:lnSpc>
+                <a:spcPct val="93000"/>
+              </a:lnSpc>
+              <a:spcBef>
+                <a:spcPct val="0"/>
+              </a:spcBef>
+              <a:spcAft>
+                <a:spcPct val="0"/>
+              </a:spcAft>
+              <a:buClr>
+                <a:srgbClr val="000000"/>
+              </a:buClr>
+              <a:buSzPct val="100000"/>
+              <a:buFont typeface="Arial" charset="0"/>
+              <a:buNone/>
+              <a:tabLst/>
+            </a:pPr>
+            <a:r>
+              <a:rPr kumimoji="0" lang="de-DE" sz="1800" b="0" i="0" u="none" strike="noStrike" cap="none" normalizeH="0" baseline="0" dirty="0" err="1" smtClean="0">
+                <a:ln>
+                  <a:noFill/>
+                </a:ln>
+                <a:solidFill>
+                  <a:schemeClr val="tx1"/>
+                </a:solidFill>
+                <a:effectLst/>
+                <a:latin typeface="Arial" charset="0"/>
+                <a:ea typeface="Lucida Sans Unicode" pitchFamily="34" charset="0"/>
+                <a:cs typeface="Lucida Sans Unicode" pitchFamily="34" charset="0"/>
+              </a:rPr>
+              <a:t>ElevatorStrategy.h</a:t>
+            </a:r>
+            <a:endParaRPr kumimoji="0" lang="en-US" sz="1800" b="0" i="0" u="none" strike="noStrike" cap="none" normalizeH="0" baseline="0" dirty="0" smtClean="0">
+              <a:ln>
+                <a:noFill/>
+              </a:ln>
+              <a:solidFill>
+                <a:schemeClr val="tx1"/>
+              </a:solidFill>
+              <a:effectLst/>
+              <a:latin typeface="Arial" charset="0"/>
+              <a:ea typeface="Lucida Sans Unicode" pitchFamily="34" charset="0"/>
+              <a:cs typeface="Lucida Sans Unicode" pitchFamily="34" charset="0"/>
+            </a:endParaRPr>
+          </a:p>
+        </p:txBody>
+      </p:sp>
+      <p:sp>
+        <p:nvSpPr>
           <p:cNvPr id="11266" name="Titel 1"/>
           <p:cNvSpPr>
             <a:spLocks noGrp="1"/>
@@ -42913,36 +45604,27 @@
         </p:nvSpPr>
         <p:spPr>
           <a:xfrm>
-            <a:off x="20638" y="1477963"/>
+            <a:off x="379983" y="1087550"/>
             <a:ext cx="4264025" cy="836612"/>
           </a:xfrm>
           <a:prstGeom prst="wedgeRoundRectCallout">
             <a:avLst>
-              <a:gd name="adj1" fmla="val -24748"/>
-              <a:gd name="adj2" fmla="val 116359"/>
+              <a:gd name="adj1" fmla="val -28253"/>
+              <a:gd name="adj2" fmla="val 164702"/>
               <a:gd name="adj3" fmla="val 16667"/>
             </a:avLst>
           </a:prstGeom>
-          <a:solidFill>
-            <a:schemeClr val="bg1"/>
-          </a:solidFill>
-          <a:ln>
-            <a:solidFill>
-              <a:schemeClr val="tx1"/>
-            </a:solidFill>
-          </a:ln>
+          <a:ln/>
         </p:spPr>
         <p:style>
-          <a:lnRef idx="2">
-            <a:schemeClr val="accent1">
-              <a:shade val="50000"/>
-            </a:schemeClr>
+          <a:lnRef idx="1">
+            <a:schemeClr val="dk1"/>
           </a:lnRef>
-          <a:fillRef idx="1">
-            <a:schemeClr val="accent1"/>
+          <a:fillRef idx="3">
+            <a:schemeClr val="dk1"/>
           </a:fillRef>
-          <a:effectRef idx="0">
-            <a:schemeClr val="accent1"/>
+          <a:effectRef idx="2">
+            <a:schemeClr val="dk1"/>
           </a:effectRef>
           <a:fontRef idx="minor">
             <a:schemeClr val="lt1"/>
@@ -42958,7 +45640,7 @@
             <a:r>
               <a:rPr lang="de-DE" b="1" dirty="0">
                 <a:solidFill>
-                  <a:schemeClr val="tx1"/>
+                  <a:schemeClr val="bg1"/>
                 </a:solidFill>
               </a:rPr>
               <a:t>Vorwärtsreferenz</a:t>
@@ -42966,7 +45648,7 @@
             <a:r>
               <a:rPr lang="de-DE" dirty="0">
                 <a:solidFill>
-                  <a:schemeClr val="tx1"/>
+                  <a:schemeClr val="bg1"/>
                 </a:solidFill>
               </a:rPr>
               <a:t> (statt #</a:t>
@@ -42974,7 +45656,7 @@
             <a:r>
               <a:rPr lang="de-DE" dirty="0" err="1">
                 <a:solidFill>
-                  <a:schemeClr val="tx1"/>
+                  <a:schemeClr val="bg1"/>
                 </a:solidFill>
               </a:rPr>
               <a:t>include</a:t>
@@ -42982,7 +45664,7 @@
             <a:r>
               <a:rPr lang="de-DE" dirty="0">
                 <a:solidFill>
-                  <a:schemeClr val="tx1"/>
+                  <a:schemeClr val="bg1"/>
                 </a:solidFill>
               </a:rPr>
               <a:t>), um zyklische Abhängigkeit aufzulösen</a:t>
@@ -42998,7 +45680,7 @@
         </p:nvSpPr>
         <p:spPr>
           <a:xfrm>
-            <a:off x="5867400" y="1112838"/>
+            <a:off x="5938470" y="871538"/>
             <a:ext cx="2814638" cy="731837"/>
           </a:xfrm>
           <a:prstGeom prst="wedgeRoundRectCallout">
@@ -43008,26 +45690,17 @@
               <a:gd name="adj3" fmla="val 16667"/>
             </a:avLst>
           </a:prstGeom>
-          <a:solidFill>
-            <a:schemeClr val="bg1"/>
-          </a:solidFill>
-          <a:ln>
-            <a:solidFill>
-              <a:schemeClr val="tx1"/>
-            </a:solidFill>
-          </a:ln>
+          <a:ln/>
         </p:spPr>
         <p:style>
-          <a:lnRef idx="2">
-            <a:schemeClr val="accent1">
-              <a:shade val="50000"/>
-            </a:schemeClr>
+          <a:lnRef idx="1">
+            <a:schemeClr val="dk1"/>
           </a:lnRef>
-          <a:fillRef idx="1">
-            <a:schemeClr val="accent1"/>
+          <a:fillRef idx="3">
+            <a:schemeClr val="dk1"/>
           </a:fillRef>
-          <a:effectRef idx="0">
-            <a:schemeClr val="accent1"/>
+          <a:effectRef idx="2">
+            <a:schemeClr val="dk1"/>
           </a:effectRef>
           <a:fontRef idx="minor">
             <a:schemeClr val="lt1"/>
@@ -43043,7 +45716,7 @@
             <a:r>
               <a:rPr lang="de-DE" dirty="0">
                 <a:solidFill>
-                  <a:schemeClr val="tx1"/>
+                  <a:schemeClr val="bg1"/>
                 </a:solidFill>
               </a:rPr>
               <a:t>In der </a:t>
@@ -43051,7 +45724,7 @@
             <a:r>
               <a:rPr lang="de-DE" dirty="0" err="1">
                 <a:solidFill>
-                  <a:schemeClr val="tx1"/>
+                  <a:schemeClr val="bg1"/>
                 </a:solidFill>
               </a:rPr>
               <a:t>Impl</a:t>
@@ -43059,7 +45732,7 @@
             <a:r>
               <a:rPr lang="de-DE" dirty="0">
                 <a:solidFill>
-                  <a:schemeClr val="tx1"/>
+                  <a:schemeClr val="bg1"/>
                 </a:solidFill>
               </a:rPr>
               <a:t>-Datei ist dies aber kein Problem!</a:t>
@@ -43085,26 +45758,17 @@
               <a:gd name="adj3" fmla="val 16667"/>
             </a:avLst>
           </a:prstGeom>
-          <a:solidFill>
-            <a:schemeClr val="bg1"/>
-          </a:solidFill>
-          <a:ln>
-            <a:solidFill>
-              <a:schemeClr val="tx1"/>
-            </a:solidFill>
-          </a:ln>
+          <a:ln/>
         </p:spPr>
         <p:style>
-          <a:lnRef idx="2">
-            <a:schemeClr val="accent1">
-              <a:shade val="50000"/>
-            </a:schemeClr>
+          <a:lnRef idx="1">
+            <a:schemeClr val="dk1"/>
           </a:lnRef>
-          <a:fillRef idx="1">
-            <a:schemeClr val="accent1"/>
+          <a:fillRef idx="3">
+            <a:schemeClr val="dk1"/>
           </a:fillRef>
-          <a:effectRef idx="0">
-            <a:schemeClr val="accent1"/>
+          <a:effectRef idx="2">
+            <a:schemeClr val="dk1"/>
           </a:effectRef>
           <a:fontRef idx="minor">
             <a:schemeClr val="lt1"/>
@@ -43120,7 +45784,7 @@
             <a:r>
               <a:rPr lang="de-DE" dirty="0">
                 <a:solidFill>
-                  <a:schemeClr val="tx1"/>
+                  <a:schemeClr val="bg1"/>
                 </a:solidFill>
               </a:rPr>
               <a:t>Sinnvolle Strategien entwickeln wir in der Übung </a:t>
@@ -43128,16 +45792,101 @@
             <a:r>
               <a:rPr lang="de-DE" dirty="0">
                 <a:solidFill>
-                  <a:schemeClr val="tx1"/>
+                  <a:schemeClr val="bg1"/>
                 </a:solidFill>
                 <a:sym typeface="Wingdings" pitchFamily="2" charset="2"/>
               </a:rPr>
               <a:t></a:t>
             </a:r>
             <a:endParaRPr lang="de-DE" dirty="0">
+              <a:solidFill>
+                <a:schemeClr val="bg1"/>
+              </a:solidFill>
+            </a:endParaRPr>
+          </a:p>
+        </p:txBody>
+      </p:sp>
+      <p:sp>
+        <p:nvSpPr>
+          <p:cNvPr id="10" name="Gefaltete Ecke 9"/>
+          <p:cNvSpPr/>
+          <p:nvPr/>
+        </p:nvSpPr>
+        <p:spPr bwMode="auto">
+          <a:xfrm>
+            <a:off x="6876256" y="1672134"/>
+            <a:ext cx="2138536" cy="504056"/>
+          </a:xfrm>
+          <a:prstGeom prst="foldedCorner">
+            <a:avLst/>
+          </a:prstGeom>
+          <a:solidFill>
+            <a:schemeClr val="bg1"/>
+          </a:solidFill>
+          <a:ln w="9525" cap="flat" cmpd="sng" algn="ctr">
+            <a:solidFill>
+              <a:schemeClr val="tx1"/>
+            </a:solidFill>
+            <a:prstDash val="solid"/>
+            <a:round/>
+            <a:headEnd type="none" w="med" len="med"/>
+            <a:tailEnd type="none" w="med" len="med"/>
+          </a:ln>
+          <a:effectLst/>
+          <a:extLst/>
+        </p:spPr>
+        <p:txBody>
+          <a:bodyPr vert="horz" wrap="none" lIns="91440" tIns="45720" rIns="91440" bIns="45720" numCol="1" rtlCol="0" anchor="ctr" anchorCtr="0" compatLnSpc="1">
+            <a:prstTxWarp prst="textNoShape">
+              <a:avLst/>
+            </a:prstTxWarp>
+          </a:bodyPr>
+          <a:lstStyle/>
+          <a:p>
+            <a:pPr marL="0" marR="0" indent="0" algn="ctr" defTabSz="449263" rtl="0" eaLnBrk="1" fontAlgn="base" latinLnBrk="0" hangingPunct="1">
+              <a:lnSpc>
+                <a:spcPct val="93000"/>
+              </a:lnSpc>
+              <a:spcBef>
+                <a:spcPct val="0"/>
+              </a:spcBef>
+              <a:spcAft>
+                <a:spcPct val="0"/>
+              </a:spcAft>
+              <a:buClr>
+                <a:srgbClr val="000000"/>
+              </a:buClr>
+              <a:buSzPct val="100000"/>
+              <a:buFont typeface="Arial" charset="0"/>
+              <a:buNone/>
+              <a:tabLst/>
+            </a:pPr>
+            <a:r>
+              <a:rPr kumimoji="0" lang="de-DE" sz="1800" b="0" i="0" u="none" strike="noStrike" cap="none" normalizeH="0" baseline="0" dirty="0" smtClean="0">
+                <a:ln>
+                  <a:noFill/>
+                </a:ln>
+                <a:solidFill>
+                  <a:schemeClr val="tx1"/>
+                </a:solidFill>
+                <a:effectLst/>
+                <a:latin typeface="Arial" charset="0"/>
+                <a:ea typeface="Lucida Sans Unicode" pitchFamily="34" charset="0"/>
+                <a:cs typeface="Lucida Sans Unicode" pitchFamily="34" charset="0"/>
+              </a:rPr>
+              <a:t>ElevatorStrategy.cpp</a:t>
+            </a:r>
+            <a:endParaRPr kumimoji="0" lang="en-US" sz="1800" b="0" i="0" u="none" strike="noStrike" cap="none" normalizeH="0" baseline="0" dirty="0" smtClean="0">
+              <a:ln>
+                <a:noFill/>
+              </a:ln>
               <a:solidFill>
                 <a:schemeClr val="tx1"/>
               </a:solidFill>
+              <a:effectLst/>
+              <a:latin typeface="Arial" charset="0"/>
+              <a:ea typeface="Lucida Sans Unicode" pitchFamily="34" charset="0"/>
+              <a:cs typeface="Lucida Sans Unicode" pitchFamily="34" charset="0"/>
             </a:endParaRPr>
           </a:p>
         </p:txBody>

--- a/Vorlesung/3 Vererbung-Polymorphie.pptx
+++ b/Vorlesung/3 Vererbung-Polymorphie.pptx
@@ -5,10 +5,10 @@
     <p:sldMasterId id="2147483652" r:id="rId1"/>
   </p:sldMasterIdLst>
   <p:notesMasterIdLst>
-    <p:notesMasterId r:id="rId23"/>
+    <p:notesMasterId r:id="rId24"/>
   </p:notesMasterIdLst>
   <p:handoutMasterIdLst>
-    <p:handoutMasterId r:id="rId24"/>
+    <p:handoutMasterId r:id="rId25"/>
   </p:handoutMasterIdLst>
   <p:sldIdLst>
     <p:sldId id="256" r:id="rId2"/>
@@ -32,6 +32,7 @@
     <p:sldId id="290" r:id="rId20"/>
     <p:sldId id="291" r:id="rId21"/>
     <p:sldId id="294" r:id="rId22"/>
+    <p:sldId id="295" r:id="rId23"/>
   </p:sldIdLst>
   <p:sldSz cx="9144000" cy="6858000" type="screen4x3"/>
   <p:notesSz cx="7099300" cy="10234613"/>
@@ -4582,11 +4583,7 @@
             </a:pPr>
             <a:r>
               <a:rPr lang="de-DE" dirty="0" smtClean="0"/>
-              <a:t>#2 </a:t>
-            </a:r>
-            <a:r>
-              <a:rPr lang="de-DE" dirty="0" smtClean="0"/>
-              <a:t>– </a:t>
+              <a:t>#2 – </a:t>
             </a:r>
           </a:p>
           <a:p>
@@ -4656,7 +4653,11 @@
             </a:pPr>
             <a:r>
               <a:rPr lang="de-DE" baseline="0" dirty="0" smtClean="0"/>
-              <a:t>Hier wird zunächst eine Instanz per </a:t>
+              <a:t>Intuitiv erwartet man: Hier </a:t>
+            </a:r>
+            <a:r>
+              <a:rPr lang="de-DE" baseline="0" dirty="0" smtClean="0"/>
+              <a:t>wird zunächst eine Instanz per </a:t>
             </a:r>
             <a:r>
               <a:rPr lang="de-DE" baseline="0" dirty="0" err="1" smtClean="0"/>
@@ -4672,11 +4673,26 @@
             </a:r>
             <a:r>
               <a:rPr lang="de-DE" baseline="0" dirty="0" smtClean="0"/>
-              <a:t>= </a:t>
+              <a:t>= „</a:t>
+            </a:r>
+            <a:r>
+              <a:rPr lang="de-DE" baseline="0" dirty="0" smtClean="0"/>
+              <a:t>überschrieben/aktualisiert</a:t>
+            </a:r>
+          </a:p>
+          <a:p>
+            <a:pPr marL="914400" lvl="1" indent="-171450">
+              <a:buFontTx/>
+              <a:buChar char="-"/>
+              <a:defRPr/>
+            </a:pPr>
+            <a:r>
+              <a:rPr lang="de-DE" baseline="0" dirty="0" smtClean="0"/>
+              <a:t>siehe auch </a:t>
             </a:r>
             <a:r>
               <a:rPr lang="de-DE" baseline="0" smtClean="0"/>
-              <a:t>„überschrieben/aktualisiert“</a:t>
+              <a:t>nächste Folie!!</a:t>
             </a:r>
             <a:endParaRPr lang="de-DE" baseline="0" dirty="0" smtClean="0"/>
           </a:p>
@@ -6486,7 +6502,7 @@
             </a:pPr>
             <a:r>
               <a:rPr lang="en-US" sz="800" dirty="0" smtClean="0"/>
-              <a:t>© author(s) of these slides 2013 including research results of the research network ES  and TU Darmstadt otherwise as specified at the respective slide</a:t>
+              <a:t>© author(s) of these slides 2014 including research results of the research network ES  and TU Darmstadt otherwise as specified at the respective slide</a:t>
             </a:r>
             <a:endParaRPr lang="en-US" sz="1200" dirty="0" smtClean="0"/>
           </a:p>
@@ -10050,7 +10066,7 @@
           <a:graphicData uri="http://schemas.openxmlformats.org/presentationml/2006/ole">
             <mc:AlternateContent xmlns:mc="http://schemas.openxmlformats.org/markup-compatibility/2006">
               <mc:Choice xmlns:v="urn:schemas-microsoft-com:vml" Requires="v">
-                <p:oleObj spid="_x0000_s1060" r:id="rId16" imgW="1038370" imgH="980952" progId="">
+                <p:oleObj spid="_x0000_s1076" r:id="rId16" imgW="1038370" imgH="980952" progId="">
                   <p:embed/>
                 </p:oleObj>
               </mc:Choice>
@@ -10488,7 +10504,7 @@
                 </a:lnSpc>
                 <a:defRPr/>
               </a:pPr>
-              <a:t>11.08.2014</a:t>
+              <a:t>27.08.2014</a:t>
             </a:fld>
             <a:r>
               <a:rPr lang="en-GB" altLang="de-DE" sz="1000" smtClean="0">
@@ -11240,16 +11256,25 @@
               <a:buNone/>
             </a:pPr>
             <a:r>
-              <a:rPr lang="de-DE" altLang="de-DE" sz="1200">
+              <a:rPr lang="de-DE" altLang="de-DE" sz="1200" dirty="0">
                 <a:solidFill>
                   <a:srgbClr val="7F0055"/>
                 </a:solidFill>
                 <a:latin typeface="Consolas" pitchFamily="49" charset="0"/>
               </a:rPr>
-              <a:t>#include</a:t>
-            </a:r>
-            <a:r>
-              <a:rPr lang="de-DE" altLang="de-DE" sz="1200">
+              <a:t>#</a:t>
+            </a:r>
+            <a:r>
+              <a:rPr lang="de-DE" altLang="de-DE" sz="1200" dirty="0" err="1">
+                <a:solidFill>
+                  <a:srgbClr val="7F0055"/>
+                </a:solidFill>
+                <a:latin typeface="Consolas" pitchFamily="49" charset="0"/>
+              </a:rPr>
+              <a:t>include</a:t>
+            </a:r>
+            <a:r>
+              <a:rPr lang="de-DE" altLang="de-DE" sz="1200" dirty="0">
                 <a:solidFill>
                   <a:srgbClr val="000000"/>
                 </a:solidFill>
@@ -11258,13 +11283,31 @@
               <a:t> </a:t>
             </a:r>
             <a:r>
-              <a:rPr lang="de-DE" altLang="de-DE" sz="1200">
+              <a:rPr lang="de-DE" altLang="de-DE" sz="1200" dirty="0">
                 <a:solidFill>
                   <a:srgbClr val="2A00FF"/>
                 </a:solidFill>
                 <a:latin typeface="Consolas" pitchFamily="49" charset="0"/>
               </a:rPr>
-              <a:t>"ElevatorStrategy.h"</a:t>
+              <a:t>"</a:t>
+            </a:r>
+            <a:r>
+              <a:rPr lang="de-DE" altLang="de-DE" sz="1200" dirty="0" err="1">
+                <a:solidFill>
+                  <a:srgbClr val="2A00FF"/>
+                </a:solidFill>
+                <a:latin typeface="Consolas" pitchFamily="49" charset="0"/>
+              </a:rPr>
+              <a:t>ElevatorStrategy.h</a:t>
+            </a:r>
+            <a:r>
+              <a:rPr lang="de-DE" altLang="de-DE" sz="1200" dirty="0">
+                <a:solidFill>
+                  <a:srgbClr val="2A00FF"/>
+                </a:solidFill>
+                <a:latin typeface="Consolas" pitchFamily="49" charset="0"/>
+              </a:rPr>
+              <a:t>"</a:t>
             </a:r>
           </a:p>
           <a:p>
@@ -11277,16 +11320,25 @@
               <a:buNone/>
             </a:pPr>
             <a:r>
-              <a:rPr lang="de-DE" altLang="de-DE" sz="1200">
+              <a:rPr lang="de-DE" altLang="de-DE" sz="1200" dirty="0">
                 <a:solidFill>
                   <a:srgbClr val="7F0055"/>
                 </a:solidFill>
                 <a:latin typeface="Consolas" pitchFamily="49" charset="0"/>
               </a:rPr>
-              <a:t>#include</a:t>
-            </a:r>
-            <a:r>
-              <a:rPr lang="de-DE" altLang="de-DE" sz="1200">
+              <a:t>#</a:t>
+            </a:r>
+            <a:r>
+              <a:rPr lang="de-DE" altLang="de-DE" sz="1200" dirty="0" err="1">
+                <a:solidFill>
+                  <a:srgbClr val="7F0055"/>
+                </a:solidFill>
+                <a:latin typeface="Consolas" pitchFamily="49" charset="0"/>
+              </a:rPr>
+              <a:t>include</a:t>
+            </a:r>
+            <a:r>
+              <a:rPr lang="de-DE" altLang="de-DE" sz="1200" dirty="0">
                 <a:solidFill>
                   <a:srgbClr val="000000"/>
                 </a:solidFill>
@@ -11295,13 +11347,31 @@
               <a:t> </a:t>
             </a:r>
             <a:r>
-              <a:rPr lang="de-DE" altLang="de-DE" sz="1200">
+              <a:rPr lang="de-DE" altLang="de-DE" sz="1200" dirty="0">
                 <a:solidFill>
                   <a:srgbClr val="2A00FF"/>
                 </a:solidFill>
                 <a:latin typeface="Consolas" pitchFamily="49" charset="0"/>
               </a:rPr>
-              <a:t>"Floor.h"</a:t>
+              <a:t>"</a:t>
+            </a:r>
+            <a:r>
+              <a:rPr lang="de-DE" altLang="de-DE" sz="1200" dirty="0" err="1">
+                <a:solidFill>
+                  <a:srgbClr val="2A00FF"/>
+                </a:solidFill>
+                <a:latin typeface="Consolas" pitchFamily="49" charset="0"/>
+              </a:rPr>
+              <a:t>Floor.h</a:t>
+            </a:r>
+            <a:r>
+              <a:rPr lang="de-DE" altLang="de-DE" sz="1200" dirty="0">
+                <a:solidFill>
+                  <a:srgbClr val="2A00FF"/>
+                </a:solidFill>
+                <a:latin typeface="Consolas" pitchFamily="49" charset="0"/>
+              </a:rPr>
+              <a:t>"</a:t>
             </a:r>
           </a:p>
           <a:p>
@@ -11313,7 +11383,7 @@
               <a:buFont typeface="Arial" charset="0"/>
               <a:buNone/>
             </a:pPr>
-            <a:endParaRPr lang="de-DE" altLang="de-DE" sz="1200" b="0">
+            <a:endParaRPr lang="de-DE" altLang="de-DE" sz="1200" b="0" dirty="0">
               <a:latin typeface="Consolas" pitchFamily="49" charset="0"/>
             </a:endParaRPr>
           </a:p>
@@ -11327,7 +11397,7 @@
               <a:buNone/>
             </a:pPr>
             <a:r>
-              <a:rPr lang="de-DE" altLang="de-DE" sz="1200">
+              <a:rPr lang="de-DE" altLang="de-DE" sz="1200" dirty="0" err="1">
                 <a:solidFill>
                   <a:srgbClr val="7F0055"/>
                 </a:solidFill>
@@ -11336,7 +11406,7 @@
               <a:t>class</a:t>
             </a:r>
             <a:r>
-              <a:rPr lang="de-DE" altLang="de-DE" sz="1200">
+              <a:rPr lang="de-DE" altLang="de-DE" sz="1200" dirty="0">
                 <a:solidFill>
                   <a:srgbClr val="000000"/>
                 </a:solidFill>
@@ -11345,7 +11415,7 @@
               <a:t> </a:t>
             </a:r>
             <a:r>
-              <a:rPr lang="de-DE" altLang="de-DE" sz="1200">
+              <a:rPr lang="de-DE" altLang="de-DE" sz="1200" dirty="0">
                 <a:solidFill>
                   <a:srgbClr val="005032"/>
                 </a:solidFill>
@@ -11354,7 +11424,7 @@
               <a:t>Elevator</a:t>
             </a:r>
             <a:r>
-              <a:rPr lang="de-DE" altLang="de-DE" sz="1200">
+              <a:rPr lang="de-DE" altLang="de-DE" sz="1200" dirty="0">
                 <a:solidFill>
                   <a:srgbClr val="000000"/>
                 </a:solidFill>
@@ -11373,7 +11443,7 @@
               <a:buNone/>
             </a:pPr>
             <a:r>
-              <a:rPr lang="de-DE" altLang="de-DE" sz="1200">
+              <a:rPr lang="de-DE" altLang="de-DE" sz="1200" dirty="0" err="1">
                 <a:solidFill>
                   <a:srgbClr val="7F0055"/>
                 </a:solidFill>
@@ -11382,7 +11452,7 @@
               <a:t>public</a:t>
             </a:r>
             <a:r>
-              <a:rPr lang="de-DE" altLang="de-DE" sz="1200">
+              <a:rPr lang="de-DE" altLang="de-DE" sz="1200" dirty="0">
                 <a:solidFill>
                   <a:srgbClr val="000000"/>
                 </a:solidFill>
@@ -11401,7 +11471,7 @@
               <a:buNone/>
             </a:pPr>
             <a:r>
-              <a:rPr lang="de-DE" altLang="de-DE" sz="1200">
+              <a:rPr lang="de-DE" altLang="de-DE" sz="1200" dirty="0">
                 <a:solidFill>
                   <a:srgbClr val="000000"/>
                 </a:solidFill>
@@ -11410,7 +11480,7 @@
               <a:t>  Elevator(</a:t>
             </a:r>
             <a:r>
-              <a:rPr lang="de-DE" altLang="de-DE" sz="1200">
+              <a:rPr lang="de-DE" altLang="de-DE" sz="1200" dirty="0" err="1">
                 <a:solidFill>
                   <a:srgbClr val="7F0055"/>
                 </a:solidFill>
@@ -11419,7 +11489,7 @@
               <a:t>const</a:t>
             </a:r>
             <a:r>
-              <a:rPr lang="de-DE" altLang="de-DE" sz="1200">
+              <a:rPr lang="de-DE" altLang="de-DE" sz="1200" dirty="0">
                 <a:solidFill>
                   <a:srgbClr val="000000"/>
                 </a:solidFill>
@@ -11428,7 +11498,7 @@
               <a:t> </a:t>
             </a:r>
             <a:r>
-              <a:rPr lang="de-DE" altLang="de-DE" sz="1200">
+              <a:rPr lang="de-DE" altLang="de-DE" sz="1200" dirty="0">
                 <a:solidFill>
                   <a:srgbClr val="005032"/>
                 </a:solidFill>
@@ -11437,7 +11507,7 @@
               <a:t>Floor</a:t>
             </a:r>
             <a:r>
-              <a:rPr lang="de-DE" altLang="de-DE" sz="1200">
+              <a:rPr lang="de-DE" altLang="de-DE" sz="1200" dirty="0">
                 <a:solidFill>
                   <a:srgbClr val="000000"/>
                 </a:solidFill>
@@ -11456,7 +11526,7 @@
               <a:buNone/>
             </a:pPr>
             <a:r>
-              <a:rPr lang="de-DE" altLang="de-DE" sz="1200">
+              <a:rPr lang="de-DE" altLang="de-DE" sz="1200" dirty="0">
                 <a:solidFill>
                   <a:srgbClr val="000000"/>
                 </a:solidFill>
@@ -11465,7 +11535,7 @@
               <a:t>           </a:t>
             </a:r>
             <a:r>
-              <a:rPr lang="de-DE" altLang="de-DE" sz="1200">
+              <a:rPr lang="de-DE" altLang="de-DE" sz="1200" dirty="0" err="1">
                 <a:solidFill>
                   <a:srgbClr val="005032"/>
                 </a:solidFill>
@@ -11474,7 +11544,7 @@
               <a:t>ConstElevatorStrategyPtr</a:t>
             </a:r>
             <a:r>
-              <a:rPr lang="de-DE" altLang="de-DE" sz="1200">
+              <a:rPr lang="de-DE" altLang="de-DE" sz="1200" dirty="0">
                 <a:solidFill>
                   <a:srgbClr val="000000"/>
                 </a:solidFill>
@@ -11493,7 +11563,7 @@
               <a:buNone/>
             </a:pPr>
             <a:r>
-              <a:rPr lang="de-DE" altLang="de-DE" sz="1200">
+              <a:rPr lang="de-DE" altLang="de-DE" sz="1200" dirty="0">
                 <a:solidFill>
                   <a:srgbClr val="000000"/>
                 </a:solidFill>
@@ -11511,7 +11581,7 @@
               <a:buFont typeface="Arial" charset="0"/>
               <a:buNone/>
             </a:pPr>
-            <a:endParaRPr lang="de-DE" altLang="de-DE" sz="1200" b="0">
+            <a:endParaRPr lang="de-DE" altLang="de-DE" sz="1200" b="0" dirty="0">
               <a:latin typeface="Consolas" pitchFamily="49" charset="0"/>
             </a:endParaRPr>
           </a:p>
@@ -11525,7 +11595,7 @@
               <a:buNone/>
             </a:pPr>
             <a:r>
-              <a:rPr lang="en-US" altLang="de-DE" sz="1200">
+              <a:rPr lang="en-US" altLang="de-DE" sz="1200" dirty="0">
                 <a:solidFill>
                   <a:srgbClr val="7F0055"/>
                 </a:solidFill>
@@ -11534,7 +11604,7 @@
               <a:t>  inline</a:t>
             </a:r>
             <a:r>
-              <a:rPr lang="en-US" altLang="de-DE" sz="1200">
+              <a:rPr lang="en-US" altLang="de-DE" sz="1200" dirty="0">
                 <a:solidFill>
                   <a:srgbClr val="000000"/>
                 </a:solidFill>
@@ -11543,7 +11613,7 @@
               <a:t> </a:t>
             </a:r>
             <a:r>
-              <a:rPr lang="en-US" altLang="de-DE" sz="1200">
+              <a:rPr lang="en-US" altLang="de-DE" sz="1200" dirty="0" err="1">
                 <a:solidFill>
                   <a:srgbClr val="7F0055"/>
                 </a:solidFill>
@@ -11552,7 +11622,7 @@
               <a:t>const</a:t>
             </a:r>
             <a:r>
-              <a:rPr lang="en-US" altLang="de-DE" sz="1200">
+              <a:rPr lang="en-US" altLang="de-DE" sz="1200" dirty="0">
                 <a:solidFill>
                   <a:srgbClr val="000000"/>
                 </a:solidFill>
@@ -11561,7 +11631,7 @@
               <a:t> </a:t>
             </a:r>
             <a:r>
-              <a:rPr lang="en-US" altLang="de-DE" sz="1200">
+              <a:rPr lang="en-US" altLang="de-DE" sz="1200" dirty="0">
                 <a:solidFill>
                   <a:srgbClr val="005032"/>
                 </a:solidFill>
@@ -11570,25 +11640,52 @@
               <a:t>Floor</a:t>
             </a:r>
             <a:r>
-              <a:rPr lang="en-US" altLang="de-DE" sz="1200">
-                <a:solidFill>
-                  <a:srgbClr val="000000"/>
-                </a:solidFill>
-                <a:latin typeface="Consolas" pitchFamily="49" charset="0"/>
-              </a:rPr>
-              <a:t>* getCurrentFloor() </a:t>
-            </a:r>
-            <a:r>
-              <a:rPr lang="en-US" altLang="de-DE" sz="1200">
+              <a:rPr lang="en-US" altLang="de-DE" sz="1200" dirty="0">
+                <a:solidFill>
+                  <a:srgbClr val="000000"/>
+                </a:solidFill>
+                <a:latin typeface="Consolas" pitchFamily="49" charset="0"/>
+              </a:rPr>
+              <a:t>* </a:t>
+            </a:r>
+            <a:r>
+              <a:rPr lang="en-US" altLang="de-DE" sz="1200" dirty="0" err="1">
+                <a:solidFill>
+                  <a:srgbClr val="000000"/>
+                </a:solidFill>
+                <a:latin typeface="Consolas" pitchFamily="49" charset="0"/>
+              </a:rPr>
+              <a:t>getCurrentFloor</a:t>
+            </a:r>
+            <a:r>
+              <a:rPr lang="en-US" altLang="de-DE" sz="1200" dirty="0">
+                <a:solidFill>
+                  <a:srgbClr val="000000"/>
+                </a:solidFill>
+                <a:latin typeface="Consolas" pitchFamily="49" charset="0"/>
+              </a:rPr>
+              <a:t>() </a:t>
+            </a:r>
+            <a:r>
+              <a:rPr lang="en-US" altLang="de-DE" sz="1200" dirty="0" err="1">
                 <a:solidFill>
                   <a:srgbClr val="7F0055"/>
                 </a:solidFill>
                 <a:latin typeface="Consolas" pitchFamily="49" charset="0"/>
               </a:rPr>
-              <a:t>const </a:t>
-            </a:r>
-            <a:r>
-              <a:rPr lang="en-US" altLang="de-DE" sz="1200">
+              <a:t>const</a:t>
+            </a:r>
+            <a:r>
+              <a:rPr lang="en-US" altLang="de-DE" sz="1200" dirty="0">
+                <a:solidFill>
+                  <a:srgbClr val="7F0055"/>
+                </a:solidFill>
+                <a:latin typeface="Consolas" pitchFamily="49" charset="0"/>
+              </a:rPr>
+              <a:t> </a:t>
+            </a:r>
+            <a:r>
+              <a:rPr lang="en-US" altLang="de-DE" sz="1200" dirty="0">
                 <a:solidFill>
                   <a:srgbClr val="000000"/>
                 </a:solidFill>
@@ -11607,16 +11704,25 @@
               <a:buNone/>
             </a:pPr>
             <a:r>
-              <a:rPr lang="de-DE" altLang="de-DE" sz="1200">
+              <a:rPr lang="de-DE" altLang="de-DE" sz="1200" dirty="0">
                 <a:solidFill>
                   <a:srgbClr val="7F0055"/>
                 </a:solidFill>
                 <a:latin typeface="Consolas" pitchFamily="49" charset="0"/>
               </a:rPr>
-              <a:t>    return</a:t>
-            </a:r>
-            <a:r>
-              <a:rPr lang="de-DE" altLang="de-DE" sz="1200">
+              <a:t>    </a:t>
+            </a:r>
+            <a:r>
+              <a:rPr lang="de-DE" altLang="de-DE" sz="1200" dirty="0" err="1">
+                <a:solidFill>
+                  <a:srgbClr val="7F0055"/>
+                </a:solidFill>
+                <a:latin typeface="Consolas" pitchFamily="49" charset="0"/>
+              </a:rPr>
+              <a:t>return</a:t>
+            </a:r>
+            <a:r>
+              <a:rPr lang="de-DE" altLang="de-DE" sz="1200" dirty="0">
                 <a:solidFill>
                   <a:srgbClr val="000000"/>
                 </a:solidFill>
@@ -11625,7 +11731,7 @@
               <a:t> </a:t>
             </a:r>
             <a:r>
-              <a:rPr lang="de-DE" altLang="de-DE" sz="1200">
+              <a:rPr lang="de-DE" altLang="de-DE" sz="1200" dirty="0" err="1">
                 <a:solidFill>
                   <a:srgbClr val="0000C0"/>
                 </a:solidFill>
@@ -11634,7 +11740,7 @@
               <a:t>currentFloor</a:t>
             </a:r>
             <a:r>
-              <a:rPr lang="de-DE" altLang="de-DE" sz="1200">
+              <a:rPr lang="de-DE" altLang="de-DE" sz="1200" dirty="0">
                 <a:solidFill>
                   <a:srgbClr val="000000"/>
                 </a:solidFill>
@@ -11653,7 +11759,7 @@
               <a:buNone/>
             </a:pPr>
             <a:r>
-              <a:rPr lang="de-DE" altLang="de-DE" sz="1200" b="0">
+              <a:rPr lang="de-DE" altLang="de-DE" sz="1200" b="0" dirty="0">
                 <a:solidFill>
                   <a:srgbClr val="000000"/>
                 </a:solidFill>
@@ -11671,7 +11777,7 @@
               <a:buFont typeface="Arial" charset="0"/>
               <a:buNone/>
             </a:pPr>
-            <a:endParaRPr lang="de-DE" altLang="de-DE" sz="1200" b="0">
+            <a:endParaRPr lang="de-DE" altLang="de-DE" sz="1200" b="0" dirty="0">
               <a:latin typeface="Consolas" pitchFamily="49" charset="0"/>
             </a:endParaRPr>
           </a:p>
@@ -11685,7 +11791,7 @@
               <a:buNone/>
             </a:pPr>
             <a:r>
-              <a:rPr lang="de-DE" altLang="de-DE" sz="1200">
+              <a:rPr lang="de-DE" altLang="de-DE" sz="1200" dirty="0" err="1">
                 <a:solidFill>
                   <a:srgbClr val="7F0055"/>
                 </a:solidFill>
@@ -11694,13 +11800,31 @@
               <a:t>void</a:t>
             </a:r>
             <a:r>
-              <a:rPr lang="de-DE" altLang="de-DE" sz="1200">
-                <a:solidFill>
-                  <a:srgbClr val="000000"/>
-                </a:solidFill>
-                <a:latin typeface="Consolas" pitchFamily="49" charset="0"/>
-              </a:rPr>
-              <a:t> moveToNextFloor();</a:t>
+              <a:rPr lang="de-DE" altLang="de-DE" sz="1200" dirty="0">
+                <a:solidFill>
+                  <a:srgbClr val="000000"/>
+                </a:solidFill>
+                <a:latin typeface="Consolas" pitchFamily="49" charset="0"/>
+              </a:rPr>
+              <a:t> </a:t>
+            </a:r>
+            <a:r>
+              <a:rPr lang="de-DE" altLang="de-DE" sz="1200" dirty="0" err="1">
+                <a:solidFill>
+                  <a:srgbClr val="000000"/>
+                </a:solidFill>
+                <a:latin typeface="Consolas" pitchFamily="49" charset="0"/>
+              </a:rPr>
+              <a:t>moveToNextFloor</a:t>
+            </a:r>
+            <a:r>
+              <a:rPr lang="de-DE" altLang="de-DE" sz="1200" dirty="0">
+                <a:solidFill>
+                  <a:srgbClr val="000000"/>
+                </a:solidFill>
+                <a:latin typeface="Consolas" pitchFamily="49" charset="0"/>
+              </a:rPr>
+              <a:t>();</a:t>
             </a:r>
           </a:p>
           <a:p>
@@ -11712,7 +11836,7 @@
               <a:buFont typeface="Arial" charset="0"/>
               <a:buNone/>
             </a:pPr>
-            <a:endParaRPr lang="de-DE" altLang="de-DE" sz="1200" b="0">
+            <a:endParaRPr lang="de-DE" altLang="de-DE" sz="1200" b="0" dirty="0">
               <a:latin typeface="Consolas" pitchFamily="49" charset="0"/>
             </a:endParaRPr>
           </a:p>
@@ -11726,7 +11850,7 @@
               <a:buNone/>
             </a:pPr>
             <a:r>
-              <a:rPr lang="de-DE" altLang="de-DE" sz="1200">
+              <a:rPr lang="de-DE" altLang="de-DE" sz="1200" dirty="0">
                 <a:solidFill>
                   <a:srgbClr val="7F0055"/>
                 </a:solidFill>
@@ -11735,7 +11859,7 @@
               <a:t>private</a:t>
             </a:r>
             <a:r>
-              <a:rPr lang="de-DE" altLang="de-DE" sz="1200">
+              <a:rPr lang="de-DE" altLang="de-DE" sz="1200" dirty="0">
                 <a:solidFill>
                   <a:srgbClr val="000000"/>
                 </a:solidFill>
@@ -11754,16 +11878,25 @@
               <a:buNone/>
             </a:pPr>
             <a:r>
-              <a:rPr lang="de-DE" altLang="de-DE" sz="1200">
+              <a:rPr lang="de-DE" altLang="de-DE" sz="1200" dirty="0">
                 <a:solidFill>
                   <a:srgbClr val="7F0055"/>
                 </a:solidFill>
                 <a:latin typeface="Consolas" pitchFamily="49" charset="0"/>
               </a:rPr>
-              <a:t>  const</a:t>
-            </a:r>
-            <a:r>
-              <a:rPr lang="de-DE" altLang="de-DE" sz="1200">
+              <a:t>  </a:t>
+            </a:r>
+            <a:r>
+              <a:rPr lang="de-DE" altLang="de-DE" sz="1200" dirty="0" err="1">
+                <a:solidFill>
+                  <a:srgbClr val="7F0055"/>
+                </a:solidFill>
+                <a:latin typeface="Consolas" pitchFamily="49" charset="0"/>
+              </a:rPr>
+              <a:t>const</a:t>
+            </a:r>
+            <a:r>
+              <a:rPr lang="de-DE" altLang="de-DE" sz="1200" dirty="0">
                 <a:solidFill>
                   <a:srgbClr val="000000"/>
                 </a:solidFill>
@@ -11772,7 +11905,7 @@
               <a:t> </a:t>
             </a:r>
             <a:r>
-              <a:rPr lang="de-DE" altLang="de-DE" sz="1200">
+              <a:rPr lang="de-DE" altLang="de-DE" sz="1200" dirty="0">
                 <a:solidFill>
                   <a:srgbClr val="005032"/>
                 </a:solidFill>
@@ -11781,7 +11914,7 @@
               <a:t>Floor</a:t>
             </a:r>
             <a:r>
-              <a:rPr lang="de-DE" altLang="de-DE" sz="1200">
+              <a:rPr lang="de-DE" altLang="de-DE" sz="1200" dirty="0">
                 <a:solidFill>
                   <a:srgbClr val="000000"/>
                 </a:solidFill>
@@ -11790,7 +11923,7 @@
               <a:t>* </a:t>
             </a:r>
             <a:r>
-              <a:rPr lang="de-DE" altLang="de-DE" sz="1200">
+              <a:rPr lang="de-DE" altLang="de-DE" sz="1200" dirty="0" err="1">
                 <a:solidFill>
                   <a:srgbClr val="0000C0"/>
                 </a:solidFill>
@@ -11799,7 +11932,7 @@
               <a:t>currentFloor</a:t>
             </a:r>
             <a:r>
-              <a:rPr lang="de-DE" altLang="de-DE" sz="1200">
+              <a:rPr lang="de-DE" altLang="de-DE" sz="1200" dirty="0">
                 <a:solidFill>
                   <a:srgbClr val="000000"/>
                 </a:solidFill>
@@ -11818,16 +11951,25 @@
               <a:buNone/>
             </a:pPr>
             <a:r>
-              <a:rPr lang="de-DE" altLang="de-DE" sz="1200" b="0">
+              <a:rPr lang="de-DE" altLang="de-DE" sz="1200" b="0" dirty="0">
                 <a:solidFill>
                   <a:srgbClr val="005032"/>
                 </a:solidFill>
                 <a:latin typeface="Consolas" pitchFamily="49" charset="0"/>
               </a:rPr>
-              <a:t>  ConstElevatorStrategyPtr</a:t>
-            </a:r>
-            <a:r>
-              <a:rPr lang="de-DE" altLang="de-DE" sz="1200" b="0">
+              <a:t>  </a:t>
+            </a:r>
+            <a:r>
+              <a:rPr lang="de-DE" altLang="de-DE" sz="1200" b="0" dirty="0" err="1">
+                <a:solidFill>
+                  <a:srgbClr val="005032"/>
+                </a:solidFill>
+                <a:latin typeface="Consolas" pitchFamily="49" charset="0"/>
+              </a:rPr>
+              <a:t>ConstElevatorStrategyPtr</a:t>
+            </a:r>
+            <a:r>
+              <a:rPr lang="de-DE" altLang="de-DE" sz="1200" b="0" dirty="0">
                 <a:solidFill>
                   <a:srgbClr val="000000"/>
                 </a:solidFill>
@@ -11836,7 +11978,7 @@
               <a:t> </a:t>
             </a:r>
             <a:r>
-              <a:rPr lang="de-DE" altLang="de-DE" sz="1200" b="0">
+              <a:rPr lang="de-DE" altLang="de-DE" sz="1200" b="0" dirty="0" err="1">
                 <a:solidFill>
                   <a:srgbClr val="0000C0"/>
                 </a:solidFill>
@@ -11845,7 +11987,7 @@
               <a:t>strategy</a:t>
             </a:r>
             <a:r>
-              <a:rPr lang="de-DE" altLang="de-DE" sz="1200" b="0">
+              <a:rPr lang="de-DE" altLang="de-DE" sz="1200" b="0" dirty="0">
                 <a:solidFill>
                   <a:srgbClr val="000000"/>
                 </a:solidFill>
@@ -11864,7 +12006,7 @@
               <a:buNone/>
             </a:pPr>
             <a:r>
-              <a:rPr lang="de-DE" altLang="de-DE" sz="1200" b="0">
+              <a:rPr lang="de-DE" altLang="de-DE" sz="1200" b="0" dirty="0">
                 <a:solidFill>
                   <a:srgbClr val="000000"/>
                 </a:solidFill>
@@ -21984,6 +22126,9 @@
             </a:pPr>
             <a:r>
               <a:rPr lang="de-DE" altLang="de-DE" sz="1200" b="0" dirty="0" err="1">
+                <a:solidFill>
+                  <a:srgbClr val="005AA9"/>
+                </a:solidFill>
                 <a:latin typeface="Consolas" pitchFamily="49" charset="0"/>
                 <a:cs typeface="Consolas" pitchFamily="49" charset="0"/>
               </a:rPr>
@@ -21991,6 +22136,9 @@
             </a:r>
             <a:r>
               <a:rPr lang="de-DE" altLang="de-DE" sz="1200" b="0" dirty="0">
+                <a:solidFill>
+                  <a:srgbClr val="005AA9"/>
+                </a:solidFill>
                 <a:latin typeface="Consolas" pitchFamily="49" charset="0"/>
                 <a:cs typeface="Consolas" pitchFamily="49" charset="0"/>
               </a:rPr>
@@ -21998,6 +22146,9 @@
             </a:r>
             <a:r>
               <a:rPr lang="de-DE" altLang="de-DE" sz="1200" b="0" dirty="0" err="1">
+                <a:solidFill>
+                  <a:srgbClr val="005AA9"/>
+                </a:solidFill>
                 <a:latin typeface="Consolas" pitchFamily="49" charset="0"/>
                 <a:cs typeface="Consolas" pitchFamily="49" charset="0"/>
               </a:rPr>
@@ -22005,6 +22156,9 @@
             </a:r>
             <a:r>
               <a:rPr lang="de-DE" altLang="de-DE" sz="1200" b="0" dirty="0">
+                <a:solidFill>
+                  <a:srgbClr val="005AA9"/>
+                </a:solidFill>
                 <a:latin typeface="Consolas" pitchFamily="49" charset="0"/>
                 <a:cs typeface="Consolas" pitchFamily="49" charset="0"/>
               </a:rPr>
@@ -22012,6 +22166,9 @@
             </a:r>
             <a:r>
               <a:rPr lang="de-DE" altLang="de-DE" sz="1200" b="0" dirty="0" err="1">
+                <a:solidFill>
+                  <a:srgbClr val="005AA9"/>
+                </a:solidFill>
                 <a:latin typeface="Consolas" pitchFamily="49" charset="0"/>
                 <a:cs typeface="Consolas" pitchFamily="49" charset="0"/>
               </a:rPr>
@@ -22019,6 +22176,9 @@
             </a:r>
             <a:r>
               <a:rPr lang="de-DE" altLang="de-DE" sz="1200" b="0" dirty="0">
+                <a:solidFill>
+                  <a:srgbClr val="005AA9"/>
+                </a:solidFill>
                 <a:latin typeface="Consolas" pitchFamily="49" charset="0"/>
                 <a:cs typeface="Consolas" pitchFamily="49" charset="0"/>
               </a:rPr>
@@ -22026,12 +22186,18 @@
             </a:r>
             <a:r>
               <a:rPr lang="de-DE" altLang="de-DE" sz="1200" b="0" dirty="0" err="1">
+                <a:solidFill>
+                  <a:srgbClr val="005AA9"/>
+                </a:solidFill>
                 <a:latin typeface="Consolas" pitchFamily="49" charset="0"/>
                 <a:cs typeface="Consolas" pitchFamily="49" charset="0"/>
               </a:rPr>
               <a:t>strategy</a:t>
             </a:r>
             <a:endParaRPr lang="de-DE" altLang="de-DE" sz="1200" b="0" dirty="0">
+              <a:solidFill>
+                <a:srgbClr val="005AA9"/>
+              </a:solidFill>
               <a:latin typeface="Consolas" pitchFamily="49" charset="0"/>
               <a:cs typeface="Consolas" pitchFamily="49" charset="0"/>
             </a:endParaRPr>
@@ -22047,6 +22213,9 @@
             </a:pPr>
             <a:r>
               <a:rPr lang="de-DE" altLang="de-DE" sz="1200" b="0" dirty="0" err="1">
+                <a:solidFill>
+                  <a:srgbClr val="005AA9"/>
+                </a:solidFill>
                 <a:latin typeface="Consolas" pitchFamily="49" charset="0"/>
                 <a:cs typeface="Consolas" pitchFamily="49" charset="0"/>
               </a:rPr>
@@ -22054,6 +22223,9 @@
             </a:r>
             <a:r>
               <a:rPr lang="de-DE" altLang="de-DE" sz="1200" b="0" dirty="0">
+                <a:solidFill>
+                  <a:srgbClr val="005AA9"/>
+                </a:solidFill>
                 <a:latin typeface="Consolas" pitchFamily="49" charset="0"/>
                 <a:cs typeface="Consolas" pitchFamily="49" charset="0"/>
               </a:rPr>
@@ -22061,6 +22233,9 @@
             </a:r>
             <a:r>
               <a:rPr lang="de-DE" altLang="de-DE" sz="1200" b="0" dirty="0" err="1">
+                <a:solidFill>
+                  <a:srgbClr val="005AA9"/>
+                </a:solidFill>
                 <a:latin typeface="Consolas" pitchFamily="49" charset="0"/>
                 <a:cs typeface="Consolas" pitchFamily="49" charset="0"/>
               </a:rPr>
@@ -22068,6 +22243,9 @@
             </a:r>
             <a:r>
               <a:rPr lang="de-DE" altLang="de-DE" sz="1200" b="0" dirty="0">
+                <a:solidFill>
+                  <a:srgbClr val="005AA9"/>
+                </a:solidFill>
                 <a:latin typeface="Consolas" pitchFamily="49" charset="0"/>
                 <a:cs typeface="Consolas" pitchFamily="49" charset="0"/>
               </a:rPr>
@@ -22075,6 +22253,9 @@
             </a:r>
             <a:r>
               <a:rPr lang="de-DE" altLang="de-DE" sz="1200" b="0" dirty="0" err="1">
+                <a:solidFill>
+                  <a:srgbClr val="005AA9"/>
+                </a:solidFill>
                 <a:latin typeface="Consolas" pitchFamily="49" charset="0"/>
                 <a:cs typeface="Consolas" pitchFamily="49" charset="0"/>
               </a:rPr>
@@ -22082,6 +22263,9 @@
             </a:r>
             <a:r>
               <a:rPr lang="de-DE" altLang="de-DE" sz="1200" b="0" dirty="0">
+                <a:solidFill>
+                  <a:srgbClr val="005AA9"/>
+                </a:solidFill>
                 <a:latin typeface="Consolas" pitchFamily="49" charset="0"/>
                 <a:cs typeface="Consolas" pitchFamily="49" charset="0"/>
               </a:rPr>
@@ -22089,6 +22273,9 @@
             </a:r>
             <a:r>
               <a:rPr lang="de-DE" altLang="de-DE" sz="1200" b="0" dirty="0" err="1">
+                <a:solidFill>
+                  <a:srgbClr val="005AA9"/>
+                </a:solidFill>
                 <a:latin typeface="Consolas" pitchFamily="49" charset="0"/>
                 <a:cs typeface="Consolas" pitchFamily="49" charset="0"/>
               </a:rPr>
@@ -22096,6 +22283,9 @@
             </a:r>
             <a:r>
               <a:rPr lang="de-DE" altLang="de-DE" sz="1200" b="0" dirty="0">
+                <a:solidFill>
+                  <a:srgbClr val="005AA9"/>
+                </a:solidFill>
                 <a:latin typeface="Consolas" pitchFamily="49" charset="0"/>
                 <a:cs typeface="Consolas" pitchFamily="49" charset="0"/>
               </a:rPr>
@@ -22103,12 +22293,18 @@
             </a:r>
             <a:r>
               <a:rPr lang="de-DE" altLang="de-DE" sz="1200" b="0" dirty="0" err="1">
+                <a:solidFill>
+                  <a:srgbClr val="005AA9"/>
+                </a:solidFill>
                 <a:latin typeface="Consolas" pitchFamily="49" charset="0"/>
                 <a:cs typeface="Consolas" pitchFamily="49" charset="0"/>
               </a:rPr>
               <a:t>strategy</a:t>
             </a:r>
             <a:endParaRPr lang="de-DE" altLang="de-DE" sz="1200" b="0" dirty="0">
+              <a:solidFill>
+                <a:srgbClr val="005AA9"/>
+              </a:solidFill>
               <a:latin typeface="Consolas" pitchFamily="49" charset="0"/>
               <a:cs typeface="Consolas" pitchFamily="49" charset="0"/>
             </a:endParaRPr>
@@ -22522,7 +22718,7 @@
             <a:r>
               <a:rPr lang="en-US" altLang="de-DE" sz="1200" dirty="0">
                 <a:solidFill>
-                  <a:srgbClr val="FF0000"/>
+                  <a:srgbClr val="005AA9"/>
                 </a:solidFill>
                 <a:latin typeface="Consolas" pitchFamily="49" charset="0"/>
                 <a:cs typeface="Consolas" pitchFamily="49" charset="0"/>
@@ -22532,7 +22728,7 @@
             <a:r>
               <a:rPr lang="en-US" altLang="de-DE" sz="1200" dirty="0" err="1">
                 <a:solidFill>
-                  <a:srgbClr val="FF0000"/>
+                  <a:srgbClr val="005AA9"/>
                 </a:solidFill>
                 <a:latin typeface="Consolas" pitchFamily="49" charset="0"/>
                 <a:cs typeface="Consolas" pitchFamily="49" charset="0"/>
@@ -22542,7 +22738,7 @@
             <a:r>
               <a:rPr lang="en-US" altLang="de-DE" sz="1200" dirty="0">
                 <a:solidFill>
-                  <a:srgbClr val="FF0000"/>
+                  <a:srgbClr val="005AA9"/>
                 </a:solidFill>
                 <a:latin typeface="Consolas" pitchFamily="49" charset="0"/>
                 <a:cs typeface="Consolas" pitchFamily="49" charset="0"/>
@@ -22562,7 +22758,7 @@
             <a:r>
               <a:rPr lang="en-US" altLang="de-DE" sz="1200" dirty="0" err="1">
                 <a:solidFill>
-                  <a:srgbClr val="FF0000"/>
+                  <a:srgbClr val="005AA9"/>
                 </a:solidFill>
                 <a:latin typeface="Consolas" pitchFamily="49" charset="0"/>
                 <a:cs typeface="Consolas" pitchFamily="49" charset="0"/>
@@ -22572,7 +22768,7 @@
             <a:r>
               <a:rPr lang="en-US" altLang="de-DE" sz="1200" dirty="0">
                 <a:solidFill>
-                  <a:srgbClr val="FF0000"/>
+                  <a:srgbClr val="005AA9"/>
                 </a:solidFill>
                 <a:latin typeface="Consolas" pitchFamily="49" charset="0"/>
                 <a:cs typeface="Consolas" pitchFamily="49" charset="0"/>
@@ -22994,7 +23190,7 @@
             <a:r>
               <a:rPr lang="de-DE" altLang="de-DE" sz="1200" dirty="0">
                 <a:solidFill>
-                  <a:srgbClr val="FF0000"/>
+                  <a:srgbClr val="005AA9"/>
                 </a:solidFill>
                 <a:latin typeface="Consolas" pitchFamily="49" charset="0"/>
                 <a:cs typeface="Consolas" pitchFamily="49" charset="0"/>
@@ -23004,7 +23200,7 @@
             <a:r>
               <a:rPr lang="de-DE" altLang="de-DE" sz="1200" dirty="0" err="1">
                 <a:solidFill>
-                  <a:srgbClr val="FF0000"/>
+                  <a:srgbClr val="005AA9"/>
                 </a:solidFill>
                 <a:latin typeface="Consolas" pitchFamily="49" charset="0"/>
                 <a:cs typeface="Consolas" pitchFamily="49" charset="0"/>
@@ -23014,7 +23210,7 @@
             <a:r>
               <a:rPr lang="de-DE" altLang="de-DE" sz="1200" dirty="0">
                 <a:solidFill>
-                  <a:srgbClr val="FF0000"/>
+                  <a:srgbClr val="005AA9"/>
                 </a:solidFill>
                 <a:latin typeface="Consolas" pitchFamily="49" charset="0"/>
                 <a:cs typeface="Consolas" pitchFamily="49" charset="0"/>
@@ -23024,7 +23220,7 @@
             <a:r>
               <a:rPr lang="de-DE" altLang="de-DE" sz="1200" dirty="0" err="1">
                 <a:solidFill>
-                  <a:srgbClr val="FF0000"/>
+                  <a:srgbClr val="005AA9"/>
                 </a:solidFill>
                 <a:latin typeface="Consolas" pitchFamily="49" charset="0"/>
                 <a:cs typeface="Consolas" pitchFamily="49" charset="0"/>
@@ -23034,7 +23230,7 @@
             <a:r>
               <a:rPr lang="de-DE" altLang="de-DE" sz="1200" dirty="0">
                 <a:solidFill>
-                  <a:srgbClr val="FF0000"/>
+                  <a:srgbClr val="005AA9"/>
                 </a:solidFill>
                 <a:latin typeface="Consolas" pitchFamily="49" charset="0"/>
                 <a:cs typeface="Consolas" pitchFamily="49" charset="0"/>
@@ -23044,7 +23240,7 @@
             <a:r>
               <a:rPr lang="de-DE" altLang="de-DE" sz="1200" dirty="0" err="1">
                 <a:solidFill>
-                  <a:srgbClr val="FF0000"/>
+                  <a:srgbClr val="005AA9"/>
                 </a:solidFill>
                 <a:latin typeface="Consolas" pitchFamily="49" charset="0"/>
                 <a:cs typeface="Consolas" pitchFamily="49" charset="0"/>
@@ -23054,7 +23250,7 @@
             <a:r>
               <a:rPr lang="de-DE" altLang="de-DE" sz="1200" dirty="0">
                 <a:solidFill>
-                  <a:srgbClr val="FF0000"/>
+                  <a:srgbClr val="005AA9"/>
                 </a:solidFill>
                 <a:latin typeface="Consolas" pitchFamily="49" charset="0"/>
                 <a:cs typeface="Consolas" pitchFamily="49" charset="0"/>
@@ -23064,7 +23260,7 @@
             <a:r>
               <a:rPr lang="de-DE" altLang="de-DE" sz="1200" dirty="0" err="1">
                 <a:solidFill>
-                  <a:srgbClr val="FF0000"/>
+                  <a:srgbClr val="005AA9"/>
                 </a:solidFill>
                 <a:latin typeface="Consolas" pitchFamily="49" charset="0"/>
                 <a:cs typeface="Consolas" pitchFamily="49" charset="0"/>
@@ -23073,7 +23269,7 @@
             </a:r>
             <a:endParaRPr lang="de-DE" altLang="de-DE" sz="1200" dirty="0">
               <a:solidFill>
-                <a:srgbClr val="FF0000"/>
+                <a:srgbClr val="005AA9"/>
               </a:solidFill>
               <a:latin typeface="Consolas" pitchFamily="49" charset="0"/>
               <a:cs typeface="Consolas" pitchFamily="49" charset="0"/>
@@ -26366,44 +26562,69 @@
               <a:buNone/>
             </a:pPr>
             <a:r>
-              <a:rPr lang="de-DE" altLang="de-DE" sz="1200" b="0">
-                <a:solidFill>
-                  <a:srgbClr val="000000"/>
-                </a:solidFill>
-                <a:latin typeface="Consolas" pitchFamily="49" charset="0"/>
-              </a:rPr>
-              <a:t>ElevatorStrategy(): Creating basic strategy</a:t>
-            </a:r>
-          </a:p>
-          <a:p>
-            <a:pPr eaLnBrk="1" hangingPunct="1">
-              <a:spcBef>
-                <a:spcPct val="0"/>
-              </a:spcBef>
-              <a:buSzTx/>
-              <a:buFont typeface="Arial" charset="0"/>
-              <a:buNone/>
-            </a:pPr>
-            <a:r>
-              <a:rPr lang="de-DE" altLang="de-DE" sz="1200" b="0">
-                <a:solidFill>
-                  <a:srgbClr val="000000"/>
-                </a:solidFill>
-                <a:latin typeface="Consolas" pitchFamily="49" charset="0"/>
-              </a:rPr>
-              <a:t>EnergyMinimizingStrategy(): Creating energy minimizing strategy</a:t>
-            </a:r>
-          </a:p>
-          <a:p>
-            <a:pPr eaLnBrk="1" hangingPunct="1">
-              <a:spcBef>
-                <a:spcPct val="0"/>
-              </a:spcBef>
-              <a:buSzTx/>
-              <a:buFont typeface="Arial" charset="0"/>
-              <a:buNone/>
-            </a:pPr>
-            <a:endParaRPr lang="de-DE" altLang="de-DE" sz="1200" b="0">
+              <a:rPr lang="de-DE" altLang="de-DE" sz="1200" b="0" dirty="0" err="1">
+                <a:solidFill>
+                  <a:srgbClr val="000000"/>
+                </a:solidFill>
+                <a:latin typeface="Consolas" pitchFamily="49" charset="0"/>
+              </a:rPr>
+              <a:t>ElevatorStrategy</a:t>
+            </a:r>
+            <a:r>
+              <a:rPr lang="de-DE" altLang="de-DE" sz="1200" b="0" dirty="0">
+                <a:solidFill>
+                  <a:srgbClr val="000000"/>
+                </a:solidFill>
+                <a:latin typeface="Consolas" pitchFamily="49" charset="0"/>
+              </a:rPr>
+              <a:t>(): </a:t>
+            </a:r>
+            <a:r>
+              <a:rPr lang="de-DE" altLang="de-DE" sz="1200" b="0" dirty="0" err="1">
+                <a:solidFill>
+                  <a:srgbClr val="000000"/>
+                </a:solidFill>
+                <a:latin typeface="Consolas" pitchFamily="49" charset="0"/>
+              </a:rPr>
+              <a:t>Creating</a:t>
+            </a:r>
+            <a:r>
+              <a:rPr lang="de-DE" altLang="de-DE" sz="1200" b="0" dirty="0">
+                <a:solidFill>
+                  <a:srgbClr val="000000"/>
+                </a:solidFill>
+                <a:latin typeface="Consolas" pitchFamily="49" charset="0"/>
+              </a:rPr>
+              <a:t> </a:t>
+            </a:r>
+            <a:r>
+              <a:rPr lang="de-DE" altLang="de-DE" sz="1200" b="0" dirty="0" err="1">
+                <a:solidFill>
+                  <a:srgbClr val="000000"/>
+                </a:solidFill>
+                <a:latin typeface="Consolas" pitchFamily="49" charset="0"/>
+              </a:rPr>
+              <a:t>basic</a:t>
+            </a:r>
+            <a:r>
+              <a:rPr lang="de-DE" altLang="de-DE" sz="1200" b="0" dirty="0">
+                <a:solidFill>
+                  <a:srgbClr val="000000"/>
+                </a:solidFill>
+                <a:latin typeface="Consolas" pitchFamily="49" charset="0"/>
+              </a:rPr>
+              <a:t> </a:t>
+            </a:r>
+            <a:r>
+              <a:rPr lang="de-DE" altLang="de-DE" sz="1200" b="0" dirty="0" err="1">
+                <a:solidFill>
+                  <a:srgbClr val="000000"/>
+                </a:solidFill>
+                <a:latin typeface="Consolas" pitchFamily="49" charset="0"/>
+              </a:rPr>
+              <a:t>strategy</a:t>
+            </a:r>
+            <a:endParaRPr lang="de-DE" altLang="de-DE" sz="1200" b="0" dirty="0">
               <a:solidFill>
                 <a:srgbClr val="000000"/>
               </a:solidFill>
@@ -26420,158 +26641,87 @@
               <a:buNone/>
             </a:pPr>
             <a:r>
-              <a:rPr lang="de-DE" altLang="de-DE" sz="1000" b="0">
-                <a:solidFill>
-                  <a:srgbClr val="000000"/>
-                </a:solidFill>
-                <a:latin typeface="Consolas" pitchFamily="49" charset="0"/>
-              </a:rPr>
-              <a:t>Floor(): Creating floor [0]</a:t>
-            </a:r>
-          </a:p>
-          <a:p>
-            <a:pPr eaLnBrk="1" hangingPunct="1">
-              <a:spcBef>
-                <a:spcPct val="0"/>
-              </a:spcBef>
-              <a:buSzTx/>
-              <a:buFont typeface="Arial" charset="0"/>
-              <a:buNone/>
-            </a:pPr>
-            <a:r>
-              <a:rPr lang="en-US" altLang="de-DE" sz="1000" b="0">
-                <a:solidFill>
-                  <a:srgbClr val="000000"/>
-                </a:solidFill>
-                <a:latin typeface="Consolas" pitchFamily="49" charset="0"/>
-              </a:rPr>
-              <a:t>Floor(const Floor&amp;): Copying floor [0]</a:t>
-            </a:r>
-          </a:p>
-          <a:p>
-            <a:pPr eaLnBrk="1" hangingPunct="1">
-              <a:spcBef>
-                <a:spcPct val="0"/>
-              </a:spcBef>
-              <a:buSzTx/>
-              <a:buFont typeface="Arial" charset="0"/>
-              <a:buNone/>
-            </a:pPr>
-            <a:r>
-              <a:rPr lang="en-US" altLang="de-DE" sz="1000" b="0">
-                <a:solidFill>
-                  <a:srgbClr val="000000"/>
-                </a:solidFill>
-                <a:latin typeface="Consolas" pitchFamily="49" charset="0"/>
-              </a:rPr>
-              <a:t>Floor(const Floor&amp;): Copying floor [0]</a:t>
-            </a:r>
-          </a:p>
-          <a:p>
-            <a:pPr eaLnBrk="1" hangingPunct="1">
-              <a:spcBef>
-                <a:spcPct val="0"/>
-              </a:spcBef>
-              <a:buSzTx/>
-              <a:buFont typeface="Arial" charset="0"/>
-              <a:buNone/>
-            </a:pPr>
-            <a:r>
-              <a:rPr lang="en-US" altLang="de-DE" sz="1000" b="0">
-                <a:solidFill>
-                  <a:srgbClr val="000000"/>
-                </a:solidFill>
-                <a:latin typeface="Consolas" pitchFamily="49" charset="0"/>
-              </a:rPr>
-              <a:t>Floor(const Floor&amp;): Copying floor [0]</a:t>
-            </a:r>
-          </a:p>
-          <a:p>
-            <a:pPr eaLnBrk="1" hangingPunct="1">
-              <a:spcBef>
-                <a:spcPct val="0"/>
-              </a:spcBef>
-              <a:buSzTx/>
-              <a:buFont typeface="Arial" charset="0"/>
-              <a:buNone/>
-            </a:pPr>
-            <a:r>
-              <a:rPr lang="en-US" altLang="de-DE" sz="1000" b="0">
-                <a:solidFill>
-                  <a:srgbClr val="000000"/>
-                </a:solidFill>
-                <a:latin typeface="Consolas" pitchFamily="49" charset="0"/>
-              </a:rPr>
-              <a:t>Floor(const Floor&amp;): Copying floor [0]</a:t>
-            </a:r>
-          </a:p>
-          <a:p>
-            <a:pPr eaLnBrk="1" hangingPunct="1">
-              <a:spcBef>
-                <a:spcPct val="0"/>
-              </a:spcBef>
-              <a:buSzTx/>
-              <a:buFont typeface="Arial" charset="0"/>
-              <a:buNone/>
-            </a:pPr>
-            <a:r>
-              <a:rPr lang="en-US" altLang="de-DE" sz="1000" b="0">
-                <a:solidFill>
-                  <a:srgbClr val="000000"/>
-                </a:solidFill>
-                <a:latin typeface="Consolas" pitchFamily="49" charset="0"/>
-              </a:rPr>
-              <a:t>Floor(const Floor&amp;): Copying floor [0]</a:t>
-            </a:r>
-          </a:p>
-          <a:p>
-            <a:pPr eaLnBrk="1" hangingPunct="1">
-              <a:spcBef>
-                <a:spcPct val="0"/>
-              </a:spcBef>
-              <a:buSzTx/>
-              <a:buFont typeface="Arial" charset="0"/>
-              <a:buNone/>
-            </a:pPr>
-            <a:r>
-              <a:rPr lang="en-US" altLang="de-DE" sz="1000" b="0">
-                <a:solidFill>
-                  <a:srgbClr val="000000"/>
-                </a:solidFill>
-                <a:latin typeface="Consolas" pitchFamily="49" charset="0"/>
-              </a:rPr>
-              <a:t>Floor(const Floor&amp;): Copying floor [0]</a:t>
-            </a:r>
-          </a:p>
-          <a:p>
-            <a:pPr eaLnBrk="1" hangingPunct="1">
-              <a:spcBef>
-                <a:spcPct val="0"/>
-              </a:spcBef>
-              <a:buSzTx/>
-              <a:buFont typeface="Arial" charset="0"/>
-              <a:buNone/>
-            </a:pPr>
-            <a:r>
-              <a:rPr lang="de-DE" altLang="de-DE" sz="1000" b="0">
-                <a:solidFill>
-                  <a:srgbClr val="000000"/>
-                </a:solidFill>
-                <a:latin typeface="Consolas" pitchFamily="49" charset="0"/>
-              </a:rPr>
-              <a:t>~Floor(): Destroying floor [0]</a:t>
-            </a:r>
-          </a:p>
-          <a:p>
-            <a:pPr eaLnBrk="1" hangingPunct="1">
-              <a:spcBef>
-                <a:spcPct val="0"/>
-              </a:spcBef>
-              <a:buSzTx/>
-              <a:buFont typeface="Arial" charset="0"/>
-              <a:buNone/>
-            </a:pPr>
-            <a:endParaRPr lang="de-DE" altLang="de-DE" sz="1000" b="0">
+              <a:rPr lang="de-DE" altLang="de-DE" sz="1200" b="0" dirty="0" err="1">
+                <a:solidFill>
+                  <a:srgbClr val="000000"/>
+                </a:solidFill>
+                <a:latin typeface="Consolas" pitchFamily="49" charset="0"/>
+              </a:rPr>
+              <a:t>EnergyMinimizingStrategy</a:t>
+            </a:r>
+            <a:r>
+              <a:rPr lang="de-DE" altLang="de-DE" sz="1200" b="0" dirty="0">
+                <a:solidFill>
+                  <a:srgbClr val="000000"/>
+                </a:solidFill>
+                <a:latin typeface="Consolas" pitchFamily="49" charset="0"/>
+              </a:rPr>
+              <a:t>(): </a:t>
+            </a:r>
+            <a:r>
+              <a:rPr lang="de-DE" altLang="de-DE" sz="1200" b="0" dirty="0" err="1">
+                <a:solidFill>
+                  <a:srgbClr val="000000"/>
+                </a:solidFill>
+                <a:latin typeface="Consolas" pitchFamily="49" charset="0"/>
+              </a:rPr>
+              <a:t>Creating</a:t>
+            </a:r>
+            <a:r>
+              <a:rPr lang="de-DE" altLang="de-DE" sz="1200" b="0" dirty="0">
+                <a:solidFill>
+                  <a:srgbClr val="000000"/>
+                </a:solidFill>
+                <a:latin typeface="Consolas" pitchFamily="49" charset="0"/>
+              </a:rPr>
+              <a:t> </a:t>
+            </a:r>
+            <a:r>
+              <a:rPr lang="de-DE" altLang="de-DE" sz="1200" b="0" dirty="0" err="1">
+                <a:solidFill>
+                  <a:srgbClr val="000000"/>
+                </a:solidFill>
+                <a:latin typeface="Consolas" pitchFamily="49" charset="0"/>
+              </a:rPr>
+              <a:t>energy</a:t>
+            </a:r>
+            <a:r>
+              <a:rPr lang="de-DE" altLang="de-DE" sz="1200" b="0" dirty="0">
+                <a:solidFill>
+                  <a:srgbClr val="000000"/>
+                </a:solidFill>
+                <a:latin typeface="Consolas" pitchFamily="49" charset="0"/>
+              </a:rPr>
+              <a:t> </a:t>
+            </a:r>
+            <a:r>
+              <a:rPr lang="de-DE" altLang="de-DE" sz="1200" b="0" dirty="0" err="1">
+                <a:solidFill>
+                  <a:srgbClr val="000000"/>
+                </a:solidFill>
+                <a:latin typeface="Consolas" pitchFamily="49" charset="0"/>
+              </a:rPr>
+              <a:t>minimizing</a:t>
+            </a:r>
+            <a:r>
+              <a:rPr lang="de-DE" altLang="de-DE" sz="1200" b="0" dirty="0">
+                <a:solidFill>
+                  <a:srgbClr val="000000"/>
+                </a:solidFill>
+                <a:latin typeface="Consolas" pitchFamily="49" charset="0"/>
+              </a:rPr>
+              <a:t> </a:t>
+            </a:r>
+            <a:r>
+              <a:rPr lang="de-DE" altLang="de-DE" sz="1200" b="0" dirty="0" err="1">
+                <a:solidFill>
+                  <a:srgbClr val="000000"/>
+                </a:solidFill>
+                <a:latin typeface="Consolas" pitchFamily="49" charset="0"/>
+              </a:rPr>
+              <a:t>strategy</a:t>
+            </a:r>
+            <a:endParaRPr lang="de-DE" altLang="de-DE" sz="1200" b="0" dirty="0">
               <a:solidFill>
                 <a:srgbClr val="000000"/>
               </a:solidFill>
@@ -26587,64 +26737,7 @@
               <a:buFont typeface="Arial" charset="0"/>
               <a:buNone/>
             </a:pPr>
-            <a:r>
-              <a:rPr lang="de-DE" altLang="de-DE" sz="1000" b="0">
-                <a:solidFill>
-                  <a:srgbClr val="000000"/>
-                </a:solidFill>
-                <a:latin typeface="Consolas" pitchFamily="49" charset="0"/>
-              </a:rPr>
-              <a:t>Elevator(): Creating elevator.</a:t>
-            </a:r>
-          </a:p>
-          <a:p>
-            <a:pPr eaLnBrk="1" hangingPunct="1">
-              <a:spcBef>
-                <a:spcPct val="0"/>
-              </a:spcBef>
-              <a:buSzTx/>
-              <a:buFont typeface="Arial" charset="0"/>
-              <a:buNone/>
-            </a:pPr>
-            <a:r>
-              <a:rPr lang="en-US" altLang="de-DE" sz="1000" b="0">
-                <a:solidFill>
-                  <a:srgbClr val="000000"/>
-                </a:solidFill>
-                <a:latin typeface="Consolas" pitchFamily="49" charset="0"/>
-              </a:rPr>
-              <a:t>Building(...): Creating building with 6 floors.</a:t>
-            </a:r>
-          </a:p>
-          <a:p>
-            <a:pPr eaLnBrk="1" hangingPunct="1">
-              <a:spcBef>
-                <a:spcPct val="0"/>
-              </a:spcBef>
-              <a:buSzTx/>
-              <a:buFont typeface="Arial" charset="0"/>
-              <a:buNone/>
-            </a:pPr>
-            <a:r>
-              <a:rPr lang="en-US" altLang="de-DE" sz="1000" b="0">
-                <a:solidFill>
-                  <a:srgbClr val="000000"/>
-                </a:solidFill>
-                <a:latin typeface="Consolas" pitchFamily="49" charset="0"/>
-              </a:rPr>
-              <a:t>Building(...): Elevator is on Floor: 0</a:t>
-            </a:r>
-          </a:p>
-          <a:p>
-            <a:pPr eaLnBrk="1" hangingPunct="1">
-              <a:spcBef>
-                <a:spcPct val="0"/>
-              </a:spcBef>
-              <a:buSzTx/>
-              <a:buFont typeface="Arial" charset="0"/>
-              <a:buNone/>
-            </a:pPr>
-            <a:endParaRPr lang="en-US" altLang="de-DE" sz="1200" b="0">
+            <a:endParaRPr lang="de-DE" altLang="de-DE" sz="1200" b="0" dirty="0">
               <a:solidFill>
                 <a:srgbClr val="000000"/>
               </a:solidFill>
@@ -26661,13 +26754,49 @@
               <a:buNone/>
             </a:pPr>
             <a:r>
-              <a:rPr lang="en-US" altLang="de-DE" sz="1200" b="0">
-                <a:solidFill>
-                  <a:srgbClr val="000000"/>
-                </a:solidFill>
-                <a:latin typeface="Consolas" pitchFamily="49" charset="0"/>
-              </a:rPr>
-              <a:t>Elevator::moveToNextFloor():  Polymorphic call to strategy.</a:t>
+              <a:rPr lang="de-DE" altLang="de-DE" sz="1000" b="0" dirty="0">
+                <a:solidFill>
+                  <a:srgbClr val="000000"/>
+                </a:solidFill>
+                <a:latin typeface="Consolas" pitchFamily="49" charset="0"/>
+              </a:rPr>
+              <a:t>Floor(): </a:t>
+            </a:r>
+            <a:r>
+              <a:rPr lang="de-DE" altLang="de-DE" sz="1000" b="0" dirty="0" err="1">
+                <a:solidFill>
+                  <a:srgbClr val="000000"/>
+                </a:solidFill>
+                <a:latin typeface="Consolas" pitchFamily="49" charset="0"/>
+              </a:rPr>
+              <a:t>Creating</a:t>
+            </a:r>
+            <a:r>
+              <a:rPr lang="de-DE" altLang="de-DE" sz="1000" b="0" dirty="0">
+                <a:solidFill>
+                  <a:srgbClr val="000000"/>
+                </a:solidFill>
+                <a:latin typeface="Consolas" pitchFamily="49" charset="0"/>
+              </a:rPr>
+              <a:t> </a:t>
+            </a:r>
+            <a:r>
+              <a:rPr lang="de-DE" altLang="de-DE" sz="1000" b="0" dirty="0" err="1">
+                <a:solidFill>
+                  <a:srgbClr val="000000"/>
+                </a:solidFill>
+                <a:latin typeface="Consolas" pitchFamily="49" charset="0"/>
+              </a:rPr>
+              <a:t>floor</a:t>
+            </a:r>
+            <a:r>
+              <a:rPr lang="de-DE" altLang="de-DE" sz="1000" b="0" dirty="0">
+                <a:solidFill>
+                  <a:srgbClr val="000000"/>
+                </a:solidFill>
+                <a:latin typeface="Consolas" pitchFamily="49" charset="0"/>
+              </a:rPr>
+              <a:t> [0]</a:t>
             </a:r>
           </a:p>
           <a:p>
@@ -26680,13 +26809,31 @@
               <a:buNone/>
             </a:pPr>
             <a:r>
-              <a:rPr lang="en-US" altLang="de-DE" sz="1200">
-                <a:solidFill>
-                  <a:srgbClr val="FF0000"/>
-                </a:solidFill>
-                <a:latin typeface="Consolas" pitchFamily="49" charset="0"/>
-              </a:rPr>
-              <a:t>EnergyMinimizingStrategy::next(...): Perform some complex calculation ...</a:t>
+              <a:rPr lang="en-US" altLang="de-DE" sz="1000" b="0" dirty="0">
+                <a:solidFill>
+                  <a:srgbClr val="000000"/>
+                </a:solidFill>
+                <a:latin typeface="Consolas" pitchFamily="49" charset="0"/>
+              </a:rPr>
+              <a:t>Floor(</a:t>
+            </a:r>
+            <a:r>
+              <a:rPr lang="en-US" altLang="de-DE" sz="1000" b="0" dirty="0" err="1">
+                <a:solidFill>
+                  <a:srgbClr val="000000"/>
+                </a:solidFill>
+                <a:latin typeface="Consolas" pitchFamily="49" charset="0"/>
+              </a:rPr>
+              <a:t>const</a:t>
+            </a:r>
+            <a:r>
+              <a:rPr lang="en-US" altLang="de-DE" sz="1000" b="0" dirty="0">
+                <a:solidFill>
+                  <a:srgbClr val="000000"/>
+                </a:solidFill>
+                <a:latin typeface="Consolas" pitchFamily="49" charset="0"/>
+              </a:rPr>
+              <a:t> Floor&amp;): Copying floor [0]</a:t>
             </a:r>
           </a:p>
           <a:p>
@@ -26698,7 +26845,247 @@
               <a:buFont typeface="Arial" charset="0"/>
               <a:buNone/>
             </a:pPr>
-            <a:endParaRPr lang="de-DE" altLang="de-DE" sz="1200" b="0">
+            <a:r>
+              <a:rPr lang="en-US" altLang="de-DE" sz="1000" b="0" dirty="0">
+                <a:solidFill>
+                  <a:srgbClr val="000000"/>
+                </a:solidFill>
+                <a:latin typeface="Consolas" pitchFamily="49" charset="0"/>
+              </a:rPr>
+              <a:t>Floor(</a:t>
+            </a:r>
+            <a:r>
+              <a:rPr lang="en-US" altLang="de-DE" sz="1000" b="0" dirty="0" err="1">
+                <a:solidFill>
+                  <a:srgbClr val="000000"/>
+                </a:solidFill>
+                <a:latin typeface="Consolas" pitchFamily="49" charset="0"/>
+              </a:rPr>
+              <a:t>const</a:t>
+            </a:r>
+            <a:r>
+              <a:rPr lang="en-US" altLang="de-DE" sz="1000" b="0" dirty="0">
+                <a:solidFill>
+                  <a:srgbClr val="000000"/>
+                </a:solidFill>
+                <a:latin typeface="Consolas" pitchFamily="49" charset="0"/>
+              </a:rPr>
+              <a:t> Floor&amp;): Copying floor [0]</a:t>
+            </a:r>
+          </a:p>
+          <a:p>
+            <a:pPr eaLnBrk="1" hangingPunct="1">
+              <a:spcBef>
+                <a:spcPct val="0"/>
+              </a:spcBef>
+              <a:buSzTx/>
+              <a:buFont typeface="Arial" charset="0"/>
+              <a:buNone/>
+            </a:pPr>
+            <a:r>
+              <a:rPr lang="en-US" altLang="de-DE" sz="1000" b="0" dirty="0">
+                <a:solidFill>
+                  <a:srgbClr val="000000"/>
+                </a:solidFill>
+                <a:latin typeface="Consolas" pitchFamily="49" charset="0"/>
+              </a:rPr>
+              <a:t>Floor(</a:t>
+            </a:r>
+            <a:r>
+              <a:rPr lang="en-US" altLang="de-DE" sz="1000" b="0" dirty="0" err="1">
+                <a:solidFill>
+                  <a:srgbClr val="000000"/>
+                </a:solidFill>
+                <a:latin typeface="Consolas" pitchFamily="49" charset="0"/>
+              </a:rPr>
+              <a:t>const</a:t>
+            </a:r>
+            <a:r>
+              <a:rPr lang="en-US" altLang="de-DE" sz="1000" b="0" dirty="0">
+                <a:solidFill>
+                  <a:srgbClr val="000000"/>
+                </a:solidFill>
+                <a:latin typeface="Consolas" pitchFamily="49" charset="0"/>
+              </a:rPr>
+              <a:t> Floor&amp;): Copying floor [0]</a:t>
+            </a:r>
+          </a:p>
+          <a:p>
+            <a:pPr eaLnBrk="1" hangingPunct="1">
+              <a:spcBef>
+                <a:spcPct val="0"/>
+              </a:spcBef>
+              <a:buSzTx/>
+              <a:buFont typeface="Arial" charset="0"/>
+              <a:buNone/>
+            </a:pPr>
+            <a:r>
+              <a:rPr lang="en-US" altLang="de-DE" sz="1000" b="0" dirty="0">
+                <a:solidFill>
+                  <a:srgbClr val="000000"/>
+                </a:solidFill>
+                <a:latin typeface="Consolas" pitchFamily="49" charset="0"/>
+              </a:rPr>
+              <a:t>Floor(</a:t>
+            </a:r>
+            <a:r>
+              <a:rPr lang="en-US" altLang="de-DE" sz="1000" b="0" dirty="0" err="1">
+                <a:solidFill>
+                  <a:srgbClr val="000000"/>
+                </a:solidFill>
+                <a:latin typeface="Consolas" pitchFamily="49" charset="0"/>
+              </a:rPr>
+              <a:t>const</a:t>
+            </a:r>
+            <a:r>
+              <a:rPr lang="en-US" altLang="de-DE" sz="1000" b="0" dirty="0">
+                <a:solidFill>
+                  <a:srgbClr val="000000"/>
+                </a:solidFill>
+                <a:latin typeface="Consolas" pitchFamily="49" charset="0"/>
+              </a:rPr>
+              <a:t> Floor&amp;): Copying floor [0]</a:t>
+            </a:r>
+          </a:p>
+          <a:p>
+            <a:pPr eaLnBrk="1" hangingPunct="1">
+              <a:spcBef>
+                <a:spcPct val="0"/>
+              </a:spcBef>
+              <a:buSzTx/>
+              <a:buFont typeface="Arial" charset="0"/>
+              <a:buNone/>
+            </a:pPr>
+            <a:r>
+              <a:rPr lang="en-US" altLang="de-DE" sz="1000" b="0" dirty="0">
+                <a:solidFill>
+                  <a:srgbClr val="000000"/>
+                </a:solidFill>
+                <a:latin typeface="Consolas" pitchFamily="49" charset="0"/>
+              </a:rPr>
+              <a:t>Floor(</a:t>
+            </a:r>
+            <a:r>
+              <a:rPr lang="en-US" altLang="de-DE" sz="1000" b="0" dirty="0" err="1">
+                <a:solidFill>
+                  <a:srgbClr val="000000"/>
+                </a:solidFill>
+                <a:latin typeface="Consolas" pitchFamily="49" charset="0"/>
+              </a:rPr>
+              <a:t>const</a:t>
+            </a:r>
+            <a:r>
+              <a:rPr lang="en-US" altLang="de-DE" sz="1000" b="0" dirty="0">
+                <a:solidFill>
+                  <a:srgbClr val="000000"/>
+                </a:solidFill>
+                <a:latin typeface="Consolas" pitchFamily="49" charset="0"/>
+              </a:rPr>
+              <a:t> Floor&amp;): Copying floor [0]</a:t>
+            </a:r>
+          </a:p>
+          <a:p>
+            <a:pPr eaLnBrk="1" hangingPunct="1">
+              <a:spcBef>
+                <a:spcPct val="0"/>
+              </a:spcBef>
+              <a:buSzTx/>
+              <a:buFont typeface="Arial" charset="0"/>
+              <a:buNone/>
+            </a:pPr>
+            <a:r>
+              <a:rPr lang="en-US" altLang="de-DE" sz="1000" b="0" dirty="0">
+                <a:solidFill>
+                  <a:srgbClr val="000000"/>
+                </a:solidFill>
+                <a:latin typeface="Consolas" pitchFamily="49" charset="0"/>
+              </a:rPr>
+              <a:t>Floor(</a:t>
+            </a:r>
+            <a:r>
+              <a:rPr lang="en-US" altLang="de-DE" sz="1000" b="0" dirty="0" err="1">
+                <a:solidFill>
+                  <a:srgbClr val="000000"/>
+                </a:solidFill>
+                <a:latin typeface="Consolas" pitchFamily="49" charset="0"/>
+              </a:rPr>
+              <a:t>const</a:t>
+            </a:r>
+            <a:r>
+              <a:rPr lang="en-US" altLang="de-DE" sz="1000" b="0" dirty="0">
+                <a:solidFill>
+                  <a:srgbClr val="000000"/>
+                </a:solidFill>
+                <a:latin typeface="Consolas" pitchFamily="49" charset="0"/>
+              </a:rPr>
+              <a:t> Floor&amp;): Copying floor [0]</a:t>
+            </a:r>
+          </a:p>
+          <a:p>
+            <a:pPr eaLnBrk="1" hangingPunct="1">
+              <a:spcBef>
+                <a:spcPct val="0"/>
+              </a:spcBef>
+              <a:buSzTx/>
+              <a:buFont typeface="Arial" charset="0"/>
+              <a:buNone/>
+            </a:pPr>
+            <a:r>
+              <a:rPr lang="de-DE" altLang="de-DE" sz="1000" b="0" dirty="0">
+                <a:solidFill>
+                  <a:srgbClr val="000000"/>
+                </a:solidFill>
+                <a:latin typeface="Consolas" pitchFamily="49" charset="0"/>
+              </a:rPr>
+              <a:t>~Floor(): </a:t>
+            </a:r>
+            <a:r>
+              <a:rPr lang="de-DE" altLang="de-DE" sz="1000" b="0" dirty="0" err="1">
+                <a:solidFill>
+                  <a:srgbClr val="000000"/>
+                </a:solidFill>
+                <a:latin typeface="Consolas" pitchFamily="49" charset="0"/>
+              </a:rPr>
+              <a:t>Destroying</a:t>
+            </a:r>
+            <a:r>
+              <a:rPr lang="de-DE" altLang="de-DE" sz="1000" b="0" dirty="0">
+                <a:solidFill>
+                  <a:srgbClr val="000000"/>
+                </a:solidFill>
+                <a:latin typeface="Consolas" pitchFamily="49" charset="0"/>
+              </a:rPr>
+              <a:t> </a:t>
+            </a:r>
+            <a:r>
+              <a:rPr lang="de-DE" altLang="de-DE" sz="1000" b="0" dirty="0" err="1">
+                <a:solidFill>
+                  <a:srgbClr val="000000"/>
+                </a:solidFill>
+                <a:latin typeface="Consolas" pitchFamily="49" charset="0"/>
+              </a:rPr>
+              <a:t>floor</a:t>
+            </a:r>
+            <a:r>
+              <a:rPr lang="de-DE" altLang="de-DE" sz="1000" b="0" dirty="0">
+                <a:solidFill>
+                  <a:srgbClr val="000000"/>
+                </a:solidFill>
+                <a:latin typeface="Consolas" pitchFamily="49" charset="0"/>
+              </a:rPr>
+              <a:t> [0]</a:t>
+            </a:r>
+          </a:p>
+          <a:p>
+            <a:pPr eaLnBrk="1" hangingPunct="1">
+              <a:spcBef>
+                <a:spcPct val="0"/>
+              </a:spcBef>
+              <a:buSzTx/>
+              <a:buFont typeface="Arial" charset="0"/>
+              <a:buNone/>
+            </a:pPr>
+            <a:endParaRPr lang="de-DE" altLang="de-DE" sz="1000" b="0" dirty="0">
               <a:solidFill>
                 <a:srgbClr val="000000"/>
               </a:solidFill>
@@ -26715,13 +27102,49 @@
               <a:buNone/>
             </a:pPr>
             <a:r>
-              <a:rPr lang="de-DE" altLang="de-DE" sz="1000" b="0">
-                <a:solidFill>
-                  <a:srgbClr val="000000"/>
-                </a:solidFill>
-                <a:latin typeface="Consolas" pitchFamily="49" charset="0"/>
-              </a:rPr>
-              <a:t>~Building(): Destroying building.</a:t>
+              <a:rPr lang="de-DE" altLang="de-DE" sz="1000" b="0" dirty="0">
+                <a:solidFill>
+                  <a:srgbClr val="000000"/>
+                </a:solidFill>
+                <a:latin typeface="Consolas" pitchFamily="49" charset="0"/>
+              </a:rPr>
+              <a:t>Elevator(): </a:t>
+            </a:r>
+            <a:r>
+              <a:rPr lang="de-DE" altLang="de-DE" sz="1000" b="0" dirty="0" err="1">
+                <a:solidFill>
+                  <a:srgbClr val="000000"/>
+                </a:solidFill>
+                <a:latin typeface="Consolas" pitchFamily="49" charset="0"/>
+              </a:rPr>
+              <a:t>Creating</a:t>
+            </a:r>
+            <a:r>
+              <a:rPr lang="de-DE" altLang="de-DE" sz="1000" b="0" dirty="0">
+                <a:solidFill>
+                  <a:srgbClr val="000000"/>
+                </a:solidFill>
+                <a:latin typeface="Consolas" pitchFamily="49" charset="0"/>
+              </a:rPr>
+              <a:t> </a:t>
+            </a:r>
+            <a:r>
+              <a:rPr lang="de-DE" altLang="de-DE" sz="1000" b="0" dirty="0" err="1">
+                <a:solidFill>
+                  <a:srgbClr val="000000"/>
+                </a:solidFill>
+                <a:latin typeface="Consolas" pitchFamily="49" charset="0"/>
+              </a:rPr>
+              <a:t>elevator</a:t>
+            </a:r>
+            <a:r>
+              <a:rPr lang="de-DE" altLang="de-DE" sz="1000" b="0" dirty="0">
+                <a:solidFill>
+                  <a:srgbClr val="000000"/>
+                </a:solidFill>
+                <a:latin typeface="Consolas" pitchFamily="49" charset="0"/>
+              </a:rPr>
+              <a:t>.</a:t>
             </a:r>
           </a:p>
           <a:p>
@@ -26734,13 +27157,13 @@
               <a:buNone/>
             </a:pPr>
             <a:r>
-              <a:rPr lang="de-DE" altLang="de-DE" sz="1000" b="0">
-                <a:solidFill>
-                  <a:srgbClr val="000000"/>
-                </a:solidFill>
-                <a:latin typeface="Consolas" pitchFamily="49" charset="0"/>
-              </a:rPr>
-              <a:t>~Elevator(): Destroying elevator.</a:t>
+              <a:rPr lang="en-US" altLang="de-DE" sz="1000" b="0" dirty="0">
+                <a:solidFill>
+                  <a:srgbClr val="000000"/>
+                </a:solidFill>
+                <a:latin typeface="Consolas" pitchFamily="49" charset="0"/>
+              </a:rPr>
+              <a:t>Building(...): Creating building with 6 floors.</a:t>
             </a:r>
           </a:p>
           <a:p>
@@ -26753,13 +27176,13 @@
               <a:buNone/>
             </a:pPr>
             <a:r>
-              <a:rPr lang="de-DE" altLang="de-DE" sz="1000" b="0">
-                <a:solidFill>
-                  <a:srgbClr val="000000"/>
-                </a:solidFill>
-                <a:latin typeface="Consolas" pitchFamily="49" charset="0"/>
-              </a:rPr>
-              <a:t>~Floor(): Destroying floor [0]</a:t>
+              <a:rPr lang="en-US" altLang="de-DE" sz="1000" b="0" dirty="0">
+                <a:solidFill>
+                  <a:srgbClr val="000000"/>
+                </a:solidFill>
+                <a:latin typeface="Consolas" pitchFamily="49" charset="0"/>
+              </a:rPr>
+              <a:t>Building(...): Elevator is on Floor: 0</a:t>
             </a:r>
           </a:p>
           <a:p>
@@ -26771,102 +27194,7 @@
               <a:buFont typeface="Arial" charset="0"/>
               <a:buNone/>
             </a:pPr>
-            <a:r>
-              <a:rPr lang="de-DE" altLang="de-DE" sz="1000" b="0">
-                <a:solidFill>
-                  <a:srgbClr val="000000"/>
-                </a:solidFill>
-                <a:latin typeface="Consolas" pitchFamily="49" charset="0"/>
-              </a:rPr>
-              <a:t>~Floor(): Destroying floor [1]</a:t>
-            </a:r>
-          </a:p>
-          <a:p>
-            <a:pPr eaLnBrk="1" hangingPunct="1">
-              <a:spcBef>
-                <a:spcPct val="0"/>
-              </a:spcBef>
-              <a:buSzTx/>
-              <a:buFont typeface="Arial" charset="0"/>
-              <a:buNone/>
-            </a:pPr>
-            <a:r>
-              <a:rPr lang="de-DE" altLang="de-DE" sz="1000" b="0">
-                <a:solidFill>
-                  <a:srgbClr val="000000"/>
-                </a:solidFill>
-                <a:latin typeface="Consolas" pitchFamily="49" charset="0"/>
-              </a:rPr>
-              <a:t>~Floor(): Destroying floor [2]</a:t>
-            </a:r>
-          </a:p>
-          <a:p>
-            <a:pPr eaLnBrk="1" hangingPunct="1">
-              <a:spcBef>
-                <a:spcPct val="0"/>
-              </a:spcBef>
-              <a:buSzTx/>
-              <a:buFont typeface="Arial" charset="0"/>
-              <a:buNone/>
-            </a:pPr>
-            <a:r>
-              <a:rPr lang="de-DE" altLang="de-DE" sz="1000" b="0">
-                <a:solidFill>
-                  <a:srgbClr val="000000"/>
-                </a:solidFill>
-                <a:latin typeface="Consolas" pitchFamily="49" charset="0"/>
-              </a:rPr>
-              <a:t>~Floor(): Destroying floor [3]</a:t>
-            </a:r>
-          </a:p>
-          <a:p>
-            <a:pPr eaLnBrk="1" hangingPunct="1">
-              <a:spcBef>
-                <a:spcPct val="0"/>
-              </a:spcBef>
-              <a:buSzTx/>
-              <a:buFont typeface="Arial" charset="0"/>
-              <a:buNone/>
-            </a:pPr>
-            <a:r>
-              <a:rPr lang="de-DE" altLang="de-DE" sz="1000" b="0">
-                <a:solidFill>
-                  <a:srgbClr val="000000"/>
-                </a:solidFill>
-                <a:latin typeface="Consolas" pitchFamily="49" charset="0"/>
-              </a:rPr>
-              <a:t>~Floor(): Destroying floor [4]</a:t>
-            </a:r>
-          </a:p>
-          <a:p>
-            <a:pPr eaLnBrk="1" hangingPunct="1">
-              <a:spcBef>
-                <a:spcPct val="0"/>
-              </a:spcBef>
-              <a:buSzTx/>
-              <a:buFont typeface="Arial" charset="0"/>
-              <a:buNone/>
-            </a:pPr>
-            <a:r>
-              <a:rPr lang="de-DE" altLang="de-DE" sz="1000" b="0">
-                <a:solidFill>
-                  <a:srgbClr val="000000"/>
-                </a:solidFill>
-                <a:latin typeface="Consolas" pitchFamily="49" charset="0"/>
-              </a:rPr>
-              <a:t>~Floor(): Destroying floor [5]</a:t>
-            </a:r>
-          </a:p>
-          <a:p>
-            <a:pPr eaLnBrk="1" hangingPunct="1">
-              <a:spcBef>
-                <a:spcPct val="0"/>
-              </a:spcBef>
-              <a:buSzTx/>
-              <a:buFont typeface="Arial" charset="0"/>
-              <a:buNone/>
-            </a:pPr>
-            <a:endParaRPr lang="de-DE" altLang="de-DE" sz="1000" b="0">
+            <a:endParaRPr lang="en-US" altLang="de-DE" sz="1200" b="0" dirty="0">
               <a:solidFill>
                 <a:srgbClr val="000000"/>
               </a:solidFill>
@@ -26883,13 +27211,31 @@
               <a:buNone/>
             </a:pPr>
             <a:r>
-              <a:rPr lang="de-DE" altLang="de-DE" sz="1200">
-                <a:solidFill>
-                  <a:srgbClr val="FF0000"/>
-                </a:solidFill>
-                <a:latin typeface="Consolas" pitchFamily="49" charset="0"/>
-              </a:rPr>
-              <a:t>~EnergyMinimizingStrategy(): Destroying energy minimizing strategy</a:t>
+              <a:rPr lang="en-US" altLang="de-DE" sz="1200" b="0" dirty="0">
+                <a:solidFill>
+                  <a:srgbClr val="005AA9"/>
+                </a:solidFill>
+                <a:latin typeface="Consolas" pitchFamily="49" charset="0"/>
+              </a:rPr>
+              <a:t>Elevator::</a:t>
+            </a:r>
+            <a:r>
+              <a:rPr lang="en-US" altLang="de-DE" sz="1200" b="0" dirty="0" err="1">
+                <a:solidFill>
+                  <a:srgbClr val="005AA9"/>
+                </a:solidFill>
+                <a:latin typeface="Consolas" pitchFamily="49" charset="0"/>
+              </a:rPr>
+              <a:t>moveToNextFloor</a:t>
+            </a:r>
+            <a:r>
+              <a:rPr lang="en-US" altLang="de-DE" sz="1200" b="0" dirty="0">
+                <a:solidFill>
+                  <a:srgbClr val="005AA9"/>
+                </a:solidFill>
+                <a:latin typeface="Consolas" pitchFamily="49" charset="0"/>
+              </a:rPr>
+              <a:t>():  Polymorphic call to strategy.</a:t>
             </a:r>
           </a:p>
           <a:p>
@@ -26902,14 +27248,689 @@
               <a:buNone/>
             </a:pPr>
             <a:r>
-              <a:rPr lang="de-DE" altLang="de-DE" sz="1200" b="0">
-                <a:solidFill>
-                  <a:srgbClr val="000000"/>
-                </a:solidFill>
-                <a:latin typeface="Consolas" pitchFamily="49" charset="0"/>
-              </a:rPr>
-              <a:t>~ElevatorStrategy(): Destroying basic strategy</a:t>
-            </a:r>
+              <a:rPr lang="en-US" altLang="de-DE" sz="1200" dirty="0" err="1">
+                <a:solidFill>
+                  <a:srgbClr val="005AA9"/>
+                </a:solidFill>
+                <a:latin typeface="Consolas" pitchFamily="49" charset="0"/>
+              </a:rPr>
+              <a:t>EnergyMinimizingStrategy</a:t>
+            </a:r>
+            <a:r>
+              <a:rPr lang="en-US" altLang="de-DE" sz="1200" dirty="0">
+                <a:solidFill>
+                  <a:srgbClr val="005AA9"/>
+                </a:solidFill>
+                <a:latin typeface="Consolas" pitchFamily="49" charset="0"/>
+              </a:rPr>
+              <a:t>::next(...): Perform some complex calculation ...</a:t>
+            </a:r>
+          </a:p>
+          <a:p>
+            <a:pPr eaLnBrk="1" hangingPunct="1">
+              <a:spcBef>
+                <a:spcPct val="0"/>
+              </a:spcBef>
+              <a:buSzTx/>
+              <a:buFont typeface="Arial" charset="0"/>
+              <a:buNone/>
+            </a:pPr>
+            <a:endParaRPr lang="de-DE" altLang="de-DE" sz="1200" b="0" dirty="0">
+              <a:solidFill>
+                <a:srgbClr val="000000"/>
+              </a:solidFill>
+              <a:latin typeface="Consolas" pitchFamily="49" charset="0"/>
+            </a:endParaRPr>
+          </a:p>
+          <a:p>
+            <a:pPr eaLnBrk="1" hangingPunct="1">
+              <a:spcBef>
+                <a:spcPct val="0"/>
+              </a:spcBef>
+              <a:buSzTx/>
+              <a:buFont typeface="Arial" charset="0"/>
+              <a:buNone/>
+            </a:pPr>
+            <a:r>
+              <a:rPr lang="de-DE" altLang="de-DE" sz="1000" b="0" dirty="0">
+                <a:solidFill>
+                  <a:srgbClr val="000000"/>
+                </a:solidFill>
+                <a:latin typeface="Consolas" pitchFamily="49" charset="0"/>
+              </a:rPr>
+              <a:t>~Building(): </a:t>
+            </a:r>
+            <a:r>
+              <a:rPr lang="de-DE" altLang="de-DE" sz="1000" b="0" dirty="0" err="1">
+                <a:solidFill>
+                  <a:srgbClr val="000000"/>
+                </a:solidFill>
+                <a:latin typeface="Consolas" pitchFamily="49" charset="0"/>
+              </a:rPr>
+              <a:t>Destroying</a:t>
+            </a:r>
+            <a:r>
+              <a:rPr lang="de-DE" altLang="de-DE" sz="1000" b="0" dirty="0">
+                <a:solidFill>
+                  <a:srgbClr val="000000"/>
+                </a:solidFill>
+                <a:latin typeface="Consolas" pitchFamily="49" charset="0"/>
+              </a:rPr>
+              <a:t> </a:t>
+            </a:r>
+            <a:r>
+              <a:rPr lang="de-DE" altLang="de-DE" sz="1000" b="0" dirty="0" err="1">
+                <a:solidFill>
+                  <a:srgbClr val="000000"/>
+                </a:solidFill>
+                <a:latin typeface="Consolas" pitchFamily="49" charset="0"/>
+              </a:rPr>
+              <a:t>building</a:t>
+            </a:r>
+            <a:r>
+              <a:rPr lang="de-DE" altLang="de-DE" sz="1000" b="0" dirty="0">
+                <a:solidFill>
+                  <a:srgbClr val="000000"/>
+                </a:solidFill>
+                <a:latin typeface="Consolas" pitchFamily="49" charset="0"/>
+              </a:rPr>
+              <a:t>.</a:t>
+            </a:r>
+          </a:p>
+          <a:p>
+            <a:pPr eaLnBrk="1" hangingPunct="1">
+              <a:spcBef>
+                <a:spcPct val="0"/>
+              </a:spcBef>
+              <a:buSzTx/>
+              <a:buFont typeface="Arial" charset="0"/>
+              <a:buNone/>
+            </a:pPr>
+            <a:r>
+              <a:rPr lang="de-DE" altLang="de-DE" sz="1000" b="0" dirty="0">
+                <a:solidFill>
+                  <a:srgbClr val="000000"/>
+                </a:solidFill>
+                <a:latin typeface="Consolas" pitchFamily="49" charset="0"/>
+              </a:rPr>
+              <a:t>~Elevator(): </a:t>
+            </a:r>
+            <a:r>
+              <a:rPr lang="de-DE" altLang="de-DE" sz="1000" b="0" dirty="0" err="1">
+                <a:solidFill>
+                  <a:srgbClr val="000000"/>
+                </a:solidFill>
+                <a:latin typeface="Consolas" pitchFamily="49" charset="0"/>
+              </a:rPr>
+              <a:t>Destroying</a:t>
+            </a:r>
+            <a:r>
+              <a:rPr lang="de-DE" altLang="de-DE" sz="1000" b="0" dirty="0">
+                <a:solidFill>
+                  <a:srgbClr val="000000"/>
+                </a:solidFill>
+                <a:latin typeface="Consolas" pitchFamily="49" charset="0"/>
+              </a:rPr>
+              <a:t> </a:t>
+            </a:r>
+            <a:r>
+              <a:rPr lang="de-DE" altLang="de-DE" sz="1000" b="0" dirty="0" err="1">
+                <a:solidFill>
+                  <a:srgbClr val="000000"/>
+                </a:solidFill>
+                <a:latin typeface="Consolas" pitchFamily="49" charset="0"/>
+              </a:rPr>
+              <a:t>elevator</a:t>
+            </a:r>
+            <a:r>
+              <a:rPr lang="de-DE" altLang="de-DE" sz="1000" b="0" dirty="0">
+                <a:solidFill>
+                  <a:srgbClr val="000000"/>
+                </a:solidFill>
+                <a:latin typeface="Consolas" pitchFamily="49" charset="0"/>
+              </a:rPr>
+              <a:t>.</a:t>
+            </a:r>
+          </a:p>
+          <a:p>
+            <a:pPr eaLnBrk="1" hangingPunct="1">
+              <a:spcBef>
+                <a:spcPct val="0"/>
+              </a:spcBef>
+              <a:buSzTx/>
+              <a:buFont typeface="Arial" charset="0"/>
+              <a:buNone/>
+            </a:pPr>
+            <a:r>
+              <a:rPr lang="de-DE" altLang="de-DE" sz="1000" b="0" dirty="0">
+                <a:solidFill>
+                  <a:srgbClr val="000000"/>
+                </a:solidFill>
+                <a:latin typeface="Consolas" pitchFamily="49" charset="0"/>
+              </a:rPr>
+              <a:t>~Floor(): </a:t>
+            </a:r>
+            <a:r>
+              <a:rPr lang="de-DE" altLang="de-DE" sz="1000" b="0" dirty="0" err="1">
+                <a:solidFill>
+                  <a:srgbClr val="000000"/>
+                </a:solidFill>
+                <a:latin typeface="Consolas" pitchFamily="49" charset="0"/>
+              </a:rPr>
+              <a:t>Destroying</a:t>
+            </a:r>
+            <a:r>
+              <a:rPr lang="de-DE" altLang="de-DE" sz="1000" b="0" dirty="0">
+                <a:solidFill>
+                  <a:srgbClr val="000000"/>
+                </a:solidFill>
+                <a:latin typeface="Consolas" pitchFamily="49" charset="0"/>
+              </a:rPr>
+              <a:t> </a:t>
+            </a:r>
+            <a:r>
+              <a:rPr lang="de-DE" altLang="de-DE" sz="1000" b="0" dirty="0" err="1">
+                <a:solidFill>
+                  <a:srgbClr val="000000"/>
+                </a:solidFill>
+                <a:latin typeface="Consolas" pitchFamily="49" charset="0"/>
+              </a:rPr>
+              <a:t>floor</a:t>
+            </a:r>
+            <a:r>
+              <a:rPr lang="de-DE" altLang="de-DE" sz="1000" b="0" dirty="0">
+                <a:solidFill>
+                  <a:srgbClr val="000000"/>
+                </a:solidFill>
+                <a:latin typeface="Consolas" pitchFamily="49" charset="0"/>
+              </a:rPr>
+              <a:t> [0]</a:t>
+            </a:r>
+          </a:p>
+          <a:p>
+            <a:pPr eaLnBrk="1" hangingPunct="1">
+              <a:spcBef>
+                <a:spcPct val="0"/>
+              </a:spcBef>
+              <a:buSzTx/>
+              <a:buFont typeface="Arial" charset="0"/>
+              <a:buNone/>
+            </a:pPr>
+            <a:r>
+              <a:rPr lang="de-DE" altLang="de-DE" sz="1000" b="0" dirty="0">
+                <a:solidFill>
+                  <a:srgbClr val="000000"/>
+                </a:solidFill>
+                <a:latin typeface="Consolas" pitchFamily="49" charset="0"/>
+              </a:rPr>
+              <a:t>~Floor(): </a:t>
+            </a:r>
+            <a:r>
+              <a:rPr lang="de-DE" altLang="de-DE" sz="1000" b="0" dirty="0" err="1">
+                <a:solidFill>
+                  <a:srgbClr val="000000"/>
+                </a:solidFill>
+                <a:latin typeface="Consolas" pitchFamily="49" charset="0"/>
+              </a:rPr>
+              <a:t>Destroying</a:t>
+            </a:r>
+            <a:r>
+              <a:rPr lang="de-DE" altLang="de-DE" sz="1000" b="0" dirty="0">
+                <a:solidFill>
+                  <a:srgbClr val="000000"/>
+                </a:solidFill>
+                <a:latin typeface="Consolas" pitchFamily="49" charset="0"/>
+              </a:rPr>
+              <a:t> </a:t>
+            </a:r>
+            <a:r>
+              <a:rPr lang="de-DE" altLang="de-DE" sz="1000" b="0" dirty="0" err="1">
+                <a:solidFill>
+                  <a:srgbClr val="000000"/>
+                </a:solidFill>
+                <a:latin typeface="Consolas" pitchFamily="49" charset="0"/>
+              </a:rPr>
+              <a:t>floor</a:t>
+            </a:r>
+            <a:r>
+              <a:rPr lang="de-DE" altLang="de-DE" sz="1000" b="0" dirty="0">
+                <a:solidFill>
+                  <a:srgbClr val="000000"/>
+                </a:solidFill>
+                <a:latin typeface="Consolas" pitchFamily="49" charset="0"/>
+              </a:rPr>
+              <a:t> [1]</a:t>
+            </a:r>
+          </a:p>
+          <a:p>
+            <a:pPr eaLnBrk="1" hangingPunct="1">
+              <a:spcBef>
+                <a:spcPct val="0"/>
+              </a:spcBef>
+              <a:buSzTx/>
+              <a:buFont typeface="Arial" charset="0"/>
+              <a:buNone/>
+            </a:pPr>
+            <a:r>
+              <a:rPr lang="de-DE" altLang="de-DE" sz="1000" b="0" dirty="0">
+                <a:solidFill>
+                  <a:srgbClr val="000000"/>
+                </a:solidFill>
+                <a:latin typeface="Consolas" pitchFamily="49" charset="0"/>
+              </a:rPr>
+              <a:t>~Floor(): </a:t>
+            </a:r>
+            <a:r>
+              <a:rPr lang="de-DE" altLang="de-DE" sz="1000" b="0" dirty="0" err="1">
+                <a:solidFill>
+                  <a:srgbClr val="000000"/>
+                </a:solidFill>
+                <a:latin typeface="Consolas" pitchFamily="49" charset="0"/>
+              </a:rPr>
+              <a:t>Destroying</a:t>
+            </a:r>
+            <a:r>
+              <a:rPr lang="de-DE" altLang="de-DE" sz="1000" b="0" dirty="0">
+                <a:solidFill>
+                  <a:srgbClr val="000000"/>
+                </a:solidFill>
+                <a:latin typeface="Consolas" pitchFamily="49" charset="0"/>
+              </a:rPr>
+              <a:t> </a:t>
+            </a:r>
+            <a:r>
+              <a:rPr lang="de-DE" altLang="de-DE" sz="1000" b="0" dirty="0" err="1">
+                <a:solidFill>
+                  <a:srgbClr val="000000"/>
+                </a:solidFill>
+                <a:latin typeface="Consolas" pitchFamily="49" charset="0"/>
+              </a:rPr>
+              <a:t>floor</a:t>
+            </a:r>
+            <a:r>
+              <a:rPr lang="de-DE" altLang="de-DE" sz="1000" b="0" dirty="0">
+                <a:solidFill>
+                  <a:srgbClr val="000000"/>
+                </a:solidFill>
+                <a:latin typeface="Consolas" pitchFamily="49" charset="0"/>
+              </a:rPr>
+              <a:t> [2]</a:t>
+            </a:r>
+          </a:p>
+          <a:p>
+            <a:pPr eaLnBrk="1" hangingPunct="1">
+              <a:spcBef>
+                <a:spcPct val="0"/>
+              </a:spcBef>
+              <a:buSzTx/>
+              <a:buFont typeface="Arial" charset="0"/>
+              <a:buNone/>
+            </a:pPr>
+            <a:r>
+              <a:rPr lang="de-DE" altLang="de-DE" sz="1000" b="0" dirty="0">
+                <a:solidFill>
+                  <a:srgbClr val="000000"/>
+                </a:solidFill>
+                <a:latin typeface="Consolas" pitchFamily="49" charset="0"/>
+              </a:rPr>
+              <a:t>~Floor(): </a:t>
+            </a:r>
+            <a:r>
+              <a:rPr lang="de-DE" altLang="de-DE" sz="1000" b="0" dirty="0" err="1">
+                <a:solidFill>
+                  <a:srgbClr val="000000"/>
+                </a:solidFill>
+                <a:latin typeface="Consolas" pitchFamily="49" charset="0"/>
+              </a:rPr>
+              <a:t>Destroying</a:t>
+            </a:r>
+            <a:r>
+              <a:rPr lang="de-DE" altLang="de-DE" sz="1000" b="0" dirty="0">
+                <a:solidFill>
+                  <a:srgbClr val="000000"/>
+                </a:solidFill>
+                <a:latin typeface="Consolas" pitchFamily="49" charset="0"/>
+              </a:rPr>
+              <a:t> </a:t>
+            </a:r>
+            <a:r>
+              <a:rPr lang="de-DE" altLang="de-DE" sz="1000" b="0" dirty="0" err="1">
+                <a:solidFill>
+                  <a:srgbClr val="000000"/>
+                </a:solidFill>
+                <a:latin typeface="Consolas" pitchFamily="49" charset="0"/>
+              </a:rPr>
+              <a:t>floor</a:t>
+            </a:r>
+            <a:r>
+              <a:rPr lang="de-DE" altLang="de-DE" sz="1000" b="0" dirty="0">
+                <a:solidFill>
+                  <a:srgbClr val="000000"/>
+                </a:solidFill>
+                <a:latin typeface="Consolas" pitchFamily="49" charset="0"/>
+              </a:rPr>
+              <a:t> [3]</a:t>
+            </a:r>
+          </a:p>
+          <a:p>
+            <a:pPr eaLnBrk="1" hangingPunct="1">
+              <a:spcBef>
+                <a:spcPct val="0"/>
+              </a:spcBef>
+              <a:buSzTx/>
+              <a:buFont typeface="Arial" charset="0"/>
+              <a:buNone/>
+            </a:pPr>
+            <a:r>
+              <a:rPr lang="de-DE" altLang="de-DE" sz="1000" b="0" dirty="0">
+                <a:solidFill>
+                  <a:srgbClr val="000000"/>
+                </a:solidFill>
+                <a:latin typeface="Consolas" pitchFamily="49" charset="0"/>
+              </a:rPr>
+              <a:t>~Floor(): </a:t>
+            </a:r>
+            <a:r>
+              <a:rPr lang="de-DE" altLang="de-DE" sz="1000" b="0" dirty="0" err="1">
+                <a:solidFill>
+                  <a:srgbClr val="000000"/>
+                </a:solidFill>
+                <a:latin typeface="Consolas" pitchFamily="49" charset="0"/>
+              </a:rPr>
+              <a:t>Destroying</a:t>
+            </a:r>
+            <a:r>
+              <a:rPr lang="de-DE" altLang="de-DE" sz="1000" b="0" dirty="0">
+                <a:solidFill>
+                  <a:srgbClr val="000000"/>
+                </a:solidFill>
+                <a:latin typeface="Consolas" pitchFamily="49" charset="0"/>
+              </a:rPr>
+              <a:t> </a:t>
+            </a:r>
+            <a:r>
+              <a:rPr lang="de-DE" altLang="de-DE" sz="1000" b="0" dirty="0" err="1">
+                <a:solidFill>
+                  <a:srgbClr val="000000"/>
+                </a:solidFill>
+                <a:latin typeface="Consolas" pitchFamily="49" charset="0"/>
+              </a:rPr>
+              <a:t>floor</a:t>
+            </a:r>
+            <a:r>
+              <a:rPr lang="de-DE" altLang="de-DE" sz="1000" b="0" dirty="0">
+                <a:solidFill>
+                  <a:srgbClr val="000000"/>
+                </a:solidFill>
+                <a:latin typeface="Consolas" pitchFamily="49" charset="0"/>
+              </a:rPr>
+              <a:t> [4]</a:t>
+            </a:r>
+          </a:p>
+          <a:p>
+            <a:pPr eaLnBrk="1" hangingPunct="1">
+              <a:spcBef>
+                <a:spcPct val="0"/>
+              </a:spcBef>
+              <a:buSzTx/>
+              <a:buFont typeface="Arial" charset="0"/>
+              <a:buNone/>
+            </a:pPr>
+            <a:r>
+              <a:rPr lang="de-DE" altLang="de-DE" sz="1000" b="0" dirty="0">
+                <a:solidFill>
+                  <a:srgbClr val="000000"/>
+                </a:solidFill>
+                <a:latin typeface="Consolas" pitchFamily="49" charset="0"/>
+              </a:rPr>
+              <a:t>~Floor(): </a:t>
+            </a:r>
+            <a:r>
+              <a:rPr lang="de-DE" altLang="de-DE" sz="1000" b="0" dirty="0" err="1">
+                <a:solidFill>
+                  <a:srgbClr val="000000"/>
+                </a:solidFill>
+                <a:latin typeface="Consolas" pitchFamily="49" charset="0"/>
+              </a:rPr>
+              <a:t>Destroying</a:t>
+            </a:r>
+            <a:r>
+              <a:rPr lang="de-DE" altLang="de-DE" sz="1000" b="0" dirty="0">
+                <a:solidFill>
+                  <a:srgbClr val="000000"/>
+                </a:solidFill>
+                <a:latin typeface="Consolas" pitchFamily="49" charset="0"/>
+              </a:rPr>
+              <a:t> </a:t>
+            </a:r>
+            <a:r>
+              <a:rPr lang="de-DE" altLang="de-DE" sz="1000" b="0" dirty="0" err="1">
+                <a:solidFill>
+                  <a:srgbClr val="000000"/>
+                </a:solidFill>
+                <a:latin typeface="Consolas" pitchFamily="49" charset="0"/>
+              </a:rPr>
+              <a:t>floor</a:t>
+            </a:r>
+            <a:r>
+              <a:rPr lang="de-DE" altLang="de-DE" sz="1000" b="0" dirty="0">
+                <a:solidFill>
+                  <a:srgbClr val="000000"/>
+                </a:solidFill>
+                <a:latin typeface="Consolas" pitchFamily="49" charset="0"/>
+              </a:rPr>
+              <a:t> [5]</a:t>
+            </a:r>
+          </a:p>
+          <a:p>
+            <a:pPr eaLnBrk="1" hangingPunct="1">
+              <a:spcBef>
+                <a:spcPct val="0"/>
+              </a:spcBef>
+              <a:buSzTx/>
+              <a:buFont typeface="Arial" charset="0"/>
+              <a:buNone/>
+            </a:pPr>
+            <a:endParaRPr lang="de-DE" altLang="de-DE" sz="1000" b="0" dirty="0">
+              <a:solidFill>
+                <a:srgbClr val="000000"/>
+              </a:solidFill>
+              <a:latin typeface="Consolas" pitchFamily="49" charset="0"/>
+            </a:endParaRPr>
+          </a:p>
+          <a:p>
+            <a:pPr eaLnBrk="1" hangingPunct="1">
+              <a:spcBef>
+                <a:spcPct val="0"/>
+              </a:spcBef>
+              <a:buSzTx/>
+              <a:buFont typeface="Arial" charset="0"/>
+              <a:buNone/>
+            </a:pPr>
+            <a:r>
+              <a:rPr lang="de-DE" altLang="de-DE" sz="1200" dirty="0">
+                <a:solidFill>
+                  <a:srgbClr val="005AA9"/>
+                </a:solidFill>
+                <a:latin typeface="Consolas" pitchFamily="49" charset="0"/>
+              </a:rPr>
+              <a:t>~</a:t>
+            </a:r>
+            <a:r>
+              <a:rPr lang="de-DE" altLang="de-DE" sz="1200" dirty="0" err="1">
+                <a:solidFill>
+                  <a:srgbClr val="005AA9"/>
+                </a:solidFill>
+                <a:latin typeface="Consolas" pitchFamily="49" charset="0"/>
+              </a:rPr>
+              <a:t>EnergyMinimizingStrategy</a:t>
+            </a:r>
+            <a:r>
+              <a:rPr lang="de-DE" altLang="de-DE" sz="1200" dirty="0">
+                <a:solidFill>
+                  <a:srgbClr val="005AA9"/>
+                </a:solidFill>
+                <a:latin typeface="Consolas" pitchFamily="49" charset="0"/>
+              </a:rPr>
+              <a:t>(): </a:t>
+            </a:r>
+            <a:r>
+              <a:rPr lang="de-DE" altLang="de-DE" sz="1200" dirty="0" err="1">
+                <a:solidFill>
+                  <a:srgbClr val="005AA9"/>
+                </a:solidFill>
+                <a:latin typeface="Consolas" pitchFamily="49" charset="0"/>
+              </a:rPr>
+              <a:t>Destroying</a:t>
+            </a:r>
+            <a:r>
+              <a:rPr lang="de-DE" altLang="de-DE" sz="1200" dirty="0">
+                <a:solidFill>
+                  <a:srgbClr val="005AA9"/>
+                </a:solidFill>
+                <a:latin typeface="Consolas" pitchFamily="49" charset="0"/>
+              </a:rPr>
+              <a:t> </a:t>
+            </a:r>
+            <a:r>
+              <a:rPr lang="de-DE" altLang="de-DE" sz="1200" dirty="0" err="1">
+                <a:solidFill>
+                  <a:srgbClr val="005AA9"/>
+                </a:solidFill>
+                <a:latin typeface="Consolas" pitchFamily="49" charset="0"/>
+              </a:rPr>
+              <a:t>energy</a:t>
+            </a:r>
+            <a:r>
+              <a:rPr lang="de-DE" altLang="de-DE" sz="1200" dirty="0">
+                <a:solidFill>
+                  <a:srgbClr val="005AA9"/>
+                </a:solidFill>
+                <a:latin typeface="Consolas" pitchFamily="49" charset="0"/>
+              </a:rPr>
+              <a:t> </a:t>
+            </a:r>
+            <a:r>
+              <a:rPr lang="de-DE" altLang="de-DE" sz="1200" dirty="0" err="1">
+                <a:solidFill>
+                  <a:srgbClr val="005AA9"/>
+                </a:solidFill>
+                <a:latin typeface="Consolas" pitchFamily="49" charset="0"/>
+              </a:rPr>
+              <a:t>minimizing</a:t>
+            </a:r>
+            <a:r>
+              <a:rPr lang="de-DE" altLang="de-DE" sz="1200" dirty="0">
+                <a:solidFill>
+                  <a:srgbClr val="005AA9"/>
+                </a:solidFill>
+                <a:latin typeface="Consolas" pitchFamily="49" charset="0"/>
+              </a:rPr>
+              <a:t> </a:t>
+            </a:r>
+            <a:r>
+              <a:rPr lang="de-DE" altLang="de-DE" sz="1200" dirty="0" err="1">
+                <a:solidFill>
+                  <a:srgbClr val="005AA9"/>
+                </a:solidFill>
+                <a:latin typeface="Consolas" pitchFamily="49" charset="0"/>
+              </a:rPr>
+              <a:t>strategy</a:t>
+            </a:r>
+            <a:endParaRPr lang="de-DE" altLang="de-DE" sz="1200" dirty="0">
+              <a:solidFill>
+                <a:srgbClr val="005AA9"/>
+              </a:solidFill>
+              <a:latin typeface="Consolas" pitchFamily="49" charset="0"/>
+            </a:endParaRPr>
+          </a:p>
+          <a:p>
+            <a:pPr eaLnBrk="1" hangingPunct="1">
+              <a:spcBef>
+                <a:spcPct val="0"/>
+              </a:spcBef>
+              <a:buSzTx/>
+              <a:buFont typeface="Arial" charset="0"/>
+              <a:buNone/>
+            </a:pPr>
+            <a:r>
+              <a:rPr lang="de-DE" altLang="de-DE" sz="1200" b="0" dirty="0">
+                <a:solidFill>
+                  <a:srgbClr val="005AA9"/>
+                </a:solidFill>
+                <a:latin typeface="Consolas" pitchFamily="49" charset="0"/>
+              </a:rPr>
+              <a:t>~</a:t>
+            </a:r>
+            <a:r>
+              <a:rPr lang="de-DE" altLang="de-DE" sz="1200" b="0" dirty="0" err="1">
+                <a:solidFill>
+                  <a:srgbClr val="005AA9"/>
+                </a:solidFill>
+                <a:latin typeface="Consolas" pitchFamily="49" charset="0"/>
+              </a:rPr>
+              <a:t>ElevatorStrategy</a:t>
+            </a:r>
+            <a:r>
+              <a:rPr lang="de-DE" altLang="de-DE" sz="1200" b="0" dirty="0">
+                <a:solidFill>
+                  <a:srgbClr val="005AA9"/>
+                </a:solidFill>
+                <a:latin typeface="Consolas" pitchFamily="49" charset="0"/>
+              </a:rPr>
+              <a:t>(): </a:t>
+            </a:r>
+            <a:r>
+              <a:rPr lang="de-DE" altLang="de-DE" sz="1200" b="0" dirty="0" err="1">
+                <a:solidFill>
+                  <a:srgbClr val="005AA9"/>
+                </a:solidFill>
+                <a:latin typeface="Consolas" pitchFamily="49" charset="0"/>
+              </a:rPr>
+              <a:t>Destroying</a:t>
+            </a:r>
+            <a:r>
+              <a:rPr lang="de-DE" altLang="de-DE" sz="1200" b="0" dirty="0">
+                <a:solidFill>
+                  <a:srgbClr val="005AA9"/>
+                </a:solidFill>
+                <a:latin typeface="Consolas" pitchFamily="49" charset="0"/>
+              </a:rPr>
+              <a:t> </a:t>
+            </a:r>
+            <a:r>
+              <a:rPr lang="de-DE" altLang="de-DE" sz="1200" b="0" dirty="0" err="1">
+                <a:solidFill>
+                  <a:srgbClr val="005AA9"/>
+                </a:solidFill>
+                <a:latin typeface="Consolas" pitchFamily="49" charset="0"/>
+              </a:rPr>
+              <a:t>basic</a:t>
+            </a:r>
+            <a:r>
+              <a:rPr lang="de-DE" altLang="de-DE" sz="1200" b="0" dirty="0">
+                <a:solidFill>
+                  <a:srgbClr val="005AA9"/>
+                </a:solidFill>
+                <a:latin typeface="Consolas" pitchFamily="49" charset="0"/>
+              </a:rPr>
+              <a:t> </a:t>
+            </a:r>
+            <a:r>
+              <a:rPr lang="de-DE" altLang="de-DE" sz="1200" b="0" dirty="0" err="1">
+                <a:solidFill>
+                  <a:srgbClr val="005AA9"/>
+                </a:solidFill>
+                <a:latin typeface="Consolas" pitchFamily="49" charset="0"/>
+              </a:rPr>
+              <a:t>strategy</a:t>
+            </a:r>
+            <a:endParaRPr lang="de-DE" altLang="de-DE" sz="1200" b="0" dirty="0">
+              <a:solidFill>
+                <a:srgbClr val="005AA9"/>
+              </a:solidFill>
+              <a:latin typeface="Consolas" pitchFamily="49" charset="0"/>
+            </a:endParaRPr>
           </a:p>
         </p:txBody>
       </p:sp>
@@ -30283,7 +31304,7 @@
               <a:buNone/>
             </a:pPr>
             <a:r>
-              <a:rPr lang="de-DE" altLang="de-DE" sz="1400">
+              <a:rPr lang="de-DE" altLang="de-DE" sz="1400" dirty="0" err="1">
                 <a:solidFill>
                   <a:srgbClr val="7F0055"/>
                 </a:solidFill>
@@ -30292,7 +31313,7 @@
               <a:t>class</a:t>
             </a:r>
             <a:r>
-              <a:rPr lang="de-DE" altLang="de-DE" sz="1400">
+              <a:rPr lang="de-DE" altLang="de-DE" sz="1400" dirty="0">
                 <a:solidFill>
                   <a:srgbClr val="000000"/>
                 </a:solidFill>
@@ -30301,7 +31322,7 @@
               <a:t> </a:t>
             </a:r>
             <a:r>
-              <a:rPr lang="de-DE" altLang="de-DE" sz="1400">
+              <a:rPr lang="de-DE" altLang="de-DE" sz="1400" dirty="0" err="1">
                 <a:solidFill>
                   <a:srgbClr val="005032"/>
                 </a:solidFill>
@@ -30310,7 +31331,7 @@
               <a:t>ElevatorStrategy</a:t>
             </a:r>
             <a:r>
-              <a:rPr lang="de-DE" altLang="de-DE" sz="1400">
+              <a:rPr lang="de-DE" altLang="de-DE" sz="1400" dirty="0">
                 <a:solidFill>
                   <a:srgbClr val="000000"/>
                 </a:solidFill>
@@ -30329,7 +31350,7 @@
               <a:buNone/>
             </a:pPr>
             <a:r>
-              <a:rPr lang="de-DE" altLang="de-DE" sz="1400">
+              <a:rPr lang="de-DE" altLang="de-DE" sz="1400" dirty="0" err="1">
                 <a:solidFill>
                   <a:srgbClr val="7F0055"/>
                 </a:solidFill>
@@ -30338,7 +31359,7 @@
               <a:t>public</a:t>
             </a:r>
             <a:r>
-              <a:rPr lang="de-DE" altLang="de-DE" sz="1400">
+              <a:rPr lang="de-DE" altLang="de-DE" sz="1400" dirty="0">
                 <a:solidFill>
                   <a:srgbClr val="000000"/>
                 </a:solidFill>
@@ -30357,13 +31378,31 @@
               <a:buNone/>
             </a:pPr>
             <a:r>
-              <a:rPr lang="de-DE" altLang="de-DE" sz="1400">
-                <a:solidFill>
-                  <a:srgbClr val="000000"/>
-                </a:solidFill>
-                <a:latin typeface="Consolas" pitchFamily="49" charset="0"/>
-              </a:rPr>
-              <a:t>  ElevatorStrategy();</a:t>
+              <a:rPr lang="de-DE" altLang="de-DE" sz="1400" dirty="0">
+                <a:solidFill>
+                  <a:srgbClr val="000000"/>
+                </a:solidFill>
+                <a:latin typeface="Consolas" pitchFamily="49" charset="0"/>
+              </a:rPr>
+              <a:t>  </a:t>
+            </a:r>
+            <a:r>
+              <a:rPr lang="de-DE" altLang="de-DE" sz="1400" dirty="0" err="1">
+                <a:solidFill>
+                  <a:srgbClr val="000000"/>
+                </a:solidFill>
+                <a:latin typeface="Consolas" pitchFamily="49" charset="0"/>
+              </a:rPr>
+              <a:t>ElevatorStrategy</a:t>
+            </a:r>
+            <a:r>
+              <a:rPr lang="de-DE" altLang="de-DE" sz="1400" dirty="0">
+                <a:solidFill>
+                  <a:srgbClr val="000000"/>
+                </a:solidFill>
+                <a:latin typeface="Consolas" pitchFamily="49" charset="0"/>
+              </a:rPr>
+              <a:t>();</a:t>
             </a:r>
           </a:p>
           <a:p>
@@ -30376,22 +31415,49 @@
               <a:buNone/>
             </a:pPr>
             <a:r>
-              <a:rPr lang="de-DE" altLang="de-DE" sz="1400">
+              <a:rPr lang="de-DE" altLang="de-DE" sz="1400" dirty="0">
                 <a:solidFill>
                   <a:srgbClr val="7F0055"/>
                 </a:solidFill>
                 <a:latin typeface="Consolas" pitchFamily="49" charset="0"/>
               </a:rPr>
-              <a:t>  virtual</a:t>
-            </a:r>
-            <a:r>
-              <a:rPr lang="de-DE" altLang="de-DE" sz="1400">
-                <a:solidFill>
-                  <a:srgbClr val="000000"/>
-                </a:solidFill>
-                <a:latin typeface="Consolas" pitchFamily="49" charset="0"/>
-              </a:rPr>
-              <a:t> ~ElevatorStrategy();</a:t>
+              <a:t>  </a:t>
+            </a:r>
+            <a:r>
+              <a:rPr lang="de-DE" altLang="de-DE" sz="1400" dirty="0" err="1">
+                <a:solidFill>
+                  <a:srgbClr val="7F0055"/>
+                </a:solidFill>
+                <a:latin typeface="Consolas" pitchFamily="49" charset="0"/>
+              </a:rPr>
+              <a:t>virtual</a:t>
+            </a:r>
+            <a:r>
+              <a:rPr lang="de-DE" altLang="de-DE" sz="1400" dirty="0">
+                <a:solidFill>
+                  <a:srgbClr val="000000"/>
+                </a:solidFill>
+                <a:latin typeface="Consolas" pitchFamily="49" charset="0"/>
+              </a:rPr>
+              <a:t> ~</a:t>
+            </a:r>
+            <a:r>
+              <a:rPr lang="de-DE" altLang="de-DE" sz="1400" dirty="0" err="1">
+                <a:solidFill>
+                  <a:srgbClr val="000000"/>
+                </a:solidFill>
+                <a:latin typeface="Consolas" pitchFamily="49" charset="0"/>
+              </a:rPr>
+              <a:t>ElevatorStrategy</a:t>
+            </a:r>
+            <a:r>
+              <a:rPr lang="de-DE" altLang="de-DE" sz="1400" dirty="0">
+                <a:solidFill>
+                  <a:srgbClr val="000000"/>
+                </a:solidFill>
+                <a:latin typeface="Consolas" pitchFamily="49" charset="0"/>
+              </a:rPr>
+              <a:t>();</a:t>
             </a:r>
           </a:p>
           <a:p>
@@ -30403,7 +31469,7 @@
               <a:buFont typeface="Arial" charset="0"/>
               <a:buNone/>
             </a:pPr>
-            <a:endParaRPr lang="de-DE" altLang="de-DE" sz="1400" b="0">
+            <a:endParaRPr lang="de-DE" altLang="de-DE" sz="1400" b="0" dirty="0">
               <a:latin typeface="Consolas" pitchFamily="49" charset="0"/>
             </a:endParaRPr>
           </a:p>
@@ -30417,7 +31483,7 @@
               <a:buNone/>
             </a:pPr>
             <a:r>
-              <a:rPr lang="en-US" altLang="de-DE" sz="1400">
+              <a:rPr lang="en-US" altLang="de-DE" sz="1400" dirty="0">
                 <a:solidFill>
                   <a:srgbClr val="7F0055"/>
                 </a:solidFill>
@@ -30426,7 +31492,7 @@
               <a:t>  virtual</a:t>
             </a:r>
             <a:r>
-              <a:rPr lang="en-US" altLang="de-DE" sz="1400">
+              <a:rPr lang="en-US" altLang="de-DE" sz="1400" dirty="0">
                 <a:solidFill>
                   <a:srgbClr val="000000"/>
                 </a:solidFill>
@@ -30435,7 +31501,7 @@
               <a:t> </a:t>
             </a:r>
             <a:r>
-              <a:rPr lang="en-US" altLang="de-DE" sz="1400">
+              <a:rPr lang="en-US" altLang="de-DE" sz="1400" dirty="0" err="1">
                 <a:solidFill>
                   <a:srgbClr val="7F0055"/>
                 </a:solidFill>
@@ -30444,7 +31510,7 @@
               <a:t>const</a:t>
             </a:r>
             <a:r>
-              <a:rPr lang="en-US" altLang="de-DE" sz="1400">
+              <a:rPr lang="en-US" altLang="de-DE" sz="1400" dirty="0">
                 <a:solidFill>
                   <a:srgbClr val="000000"/>
                 </a:solidFill>
@@ -30453,7 +31519,7 @@
               <a:t> </a:t>
             </a:r>
             <a:r>
-              <a:rPr lang="en-US" altLang="de-DE" sz="1400">
+              <a:rPr lang="en-US" altLang="de-DE" sz="1400" dirty="0">
                 <a:solidFill>
                   <a:srgbClr val="005032"/>
                 </a:solidFill>
@@ -30462,7 +31528,7 @@
               <a:t>Floor</a:t>
             </a:r>
             <a:r>
-              <a:rPr lang="en-US" altLang="de-DE" sz="1400">
+              <a:rPr lang="en-US" altLang="de-DE" sz="1400" dirty="0">
                 <a:solidFill>
                   <a:srgbClr val="000000"/>
                 </a:solidFill>
@@ -30471,7 +31537,7 @@
               <a:t>* next(</a:t>
             </a:r>
             <a:r>
-              <a:rPr lang="en-US" altLang="de-DE" sz="1400">
+              <a:rPr lang="en-US" altLang="de-DE" sz="1400" dirty="0" err="1">
                 <a:solidFill>
                   <a:srgbClr val="7F0055"/>
                 </a:solidFill>
@@ -30480,7 +31546,7 @@
               <a:t>const</a:t>
             </a:r>
             <a:r>
-              <a:rPr lang="en-US" altLang="de-DE" sz="1400">
+              <a:rPr lang="en-US" altLang="de-DE" sz="1400" dirty="0">
                 <a:solidFill>
                   <a:srgbClr val="000000"/>
                 </a:solidFill>
@@ -30489,7 +31555,7 @@
               <a:t> </a:t>
             </a:r>
             <a:r>
-              <a:rPr lang="en-US" altLang="de-DE" sz="1400">
+              <a:rPr lang="en-US" altLang="de-DE" sz="1400" dirty="0">
                 <a:solidFill>
                   <a:srgbClr val="005032"/>
                 </a:solidFill>
@@ -30498,7 +31564,7 @@
               <a:t>Elevator</a:t>
             </a:r>
             <a:r>
-              <a:rPr lang="en-US" altLang="de-DE" sz="1400">
+              <a:rPr lang="en-US" altLang="de-DE" sz="1400" dirty="0">
                 <a:solidFill>
                   <a:srgbClr val="000000"/>
                 </a:solidFill>
@@ -30507,7 +31573,7 @@
               <a:t>* elevator) </a:t>
             </a:r>
             <a:r>
-              <a:rPr lang="en-US" altLang="de-DE" sz="1400">
+              <a:rPr lang="en-US" altLang="de-DE" sz="1400" dirty="0" err="1">
                 <a:solidFill>
                   <a:srgbClr val="7F0055"/>
                 </a:solidFill>
@@ -30516,7 +31582,7 @@
               <a:t>const</a:t>
             </a:r>
             <a:r>
-              <a:rPr lang="en-US" altLang="de-DE" sz="1400">
+              <a:rPr lang="en-US" altLang="de-DE" sz="1400" dirty="0">
                 <a:solidFill>
                   <a:srgbClr val="000000"/>
                 </a:solidFill>
@@ -30535,7 +31601,7 @@
               <a:buNone/>
             </a:pPr>
             <a:r>
-              <a:rPr lang="de-DE" altLang="de-DE" sz="1400" b="0">
+              <a:rPr lang="de-DE" altLang="de-DE" sz="1400" b="0" dirty="0">
                 <a:solidFill>
                   <a:srgbClr val="000000"/>
                 </a:solidFill>
@@ -31650,6 +32716,2413 @@
 </p:sld>
 </file>
 
+<file path=ppt/slides/slide22.xml><?xml version="1.0" encoding="utf-8"?>
+<p:sld xmlns:a="http://schemas.openxmlformats.org/drawingml/2006/main" xmlns:r="http://schemas.openxmlformats.org/officeDocument/2006/relationships" xmlns:p="http://schemas.openxmlformats.org/presentationml/2006/main">
+  <p:cSld>
+    <p:spTree>
+      <p:nvGrpSpPr>
+        <p:cNvPr id="1" name=""/>
+        <p:cNvGrpSpPr/>
+        <p:nvPr/>
+      </p:nvGrpSpPr>
+      <p:grpSpPr>
+        <a:xfrm>
+          <a:off x="0" y="0"/>
+          <a:ext cx="0" cy="0"/>
+          <a:chOff x="0" y="0"/>
+          <a:chExt cx="0" cy="0"/>
+        </a:xfrm>
+      </p:grpSpPr>
+      <p:sp>
+        <p:nvSpPr>
+          <p:cNvPr id="22531" name="Titel 1"/>
+          <p:cNvSpPr>
+            <a:spLocks noGrp="1"/>
+          </p:cNvSpPr>
+          <p:nvPr>
+            <p:ph type="title"/>
+          </p:nvPr>
+        </p:nvSpPr>
+        <p:spPr/>
+        <p:txBody>
+          <a:bodyPr/>
+          <a:lstStyle/>
+          <a:p>
+            <a:r>
+              <a:rPr lang="de-DE" altLang="de-DE" dirty="0" err="1" smtClean="0"/>
+              <a:t>Copy</a:t>
+            </a:r>
+            <a:r>
+              <a:rPr lang="de-DE" altLang="de-DE" dirty="0" smtClean="0"/>
+              <a:t> </a:t>
+            </a:r>
+            <a:r>
+              <a:rPr lang="de-DE" altLang="de-DE" dirty="0" err="1" smtClean="0"/>
+              <a:t>Constructor</a:t>
+            </a:r>
+            <a:r>
+              <a:rPr lang="de-DE" altLang="de-DE" dirty="0" smtClean="0"/>
+              <a:t> Elision</a:t>
+            </a:r>
+          </a:p>
+        </p:txBody>
+      </p:sp>
+      <p:sp>
+        <p:nvSpPr>
+          <p:cNvPr id="2" name="Inhaltsplatzhalter 1"/>
+          <p:cNvSpPr>
+            <a:spLocks noGrp="1"/>
+          </p:cNvSpPr>
+          <p:nvPr>
+            <p:ph idx="1"/>
+          </p:nvPr>
+        </p:nvSpPr>
+        <p:spPr/>
+        <p:txBody>
+          <a:bodyPr/>
+          <a:lstStyle/>
+          <a:p>
+            <a:r>
+              <a:rPr lang="de-DE" sz="1800" b="0" dirty="0" smtClean="0"/>
+              <a:t>Zu erwarten ist, dass bei (2.) zunächst ein Objekt mittels Default-Konstruktor angelegt und dann mittels </a:t>
+            </a:r>
+            <a:r>
+              <a:rPr lang="de-DE" sz="1800" b="0" i="1" dirty="0" err="1" smtClean="0"/>
+              <a:t>operator</a:t>
+            </a:r>
+            <a:r>
+              <a:rPr lang="de-DE" sz="1800" b="0" i="1" dirty="0" smtClean="0"/>
+              <a:t>=</a:t>
+            </a:r>
+            <a:r>
+              <a:rPr lang="de-DE" sz="1800" b="0" dirty="0" smtClean="0"/>
+              <a:t> überschrieben wird – C++ ist da schlauer </a:t>
+            </a:r>
+            <a:r>
+              <a:rPr lang="de-DE" sz="1800" b="0" dirty="0" smtClean="0">
+                <a:sym typeface="Wingdings" panose="05000000000000000000" pitchFamily="2" charset="2"/>
+              </a:rPr>
+              <a:t></a:t>
+            </a:r>
+            <a:r>
+              <a:rPr lang="de-DE" b="0" dirty="0" smtClean="0"/>
+              <a:t>.</a:t>
+            </a:r>
+            <a:endParaRPr lang="en-US" b="0" dirty="0"/>
+          </a:p>
+        </p:txBody>
+      </p:sp>
+      <p:sp>
+        <p:nvSpPr>
+          <p:cNvPr id="3" name="Textfeld 2"/>
+          <p:cNvSpPr txBox="1"/>
+          <p:nvPr/>
+        </p:nvSpPr>
+        <p:spPr>
+          <a:xfrm>
+            <a:off x="227117" y="2276872"/>
+            <a:ext cx="4128859" cy="3999108"/>
+          </a:xfrm>
+          <a:prstGeom prst="rect">
+            <a:avLst/>
+          </a:prstGeom>
+          <a:noFill/>
+        </p:spPr>
+        <p:txBody>
+          <a:bodyPr wrap="square" rtlCol="0">
+            <a:spAutoFit/>
+          </a:bodyPr>
+          <a:lstStyle/>
+          <a:p>
+            <a:pPr algn="l"/>
+            <a:r>
+              <a:rPr lang="en-US" sz="1100" b="1" dirty="0">
+                <a:solidFill>
+                  <a:srgbClr val="7F0055"/>
+                </a:solidFill>
+                <a:latin typeface="Courier New" panose="02070309020205020404" pitchFamily="49" charset="0"/>
+              </a:rPr>
+              <a:t>class</a:t>
+            </a:r>
+            <a:r>
+              <a:rPr lang="en-US" sz="1100" b="1" dirty="0">
+                <a:solidFill>
+                  <a:srgbClr val="000000"/>
+                </a:solidFill>
+                <a:latin typeface="Courier New" panose="02070309020205020404" pitchFamily="49" charset="0"/>
+              </a:rPr>
+              <a:t> </a:t>
+            </a:r>
+            <a:r>
+              <a:rPr lang="en-US" sz="1100" b="1" dirty="0" err="1">
+                <a:solidFill>
+                  <a:srgbClr val="005032"/>
+                </a:solidFill>
+                <a:latin typeface="Courier New" panose="02070309020205020404" pitchFamily="49" charset="0"/>
+              </a:rPr>
+              <a:t>EnergyMinimizingStrategy</a:t>
+            </a:r>
+            <a:r>
+              <a:rPr lang="en-US" sz="1100" b="1" dirty="0">
+                <a:solidFill>
+                  <a:srgbClr val="000000"/>
+                </a:solidFill>
+                <a:latin typeface="Courier New" panose="02070309020205020404" pitchFamily="49" charset="0"/>
+              </a:rPr>
+              <a:t> {</a:t>
+            </a:r>
+          </a:p>
+          <a:p>
+            <a:pPr algn="l"/>
+            <a:r>
+              <a:rPr lang="en-US" sz="1100" b="1" dirty="0">
+                <a:solidFill>
+                  <a:srgbClr val="7F0055"/>
+                </a:solidFill>
+                <a:latin typeface="Courier New" panose="02070309020205020404" pitchFamily="49" charset="0"/>
+              </a:rPr>
+              <a:t>public</a:t>
+            </a:r>
+            <a:r>
+              <a:rPr lang="en-US" sz="1100" b="1" dirty="0">
+                <a:solidFill>
+                  <a:srgbClr val="000000"/>
+                </a:solidFill>
+                <a:latin typeface="Courier New" panose="02070309020205020404" pitchFamily="49" charset="0"/>
+              </a:rPr>
+              <a:t>:</a:t>
+            </a:r>
+          </a:p>
+          <a:p>
+            <a:pPr algn="l"/>
+            <a:r>
+              <a:rPr lang="en-US" sz="1100" b="1" dirty="0">
+                <a:solidFill>
+                  <a:srgbClr val="7F0055"/>
+                </a:solidFill>
+                <a:latin typeface="Courier New" panose="02070309020205020404" pitchFamily="49" charset="0"/>
+              </a:rPr>
+              <a:t>inline</a:t>
+            </a:r>
+            <a:r>
+              <a:rPr lang="en-US" sz="1100" b="1" dirty="0">
+                <a:solidFill>
+                  <a:srgbClr val="000000"/>
+                </a:solidFill>
+                <a:latin typeface="Courier New" panose="02070309020205020404" pitchFamily="49" charset="0"/>
+              </a:rPr>
+              <a:t> </a:t>
+            </a:r>
+            <a:r>
+              <a:rPr lang="en-US" sz="1100" b="1" dirty="0" err="1">
+                <a:solidFill>
+                  <a:srgbClr val="000000"/>
+                </a:solidFill>
+                <a:latin typeface="Courier New" panose="02070309020205020404" pitchFamily="49" charset="0"/>
+              </a:rPr>
+              <a:t>EnergyMinimizingStrategy</a:t>
+            </a:r>
+            <a:r>
+              <a:rPr lang="en-US" sz="1100" b="1" dirty="0">
+                <a:solidFill>
+                  <a:srgbClr val="000000"/>
+                </a:solidFill>
+                <a:latin typeface="Courier New" panose="02070309020205020404" pitchFamily="49" charset="0"/>
+              </a:rPr>
+              <a:t>() {</a:t>
+            </a:r>
+          </a:p>
+          <a:p>
+            <a:pPr algn="l"/>
+            <a:r>
+              <a:rPr lang="en-US" sz="1100" dirty="0" err="1">
+                <a:solidFill>
+                  <a:srgbClr val="000000"/>
+                </a:solidFill>
+                <a:latin typeface="Courier New" panose="02070309020205020404" pitchFamily="49" charset="0"/>
+              </a:rPr>
+              <a:t>cout</a:t>
+            </a:r>
+            <a:r>
+              <a:rPr lang="en-US" sz="1100" dirty="0">
+                <a:solidFill>
+                  <a:srgbClr val="000000"/>
+                </a:solidFill>
+                <a:latin typeface="Courier New" panose="02070309020205020404" pitchFamily="49" charset="0"/>
+              </a:rPr>
+              <a:t> &lt;&lt; </a:t>
+            </a:r>
+            <a:r>
+              <a:rPr lang="en-US" sz="1100" dirty="0">
+                <a:solidFill>
+                  <a:srgbClr val="2A00FF"/>
+                </a:solidFill>
+                <a:latin typeface="Courier New" panose="02070309020205020404" pitchFamily="49" charset="0"/>
+              </a:rPr>
+              <a:t>"Constructor called"</a:t>
+            </a:r>
+            <a:r>
+              <a:rPr lang="en-US" sz="1100" dirty="0">
+                <a:solidFill>
+                  <a:srgbClr val="000000"/>
+                </a:solidFill>
+                <a:latin typeface="Courier New" panose="02070309020205020404" pitchFamily="49" charset="0"/>
+              </a:rPr>
+              <a:t> &lt;&lt; </a:t>
+            </a:r>
+            <a:r>
+              <a:rPr lang="en-US" sz="1100" b="1" dirty="0" err="1">
+                <a:solidFill>
+                  <a:srgbClr val="642880"/>
+                </a:solidFill>
+                <a:latin typeface="Courier New" panose="02070309020205020404" pitchFamily="49" charset="0"/>
+              </a:rPr>
+              <a:t>endl</a:t>
+            </a:r>
+            <a:r>
+              <a:rPr lang="en-US" sz="1100" b="1" dirty="0">
+                <a:solidFill>
+                  <a:srgbClr val="000000"/>
+                </a:solidFill>
+                <a:latin typeface="Courier New" panose="02070309020205020404" pitchFamily="49" charset="0"/>
+              </a:rPr>
+              <a:t>;</a:t>
+            </a:r>
+          </a:p>
+          <a:p>
+            <a:pPr algn="l"/>
+            <a:r>
+              <a:rPr lang="en-US" sz="1100" dirty="0">
+                <a:solidFill>
+                  <a:srgbClr val="000000"/>
+                </a:solidFill>
+                <a:latin typeface="Courier New" panose="02070309020205020404" pitchFamily="49" charset="0"/>
+              </a:rPr>
+              <a:t>}</a:t>
+            </a:r>
+          </a:p>
+          <a:p>
+            <a:pPr algn="l"/>
+            <a:endParaRPr lang="en-US" sz="1100" dirty="0">
+              <a:latin typeface="Courier New" panose="02070309020205020404" pitchFamily="49" charset="0"/>
+            </a:endParaRPr>
+          </a:p>
+          <a:p>
+            <a:pPr algn="l"/>
+            <a:r>
+              <a:rPr lang="en-US" sz="1100" b="1" dirty="0">
+                <a:solidFill>
+                  <a:srgbClr val="7F0055"/>
+                </a:solidFill>
+                <a:latin typeface="Courier New" panose="02070309020205020404" pitchFamily="49" charset="0"/>
+              </a:rPr>
+              <a:t>inline</a:t>
+            </a:r>
+            <a:r>
+              <a:rPr lang="en-US" sz="1100" b="1" dirty="0">
+                <a:solidFill>
+                  <a:srgbClr val="000000"/>
+                </a:solidFill>
+                <a:latin typeface="Courier New" panose="02070309020205020404" pitchFamily="49" charset="0"/>
+              </a:rPr>
+              <a:t> </a:t>
+            </a:r>
+            <a:r>
+              <a:rPr lang="en-US" sz="1100" b="1" dirty="0" err="1">
+                <a:solidFill>
+                  <a:srgbClr val="000000"/>
+                </a:solidFill>
+                <a:latin typeface="Courier New" panose="02070309020205020404" pitchFamily="49" charset="0"/>
+              </a:rPr>
+              <a:t>EnergyMinimizingStrategy</a:t>
+            </a:r>
+            <a:r>
+              <a:rPr lang="en-US" sz="1100" b="1" dirty="0">
+                <a:solidFill>
+                  <a:srgbClr val="000000"/>
+                </a:solidFill>
+                <a:latin typeface="Courier New" panose="02070309020205020404" pitchFamily="49" charset="0"/>
+              </a:rPr>
+              <a:t>(</a:t>
+            </a:r>
+            <a:r>
+              <a:rPr lang="en-US" sz="1100" b="1" dirty="0" err="1">
+                <a:solidFill>
+                  <a:srgbClr val="7F0055"/>
+                </a:solidFill>
+                <a:latin typeface="Courier New" panose="02070309020205020404" pitchFamily="49" charset="0"/>
+              </a:rPr>
+              <a:t>const</a:t>
+            </a:r>
+            <a:r>
+              <a:rPr lang="en-US" sz="1100" b="1" dirty="0">
+                <a:solidFill>
+                  <a:srgbClr val="000000"/>
+                </a:solidFill>
+                <a:latin typeface="Courier New" panose="02070309020205020404" pitchFamily="49" charset="0"/>
+              </a:rPr>
+              <a:t> </a:t>
+            </a:r>
+            <a:r>
+              <a:rPr lang="en-US" sz="1100" b="1" dirty="0" err="1">
+                <a:solidFill>
+                  <a:srgbClr val="005032"/>
+                </a:solidFill>
+                <a:latin typeface="Courier New" panose="02070309020205020404" pitchFamily="49" charset="0"/>
+              </a:rPr>
+              <a:t>EnergyMinimizingStrategy</a:t>
+            </a:r>
+            <a:r>
+              <a:rPr lang="en-US" sz="1100" b="1" dirty="0">
+                <a:solidFill>
+                  <a:srgbClr val="000000"/>
+                </a:solidFill>
+                <a:latin typeface="Courier New" panose="02070309020205020404" pitchFamily="49" charset="0"/>
+              </a:rPr>
+              <a:t> &amp;a) {</a:t>
+            </a:r>
+          </a:p>
+          <a:p>
+            <a:pPr algn="l"/>
+            <a:r>
+              <a:rPr lang="en-US" sz="1100" dirty="0" err="1">
+                <a:solidFill>
+                  <a:srgbClr val="000000"/>
+                </a:solidFill>
+                <a:latin typeface="Courier New" panose="02070309020205020404" pitchFamily="49" charset="0"/>
+              </a:rPr>
+              <a:t>cout</a:t>
+            </a:r>
+            <a:r>
+              <a:rPr lang="en-US" sz="1100" dirty="0">
+                <a:solidFill>
+                  <a:srgbClr val="000000"/>
+                </a:solidFill>
+                <a:latin typeface="Courier New" panose="02070309020205020404" pitchFamily="49" charset="0"/>
+              </a:rPr>
+              <a:t> &lt;&lt; </a:t>
+            </a:r>
+            <a:r>
+              <a:rPr lang="en-US" sz="1100" dirty="0">
+                <a:solidFill>
+                  <a:srgbClr val="2A00FF"/>
+                </a:solidFill>
+                <a:latin typeface="Courier New" panose="02070309020205020404" pitchFamily="49" charset="0"/>
+              </a:rPr>
+              <a:t>"Copy constructor called"</a:t>
+            </a:r>
+            <a:r>
+              <a:rPr lang="en-US" sz="1100" dirty="0">
+                <a:solidFill>
+                  <a:srgbClr val="000000"/>
+                </a:solidFill>
+                <a:latin typeface="Courier New" panose="02070309020205020404" pitchFamily="49" charset="0"/>
+              </a:rPr>
+              <a:t> &lt;&lt; </a:t>
+            </a:r>
+            <a:r>
+              <a:rPr lang="en-US" sz="1100" b="1" dirty="0" err="1">
+                <a:solidFill>
+                  <a:srgbClr val="642880"/>
+                </a:solidFill>
+                <a:latin typeface="Courier New" panose="02070309020205020404" pitchFamily="49" charset="0"/>
+              </a:rPr>
+              <a:t>endl</a:t>
+            </a:r>
+            <a:r>
+              <a:rPr lang="en-US" sz="1100" b="1" dirty="0">
+                <a:solidFill>
+                  <a:srgbClr val="000000"/>
+                </a:solidFill>
+                <a:latin typeface="Courier New" panose="02070309020205020404" pitchFamily="49" charset="0"/>
+              </a:rPr>
+              <a:t>;</a:t>
+            </a:r>
+          </a:p>
+          <a:p>
+            <a:pPr algn="l"/>
+            <a:r>
+              <a:rPr lang="en-US" sz="1100" dirty="0">
+                <a:solidFill>
+                  <a:srgbClr val="000000"/>
+                </a:solidFill>
+                <a:latin typeface="Courier New" panose="02070309020205020404" pitchFamily="49" charset="0"/>
+              </a:rPr>
+              <a:t>}</a:t>
+            </a:r>
+          </a:p>
+          <a:p>
+            <a:pPr algn="l"/>
+            <a:endParaRPr lang="en-US" sz="1100" dirty="0">
+              <a:latin typeface="Courier New" panose="02070309020205020404" pitchFamily="49" charset="0"/>
+            </a:endParaRPr>
+          </a:p>
+          <a:p>
+            <a:pPr algn="l"/>
+            <a:r>
+              <a:rPr lang="en-US" sz="1100" b="1" dirty="0">
+                <a:solidFill>
+                  <a:srgbClr val="7F0055"/>
+                </a:solidFill>
+                <a:latin typeface="Courier New" panose="02070309020205020404" pitchFamily="49" charset="0"/>
+              </a:rPr>
+              <a:t>inline</a:t>
+            </a:r>
+            <a:r>
+              <a:rPr lang="en-US" sz="1100" b="1" dirty="0">
+                <a:solidFill>
+                  <a:srgbClr val="000000"/>
+                </a:solidFill>
+                <a:latin typeface="Courier New" panose="02070309020205020404" pitchFamily="49" charset="0"/>
+              </a:rPr>
+              <a:t> </a:t>
+            </a:r>
+            <a:r>
+              <a:rPr lang="en-US" sz="1100" b="1" dirty="0">
+                <a:solidFill>
+                  <a:srgbClr val="7F0055"/>
+                </a:solidFill>
+                <a:latin typeface="Courier New" panose="02070309020205020404" pitchFamily="49" charset="0"/>
+              </a:rPr>
+              <a:t>void</a:t>
+            </a:r>
+            <a:r>
+              <a:rPr lang="en-US" sz="1100" b="1" dirty="0">
+                <a:solidFill>
+                  <a:srgbClr val="000000"/>
+                </a:solidFill>
+                <a:latin typeface="Courier New" panose="02070309020205020404" pitchFamily="49" charset="0"/>
+              </a:rPr>
+              <a:t> operator</a:t>
+            </a:r>
+            <a:r>
+              <a:rPr lang="en-US" sz="1100" b="1" dirty="0" smtClean="0">
+                <a:solidFill>
+                  <a:srgbClr val="000000"/>
+                </a:solidFill>
+                <a:latin typeface="Courier New" panose="02070309020205020404" pitchFamily="49" charset="0"/>
+              </a:rPr>
+              <a:t>=(</a:t>
+            </a:r>
+            <a:br>
+              <a:rPr lang="en-US" sz="1100" b="1" dirty="0" smtClean="0">
+                <a:solidFill>
+                  <a:srgbClr val="000000"/>
+                </a:solidFill>
+                <a:latin typeface="Courier New" panose="02070309020205020404" pitchFamily="49" charset="0"/>
+              </a:rPr>
+            </a:br>
+            <a:r>
+              <a:rPr lang="en-US" sz="1100" b="1" dirty="0" smtClean="0">
+                <a:solidFill>
+                  <a:srgbClr val="000000"/>
+                </a:solidFill>
+                <a:latin typeface="Courier New" panose="02070309020205020404" pitchFamily="49" charset="0"/>
+              </a:rPr>
+              <a:t>    </a:t>
+            </a:r>
+            <a:r>
+              <a:rPr lang="en-US" sz="1100" b="1" dirty="0" err="1" smtClean="0">
+                <a:solidFill>
+                  <a:srgbClr val="7F0055"/>
+                </a:solidFill>
+                <a:latin typeface="Courier New" panose="02070309020205020404" pitchFamily="49" charset="0"/>
+              </a:rPr>
+              <a:t>const</a:t>
+            </a:r>
+            <a:r>
+              <a:rPr lang="en-US" sz="1100" b="1" dirty="0" smtClean="0">
+                <a:solidFill>
+                  <a:srgbClr val="000000"/>
+                </a:solidFill>
+                <a:latin typeface="Courier New" panose="02070309020205020404" pitchFamily="49" charset="0"/>
+              </a:rPr>
+              <a:t> </a:t>
+            </a:r>
+            <a:r>
+              <a:rPr lang="en-US" sz="1100" b="1" dirty="0" err="1">
+                <a:solidFill>
+                  <a:srgbClr val="005032"/>
+                </a:solidFill>
+                <a:latin typeface="Courier New" panose="02070309020205020404" pitchFamily="49" charset="0"/>
+              </a:rPr>
+              <a:t>EnergyMinimizingStrategy</a:t>
+            </a:r>
+            <a:r>
+              <a:rPr lang="en-US" sz="1100" b="1" dirty="0">
+                <a:solidFill>
+                  <a:srgbClr val="000000"/>
+                </a:solidFill>
+                <a:latin typeface="Courier New" panose="02070309020205020404" pitchFamily="49" charset="0"/>
+              </a:rPr>
+              <a:t> &amp;a) {</a:t>
+            </a:r>
+          </a:p>
+          <a:p>
+            <a:pPr algn="l"/>
+            <a:r>
+              <a:rPr lang="en-US" sz="1100" dirty="0" err="1">
+                <a:solidFill>
+                  <a:srgbClr val="000000"/>
+                </a:solidFill>
+                <a:latin typeface="Courier New" panose="02070309020205020404" pitchFamily="49" charset="0"/>
+              </a:rPr>
+              <a:t>cout</a:t>
+            </a:r>
+            <a:r>
+              <a:rPr lang="en-US" sz="1100" dirty="0">
+                <a:solidFill>
+                  <a:srgbClr val="000000"/>
+                </a:solidFill>
+                <a:latin typeface="Courier New" panose="02070309020205020404" pitchFamily="49" charset="0"/>
+              </a:rPr>
+              <a:t> &lt;&lt; </a:t>
+            </a:r>
+            <a:r>
+              <a:rPr lang="en-US" sz="1100" dirty="0">
+                <a:solidFill>
+                  <a:srgbClr val="2A00FF"/>
+                </a:solidFill>
+                <a:latin typeface="Courier New" panose="02070309020205020404" pitchFamily="49" charset="0"/>
+              </a:rPr>
+              <a:t>"operator= called"</a:t>
+            </a:r>
+            <a:r>
+              <a:rPr lang="en-US" sz="1100" dirty="0">
+                <a:solidFill>
+                  <a:srgbClr val="000000"/>
+                </a:solidFill>
+                <a:latin typeface="Courier New" panose="02070309020205020404" pitchFamily="49" charset="0"/>
+              </a:rPr>
+              <a:t> &lt;&lt; </a:t>
+            </a:r>
+            <a:r>
+              <a:rPr lang="en-US" sz="1100" b="1" dirty="0" err="1">
+                <a:solidFill>
+                  <a:srgbClr val="642880"/>
+                </a:solidFill>
+                <a:latin typeface="Courier New" panose="02070309020205020404" pitchFamily="49" charset="0"/>
+              </a:rPr>
+              <a:t>endl</a:t>
+            </a:r>
+            <a:r>
+              <a:rPr lang="en-US" sz="1100" b="1" dirty="0">
+                <a:solidFill>
+                  <a:srgbClr val="000000"/>
+                </a:solidFill>
+                <a:latin typeface="Courier New" panose="02070309020205020404" pitchFamily="49" charset="0"/>
+              </a:rPr>
+              <a:t>;</a:t>
+            </a:r>
+          </a:p>
+          <a:p>
+            <a:pPr algn="l"/>
+            <a:r>
+              <a:rPr lang="en-US" sz="1100" dirty="0">
+                <a:solidFill>
+                  <a:srgbClr val="000000"/>
+                </a:solidFill>
+                <a:latin typeface="Courier New" panose="02070309020205020404" pitchFamily="49" charset="0"/>
+              </a:rPr>
+              <a:t>}</a:t>
+            </a:r>
+          </a:p>
+          <a:p>
+            <a:pPr algn="l"/>
+            <a:r>
+              <a:rPr lang="en-US" sz="1100" dirty="0" smtClean="0">
+                <a:solidFill>
+                  <a:srgbClr val="000000"/>
+                </a:solidFill>
+                <a:latin typeface="Courier New" panose="02070309020205020404" pitchFamily="49" charset="0"/>
+              </a:rPr>
+              <a:t>};</a:t>
+            </a:r>
+            <a:br>
+              <a:rPr lang="en-US" sz="1100" dirty="0" smtClean="0">
+                <a:solidFill>
+                  <a:srgbClr val="000000"/>
+                </a:solidFill>
+                <a:latin typeface="Courier New" panose="02070309020205020404" pitchFamily="49" charset="0"/>
+              </a:rPr>
+            </a:br>
+            <a:r>
+              <a:rPr lang="en-US" sz="1100" dirty="0" smtClean="0">
+                <a:solidFill>
+                  <a:srgbClr val="000000"/>
+                </a:solidFill>
+                <a:latin typeface="Courier New" panose="02070309020205020404" pitchFamily="49" charset="0"/>
+              </a:rPr>
+              <a:t/>
+            </a:r>
+            <a:br>
+              <a:rPr lang="en-US" sz="1100" dirty="0" smtClean="0">
+                <a:solidFill>
+                  <a:srgbClr val="000000"/>
+                </a:solidFill>
+                <a:latin typeface="Courier New" panose="02070309020205020404" pitchFamily="49" charset="0"/>
+              </a:rPr>
+            </a:br>
+            <a:r>
+              <a:rPr lang="en-US" sz="1100" b="1" dirty="0" err="1">
+                <a:solidFill>
+                  <a:srgbClr val="7F0055"/>
+                </a:solidFill>
+                <a:latin typeface="Courier New" panose="02070309020205020404" pitchFamily="49" charset="0"/>
+              </a:rPr>
+              <a:t>int</a:t>
+            </a:r>
+            <a:r>
+              <a:rPr lang="en-US" sz="1100" b="1" dirty="0">
+                <a:solidFill>
+                  <a:srgbClr val="000000"/>
+                </a:solidFill>
+                <a:latin typeface="Courier New" panose="02070309020205020404" pitchFamily="49" charset="0"/>
+              </a:rPr>
+              <a:t> main() </a:t>
+            </a:r>
+            <a:r>
+              <a:rPr lang="en-US" sz="1100" b="1" dirty="0" smtClean="0">
+                <a:solidFill>
+                  <a:srgbClr val="000000"/>
+                </a:solidFill>
+                <a:latin typeface="Courier New" panose="02070309020205020404" pitchFamily="49" charset="0"/>
+              </a:rPr>
+              <a:t>{</a:t>
+            </a:r>
+            <a:r>
+              <a:rPr lang="de-DE" sz="1100" dirty="0" smtClean="0">
+                <a:latin typeface="Courier New" panose="02070309020205020404" pitchFamily="49" charset="0"/>
+              </a:rPr>
+              <a:t/>
+            </a:r>
+            <a:br>
+              <a:rPr lang="de-DE" sz="1100" dirty="0" smtClean="0">
+                <a:latin typeface="Courier New" panose="02070309020205020404" pitchFamily="49" charset="0"/>
+              </a:rPr>
+            </a:br>
+            <a:r>
+              <a:rPr lang="en-US" sz="1100" dirty="0" smtClean="0">
+                <a:solidFill>
+                  <a:srgbClr val="3F7F5F"/>
+                </a:solidFill>
+                <a:highlight>
+                  <a:srgbClr val="E8F2FE"/>
+                </a:highlight>
+                <a:latin typeface="Courier New" panose="02070309020205020404" pitchFamily="49" charset="0"/>
+              </a:rPr>
+              <a:t>/*1.*/ </a:t>
+            </a:r>
+            <a:r>
+              <a:rPr lang="en-US" sz="1100" dirty="0" err="1" smtClean="0">
+                <a:solidFill>
+                  <a:srgbClr val="005032"/>
+                </a:solidFill>
+                <a:highlight>
+                  <a:srgbClr val="E8F2FE"/>
+                </a:highlight>
+                <a:latin typeface="Courier New" panose="02070309020205020404" pitchFamily="49" charset="0"/>
+              </a:rPr>
+              <a:t>EnergyMinimizingStrategy</a:t>
+            </a:r>
+            <a:r>
+              <a:rPr lang="en-US" sz="1100" dirty="0" smtClean="0">
+                <a:solidFill>
+                  <a:srgbClr val="000000"/>
+                </a:solidFill>
+                <a:highlight>
+                  <a:srgbClr val="E8F2FE"/>
+                </a:highlight>
+                <a:latin typeface="Courier New" panose="02070309020205020404" pitchFamily="49" charset="0"/>
+              </a:rPr>
+              <a:t> </a:t>
+            </a:r>
+            <a:r>
+              <a:rPr lang="en-US" sz="1100" dirty="0">
+                <a:solidFill>
+                  <a:srgbClr val="000000"/>
+                </a:solidFill>
+                <a:highlight>
+                  <a:srgbClr val="E8F2FE"/>
+                </a:highlight>
+                <a:latin typeface="Courier New" panose="02070309020205020404" pitchFamily="49" charset="0"/>
+              </a:rPr>
+              <a:t>a</a:t>
+            </a:r>
+            <a:r>
+              <a:rPr lang="en-US" sz="1100" dirty="0" smtClean="0">
+                <a:solidFill>
+                  <a:srgbClr val="000000"/>
+                </a:solidFill>
+                <a:highlight>
+                  <a:srgbClr val="E8F2FE"/>
+                </a:highlight>
+                <a:latin typeface="Courier New" panose="02070309020205020404" pitchFamily="49" charset="0"/>
+              </a:rPr>
+              <a:t>;</a:t>
+            </a:r>
+            <a:r>
+              <a:rPr lang="en-US" sz="1100" dirty="0" smtClean="0">
+                <a:latin typeface="Courier New" panose="02070309020205020404" pitchFamily="49" charset="0"/>
+              </a:rPr>
+              <a:t> </a:t>
+            </a:r>
+            <a:br>
+              <a:rPr lang="en-US" sz="1100" dirty="0" smtClean="0">
+                <a:latin typeface="Courier New" panose="02070309020205020404" pitchFamily="49" charset="0"/>
+              </a:rPr>
+            </a:br>
+            <a:r>
+              <a:rPr lang="en-US" sz="1100" dirty="0" smtClean="0">
+                <a:solidFill>
+                  <a:srgbClr val="3F7F5F"/>
+                </a:solidFill>
+                <a:highlight>
+                  <a:srgbClr val="E8F2FE"/>
+                </a:highlight>
+                <a:latin typeface="Courier New" panose="02070309020205020404" pitchFamily="49" charset="0"/>
+              </a:rPr>
+              <a:t>/*2.*/ </a:t>
+            </a:r>
+            <a:r>
+              <a:rPr lang="en-US" sz="1100" dirty="0" err="1" smtClean="0">
+                <a:solidFill>
+                  <a:srgbClr val="005032"/>
+                </a:solidFill>
+                <a:latin typeface="Courier New" panose="02070309020205020404" pitchFamily="49" charset="0"/>
+              </a:rPr>
+              <a:t>EnergyMinimizingStrategy</a:t>
+            </a:r>
+            <a:r>
+              <a:rPr lang="en-US" sz="1100" dirty="0" smtClean="0">
+                <a:solidFill>
+                  <a:srgbClr val="000000"/>
+                </a:solidFill>
+                <a:latin typeface="Courier New" panose="02070309020205020404" pitchFamily="49" charset="0"/>
+              </a:rPr>
+              <a:t> </a:t>
+            </a:r>
+            <a:r>
+              <a:rPr lang="en-US" sz="1100" dirty="0">
+                <a:solidFill>
+                  <a:srgbClr val="000000"/>
+                </a:solidFill>
+                <a:latin typeface="Courier New" panose="02070309020205020404" pitchFamily="49" charset="0"/>
+              </a:rPr>
+              <a:t>c = a</a:t>
+            </a:r>
+            <a:r>
+              <a:rPr lang="en-US" sz="1100" dirty="0" smtClean="0">
+                <a:solidFill>
+                  <a:srgbClr val="000000"/>
+                </a:solidFill>
+                <a:latin typeface="Courier New" panose="02070309020205020404" pitchFamily="49" charset="0"/>
+              </a:rPr>
+              <a:t>; </a:t>
+            </a:r>
+            <a:endParaRPr lang="en-US" sz="1100" dirty="0">
+              <a:latin typeface="Courier New" panose="02070309020205020404" pitchFamily="49" charset="0"/>
+            </a:endParaRPr>
+          </a:p>
+          <a:p>
+            <a:pPr algn="l"/>
+            <a:r>
+              <a:rPr lang="en-US" sz="1100" dirty="0" smtClean="0">
+                <a:solidFill>
+                  <a:srgbClr val="3F7F5F"/>
+                </a:solidFill>
+                <a:highlight>
+                  <a:srgbClr val="E8F2FE"/>
+                </a:highlight>
+                <a:latin typeface="Courier New" panose="02070309020205020404" pitchFamily="49" charset="0"/>
+              </a:rPr>
+              <a:t>/*3.*/ </a:t>
+            </a:r>
+            <a:r>
+              <a:rPr lang="en-US" sz="1100" dirty="0" err="1" smtClean="0">
+                <a:solidFill>
+                  <a:srgbClr val="005032"/>
+                </a:solidFill>
+                <a:latin typeface="Courier New" panose="02070309020205020404" pitchFamily="49" charset="0"/>
+              </a:rPr>
+              <a:t>EnergyMinimizingStrategy</a:t>
+            </a:r>
+            <a:r>
+              <a:rPr lang="en-US" sz="1100" dirty="0" smtClean="0">
+                <a:solidFill>
+                  <a:srgbClr val="000000"/>
+                </a:solidFill>
+                <a:latin typeface="Courier New" panose="02070309020205020404" pitchFamily="49" charset="0"/>
+              </a:rPr>
+              <a:t> </a:t>
+            </a:r>
+            <a:r>
+              <a:rPr lang="en-US" sz="1100" dirty="0">
+                <a:solidFill>
+                  <a:srgbClr val="000000"/>
+                </a:solidFill>
+                <a:latin typeface="Courier New" panose="02070309020205020404" pitchFamily="49" charset="0"/>
+              </a:rPr>
+              <a:t>b(a</a:t>
+            </a:r>
+            <a:r>
+              <a:rPr lang="en-US" sz="1100" dirty="0" smtClean="0">
+                <a:solidFill>
+                  <a:srgbClr val="000000"/>
+                </a:solidFill>
+                <a:latin typeface="Courier New" panose="02070309020205020404" pitchFamily="49" charset="0"/>
+              </a:rPr>
+              <a:t>);</a:t>
+            </a:r>
+          </a:p>
+          <a:p>
+            <a:pPr algn="l"/>
+            <a:r>
+              <a:rPr lang="en-US" sz="1100" dirty="0" smtClean="0">
+                <a:solidFill>
+                  <a:srgbClr val="3F7F5F"/>
+                </a:solidFill>
+                <a:highlight>
+                  <a:srgbClr val="E8F2FE"/>
+                </a:highlight>
+                <a:latin typeface="Courier New" panose="02070309020205020404" pitchFamily="49" charset="0"/>
+              </a:rPr>
+              <a:t>/*4.*/ </a:t>
+            </a:r>
+            <a:r>
+              <a:rPr lang="en-US" sz="1100" dirty="0" smtClean="0">
+                <a:solidFill>
+                  <a:srgbClr val="000000"/>
+                </a:solidFill>
+                <a:latin typeface="Courier New" panose="02070309020205020404" pitchFamily="49" charset="0"/>
+              </a:rPr>
+              <a:t>b </a:t>
+            </a:r>
+            <a:r>
+              <a:rPr lang="en-US" sz="1100" dirty="0">
+                <a:solidFill>
+                  <a:srgbClr val="000000"/>
+                </a:solidFill>
+                <a:latin typeface="Courier New" panose="02070309020205020404" pitchFamily="49" charset="0"/>
+              </a:rPr>
+              <a:t>= a</a:t>
+            </a:r>
+            <a:r>
+              <a:rPr lang="en-US" sz="1100" dirty="0" smtClean="0">
+                <a:solidFill>
+                  <a:srgbClr val="000000"/>
+                </a:solidFill>
+                <a:latin typeface="Courier New" panose="02070309020205020404" pitchFamily="49" charset="0"/>
+              </a:rPr>
+              <a:t>;</a:t>
+            </a:r>
+          </a:p>
+          <a:p>
+            <a:pPr algn="l"/>
+            <a:r>
+              <a:rPr lang="en-US" sz="1100" dirty="0" smtClean="0">
+                <a:solidFill>
+                  <a:srgbClr val="3F7F5F"/>
+                </a:solidFill>
+                <a:highlight>
+                  <a:srgbClr val="E8F2FE"/>
+                </a:highlight>
+                <a:latin typeface="Courier New" panose="02070309020205020404" pitchFamily="49" charset="0"/>
+              </a:rPr>
+              <a:t>/*5.*/ </a:t>
+            </a:r>
+            <a:r>
+              <a:rPr lang="en-US" sz="1100" dirty="0" err="1" smtClean="0">
+                <a:solidFill>
+                  <a:srgbClr val="005032"/>
+                </a:solidFill>
+                <a:highlight>
+                  <a:srgbClr val="E8F2FE"/>
+                </a:highlight>
+                <a:latin typeface="Courier New" panose="02070309020205020404" pitchFamily="49" charset="0"/>
+              </a:rPr>
+              <a:t>EnergyMinimizingStrategy</a:t>
+            </a:r>
+            <a:r>
+              <a:rPr lang="en-US" sz="1100" dirty="0" smtClean="0">
+                <a:solidFill>
+                  <a:srgbClr val="000000"/>
+                </a:solidFill>
+                <a:highlight>
+                  <a:srgbClr val="E8F2FE"/>
+                </a:highlight>
+                <a:latin typeface="Courier New" panose="02070309020205020404" pitchFamily="49" charset="0"/>
+              </a:rPr>
+              <a:t> </a:t>
+            </a:r>
+            <a:r>
+              <a:rPr lang="en-US" sz="1100" dirty="0">
+                <a:solidFill>
+                  <a:srgbClr val="000000"/>
+                </a:solidFill>
+                <a:highlight>
+                  <a:srgbClr val="E8F2FE"/>
+                </a:highlight>
+                <a:latin typeface="Courier New" panose="02070309020205020404" pitchFamily="49" charset="0"/>
+              </a:rPr>
+              <a:t>d = </a:t>
+            </a:r>
+            <a:r>
+              <a:rPr lang="en-US" sz="1100" dirty="0" smtClean="0">
+                <a:solidFill>
+                  <a:srgbClr val="000000"/>
+                </a:solidFill>
+                <a:highlight>
+                  <a:srgbClr val="E8F2FE"/>
+                </a:highlight>
+                <a:latin typeface="Courier New" panose="02070309020205020404" pitchFamily="49" charset="0"/>
+              </a:rPr>
+              <a:t/>
+            </a:r>
+            <a:br>
+              <a:rPr lang="en-US" sz="1100" dirty="0" smtClean="0">
+                <a:solidFill>
+                  <a:srgbClr val="000000"/>
+                </a:solidFill>
+                <a:highlight>
+                  <a:srgbClr val="E8F2FE"/>
+                </a:highlight>
+                <a:latin typeface="Courier New" panose="02070309020205020404" pitchFamily="49" charset="0"/>
+              </a:rPr>
+            </a:br>
+            <a:r>
+              <a:rPr lang="en-US" sz="1100" dirty="0" smtClean="0">
+                <a:solidFill>
+                  <a:srgbClr val="000000"/>
+                </a:solidFill>
+                <a:highlight>
+                  <a:srgbClr val="E8F2FE"/>
+                </a:highlight>
+                <a:latin typeface="Courier New" panose="02070309020205020404" pitchFamily="49" charset="0"/>
+              </a:rPr>
+              <a:t>           </a:t>
+            </a:r>
+            <a:r>
+              <a:rPr lang="en-US" sz="1100" dirty="0" err="1" smtClean="0">
+                <a:solidFill>
+                  <a:srgbClr val="005032"/>
+                </a:solidFill>
+                <a:highlight>
+                  <a:srgbClr val="E8F2FE"/>
+                </a:highlight>
+                <a:latin typeface="Courier New" panose="02070309020205020404" pitchFamily="49" charset="0"/>
+              </a:rPr>
+              <a:t>EnergyMinimizingStrategy</a:t>
+            </a:r>
+            <a:r>
+              <a:rPr lang="en-US" sz="1100" dirty="0">
+                <a:solidFill>
+                  <a:srgbClr val="000000"/>
+                </a:solidFill>
+                <a:highlight>
+                  <a:srgbClr val="E8F2FE"/>
+                </a:highlight>
+                <a:latin typeface="Courier New" panose="02070309020205020404" pitchFamily="49" charset="0"/>
+              </a:rPr>
+              <a:t>();</a:t>
+            </a:r>
+            <a:endParaRPr lang="en-US" sz="1100" dirty="0" smtClean="0">
+              <a:solidFill>
+                <a:srgbClr val="000000"/>
+              </a:solidFill>
+              <a:latin typeface="Courier New" panose="02070309020205020404" pitchFamily="49" charset="0"/>
+            </a:endParaRPr>
+          </a:p>
+          <a:p>
+            <a:pPr algn="l"/>
+            <a:r>
+              <a:rPr lang="en-US" sz="1100" b="1" dirty="0" smtClean="0">
+                <a:solidFill>
+                  <a:srgbClr val="000000"/>
+                </a:solidFill>
+                <a:latin typeface="Courier New" panose="02070309020205020404" pitchFamily="49" charset="0"/>
+              </a:rPr>
+              <a:t>}</a:t>
+            </a:r>
+            <a:endParaRPr lang="en-US" sz="1100" dirty="0"/>
+          </a:p>
+        </p:txBody>
+      </p:sp>
+      <p:sp>
+        <p:nvSpPr>
+          <p:cNvPr id="4" name="Pfeil nach rechts 3"/>
+          <p:cNvSpPr/>
+          <p:nvPr/>
+        </p:nvSpPr>
+        <p:spPr bwMode="auto">
+          <a:xfrm>
+            <a:off x="4211166" y="3730110"/>
+            <a:ext cx="720080" cy="504056"/>
+          </a:xfrm>
+          <a:prstGeom prst="rightArrow">
+            <a:avLst/>
+          </a:prstGeom>
+          <a:solidFill>
+            <a:schemeClr val="accent2"/>
+          </a:solidFill>
+          <a:ln>
+            <a:noFill/>
+          </a:ln>
+          <a:effectLst/>
+          <a:extLst/>
+        </p:spPr>
+        <p:txBody>
+          <a:bodyPr vert="horz" wrap="none" lIns="91440" tIns="45720" rIns="91440" bIns="45720" numCol="1" rtlCol="0" anchor="ctr" anchorCtr="0" compatLnSpc="1">
+            <a:prstTxWarp prst="textNoShape">
+              <a:avLst/>
+            </a:prstTxWarp>
+          </a:bodyPr>
+          <a:lstStyle/>
+          <a:p>
+            <a:pPr marL="0" marR="0" indent="0" algn="ctr" defTabSz="449263" rtl="0" eaLnBrk="1" fontAlgn="base" latinLnBrk="0" hangingPunct="1">
+              <a:lnSpc>
+                <a:spcPct val="93000"/>
+              </a:lnSpc>
+              <a:spcBef>
+                <a:spcPct val="0"/>
+              </a:spcBef>
+              <a:spcAft>
+                <a:spcPct val="0"/>
+              </a:spcAft>
+              <a:buClr>
+                <a:srgbClr val="000000"/>
+              </a:buClr>
+              <a:buSzPct val="100000"/>
+              <a:buFont typeface="Arial" charset="0"/>
+              <a:buNone/>
+              <a:tabLst/>
+            </a:pPr>
+            <a:endParaRPr kumimoji="0" lang="en-US" sz="1800" b="0" i="0" u="none" strike="noStrike" cap="none" normalizeH="0" baseline="0" smtClean="0">
+              <a:ln>
+                <a:noFill/>
+              </a:ln>
+              <a:solidFill>
+                <a:schemeClr val="tx1"/>
+              </a:solidFill>
+              <a:effectLst/>
+              <a:latin typeface="Arial" charset="0"/>
+              <a:ea typeface="Lucida Sans Unicode" pitchFamily="34" charset="0"/>
+              <a:cs typeface="Lucida Sans Unicode" pitchFamily="34" charset="0"/>
+            </a:endParaRPr>
+          </a:p>
+        </p:txBody>
+      </p:sp>
+      <p:sp>
+        <p:nvSpPr>
+          <p:cNvPr id="6" name="Textfeld 5"/>
+          <p:cNvSpPr txBox="1"/>
+          <p:nvPr/>
+        </p:nvSpPr>
+        <p:spPr>
+          <a:xfrm>
+            <a:off x="5724128" y="3068960"/>
+            <a:ext cx="3024336" cy="2296463"/>
+          </a:xfrm>
+          <a:prstGeom prst="rect">
+            <a:avLst/>
+          </a:prstGeom>
+          <a:noFill/>
+        </p:spPr>
+        <p:txBody>
+          <a:bodyPr wrap="square" rtlCol="0">
+            <a:spAutoFit/>
+          </a:bodyPr>
+          <a:lstStyle/>
+          <a:p>
+            <a:pPr algn="l"/>
+            <a:r>
+              <a:rPr lang="de-DE" sz="1400" b="1" dirty="0" smtClean="0">
+                <a:latin typeface="+mj-lt"/>
+                <a:cs typeface="Courier New" panose="02070309020205020404" pitchFamily="49" charset="0"/>
+              </a:rPr>
+              <a:t>Ausgabe:</a:t>
+            </a:r>
+            <a:r>
+              <a:rPr lang="de-DE" sz="1400" dirty="0" smtClean="0">
+                <a:latin typeface="Courier New" panose="02070309020205020404" pitchFamily="49" charset="0"/>
+                <a:cs typeface="Courier New" panose="02070309020205020404" pitchFamily="49" charset="0"/>
+              </a:rPr>
+              <a:t/>
+            </a:r>
+            <a:br>
+              <a:rPr lang="de-DE" sz="1400" dirty="0" smtClean="0">
+                <a:latin typeface="Courier New" panose="02070309020205020404" pitchFamily="49" charset="0"/>
+                <a:cs typeface="Courier New" panose="02070309020205020404" pitchFamily="49" charset="0"/>
+              </a:rPr>
+            </a:br>
+            <a:r>
+              <a:rPr lang="de-DE" sz="1400" dirty="0" smtClean="0">
+                <a:latin typeface="Courier New" panose="02070309020205020404" pitchFamily="49" charset="0"/>
+                <a:cs typeface="Courier New" panose="02070309020205020404" pitchFamily="49" charset="0"/>
+              </a:rPr>
+              <a:t/>
+            </a:r>
+            <a:br>
+              <a:rPr lang="de-DE" sz="1400" dirty="0" smtClean="0">
+                <a:latin typeface="Courier New" panose="02070309020205020404" pitchFamily="49" charset="0"/>
+                <a:cs typeface="Courier New" panose="02070309020205020404" pitchFamily="49" charset="0"/>
+              </a:rPr>
+            </a:br>
+            <a:r>
+              <a:rPr lang="de-DE" sz="1400" dirty="0" err="1" smtClean="0">
+                <a:latin typeface="Courier New" panose="02070309020205020404" pitchFamily="49" charset="0"/>
+                <a:cs typeface="Courier New" panose="02070309020205020404" pitchFamily="49" charset="0"/>
+              </a:rPr>
+              <a:t>Constructor</a:t>
+            </a:r>
+            <a:r>
+              <a:rPr lang="de-DE" sz="1400" dirty="0" smtClean="0">
+                <a:latin typeface="Courier New" panose="02070309020205020404" pitchFamily="49" charset="0"/>
+                <a:cs typeface="Courier New" panose="02070309020205020404" pitchFamily="49" charset="0"/>
+              </a:rPr>
+              <a:t> </a:t>
+            </a:r>
+            <a:r>
+              <a:rPr lang="de-DE" sz="1400" dirty="0" err="1" smtClean="0">
+                <a:latin typeface="Courier New" panose="02070309020205020404" pitchFamily="49" charset="0"/>
+                <a:cs typeface="Courier New" panose="02070309020205020404" pitchFamily="49" charset="0"/>
+              </a:rPr>
+              <a:t>called</a:t>
+            </a:r>
+            <a:r>
+              <a:rPr lang="de-DE" sz="1400" dirty="0" smtClean="0">
+                <a:latin typeface="Courier New" panose="02070309020205020404" pitchFamily="49" charset="0"/>
+                <a:cs typeface="Courier New" panose="02070309020205020404" pitchFamily="49" charset="0"/>
+              </a:rPr>
+              <a:t/>
+            </a:r>
+            <a:br>
+              <a:rPr lang="de-DE" sz="1400" dirty="0" smtClean="0">
+                <a:latin typeface="Courier New" panose="02070309020205020404" pitchFamily="49" charset="0"/>
+                <a:cs typeface="Courier New" panose="02070309020205020404" pitchFamily="49" charset="0"/>
+              </a:rPr>
+            </a:br>
+            <a:r>
+              <a:rPr lang="de-DE" sz="1400" dirty="0" smtClean="0">
+                <a:latin typeface="Courier New" panose="02070309020205020404" pitchFamily="49" charset="0"/>
+                <a:cs typeface="Courier New" panose="02070309020205020404" pitchFamily="49" charset="0"/>
+              </a:rPr>
+              <a:t/>
+            </a:r>
+            <a:br>
+              <a:rPr lang="de-DE" sz="1400" dirty="0" smtClean="0">
+                <a:latin typeface="Courier New" panose="02070309020205020404" pitchFamily="49" charset="0"/>
+                <a:cs typeface="Courier New" panose="02070309020205020404" pitchFamily="49" charset="0"/>
+              </a:rPr>
+            </a:br>
+            <a:r>
+              <a:rPr lang="de-DE" sz="1400" dirty="0" err="1" smtClean="0">
+                <a:latin typeface="Courier New" panose="02070309020205020404" pitchFamily="49" charset="0"/>
+                <a:cs typeface="Courier New" panose="02070309020205020404" pitchFamily="49" charset="0"/>
+              </a:rPr>
+              <a:t>Copy</a:t>
+            </a:r>
+            <a:r>
+              <a:rPr lang="de-DE" sz="1400" dirty="0" smtClean="0">
+                <a:latin typeface="Courier New" panose="02070309020205020404" pitchFamily="49" charset="0"/>
+                <a:cs typeface="Courier New" panose="02070309020205020404" pitchFamily="49" charset="0"/>
+              </a:rPr>
+              <a:t> </a:t>
+            </a:r>
+            <a:r>
+              <a:rPr lang="de-DE" sz="1400" dirty="0" err="1" smtClean="0">
+                <a:latin typeface="Courier New" panose="02070309020205020404" pitchFamily="49" charset="0"/>
+                <a:cs typeface="Courier New" panose="02070309020205020404" pitchFamily="49" charset="0"/>
+              </a:rPr>
+              <a:t>constructor</a:t>
+            </a:r>
+            <a:r>
+              <a:rPr lang="de-DE" sz="1400" dirty="0" smtClean="0">
+                <a:latin typeface="Courier New" panose="02070309020205020404" pitchFamily="49" charset="0"/>
+                <a:cs typeface="Courier New" panose="02070309020205020404" pitchFamily="49" charset="0"/>
+              </a:rPr>
+              <a:t> </a:t>
+            </a:r>
+            <a:r>
+              <a:rPr lang="de-DE" sz="1400" dirty="0" err="1" smtClean="0">
+                <a:latin typeface="Courier New" panose="02070309020205020404" pitchFamily="49" charset="0"/>
+                <a:cs typeface="Courier New" panose="02070309020205020404" pitchFamily="49" charset="0"/>
+              </a:rPr>
+              <a:t>called</a:t>
+            </a:r>
+            <a:r>
+              <a:rPr lang="de-DE" sz="1400" dirty="0" smtClean="0">
+                <a:latin typeface="Courier New" panose="02070309020205020404" pitchFamily="49" charset="0"/>
+                <a:cs typeface="Courier New" panose="02070309020205020404" pitchFamily="49" charset="0"/>
+              </a:rPr>
+              <a:t/>
+            </a:r>
+            <a:br>
+              <a:rPr lang="de-DE" sz="1400" dirty="0" smtClean="0">
+                <a:latin typeface="Courier New" panose="02070309020205020404" pitchFamily="49" charset="0"/>
+                <a:cs typeface="Courier New" panose="02070309020205020404" pitchFamily="49" charset="0"/>
+              </a:rPr>
+            </a:br>
+            <a:r>
+              <a:rPr lang="de-DE" sz="1400" dirty="0" smtClean="0">
+                <a:latin typeface="Courier New" panose="02070309020205020404" pitchFamily="49" charset="0"/>
+                <a:cs typeface="Courier New" panose="02070309020205020404" pitchFamily="49" charset="0"/>
+              </a:rPr>
+              <a:t/>
+            </a:r>
+            <a:br>
+              <a:rPr lang="de-DE" sz="1400" dirty="0" smtClean="0">
+                <a:latin typeface="Courier New" panose="02070309020205020404" pitchFamily="49" charset="0"/>
+                <a:cs typeface="Courier New" panose="02070309020205020404" pitchFamily="49" charset="0"/>
+              </a:rPr>
+            </a:br>
+            <a:r>
+              <a:rPr lang="de-DE" sz="1400" dirty="0" err="1" smtClean="0">
+                <a:latin typeface="Courier New" panose="02070309020205020404" pitchFamily="49" charset="0"/>
+                <a:cs typeface="Courier New" panose="02070309020205020404" pitchFamily="49" charset="0"/>
+              </a:rPr>
+              <a:t>Copy</a:t>
+            </a:r>
+            <a:r>
+              <a:rPr lang="de-DE" sz="1400" dirty="0" smtClean="0">
+                <a:latin typeface="Courier New" panose="02070309020205020404" pitchFamily="49" charset="0"/>
+                <a:cs typeface="Courier New" panose="02070309020205020404" pitchFamily="49" charset="0"/>
+              </a:rPr>
+              <a:t> </a:t>
+            </a:r>
+            <a:r>
+              <a:rPr lang="de-DE" sz="1400" dirty="0" err="1" smtClean="0">
+                <a:latin typeface="Courier New" panose="02070309020205020404" pitchFamily="49" charset="0"/>
+                <a:cs typeface="Courier New" panose="02070309020205020404" pitchFamily="49" charset="0"/>
+              </a:rPr>
+              <a:t>constructor</a:t>
+            </a:r>
+            <a:r>
+              <a:rPr lang="de-DE" sz="1400" dirty="0" smtClean="0">
+                <a:latin typeface="Courier New" panose="02070309020205020404" pitchFamily="49" charset="0"/>
+                <a:cs typeface="Courier New" panose="02070309020205020404" pitchFamily="49" charset="0"/>
+              </a:rPr>
+              <a:t> </a:t>
+            </a:r>
+            <a:r>
+              <a:rPr lang="de-DE" sz="1400" dirty="0" err="1" smtClean="0">
+                <a:latin typeface="Courier New" panose="02070309020205020404" pitchFamily="49" charset="0"/>
+                <a:cs typeface="Courier New" panose="02070309020205020404" pitchFamily="49" charset="0"/>
+              </a:rPr>
+              <a:t>called</a:t>
+            </a:r>
+            <a:r>
+              <a:rPr lang="de-DE" sz="1400" dirty="0" smtClean="0">
+                <a:latin typeface="Courier New" panose="02070309020205020404" pitchFamily="49" charset="0"/>
+                <a:cs typeface="Courier New" panose="02070309020205020404" pitchFamily="49" charset="0"/>
+              </a:rPr>
+              <a:t/>
+            </a:r>
+            <a:br>
+              <a:rPr lang="de-DE" sz="1400" dirty="0" smtClean="0">
+                <a:latin typeface="Courier New" panose="02070309020205020404" pitchFamily="49" charset="0"/>
+                <a:cs typeface="Courier New" panose="02070309020205020404" pitchFamily="49" charset="0"/>
+              </a:rPr>
+            </a:br>
+            <a:endParaRPr lang="de-DE" sz="1400" dirty="0" smtClean="0">
+              <a:latin typeface="Courier New" panose="02070309020205020404" pitchFamily="49" charset="0"/>
+              <a:cs typeface="Courier New" panose="02070309020205020404" pitchFamily="49" charset="0"/>
+            </a:endParaRPr>
+          </a:p>
+          <a:p>
+            <a:pPr algn="l"/>
+            <a:r>
+              <a:rPr lang="en-US" sz="1400" dirty="0" smtClean="0">
+                <a:solidFill>
+                  <a:srgbClr val="000000"/>
+                </a:solidFill>
+                <a:latin typeface="Courier New" panose="02070309020205020404" pitchFamily="49" charset="0"/>
+              </a:rPr>
+              <a:t>operator</a:t>
+            </a:r>
+            <a:r>
+              <a:rPr lang="en-US" sz="1400" dirty="0">
+                <a:solidFill>
+                  <a:srgbClr val="000000"/>
+                </a:solidFill>
+                <a:latin typeface="Courier New" panose="02070309020205020404" pitchFamily="49" charset="0"/>
+              </a:rPr>
+              <a:t>= </a:t>
+            </a:r>
+            <a:r>
+              <a:rPr lang="en-US" sz="1400" dirty="0" smtClean="0">
+                <a:solidFill>
+                  <a:srgbClr val="000000"/>
+                </a:solidFill>
+                <a:latin typeface="Courier New" panose="02070309020205020404" pitchFamily="49" charset="0"/>
+              </a:rPr>
+              <a:t>called</a:t>
+            </a:r>
+            <a:r>
+              <a:rPr lang="en-US" sz="1400" dirty="0" smtClean="0">
+                <a:latin typeface="Courier New" panose="02070309020205020404" pitchFamily="49" charset="0"/>
+                <a:cs typeface="Courier New" panose="02070309020205020404" pitchFamily="49" charset="0"/>
+              </a:rPr>
+              <a:t/>
+            </a:r>
+            <a:br>
+              <a:rPr lang="en-US" sz="1400" dirty="0" smtClean="0">
+                <a:latin typeface="Courier New" panose="02070309020205020404" pitchFamily="49" charset="0"/>
+                <a:cs typeface="Courier New" panose="02070309020205020404" pitchFamily="49" charset="0"/>
+              </a:rPr>
+            </a:br>
+            <a:endParaRPr lang="en-US" sz="1400" dirty="0" smtClean="0">
+              <a:latin typeface="Courier New" panose="02070309020205020404" pitchFamily="49" charset="0"/>
+              <a:cs typeface="Courier New" panose="02070309020205020404" pitchFamily="49" charset="0"/>
+            </a:endParaRPr>
+          </a:p>
+          <a:p>
+            <a:pPr algn="l"/>
+            <a:r>
+              <a:rPr lang="de-DE" sz="1400" dirty="0" err="1" smtClean="0">
+                <a:solidFill>
+                  <a:srgbClr val="000000"/>
+                </a:solidFill>
+                <a:latin typeface="Courier New" panose="02070309020205020404" pitchFamily="49" charset="0"/>
+                <a:cs typeface="Courier New" panose="02070309020205020404" pitchFamily="49" charset="0"/>
+              </a:rPr>
+              <a:t>Constructor</a:t>
+            </a:r>
+            <a:r>
+              <a:rPr lang="de-DE" sz="1400" dirty="0" smtClean="0">
+                <a:solidFill>
+                  <a:srgbClr val="000000"/>
+                </a:solidFill>
+                <a:latin typeface="Courier New" panose="02070309020205020404" pitchFamily="49" charset="0"/>
+                <a:cs typeface="Courier New" panose="02070309020205020404" pitchFamily="49" charset="0"/>
+              </a:rPr>
+              <a:t> </a:t>
+            </a:r>
+            <a:r>
+              <a:rPr lang="de-DE" sz="1400" dirty="0" err="1" smtClean="0">
+                <a:solidFill>
+                  <a:srgbClr val="000000"/>
+                </a:solidFill>
+                <a:latin typeface="Courier New" panose="02070309020205020404" pitchFamily="49" charset="0"/>
+                <a:cs typeface="Courier New" panose="02070309020205020404" pitchFamily="49" charset="0"/>
+              </a:rPr>
+              <a:t>called</a:t>
+            </a:r>
+            <a:endParaRPr lang="en-US" sz="1400" dirty="0" smtClean="0">
+              <a:solidFill>
+                <a:srgbClr val="000000"/>
+              </a:solidFill>
+              <a:latin typeface="Courier New" panose="02070309020205020404" pitchFamily="49" charset="0"/>
+            </a:endParaRPr>
+          </a:p>
+        </p:txBody>
+      </p:sp>
+      <p:sp>
+        <p:nvSpPr>
+          <p:cNvPr id="7" name="Ellipse 6"/>
+          <p:cNvSpPr/>
+          <p:nvPr/>
+        </p:nvSpPr>
+        <p:spPr bwMode="auto">
+          <a:xfrm>
+            <a:off x="5364088" y="3402624"/>
+            <a:ext cx="360040" cy="360040"/>
+          </a:xfrm>
+          <a:prstGeom prst="ellipse">
+            <a:avLst/>
+          </a:prstGeom>
+          <a:solidFill>
+            <a:schemeClr val="tx1"/>
+          </a:solidFill>
+          <a:ln>
+            <a:noFill/>
+          </a:ln>
+          <a:effectLst>
+            <a:outerShdw blurRad="50800" dist="38100" dir="5400000" algn="t" rotWithShape="0">
+              <a:prstClr val="black">
+                <a:alpha val="40000"/>
+              </a:prstClr>
+            </a:outerShdw>
+          </a:effectLst>
+          <a:extLst/>
+        </p:spPr>
+        <p:txBody>
+          <a:bodyPr vert="horz" wrap="none" lIns="91440" tIns="45720" rIns="91440" bIns="45720" numCol="1" rtlCol="0" anchor="ctr" anchorCtr="0" compatLnSpc="1">
+            <a:prstTxWarp prst="textNoShape">
+              <a:avLst/>
+            </a:prstTxWarp>
+          </a:bodyPr>
+          <a:lstStyle/>
+          <a:p>
+            <a:pPr marL="0" marR="0" indent="0" algn="ctr" defTabSz="449263" rtl="0" eaLnBrk="1" fontAlgn="base" latinLnBrk="0" hangingPunct="1">
+              <a:lnSpc>
+                <a:spcPct val="93000"/>
+              </a:lnSpc>
+              <a:spcBef>
+                <a:spcPct val="0"/>
+              </a:spcBef>
+              <a:spcAft>
+                <a:spcPct val="0"/>
+              </a:spcAft>
+              <a:buClr>
+                <a:srgbClr val="000000"/>
+              </a:buClr>
+              <a:buSzPct val="100000"/>
+              <a:buFont typeface="Arial" charset="0"/>
+              <a:buNone/>
+              <a:tabLst/>
+            </a:pPr>
+            <a:r>
+              <a:rPr kumimoji="0" lang="de-DE" sz="1800" b="0" i="0" u="none" strike="noStrike" cap="none" normalizeH="0" baseline="0" dirty="0" smtClean="0">
+                <a:ln>
+                  <a:noFill/>
+                </a:ln>
+                <a:solidFill>
+                  <a:schemeClr val="bg1"/>
+                </a:solidFill>
+                <a:effectLst/>
+                <a:latin typeface="Arial" charset="0"/>
+                <a:ea typeface="Lucida Sans Unicode" pitchFamily="34" charset="0"/>
+                <a:cs typeface="Lucida Sans Unicode" pitchFamily="34" charset="0"/>
+              </a:rPr>
+              <a:t>1</a:t>
+            </a:r>
+            <a:endParaRPr kumimoji="0" lang="en-US" sz="1800" b="0" i="0" u="none" strike="noStrike" cap="none" normalizeH="0" baseline="0" dirty="0" smtClean="0">
+              <a:ln>
+                <a:noFill/>
+              </a:ln>
+              <a:solidFill>
+                <a:schemeClr val="bg1"/>
+              </a:solidFill>
+              <a:effectLst/>
+              <a:latin typeface="Arial" charset="0"/>
+              <a:ea typeface="Lucida Sans Unicode" pitchFamily="34" charset="0"/>
+              <a:cs typeface="Lucida Sans Unicode" pitchFamily="34" charset="0"/>
+            </a:endParaRPr>
+          </a:p>
+        </p:txBody>
+      </p:sp>
+      <p:sp>
+        <p:nvSpPr>
+          <p:cNvPr id="11" name="Ellipse 10"/>
+          <p:cNvSpPr/>
+          <p:nvPr/>
+        </p:nvSpPr>
+        <p:spPr bwMode="auto">
+          <a:xfrm>
+            <a:off x="5364088" y="3816809"/>
+            <a:ext cx="360040" cy="360040"/>
+          </a:xfrm>
+          <a:prstGeom prst="ellipse">
+            <a:avLst/>
+          </a:prstGeom>
+          <a:solidFill>
+            <a:schemeClr val="tx1"/>
+          </a:solidFill>
+          <a:ln>
+            <a:noFill/>
+          </a:ln>
+          <a:effectLst>
+            <a:outerShdw blurRad="50800" dist="38100" dir="5400000" algn="t" rotWithShape="0">
+              <a:prstClr val="black">
+                <a:alpha val="40000"/>
+              </a:prstClr>
+            </a:outerShdw>
+          </a:effectLst>
+          <a:extLst/>
+        </p:spPr>
+        <p:txBody>
+          <a:bodyPr vert="horz" wrap="none" lIns="91440" tIns="45720" rIns="91440" bIns="45720" numCol="1" rtlCol="0" anchor="ctr" anchorCtr="0" compatLnSpc="1">
+            <a:prstTxWarp prst="textNoShape">
+              <a:avLst/>
+            </a:prstTxWarp>
+          </a:bodyPr>
+          <a:lstStyle/>
+          <a:p>
+            <a:pPr marL="0" marR="0" indent="0" algn="ctr" defTabSz="449263" rtl="0" eaLnBrk="1" fontAlgn="base" latinLnBrk="0" hangingPunct="1">
+              <a:lnSpc>
+                <a:spcPct val="93000"/>
+              </a:lnSpc>
+              <a:spcBef>
+                <a:spcPct val="0"/>
+              </a:spcBef>
+              <a:spcAft>
+                <a:spcPct val="0"/>
+              </a:spcAft>
+              <a:buClr>
+                <a:srgbClr val="000000"/>
+              </a:buClr>
+              <a:buSzPct val="100000"/>
+              <a:buFont typeface="Arial" charset="0"/>
+              <a:buNone/>
+              <a:tabLst/>
+            </a:pPr>
+            <a:r>
+              <a:rPr kumimoji="0" lang="de-DE" sz="1800" b="0" i="0" u="none" strike="noStrike" cap="none" normalizeH="0" baseline="0" dirty="0" smtClean="0">
+                <a:ln>
+                  <a:noFill/>
+                </a:ln>
+                <a:solidFill>
+                  <a:schemeClr val="bg1"/>
+                </a:solidFill>
+                <a:effectLst/>
+                <a:latin typeface="Arial" charset="0"/>
+                <a:ea typeface="Lucida Sans Unicode" pitchFamily="34" charset="0"/>
+                <a:cs typeface="Lucida Sans Unicode" pitchFamily="34" charset="0"/>
+              </a:rPr>
+              <a:t>2</a:t>
+            </a:r>
+            <a:endParaRPr kumimoji="0" lang="en-US" sz="1800" b="0" i="0" u="none" strike="noStrike" cap="none" normalizeH="0" baseline="0" dirty="0" smtClean="0">
+              <a:ln>
+                <a:noFill/>
+              </a:ln>
+              <a:solidFill>
+                <a:schemeClr val="bg1"/>
+              </a:solidFill>
+              <a:effectLst/>
+              <a:latin typeface="Arial" charset="0"/>
+              <a:ea typeface="Lucida Sans Unicode" pitchFamily="34" charset="0"/>
+              <a:cs typeface="Lucida Sans Unicode" pitchFamily="34" charset="0"/>
+            </a:endParaRPr>
+          </a:p>
+        </p:txBody>
+      </p:sp>
+      <p:sp>
+        <p:nvSpPr>
+          <p:cNvPr id="12" name="Ellipse 11"/>
+          <p:cNvSpPr/>
+          <p:nvPr/>
+        </p:nvSpPr>
+        <p:spPr bwMode="auto">
+          <a:xfrm>
+            <a:off x="5364088" y="4222202"/>
+            <a:ext cx="360040" cy="360040"/>
+          </a:xfrm>
+          <a:prstGeom prst="ellipse">
+            <a:avLst/>
+          </a:prstGeom>
+          <a:solidFill>
+            <a:schemeClr val="tx1"/>
+          </a:solidFill>
+          <a:ln>
+            <a:noFill/>
+          </a:ln>
+          <a:effectLst>
+            <a:outerShdw blurRad="50800" dist="38100" dir="5400000" algn="t" rotWithShape="0">
+              <a:prstClr val="black">
+                <a:alpha val="40000"/>
+              </a:prstClr>
+            </a:outerShdw>
+          </a:effectLst>
+          <a:extLst/>
+        </p:spPr>
+        <p:txBody>
+          <a:bodyPr vert="horz" wrap="none" lIns="91440" tIns="45720" rIns="91440" bIns="45720" numCol="1" rtlCol="0" anchor="ctr" anchorCtr="0" compatLnSpc="1">
+            <a:prstTxWarp prst="textNoShape">
+              <a:avLst/>
+            </a:prstTxWarp>
+          </a:bodyPr>
+          <a:lstStyle/>
+          <a:p>
+            <a:pPr marL="0" marR="0" indent="0" algn="ctr" defTabSz="449263" rtl="0" eaLnBrk="1" fontAlgn="base" latinLnBrk="0" hangingPunct="1">
+              <a:lnSpc>
+                <a:spcPct val="93000"/>
+              </a:lnSpc>
+              <a:spcBef>
+                <a:spcPct val="0"/>
+              </a:spcBef>
+              <a:spcAft>
+                <a:spcPct val="0"/>
+              </a:spcAft>
+              <a:buClr>
+                <a:srgbClr val="000000"/>
+              </a:buClr>
+              <a:buSzPct val="100000"/>
+              <a:buFont typeface="Arial" charset="0"/>
+              <a:buNone/>
+              <a:tabLst/>
+            </a:pPr>
+            <a:r>
+              <a:rPr kumimoji="0" lang="de-DE" sz="1800" b="0" i="0" u="none" strike="noStrike" cap="none" normalizeH="0" baseline="0" dirty="0" smtClean="0">
+                <a:ln>
+                  <a:noFill/>
+                </a:ln>
+                <a:solidFill>
+                  <a:schemeClr val="bg1"/>
+                </a:solidFill>
+                <a:effectLst/>
+                <a:latin typeface="Arial" charset="0"/>
+                <a:ea typeface="Lucida Sans Unicode" pitchFamily="34" charset="0"/>
+                <a:cs typeface="Lucida Sans Unicode" pitchFamily="34" charset="0"/>
+              </a:rPr>
+              <a:t>3</a:t>
+            </a:r>
+            <a:endParaRPr kumimoji="0" lang="en-US" sz="1800" b="0" i="0" u="none" strike="noStrike" cap="none" normalizeH="0" baseline="0" dirty="0" smtClean="0">
+              <a:ln>
+                <a:noFill/>
+              </a:ln>
+              <a:solidFill>
+                <a:schemeClr val="bg1"/>
+              </a:solidFill>
+              <a:effectLst/>
+              <a:latin typeface="Arial" charset="0"/>
+              <a:ea typeface="Lucida Sans Unicode" pitchFamily="34" charset="0"/>
+              <a:cs typeface="Lucida Sans Unicode" pitchFamily="34" charset="0"/>
+            </a:endParaRPr>
+          </a:p>
+        </p:txBody>
+      </p:sp>
+      <p:sp>
+        <p:nvSpPr>
+          <p:cNvPr id="14" name="Ellipse 13"/>
+          <p:cNvSpPr/>
+          <p:nvPr/>
+        </p:nvSpPr>
+        <p:spPr bwMode="auto">
+          <a:xfrm>
+            <a:off x="5364088" y="4620605"/>
+            <a:ext cx="360040" cy="360040"/>
+          </a:xfrm>
+          <a:prstGeom prst="ellipse">
+            <a:avLst/>
+          </a:prstGeom>
+          <a:solidFill>
+            <a:schemeClr val="tx1"/>
+          </a:solidFill>
+          <a:ln>
+            <a:noFill/>
+          </a:ln>
+          <a:effectLst>
+            <a:outerShdw blurRad="50800" dist="38100" dir="5400000" algn="t" rotWithShape="0">
+              <a:prstClr val="black">
+                <a:alpha val="40000"/>
+              </a:prstClr>
+            </a:outerShdw>
+          </a:effectLst>
+          <a:extLst/>
+        </p:spPr>
+        <p:txBody>
+          <a:bodyPr vert="horz" wrap="none" lIns="91440" tIns="45720" rIns="91440" bIns="45720" numCol="1" rtlCol="0" anchor="ctr" anchorCtr="0" compatLnSpc="1">
+            <a:prstTxWarp prst="textNoShape">
+              <a:avLst/>
+            </a:prstTxWarp>
+          </a:bodyPr>
+          <a:lstStyle/>
+          <a:p>
+            <a:pPr marL="0" marR="0" indent="0" algn="ctr" defTabSz="449263" rtl="0" eaLnBrk="1" fontAlgn="base" latinLnBrk="0" hangingPunct="1">
+              <a:lnSpc>
+                <a:spcPct val="93000"/>
+              </a:lnSpc>
+              <a:spcBef>
+                <a:spcPct val="0"/>
+              </a:spcBef>
+              <a:spcAft>
+                <a:spcPct val="0"/>
+              </a:spcAft>
+              <a:buClr>
+                <a:srgbClr val="000000"/>
+              </a:buClr>
+              <a:buSzPct val="100000"/>
+              <a:buFont typeface="Arial" charset="0"/>
+              <a:buNone/>
+              <a:tabLst/>
+            </a:pPr>
+            <a:r>
+              <a:rPr lang="de-DE" dirty="0">
+                <a:solidFill>
+                  <a:schemeClr val="bg1"/>
+                </a:solidFill>
+              </a:rPr>
+              <a:t>4</a:t>
+            </a:r>
+            <a:endParaRPr kumimoji="0" lang="en-US" sz="1800" b="0" i="0" u="none" strike="noStrike" cap="none" normalizeH="0" baseline="0" dirty="0" smtClean="0">
+              <a:ln>
+                <a:noFill/>
+              </a:ln>
+              <a:solidFill>
+                <a:schemeClr val="bg1"/>
+              </a:solidFill>
+              <a:effectLst/>
+              <a:latin typeface="Arial" charset="0"/>
+              <a:ea typeface="Lucida Sans Unicode" pitchFamily="34" charset="0"/>
+              <a:cs typeface="Lucida Sans Unicode" pitchFamily="34" charset="0"/>
+            </a:endParaRPr>
+          </a:p>
+        </p:txBody>
+      </p:sp>
+      <p:sp>
+        <p:nvSpPr>
+          <p:cNvPr id="15" name="Ellipse 14"/>
+          <p:cNvSpPr/>
+          <p:nvPr/>
+        </p:nvSpPr>
+        <p:spPr bwMode="auto">
+          <a:xfrm>
+            <a:off x="5374773" y="5008811"/>
+            <a:ext cx="360040" cy="360040"/>
+          </a:xfrm>
+          <a:prstGeom prst="ellipse">
+            <a:avLst/>
+          </a:prstGeom>
+          <a:solidFill>
+            <a:schemeClr val="tx1"/>
+          </a:solidFill>
+          <a:ln>
+            <a:noFill/>
+          </a:ln>
+          <a:effectLst>
+            <a:outerShdw blurRad="50800" dist="38100" dir="5400000" algn="t" rotWithShape="0">
+              <a:prstClr val="black">
+                <a:alpha val="40000"/>
+              </a:prstClr>
+            </a:outerShdw>
+          </a:effectLst>
+          <a:extLst/>
+        </p:spPr>
+        <p:txBody>
+          <a:bodyPr vert="horz" wrap="none" lIns="91440" tIns="45720" rIns="91440" bIns="45720" numCol="1" rtlCol="0" anchor="ctr" anchorCtr="0" compatLnSpc="1">
+            <a:prstTxWarp prst="textNoShape">
+              <a:avLst/>
+            </a:prstTxWarp>
+          </a:bodyPr>
+          <a:lstStyle/>
+          <a:p>
+            <a:pPr marL="0" marR="0" indent="0" algn="ctr" defTabSz="449263" rtl="0" eaLnBrk="1" fontAlgn="base" latinLnBrk="0" hangingPunct="1">
+              <a:lnSpc>
+                <a:spcPct val="93000"/>
+              </a:lnSpc>
+              <a:spcBef>
+                <a:spcPct val="0"/>
+              </a:spcBef>
+              <a:spcAft>
+                <a:spcPct val="0"/>
+              </a:spcAft>
+              <a:buClr>
+                <a:srgbClr val="000000"/>
+              </a:buClr>
+              <a:buSzPct val="100000"/>
+              <a:buFont typeface="Arial" charset="0"/>
+              <a:buNone/>
+              <a:tabLst/>
+            </a:pPr>
+            <a:r>
+              <a:rPr lang="de-DE" dirty="0" smtClean="0">
+                <a:solidFill>
+                  <a:schemeClr val="bg1"/>
+                </a:solidFill>
+              </a:rPr>
+              <a:t>5</a:t>
+            </a:r>
+            <a:endParaRPr kumimoji="0" lang="en-US" sz="1800" b="0" i="0" u="none" strike="noStrike" cap="none" normalizeH="0" baseline="0" dirty="0" smtClean="0">
+              <a:ln>
+                <a:noFill/>
+              </a:ln>
+              <a:solidFill>
+                <a:schemeClr val="bg1"/>
+              </a:solidFill>
+              <a:effectLst/>
+              <a:latin typeface="Arial" charset="0"/>
+              <a:ea typeface="Lucida Sans Unicode" pitchFamily="34" charset="0"/>
+              <a:cs typeface="Lucida Sans Unicode" pitchFamily="34" charset="0"/>
+            </a:endParaRPr>
+          </a:p>
+        </p:txBody>
+      </p:sp>
+      <p:sp>
+        <p:nvSpPr>
+          <p:cNvPr id="16" name="Abgerundete rechteckige Legende 15"/>
+          <p:cNvSpPr/>
+          <p:nvPr/>
+        </p:nvSpPr>
+        <p:spPr>
+          <a:xfrm>
+            <a:off x="5076056" y="5505393"/>
+            <a:ext cx="2736304" cy="351163"/>
+          </a:xfrm>
+          <a:prstGeom prst="wedgeRoundRectCallout">
+            <a:avLst>
+              <a:gd name="adj1" fmla="val -17964"/>
+              <a:gd name="adj2" fmla="val -97787"/>
+              <a:gd name="adj3" fmla="val 16667"/>
+            </a:avLst>
+          </a:prstGeom>
+          <a:ln/>
+        </p:spPr>
+        <p:style>
+          <a:lnRef idx="1">
+            <a:schemeClr val="dk1"/>
+          </a:lnRef>
+          <a:fillRef idx="3">
+            <a:schemeClr val="dk1"/>
+          </a:fillRef>
+          <a:effectRef idx="2">
+            <a:schemeClr val="dk1"/>
+          </a:effectRef>
+          <a:fontRef idx="minor">
+            <a:schemeClr val="lt1"/>
+          </a:fontRef>
+        </p:style>
+        <p:txBody>
+          <a:bodyPr anchor="ctr"/>
+          <a:lstStyle/>
+          <a:p>
+            <a:pPr>
+              <a:defRPr/>
+            </a:pPr>
+            <a:r>
+              <a:rPr lang="de-DE" dirty="0" err="1" smtClean="0">
+                <a:solidFill>
+                  <a:schemeClr val="bg1"/>
+                </a:solidFill>
+              </a:rPr>
+              <a:t>Copy</a:t>
+            </a:r>
+            <a:r>
+              <a:rPr lang="de-DE" dirty="0" smtClean="0">
+                <a:solidFill>
+                  <a:schemeClr val="bg1"/>
+                </a:solidFill>
+              </a:rPr>
+              <a:t> </a:t>
+            </a:r>
+            <a:r>
+              <a:rPr lang="de-DE" dirty="0" err="1" smtClean="0">
+                <a:solidFill>
+                  <a:schemeClr val="bg1"/>
+                </a:solidFill>
+              </a:rPr>
+              <a:t>Constructor</a:t>
+            </a:r>
+            <a:r>
+              <a:rPr lang="de-DE" dirty="0" smtClean="0">
+                <a:solidFill>
+                  <a:schemeClr val="bg1"/>
+                </a:solidFill>
+              </a:rPr>
+              <a:t> Elision</a:t>
+            </a:r>
+            <a:endParaRPr lang="de-DE" dirty="0">
+              <a:solidFill>
+                <a:schemeClr val="bg1"/>
+              </a:solidFill>
+            </a:endParaRPr>
+          </a:p>
+        </p:txBody>
+      </p:sp>
+      <p:sp>
+        <p:nvSpPr>
+          <p:cNvPr id="17" name="Abgerundete rechteckige Legende 16"/>
+          <p:cNvSpPr/>
+          <p:nvPr/>
+        </p:nvSpPr>
+        <p:spPr>
+          <a:xfrm>
+            <a:off x="5076056" y="5955043"/>
+            <a:ext cx="3540523" cy="520822"/>
+          </a:xfrm>
+          <a:prstGeom prst="wedgeRoundRectCallout">
+            <a:avLst>
+              <a:gd name="adj1" fmla="val -24420"/>
+              <a:gd name="adj2" fmla="val -65712"/>
+              <a:gd name="adj3" fmla="val 16667"/>
+            </a:avLst>
+          </a:prstGeom>
+          <a:ln/>
+        </p:spPr>
+        <p:style>
+          <a:lnRef idx="1">
+            <a:schemeClr val="dk1"/>
+          </a:lnRef>
+          <a:fillRef idx="3">
+            <a:schemeClr val="dk1"/>
+          </a:fillRef>
+          <a:effectRef idx="2">
+            <a:schemeClr val="dk1"/>
+          </a:effectRef>
+          <a:fontRef idx="minor">
+            <a:schemeClr val="lt1"/>
+          </a:fontRef>
+        </p:style>
+        <p:txBody>
+          <a:bodyPr anchor="ctr"/>
+          <a:lstStyle/>
+          <a:p>
+            <a:pPr>
+              <a:defRPr/>
+            </a:pPr>
+            <a:r>
+              <a:rPr lang="de-DE" dirty="0" smtClean="0">
+                <a:solidFill>
+                  <a:schemeClr val="bg1"/>
+                </a:solidFill>
+              </a:rPr>
+              <a:t>Mit </a:t>
+            </a:r>
+            <a:r>
+              <a:rPr lang="de-DE" i="1" dirty="0" smtClean="0">
+                <a:solidFill>
+                  <a:schemeClr val="bg1"/>
+                </a:solidFill>
+              </a:rPr>
+              <a:t>–</a:t>
+            </a:r>
+            <a:r>
+              <a:rPr lang="de-DE" i="1" dirty="0" err="1" smtClean="0">
+                <a:solidFill>
+                  <a:schemeClr val="bg1"/>
+                </a:solidFill>
+              </a:rPr>
+              <a:t>fno-elide-constructors</a:t>
+            </a:r>
+            <a:r>
+              <a:rPr lang="de-DE" dirty="0" smtClean="0">
+                <a:solidFill>
+                  <a:schemeClr val="bg1"/>
+                </a:solidFill>
+              </a:rPr>
+              <a:t> wird tatsächlich kopiert.</a:t>
+            </a:r>
+            <a:endParaRPr lang="de-DE" dirty="0">
+              <a:solidFill>
+                <a:schemeClr val="bg1"/>
+              </a:solidFill>
+            </a:endParaRPr>
+          </a:p>
+        </p:txBody>
+      </p:sp>
+    </p:spTree>
+    <p:extLst>
+      <p:ext uri="{BB962C8B-B14F-4D97-AF65-F5344CB8AC3E}">
+        <p14:creationId xmlns:p14="http://schemas.microsoft.com/office/powerpoint/2010/main" val="851135471"/>
+      </p:ext>
+    </p:extLst>
+  </p:cSld>
+  <p:clrMapOvr>
+    <a:masterClrMapping/>
+  </p:clrMapOvr>
+  <p:timing>
+    <p:tnLst>
+      <p:par>
+        <p:cTn id="1" dur="indefinite" restart="never" nodeType="tmRoot">
+          <p:childTnLst>
+            <p:seq concurrent="1" nextAc="seek">
+              <p:cTn id="2" dur="indefinite" nodeType="mainSeq">
+                <p:childTnLst>
+                  <p:par>
+                    <p:cTn id="3" fill="hold">
+                      <p:stCondLst>
+                        <p:cond delay="indefinite"/>
+                      </p:stCondLst>
+                      <p:childTnLst>
+                        <p:par>
+                          <p:cTn id="4" fill="hold">
+                            <p:stCondLst>
+                              <p:cond delay="0"/>
+                            </p:stCondLst>
+                            <p:childTnLst>
+                              <p:par>
+                                <p:cTn id="5" presetID="10" presetClass="entr" presetSubtype="0" fill="hold" nodeType="clickEffect">
+                                  <p:stCondLst>
+                                    <p:cond delay="0"/>
+                                  </p:stCondLst>
+                                  <p:childTnLst>
+                                    <p:set>
+                                      <p:cBhvr>
+                                        <p:cTn id="6" dur="1" fill="hold">
+                                          <p:stCondLst>
+                                            <p:cond delay="0"/>
+                                          </p:stCondLst>
+                                        </p:cTn>
+                                        <p:tgtEl>
+                                          <p:spTgt spid="6">
+                                            <p:txEl>
+                                              <p:pRg st="1" end="1"/>
+                                            </p:txEl>
+                                          </p:spTgt>
+                                        </p:tgtEl>
+                                        <p:attrNameLst>
+                                          <p:attrName>style.visibility</p:attrName>
+                                        </p:attrNameLst>
+                                      </p:cBhvr>
+                                      <p:to>
+                                        <p:strVal val="visible"/>
+                                      </p:to>
+                                    </p:set>
+                                    <p:animEffect transition="in" filter="fade">
+                                      <p:cBhvr>
+                                        <p:cTn id="7" dur="500"/>
+                                        <p:tgtEl>
+                                          <p:spTgt spid="6">
+                                            <p:txEl>
+                                              <p:pRg st="1" end="1"/>
+                                            </p:txEl>
+                                          </p:spTgt>
+                                        </p:tgtEl>
+                                      </p:cBhvr>
+                                    </p:animEffect>
+                                  </p:childTnLst>
+                                </p:cTn>
+                              </p:par>
+                              <p:par>
+                                <p:cTn id="8" presetID="10" presetClass="entr" presetSubtype="0" fill="hold" grpId="0" nodeType="withEffect">
+                                  <p:stCondLst>
+                                    <p:cond delay="0"/>
+                                  </p:stCondLst>
+                                  <p:childTnLst>
+                                    <p:set>
+                                      <p:cBhvr>
+                                        <p:cTn id="9" dur="1" fill="hold">
+                                          <p:stCondLst>
+                                            <p:cond delay="0"/>
+                                          </p:stCondLst>
+                                        </p:cTn>
+                                        <p:tgtEl>
+                                          <p:spTgt spid="14"/>
+                                        </p:tgtEl>
+                                        <p:attrNameLst>
+                                          <p:attrName>style.visibility</p:attrName>
+                                        </p:attrNameLst>
+                                      </p:cBhvr>
+                                      <p:to>
+                                        <p:strVal val="visible"/>
+                                      </p:to>
+                                    </p:set>
+                                    <p:animEffect transition="in" filter="fade">
+                                      <p:cBhvr>
+                                        <p:cTn id="10" dur="500"/>
+                                        <p:tgtEl>
+                                          <p:spTgt spid="14"/>
+                                        </p:tgtEl>
+                                      </p:cBhvr>
+                                    </p:animEffect>
+                                  </p:childTnLst>
+                                </p:cTn>
+                              </p:par>
+                              <p:par>
+                                <p:cTn id="11" presetID="10" presetClass="entr" presetSubtype="0" fill="hold" nodeType="withEffect">
+                                  <p:stCondLst>
+                                    <p:cond delay="0"/>
+                                  </p:stCondLst>
+                                  <p:childTnLst>
+                                    <p:set>
+                                      <p:cBhvr>
+                                        <p:cTn id="12" dur="1" fill="hold">
+                                          <p:stCondLst>
+                                            <p:cond delay="0"/>
+                                          </p:stCondLst>
+                                        </p:cTn>
+                                        <p:tgtEl>
+                                          <p:spTgt spid="3">
+                                            <p:txEl>
+                                              <p:pRg st="15" end="15"/>
+                                            </p:txEl>
+                                          </p:spTgt>
+                                        </p:tgtEl>
+                                        <p:attrNameLst>
+                                          <p:attrName>style.visibility</p:attrName>
+                                        </p:attrNameLst>
+                                      </p:cBhvr>
+                                      <p:to>
+                                        <p:strVal val="visible"/>
+                                      </p:to>
+                                    </p:set>
+                                    <p:animEffect transition="in" filter="fade">
+                                      <p:cBhvr>
+                                        <p:cTn id="13" dur="500"/>
+                                        <p:tgtEl>
+                                          <p:spTgt spid="3">
+                                            <p:txEl>
+                                              <p:pRg st="15" end="15"/>
+                                            </p:txEl>
+                                          </p:spTgt>
+                                        </p:tgtEl>
+                                      </p:cBhvr>
+                                    </p:animEffect>
+                                  </p:childTnLst>
+                                </p:cTn>
+                              </p:par>
+                            </p:childTnLst>
+                          </p:cTn>
+                        </p:par>
+                      </p:childTnLst>
+                    </p:cTn>
+                  </p:par>
+                  <p:par>
+                    <p:cTn id="14" fill="hold">
+                      <p:stCondLst>
+                        <p:cond delay="indefinite"/>
+                      </p:stCondLst>
+                      <p:childTnLst>
+                        <p:par>
+                          <p:cTn id="15" fill="hold">
+                            <p:stCondLst>
+                              <p:cond delay="0"/>
+                            </p:stCondLst>
+                            <p:childTnLst>
+                              <p:par>
+                                <p:cTn id="16" presetID="10" presetClass="entr" presetSubtype="0" fill="hold" nodeType="clickEffect">
+                                  <p:stCondLst>
+                                    <p:cond delay="0"/>
+                                  </p:stCondLst>
+                                  <p:childTnLst>
+                                    <p:set>
+                                      <p:cBhvr>
+                                        <p:cTn id="17" dur="1" fill="hold">
+                                          <p:stCondLst>
+                                            <p:cond delay="0"/>
+                                          </p:stCondLst>
+                                        </p:cTn>
+                                        <p:tgtEl>
+                                          <p:spTgt spid="3">
+                                            <p:txEl>
+                                              <p:pRg st="16" end="16"/>
+                                            </p:txEl>
+                                          </p:spTgt>
+                                        </p:tgtEl>
+                                        <p:attrNameLst>
+                                          <p:attrName>style.visibility</p:attrName>
+                                        </p:attrNameLst>
+                                      </p:cBhvr>
+                                      <p:to>
+                                        <p:strVal val="visible"/>
+                                      </p:to>
+                                    </p:set>
+                                    <p:animEffect transition="in" filter="fade">
+                                      <p:cBhvr>
+                                        <p:cTn id="18" dur="500"/>
+                                        <p:tgtEl>
+                                          <p:spTgt spid="3">
+                                            <p:txEl>
+                                              <p:pRg st="16" end="16"/>
+                                            </p:txEl>
+                                          </p:spTgt>
+                                        </p:tgtEl>
+                                      </p:cBhvr>
+                                    </p:animEffect>
+                                  </p:childTnLst>
+                                </p:cTn>
+                              </p:par>
+                              <p:par>
+                                <p:cTn id="19" presetID="10" presetClass="entr" presetSubtype="0" fill="hold" grpId="0" nodeType="withEffect">
+                                  <p:stCondLst>
+                                    <p:cond delay="0"/>
+                                  </p:stCondLst>
+                                  <p:childTnLst>
+                                    <p:set>
+                                      <p:cBhvr>
+                                        <p:cTn id="20" dur="1" fill="hold">
+                                          <p:stCondLst>
+                                            <p:cond delay="0"/>
+                                          </p:stCondLst>
+                                        </p:cTn>
+                                        <p:tgtEl>
+                                          <p:spTgt spid="15"/>
+                                        </p:tgtEl>
+                                        <p:attrNameLst>
+                                          <p:attrName>style.visibility</p:attrName>
+                                        </p:attrNameLst>
+                                      </p:cBhvr>
+                                      <p:to>
+                                        <p:strVal val="visible"/>
+                                      </p:to>
+                                    </p:set>
+                                    <p:animEffect transition="in" filter="fade">
+                                      <p:cBhvr>
+                                        <p:cTn id="21" dur="500"/>
+                                        <p:tgtEl>
+                                          <p:spTgt spid="15"/>
+                                        </p:tgtEl>
+                                      </p:cBhvr>
+                                    </p:animEffect>
+                                  </p:childTnLst>
+                                </p:cTn>
+                              </p:par>
+                              <p:par>
+                                <p:cTn id="22" presetID="10" presetClass="entr" presetSubtype="0" fill="hold" nodeType="withEffect">
+                                  <p:stCondLst>
+                                    <p:cond delay="0"/>
+                                  </p:stCondLst>
+                                  <p:childTnLst>
+                                    <p:set>
+                                      <p:cBhvr>
+                                        <p:cTn id="23" dur="1" fill="hold">
+                                          <p:stCondLst>
+                                            <p:cond delay="0"/>
+                                          </p:stCondLst>
+                                        </p:cTn>
+                                        <p:tgtEl>
+                                          <p:spTgt spid="6">
+                                            <p:txEl>
+                                              <p:pRg st="2" end="2"/>
+                                            </p:txEl>
+                                          </p:spTgt>
+                                        </p:tgtEl>
+                                        <p:attrNameLst>
+                                          <p:attrName>style.visibility</p:attrName>
+                                        </p:attrNameLst>
+                                      </p:cBhvr>
+                                      <p:to>
+                                        <p:strVal val="visible"/>
+                                      </p:to>
+                                    </p:set>
+                                    <p:animEffect transition="in" filter="fade">
+                                      <p:cBhvr>
+                                        <p:cTn id="24" dur="500"/>
+                                        <p:tgtEl>
+                                          <p:spTgt spid="6">
+                                            <p:txEl>
+                                              <p:pRg st="2" end="2"/>
+                                            </p:txEl>
+                                          </p:spTgt>
+                                        </p:tgtEl>
+                                      </p:cBhvr>
+                                    </p:animEffect>
+                                  </p:childTnLst>
+                                </p:cTn>
+                              </p:par>
+                            </p:childTnLst>
+                          </p:cTn>
+                        </p:par>
+                      </p:childTnLst>
+                    </p:cTn>
+                  </p:par>
+                  <p:par>
+                    <p:cTn id="25" fill="hold">
+                      <p:stCondLst>
+                        <p:cond delay="indefinite"/>
+                      </p:stCondLst>
+                      <p:childTnLst>
+                        <p:par>
+                          <p:cTn id="26" fill="hold">
+                            <p:stCondLst>
+                              <p:cond delay="0"/>
+                            </p:stCondLst>
+                            <p:childTnLst>
+                              <p:par>
+                                <p:cTn id="27" presetID="10" presetClass="entr" presetSubtype="0" fill="hold" grpId="0" nodeType="clickEffect">
+                                  <p:stCondLst>
+                                    <p:cond delay="0"/>
+                                  </p:stCondLst>
+                                  <p:childTnLst>
+                                    <p:set>
+                                      <p:cBhvr>
+                                        <p:cTn id="28" dur="1" fill="hold">
+                                          <p:stCondLst>
+                                            <p:cond delay="0"/>
+                                          </p:stCondLst>
+                                        </p:cTn>
+                                        <p:tgtEl>
+                                          <p:spTgt spid="16"/>
+                                        </p:tgtEl>
+                                        <p:attrNameLst>
+                                          <p:attrName>style.visibility</p:attrName>
+                                        </p:attrNameLst>
+                                      </p:cBhvr>
+                                      <p:to>
+                                        <p:strVal val="visible"/>
+                                      </p:to>
+                                    </p:set>
+                                    <p:animEffect transition="in" filter="fade">
+                                      <p:cBhvr>
+                                        <p:cTn id="29" dur="500"/>
+                                        <p:tgtEl>
+                                          <p:spTgt spid="16"/>
+                                        </p:tgtEl>
+                                      </p:cBhvr>
+                                    </p:animEffect>
+                                  </p:childTnLst>
+                                </p:cTn>
+                              </p:par>
+                            </p:childTnLst>
+                          </p:cTn>
+                        </p:par>
+                      </p:childTnLst>
+                    </p:cTn>
+                  </p:par>
+                  <p:par>
+                    <p:cTn id="30" fill="hold">
+                      <p:stCondLst>
+                        <p:cond delay="indefinite"/>
+                      </p:stCondLst>
+                      <p:childTnLst>
+                        <p:par>
+                          <p:cTn id="31" fill="hold">
+                            <p:stCondLst>
+                              <p:cond delay="0"/>
+                            </p:stCondLst>
+                            <p:childTnLst>
+                              <p:par>
+                                <p:cTn id="32" presetID="10" presetClass="entr" presetSubtype="0" fill="hold" grpId="0" nodeType="clickEffect">
+                                  <p:stCondLst>
+                                    <p:cond delay="0"/>
+                                  </p:stCondLst>
+                                  <p:childTnLst>
+                                    <p:set>
+                                      <p:cBhvr>
+                                        <p:cTn id="33" dur="1" fill="hold">
+                                          <p:stCondLst>
+                                            <p:cond delay="0"/>
+                                          </p:stCondLst>
+                                        </p:cTn>
+                                        <p:tgtEl>
+                                          <p:spTgt spid="17"/>
+                                        </p:tgtEl>
+                                        <p:attrNameLst>
+                                          <p:attrName>style.visibility</p:attrName>
+                                        </p:attrNameLst>
+                                      </p:cBhvr>
+                                      <p:to>
+                                        <p:strVal val="visible"/>
+                                      </p:to>
+                                    </p:set>
+                                    <p:animEffect transition="in" filter="fade">
+                                      <p:cBhvr>
+                                        <p:cTn id="34" dur="500"/>
+                                        <p:tgtEl>
+                                          <p:spTgt spid="17"/>
+                                        </p:tgtEl>
+                                      </p:cBhvr>
+                                    </p:animEffect>
+                                  </p:childTnLst>
+                                </p:cTn>
+                              </p:par>
+                            </p:childTnLst>
+                          </p:cTn>
+                        </p:par>
+                      </p:childTnLst>
+                    </p:cTn>
+                  </p:par>
+                </p:childTnLst>
+              </p:cTn>
+              <p:prevCondLst>
+                <p:cond evt="onPrev" delay="0">
+                  <p:tgtEl>
+                    <p:sldTgt/>
+                  </p:tgtEl>
+                </p:cond>
+              </p:prevCondLst>
+              <p:nextCondLst>
+                <p:cond evt="onNext" delay="0">
+                  <p:tgtEl>
+                    <p:sldTgt/>
+                  </p:tgtEl>
+                </p:cond>
+              </p:nextCondLst>
+            </p:seq>
+          </p:childTnLst>
+        </p:cTn>
+      </p:par>
+    </p:tnLst>
+    <p:bldLst>
+      <p:bldP spid="14" grpId="0" animBg="1"/>
+      <p:bldP spid="15" grpId="0" animBg="1"/>
+      <p:bldP spid="16" grpId="0" animBg="1"/>
+      <p:bldP spid="17" grpId="0" animBg="1"/>
+    </p:bldLst>
+  </p:timing>
+</p:sld>
+</file>
+
 <file path=ppt/slides/slide3.xml><?xml version="1.0" encoding="utf-8"?>
 <p:sld xmlns:a="http://schemas.openxmlformats.org/drawingml/2006/main" xmlns:r="http://schemas.openxmlformats.org/officeDocument/2006/relationships" xmlns:p="http://schemas.openxmlformats.org/presentationml/2006/main">
   <p:cSld>
@@ -32581,7 +36054,7 @@
               <a:buNone/>
             </a:pPr>
             <a:r>
-              <a:rPr lang="de-DE" altLang="de-DE" sz="1400">
+              <a:rPr lang="de-DE" altLang="de-DE" sz="1400" dirty="0" err="1">
                 <a:solidFill>
                   <a:srgbClr val="7F0055"/>
                 </a:solidFill>
@@ -32590,16 +36063,43 @@
               <a:t>void</a:t>
             </a:r>
             <a:r>
-              <a:rPr lang="de-DE" altLang="de-DE" sz="1400">
-                <a:solidFill>
-                  <a:srgbClr val="000000"/>
-                </a:solidFill>
-                <a:latin typeface="Consolas" pitchFamily="49" charset="0"/>
-              </a:rPr>
-              <a:t> Elevator::moveToNextFloor(</a:t>
-            </a:r>
-            <a:r>
-              <a:rPr lang="de-DE" altLang="de-DE" sz="1400">
+              <a:rPr lang="de-DE" altLang="de-DE" sz="1400" dirty="0">
+                <a:solidFill>
+                  <a:srgbClr val="000000"/>
+                </a:solidFill>
+                <a:latin typeface="Consolas" pitchFamily="49" charset="0"/>
+              </a:rPr>
+              <a:t> </a:t>
+            </a:r>
+            <a:r>
+              <a:rPr lang="de-DE" altLang="de-DE" sz="1400" dirty="0" smtClean="0">
+                <a:solidFill>
+                  <a:srgbClr val="000000"/>
+                </a:solidFill>
+                <a:latin typeface="Consolas" pitchFamily="49" charset="0"/>
+              </a:rPr>
+              <a:t>Elevator::</a:t>
+            </a:r>
+            <a:r>
+              <a:rPr lang="de-DE" altLang="de-DE" sz="1400" dirty="0" err="1">
+                <a:solidFill>
+                  <a:srgbClr val="000000"/>
+                </a:solidFill>
+                <a:latin typeface="Consolas" pitchFamily="49" charset="0"/>
+              </a:rPr>
+              <a:t>moveToNextFloor</a:t>
+            </a:r>
+            <a:r>
+              <a:rPr lang="de-DE" altLang="de-DE" sz="1400" dirty="0">
+                <a:solidFill>
+                  <a:srgbClr val="000000"/>
+                </a:solidFill>
+                <a:latin typeface="Consolas" pitchFamily="49" charset="0"/>
+              </a:rPr>
+              <a:t>(</a:t>
+            </a:r>
+            <a:r>
+              <a:rPr lang="de-DE" altLang="de-DE" sz="1400" dirty="0" err="1">
                 <a:solidFill>
                   <a:srgbClr val="7F0055"/>
                 </a:solidFill>
@@ -32608,13 +36108,31 @@
               <a:t>int</a:t>
             </a:r>
             <a:r>
-              <a:rPr lang="de-DE" altLang="de-DE" sz="1400">
-                <a:solidFill>
-                  <a:srgbClr val="000000"/>
-                </a:solidFill>
-                <a:latin typeface="Consolas" pitchFamily="49" charset="0"/>
-              </a:rPr>
-              <a:t> strategy){</a:t>
+              <a:rPr lang="de-DE" altLang="de-DE" sz="1400" dirty="0">
+                <a:solidFill>
+                  <a:srgbClr val="000000"/>
+                </a:solidFill>
+                <a:latin typeface="Consolas" pitchFamily="49" charset="0"/>
+              </a:rPr>
+              <a:t> </a:t>
+            </a:r>
+            <a:r>
+              <a:rPr lang="de-DE" altLang="de-DE" sz="1400" dirty="0" err="1">
+                <a:solidFill>
+                  <a:srgbClr val="000000"/>
+                </a:solidFill>
+                <a:latin typeface="Consolas" pitchFamily="49" charset="0"/>
+              </a:rPr>
+              <a:t>strategy</a:t>
+            </a:r>
+            <a:r>
+              <a:rPr lang="de-DE" altLang="de-DE" sz="1400" dirty="0">
+                <a:solidFill>
+                  <a:srgbClr val="000000"/>
+                </a:solidFill>
+                <a:latin typeface="Consolas" pitchFamily="49" charset="0"/>
+              </a:rPr>
+              <a:t>){</a:t>
             </a:r>
           </a:p>
           <a:p>
@@ -32627,22 +36145,49 @@
               <a:buNone/>
             </a:pPr>
             <a:r>
-              <a:rPr lang="de-DE" altLang="de-DE" sz="1400">
+              <a:rPr lang="de-DE" altLang="de-DE" sz="1400" dirty="0">
                 <a:solidFill>
                   <a:srgbClr val="7F0055"/>
                 </a:solidFill>
                 <a:latin typeface="Consolas" pitchFamily="49" charset="0"/>
               </a:rPr>
-              <a:t>  switch</a:t>
-            </a:r>
-            <a:r>
-              <a:rPr lang="de-DE" altLang="de-DE" sz="1400">
-                <a:solidFill>
-                  <a:srgbClr val="000000"/>
-                </a:solidFill>
-                <a:latin typeface="Consolas" pitchFamily="49" charset="0"/>
-              </a:rPr>
-              <a:t>(strategy){</a:t>
+              <a:t>  </a:t>
+            </a:r>
+            <a:r>
+              <a:rPr lang="de-DE" altLang="de-DE" sz="1400" dirty="0" err="1">
+                <a:solidFill>
+                  <a:srgbClr val="7F0055"/>
+                </a:solidFill>
+                <a:latin typeface="Consolas" pitchFamily="49" charset="0"/>
+              </a:rPr>
+              <a:t>switch</a:t>
+            </a:r>
+            <a:r>
+              <a:rPr lang="de-DE" altLang="de-DE" sz="1400" dirty="0">
+                <a:solidFill>
+                  <a:srgbClr val="000000"/>
+                </a:solidFill>
+                <a:latin typeface="Consolas" pitchFamily="49" charset="0"/>
+              </a:rPr>
+              <a:t>(</a:t>
+            </a:r>
+            <a:r>
+              <a:rPr lang="de-DE" altLang="de-DE" sz="1400" dirty="0" err="1">
+                <a:solidFill>
+                  <a:srgbClr val="000000"/>
+                </a:solidFill>
+                <a:latin typeface="Consolas" pitchFamily="49" charset="0"/>
+              </a:rPr>
+              <a:t>strategy</a:t>
+            </a:r>
+            <a:r>
+              <a:rPr lang="de-DE" altLang="de-DE" sz="1400" dirty="0">
+                <a:solidFill>
+                  <a:srgbClr val="000000"/>
+                </a:solidFill>
+                <a:latin typeface="Consolas" pitchFamily="49" charset="0"/>
+              </a:rPr>
+              <a:t>){</a:t>
             </a:r>
           </a:p>
           <a:p>
@@ -32655,16 +36200,25 @@
               <a:buNone/>
             </a:pPr>
             <a:r>
-              <a:rPr lang="de-DE" altLang="de-DE" sz="1400">
+              <a:rPr lang="de-DE" altLang="de-DE" sz="1400" dirty="0">
                 <a:solidFill>
                   <a:srgbClr val="7F0055"/>
                 </a:solidFill>
                 <a:latin typeface="Consolas" pitchFamily="49" charset="0"/>
               </a:rPr>
-              <a:t>    case</a:t>
-            </a:r>
-            <a:r>
-              <a:rPr lang="de-DE" altLang="de-DE" sz="1400">
+              <a:t>    </a:t>
+            </a:r>
+            <a:r>
+              <a:rPr lang="de-DE" altLang="de-DE" sz="1400" dirty="0" err="1">
+                <a:solidFill>
+                  <a:srgbClr val="7F0055"/>
+                </a:solidFill>
+                <a:latin typeface="Consolas" pitchFamily="49" charset="0"/>
+              </a:rPr>
+              <a:t>case</a:t>
+            </a:r>
+            <a:r>
+              <a:rPr lang="de-DE" altLang="de-DE" sz="1400" dirty="0">
                 <a:solidFill>
                   <a:srgbClr val="000000"/>
                 </a:solidFill>
@@ -32683,16 +36237,34 @@
               <a:buNone/>
             </a:pPr>
             <a:r>
-              <a:rPr lang="en-US" altLang="de-DE" sz="1400" b="0">
-                <a:solidFill>
-                  <a:srgbClr val="000000"/>
-                </a:solidFill>
-                <a:latin typeface="Consolas" pitchFamily="49" charset="0"/>
-              </a:rPr>
-              <a:t>	  cout	&lt;&lt; </a:t>
-            </a:r>
-            <a:r>
-              <a:rPr lang="en-US" altLang="de-DE" sz="1400" b="0">
+              <a:rPr lang="en-US" altLang="de-DE" sz="1400" b="0" dirty="0">
+                <a:solidFill>
+                  <a:srgbClr val="000000"/>
+                </a:solidFill>
+                <a:latin typeface="Consolas" pitchFamily="49" charset="0"/>
+              </a:rPr>
+              <a:t>	  </a:t>
+            </a:r>
+            <a:r>
+              <a:rPr lang="en-US" altLang="de-DE" sz="1400" b="0" dirty="0" err="1">
+                <a:solidFill>
+                  <a:srgbClr val="000000"/>
+                </a:solidFill>
+                <a:latin typeface="Consolas" pitchFamily="49" charset="0"/>
+              </a:rPr>
+              <a:t>cout</a:t>
+            </a:r>
+            <a:r>
+              <a:rPr lang="en-US" altLang="de-DE" sz="1400" b="0" dirty="0">
+                <a:solidFill>
+                  <a:srgbClr val="000000"/>
+                </a:solidFill>
+                <a:latin typeface="Consolas" pitchFamily="49" charset="0"/>
+              </a:rPr>
+              <a:t>	&lt;&lt; </a:t>
+            </a:r>
+            <a:r>
+              <a:rPr lang="en-US" altLang="de-DE" sz="1400" b="0" dirty="0">
                 <a:solidFill>
                   <a:srgbClr val="2A00FF"/>
                 </a:solidFill>
@@ -32701,7 +36273,7 @@
               <a:t>"Choose next floor to minimize energy."</a:t>
             </a:r>
             <a:r>
-              <a:rPr lang="en-US" altLang="de-DE" sz="1400" b="0">
+              <a:rPr lang="en-US" altLang="de-DE" sz="1400" b="0" dirty="0">
                 <a:solidFill>
                   <a:srgbClr val="000000"/>
                 </a:solidFill>
@@ -32720,7 +36292,7 @@
               <a:buNone/>
             </a:pPr>
             <a:r>
-              <a:rPr lang="en-US" altLang="de-DE" sz="1400" b="0">
+              <a:rPr lang="en-US" altLang="de-DE" sz="1400" b="0" dirty="0">
                 <a:solidFill>
                   <a:srgbClr val="000000"/>
                 </a:solidFill>
@@ -32729,7 +36301,7 @@
               <a:t>			&lt;&lt; </a:t>
             </a:r>
             <a:r>
-              <a:rPr lang="en-US" altLang="de-DE" sz="1400">
+              <a:rPr lang="en-US" altLang="de-DE" sz="1400" dirty="0" err="1">
                 <a:solidFill>
                   <a:srgbClr val="642880"/>
                 </a:solidFill>
@@ -32738,7 +36310,7 @@
               <a:t>endl</a:t>
             </a:r>
             <a:r>
-              <a:rPr lang="en-US" altLang="de-DE" sz="1400">
+              <a:rPr lang="en-US" altLang="de-DE" sz="1400" dirty="0">
                 <a:solidFill>
                   <a:srgbClr val="000000"/>
                 </a:solidFill>
@@ -32757,7 +36329,7 @@
               <a:buNone/>
             </a:pPr>
             <a:r>
-              <a:rPr lang="de-DE" altLang="de-DE" sz="1400">
+              <a:rPr lang="de-DE" altLang="de-DE" sz="1400" dirty="0">
                 <a:solidFill>
                   <a:srgbClr val="7F0055"/>
                 </a:solidFill>
@@ -32766,7 +36338,7 @@
               <a:t>	  break</a:t>
             </a:r>
             <a:r>
-              <a:rPr lang="de-DE" altLang="de-DE" sz="1400">
+              <a:rPr lang="de-DE" altLang="de-DE" sz="1400" dirty="0">
                 <a:solidFill>
                   <a:srgbClr val="000000"/>
                 </a:solidFill>
@@ -32785,16 +36357,25 @@
               <a:buNone/>
             </a:pPr>
             <a:r>
-              <a:rPr lang="de-DE" altLang="de-DE" sz="1400">
+              <a:rPr lang="de-DE" altLang="de-DE" sz="1400" dirty="0">
                 <a:solidFill>
                   <a:srgbClr val="7F0055"/>
                 </a:solidFill>
                 <a:latin typeface="Consolas" pitchFamily="49" charset="0"/>
               </a:rPr>
-              <a:t>    case</a:t>
-            </a:r>
-            <a:r>
-              <a:rPr lang="de-DE" altLang="de-DE" sz="1400">
+              <a:t>    </a:t>
+            </a:r>
+            <a:r>
+              <a:rPr lang="de-DE" altLang="de-DE" sz="1400" dirty="0" err="1">
+                <a:solidFill>
+                  <a:srgbClr val="7F0055"/>
+                </a:solidFill>
+                <a:latin typeface="Consolas" pitchFamily="49" charset="0"/>
+              </a:rPr>
+              <a:t>case</a:t>
+            </a:r>
+            <a:r>
+              <a:rPr lang="de-DE" altLang="de-DE" sz="1400" dirty="0">
                 <a:solidFill>
                   <a:srgbClr val="000000"/>
                 </a:solidFill>
@@ -32813,16 +36394,34 @@
               <a:buNone/>
             </a:pPr>
             <a:r>
-              <a:rPr lang="en-US" altLang="de-DE" sz="1400" b="0">
-                <a:solidFill>
-                  <a:srgbClr val="000000"/>
-                </a:solidFill>
-                <a:latin typeface="Consolas" pitchFamily="49" charset="0"/>
-              </a:rPr>
-              <a:t>	  cout 	&lt;&lt; </a:t>
-            </a:r>
-            <a:r>
-              <a:rPr lang="en-US" altLang="de-DE" sz="1400" b="0">
+              <a:rPr lang="en-US" altLang="de-DE" sz="1400" b="0" dirty="0">
+                <a:solidFill>
+                  <a:srgbClr val="000000"/>
+                </a:solidFill>
+                <a:latin typeface="Consolas" pitchFamily="49" charset="0"/>
+              </a:rPr>
+              <a:t>	  </a:t>
+            </a:r>
+            <a:r>
+              <a:rPr lang="en-US" altLang="de-DE" sz="1400" b="0" dirty="0" err="1">
+                <a:solidFill>
+                  <a:srgbClr val="000000"/>
+                </a:solidFill>
+                <a:latin typeface="Consolas" pitchFamily="49" charset="0"/>
+              </a:rPr>
+              <a:t>cout</a:t>
+            </a:r>
+            <a:r>
+              <a:rPr lang="en-US" altLang="de-DE" sz="1400" b="0" dirty="0">
+                <a:solidFill>
+                  <a:srgbClr val="000000"/>
+                </a:solidFill>
+                <a:latin typeface="Consolas" pitchFamily="49" charset="0"/>
+              </a:rPr>
+              <a:t> 	&lt;&lt; </a:t>
+            </a:r>
+            <a:r>
+              <a:rPr lang="en-US" altLang="de-DE" sz="1400" b="0" dirty="0">
                 <a:solidFill>
                   <a:srgbClr val="2A00FF"/>
                 </a:solidFill>
@@ -32831,7 +36430,7 @@
               <a:t>"Choose next floor to minimize waiting time."</a:t>
             </a:r>
             <a:r>
-              <a:rPr lang="en-US" altLang="de-DE" sz="1400" b="0">
+              <a:rPr lang="en-US" altLang="de-DE" sz="1400" b="0" dirty="0">
                 <a:solidFill>
                   <a:srgbClr val="000000"/>
                 </a:solidFill>
@@ -32850,7 +36449,7 @@
               <a:buNone/>
             </a:pPr>
             <a:r>
-              <a:rPr lang="en-US" altLang="de-DE" sz="1400" b="0">
+              <a:rPr lang="en-US" altLang="de-DE" sz="1400" b="0" dirty="0">
                 <a:solidFill>
                   <a:srgbClr val="000000"/>
                 </a:solidFill>
@@ -32859,7 +36458,7 @@
               <a:t>			&lt;&lt; </a:t>
             </a:r>
             <a:r>
-              <a:rPr lang="en-US" altLang="de-DE" sz="1400">
+              <a:rPr lang="en-US" altLang="de-DE" sz="1400" dirty="0" err="1">
                 <a:solidFill>
                   <a:srgbClr val="642880"/>
                 </a:solidFill>
@@ -32868,7 +36467,7 @@
               <a:t>endl</a:t>
             </a:r>
             <a:r>
-              <a:rPr lang="en-US" altLang="de-DE" sz="1400">
+              <a:rPr lang="en-US" altLang="de-DE" sz="1400" dirty="0">
                 <a:solidFill>
                   <a:srgbClr val="000000"/>
                 </a:solidFill>
@@ -32887,7 +36486,7 @@
               <a:buNone/>
             </a:pPr>
             <a:r>
-              <a:rPr lang="de-DE" altLang="de-DE" sz="1400">
+              <a:rPr lang="de-DE" altLang="de-DE" sz="1400" dirty="0">
                 <a:solidFill>
                   <a:srgbClr val="7F0055"/>
                 </a:solidFill>
@@ -32896,7 +36495,7 @@
               <a:t>	  break</a:t>
             </a:r>
             <a:r>
-              <a:rPr lang="de-DE" altLang="de-DE" sz="1400">
+              <a:rPr lang="de-DE" altLang="de-DE" sz="1400" dirty="0">
                 <a:solidFill>
                   <a:srgbClr val="000000"/>
                 </a:solidFill>
@@ -32915,7 +36514,7 @@
               <a:buNone/>
             </a:pPr>
             <a:r>
-              <a:rPr lang="de-DE" altLang="de-DE" sz="1400" b="0">
+              <a:rPr lang="de-DE" altLang="de-DE" sz="1400" b="0" dirty="0">
                 <a:solidFill>
                   <a:srgbClr val="3F7F5F"/>
                 </a:solidFill>
@@ -32934,13 +36533,31 @@
               <a:buNone/>
             </a:pPr>
             <a:r>
-              <a:rPr lang="de-DE" altLang="de-DE" sz="1400" b="0">
+              <a:rPr lang="de-DE" altLang="de-DE" sz="1400" b="0" dirty="0">
                 <a:solidFill>
                   <a:srgbClr val="3F7F5F"/>
                 </a:solidFill>
                 <a:latin typeface="Consolas" pitchFamily="49" charset="0"/>
               </a:rPr>
-              <a:t>    // and so on ...</a:t>
+              <a:t>    // </a:t>
+            </a:r>
+            <a:r>
+              <a:rPr lang="de-DE" altLang="de-DE" sz="1400" b="0" dirty="0" err="1">
+                <a:solidFill>
+                  <a:srgbClr val="3F7F5F"/>
+                </a:solidFill>
+                <a:latin typeface="Consolas" pitchFamily="49" charset="0"/>
+              </a:rPr>
+              <a:t>and</a:t>
+            </a:r>
+            <a:r>
+              <a:rPr lang="de-DE" altLang="de-DE" sz="1400" b="0" dirty="0">
+                <a:solidFill>
+                  <a:srgbClr val="3F7F5F"/>
+                </a:solidFill>
+                <a:latin typeface="Consolas" pitchFamily="49" charset="0"/>
+              </a:rPr>
+              <a:t> so on ...</a:t>
             </a:r>
           </a:p>
           <a:p>
@@ -32953,7 +36570,7 @@
               <a:buNone/>
             </a:pPr>
             <a:r>
-              <a:rPr lang="de-DE" altLang="de-DE" sz="1400" b="0">
+              <a:rPr lang="de-DE" altLang="de-DE" sz="1400" b="0" dirty="0">
                 <a:solidFill>
                   <a:srgbClr val="000000"/>
                 </a:solidFill>
@@ -32972,7 +36589,7 @@
               <a:buNone/>
             </a:pPr>
             <a:r>
-              <a:rPr lang="de-DE" altLang="de-DE" sz="1400" b="0">
+              <a:rPr lang="de-DE" altLang="de-DE" sz="1400" b="0" dirty="0">
                 <a:solidFill>
                   <a:srgbClr val="000000"/>
                 </a:solidFill>
@@ -33568,7 +37185,7 @@
               <a:buNone/>
             </a:pPr>
             <a:r>
-              <a:rPr lang="de-DE" altLang="de-DE" sz="1400">
+              <a:rPr lang="de-DE" altLang="de-DE" sz="1400" dirty="0" err="1">
                 <a:solidFill>
                   <a:srgbClr val="7F0055"/>
                 </a:solidFill>
@@ -33577,13 +37194,31 @@
               <a:t>void</a:t>
             </a:r>
             <a:r>
-              <a:rPr lang="de-DE" altLang="de-DE" sz="1400">
-                <a:solidFill>
-                  <a:srgbClr val="000000"/>
-                </a:solidFill>
-                <a:latin typeface="Consolas" pitchFamily="49" charset="0"/>
-              </a:rPr>
-              <a:t> Elevator::moveToNextFloor(){</a:t>
+              <a:rPr lang="de-DE" altLang="de-DE" sz="1400" dirty="0">
+                <a:solidFill>
+                  <a:srgbClr val="000000"/>
+                </a:solidFill>
+                <a:latin typeface="Consolas" pitchFamily="49" charset="0"/>
+              </a:rPr>
+              <a:t> Elevator::</a:t>
+            </a:r>
+            <a:r>
+              <a:rPr lang="de-DE" altLang="de-DE" sz="1400" dirty="0" err="1">
+                <a:solidFill>
+                  <a:srgbClr val="000000"/>
+                </a:solidFill>
+                <a:latin typeface="Consolas" pitchFamily="49" charset="0"/>
+              </a:rPr>
+              <a:t>moveToNextFloor</a:t>
+            </a:r>
+            <a:r>
+              <a:rPr lang="de-DE" altLang="de-DE" sz="1400" dirty="0">
+                <a:solidFill>
+                  <a:srgbClr val="000000"/>
+                </a:solidFill>
+                <a:latin typeface="Consolas" pitchFamily="49" charset="0"/>
+              </a:rPr>
+              <a:t>(){</a:t>
             </a:r>
           </a:p>
           <a:p>
@@ -33596,16 +37231,70 @@
               <a:buNone/>
             </a:pPr>
             <a:r>
-              <a:rPr lang="de-DE" altLang="de-DE" sz="1400" b="0">
-                <a:solidFill>
-                  <a:srgbClr val="000000"/>
-                </a:solidFill>
-                <a:latin typeface="Consolas" pitchFamily="49" charset="0"/>
-              </a:rPr>
-              <a:t>	currentFloor = strategy-&gt;next(</a:t>
-            </a:r>
-            <a:r>
-              <a:rPr lang="de-DE" altLang="de-DE" sz="1400">
+              <a:rPr lang="de-DE" altLang="de-DE" sz="1400" b="0" dirty="0">
+                <a:solidFill>
+                  <a:srgbClr val="000000"/>
+                </a:solidFill>
+                <a:latin typeface="Consolas" pitchFamily="49" charset="0"/>
+              </a:rPr>
+              <a:t>	</a:t>
+            </a:r>
+            <a:r>
+              <a:rPr lang="de-DE" altLang="de-DE" sz="1400" b="0" dirty="0" err="1">
+                <a:solidFill>
+                  <a:srgbClr val="000000"/>
+                </a:solidFill>
+                <a:latin typeface="Consolas" pitchFamily="49" charset="0"/>
+              </a:rPr>
+              <a:t>currentFloor</a:t>
+            </a:r>
+            <a:r>
+              <a:rPr lang="de-DE" altLang="de-DE" sz="1400" b="0" dirty="0">
+                <a:solidFill>
+                  <a:srgbClr val="000000"/>
+                </a:solidFill>
+                <a:latin typeface="Consolas" pitchFamily="49" charset="0"/>
+              </a:rPr>
+              <a:t> = </a:t>
+            </a:r>
+            <a:r>
+              <a:rPr lang="de-DE" altLang="de-DE" sz="1400" b="0" dirty="0" err="1">
+                <a:solidFill>
+                  <a:srgbClr val="000000"/>
+                </a:solidFill>
+                <a:latin typeface="Consolas" pitchFamily="49" charset="0"/>
+              </a:rPr>
+              <a:t>strategy</a:t>
+            </a:r>
+            <a:r>
+              <a:rPr lang="de-DE" altLang="de-DE" sz="1400" b="0" dirty="0">
+                <a:solidFill>
+                  <a:srgbClr val="000000"/>
+                </a:solidFill>
+                <a:latin typeface="Consolas" pitchFamily="49" charset="0"/>
+              </a:rPr>
+              <a:t>-&gt;</a:t>
+            </a:r>
+            <a:r>
+              <a:rPr lang="de-DE" altLang="de-DE" sz="1400" b="0" dirty="0" err="1">
+                <a:solidFill>
+                  <a:srgbClr val="000000"/>
+                </a:solidFill>
+                <a:latin typeface="Consolas" pitchFamily="49" charset="0"/>
+              </a:rPr>
+              <a:t>next</a:t>
+            </a:r>
+            <a:r>
+              <a:rPr lang="de-DE" altLang="de-DE" sz="1400" b="0" dirty="0">
+                <a:solidFill>
+                  <a:srgbClr val="000000"/>
+                </a:solidFill>
+                <a:latin typeface="Consolas" pitchFamily="49" charset="0"/>
+              </a:rPr>
+              <a:t>(</a:t>
+            </a:r>
+            <a:r>
+              <a:rPr lang="de-DE" altLang="de-DE" sz="1400" dirty="0" err="1">
                 <a:solidFill>
                   <a:srgbClr val="7F0055"/>
                 </a:solidFill>
@@ -33614,7 +37303,7 @@
               <a:t>this</a:t>
             </a:r>
             <a:r>
-              <a:rPr lang="de-DE" altLang="de-DE" sz="1400" b="0">
+              <a:rPr lang="de-DE" altLang="de-DE" sz="1400" b="0" dirty="0">
                 <a:solidFill>
                   <a:srgbClr val="000000"/>
                 </a:solidFill>
@@ -33633,7 +37322,7 @@
               <a:buNone/>
             </a:pPr>
             <a:r>
-              <a:rPr lang="de-DE" altLang="de-DE" sz="1400" b="0">
+              <a:rPr lang="de-DE" altLang="de-DE" sz="1400" b="0" dirty="0">
                 <a:solidFill>
                   <a:srgbClr val="000000"/>
                 </a:solidFill>
@@ -34973,14 +38662,14 @@
                 <a:buNone/>
               </a:pPr>
               <a:r>
-                <a:rPr lang="de-DE" altLang="de-DE" sz="900">
+                <a:rPr lang="de-DE" altLang="de-DE" sz="900" dirty="0">
                   <a:solidFill>
                     <a:srgbClr val="000000"/>
                   </a:solidFill>
                 </a:rPr>
                 <a:t>Elevator</a:t>
               </a:r>
-              <a:endParaRPr lang="de-DE" altLang="de-DE" sz="1800" b="0"/>
+              <a:endParaRPr lang="de-DE" altLang="de-DE" sz="1800" b="0" dirty="0"/>
             </a:p>
           </p:txBody>
         </p:sp>
@@ -35531,14 +39220,14 @@
                 <a:buNone/>
               </a:pPr>
               <a:r>
-                <a:rPr lang="de-DE" altLang="de-DE" sz="900" i="1">
+                <a:rPr lang="de-DE" altLang="de-DE" sz="900" i="1" dirty="0" err="1">
                   <a:solidFill>
                     <a:srgbClr val="000000"/>
                   </a:solidFill>
                 </a:rPr>
                 <a:t>ElevatorStrategy</a:t>
               </a:r>
-              <a:endParaRPr lang="de-DE" altLang="de-DE" sz="1800" b="0"/>
+              <a:endParaRPr lang="de-DE" altLang="de-DE" sz="1800" b="0" dirty="0"/>
             </a:p>
           </p:txBody>
         </p:sp>
@@ -38364,14 +42053,22 @@
                 <a:buNone/>
               </a:pPr>
               <a:r>
-                <a:rPr lang="de-DE" altLang="de-DE" sz="900" b="0">
+                <a:rPr lang="de-DE" altLang="de-DE" sz="900" b="0" dirty="0">
                   <a:solidFill>
                     <a:srgbClr val="000000"/>
                   </a:solidFill>
                 </a:rPr>
-                <a:t>+elevator</a:t>
+                <a:t>+</a:t>
               </a:r>
-              <a:endParaRPr lang="de-DE" altLang="de-DE" sz="1800" b="0"/>
+              <a:r>
+                <a:rPr lang="de-DE" altLang="de-DE" sz="900" b="0" dirty="0" err="1">
+                  <a:solidFill>
+                    <a:srgbClr val="000000"/>
+                  </a:solidFill>
+                </a:rPr>
+                <a:t>elevator</a:t>
+              </a:r>
+              <a:endParaRPr lang="de-DE" altLang="de-DE" sz="1800" b="0" dirty="0"/>
             </a:p>
           </p:txBody>
         </p:sp>
@@ -39531,14 +43228,22 @@
                 <a:buNone/>
               </a:pPr>
               <a:r>
-                <a:rPr lang="de-DE" altLang="de-DE" sz="900" b="0">
+                <a:rPr lang="de-DE" altLang="de-DE" sz="900" b="0" dirty="0">
                   <a:solidFill>
                     <a:srgbClr val="000000"/>
                   </a:solidFill>
                 </a:rPr>
-                <a:t>+elevator</a:t>
+                <a:t>+</a:t>
               </a:r>
-              <a:endParaRPr lang="de-DE" altLang="de-DE" sz="1800" b="0"/>
+              <a:r>
+                <a:rPr lang="de-DE" altLang="de-DE" sz="900" b="0" dirty="0" err="1">
+                  <a:solidFill>
+                    <a:srgbClr val="000000"/>
+                  </a:solidFill>
+                </a:rPr>
+                <a:t>elevator</a:t>
+              </a:r>
+              <a:endParaRPr lang="de-DE" altLang="de-DE" sz="1800" b="0" dirty="0"/>
             </a:p>
           </p:txBody>
         </p:sp>
@@ -42725,16 +46430,25 @@
               <a:buNone/>
             </a:pPr>
             <a:r>
-              <a:rPr lang="de-DE" altLang="de-DE" sz="1200">
+              <a:rPr lang="de-DE" altLang="de-DE" sz="1200" dirty="0">
                 <a:solidFill>
                   <a:srgbClr val="7F0055"/>
                 </a:solidFill>
                 <a:latin typeface="Consolas" pitchFamily="49" charset="0"/>
               </a:rPr>
-              <a:t>#include</a:t>
-            </a:r>
-            <a:r>
-              <a:rPr lang="de-DE" altLang="de-DE" sz="1200">
+              <a:t>#</a:t>
+            </a:r>
+            <a:r>
+              <a:rPr lang="de-DE" altLang="de-DE" sz="1200" dirty="0" err="1">
+                <a:solidFill>
+                  <a:srgbClr val="7F0055"/>
+                </a:solidFill>
+                <a:latin typeface="Consolas" pitchFamily="49" charset="0"/>
+              </a:rPr>
+              <a:t>include</a:t>
+            </a:r>
+            <a:r>
+              <a:rPr lang="de-DE" altLang="de-DE" sz="1200" dirty="0">
                 <a:solidFill>
                   <a:srgbClr val="000000"/>
                 </a:solidFill>
@@ -42743,13 +46457,31 @@
               <a:t> </a:t>
             </a:r>
             <a:r>
-              <a:rPr lang="de-DE" altLang="de-DE" sz="1200">
+              <a:rPr lang="de-DE" altLang="de-DE" sz="1200" dirty="0">
                 <a:solidFill>
                   <a:srgbClr val="2A00FF"/>
                 </a:solidFill>
                 <a:latin typeface="Consolas" pitchFamily="49" charset="0"/>
               </a:rPr>
-              <a:t>"Floor.h"</a:t>
+              <a:t>"</a:t>
+            </a:r>
+            <a:r>
+              <a:rPr lang="de-DE" altLang="de-DE" sz="1200" dirty="0" err="1">
+                <a:solidFill>
+                  <a:srgbClr val="2A00FF"/>
+                </a:solidFill>
+                <a:latin typeface="Consolas" pitchFamily="49" charset="0"/>
+              </a:rPr>
+              <a:t>Floor.h</a:t>
+            </a:r>
+            <a:r>
+              <a:rPr lang="de-DE" altLang="de-DE" sz="1200" dirty="0">
+                <a:solidFill>
+                  <a:srgbClr val="2A00FF"/>
+                </a:solidFill>
+                <a:latin typeface="Consolas" pitchFamily="49" charset="0"/>
+              </a:rPr>
+              <a:t>"</a:t>
             </a:r>
           </a:p>
           <a:p>
@@ -42761,7 +46493,7 @@
               <a:buFont typeface="Arial" charset="0"/>
               <a:buNone/>
             </a:pPr>
-            <a:endParaRPr lang="de-DE" altLang="de-DE" sz="1200" b="0">
+            <a:endParaRPr lang="de-DE" altLang="de-DE" sz="1200" b="0" dirty="0">
               <a:latin typeface="Consolas" pitchFamily="49" charset="0"/>
             </a:endParaRPr>
           </a:p>
@@ -42775,7 +46507,7 @@
               <a:buNone/>
             </a:pPr>
             <a:r>
-              <a:rPr lang="de-DE" altLang="de-DE" sz="1200">
+              <a:rPr lang="de-DE" altLang="de-DE" sz="1200" dirty="0">
                 <a:solidFill>
                   <a:srgbClr val="000000"/>
                 </a:solidFill>
@@ -42784,7 +46516,7 @@
               <a:t>Floor::Floor(</a:t>
             </a:r>
             <a:r>
-              <a:rPr lang="de-DE" altLang="de-DE" sz="1200">
+              <a:rPr lang="de-DE" altLang="de-DE" sz="1200" dirty="0" err="1">
                 <a:solidFill>
                   <a:srgbClr val="7F0055"/>
                 </a:solidFill>
@@ -42793,13 +46525,31 @@
               <a:t>int</a:t>
             </a:r>
             <a:r>
-              <a:rPr lang="de-DE" altLang="de-DE" sz="1200">
-                <a:solidFill>
-                  <a:srgbClr val="000000"/>
-                </a:solidFill>
-                <a:latin typeface="Consolas" pitchFamily="49" charset="0"/>
-              </a:rPr>
-              <a:t> number):</a:t>
+              <a:rPr lang="de-DE" altLang="de-DE" sz="1200" dirty="0">
+                <a:solidFill>
+                  <a:srgbClr val="000000"/>
+                </a:solidFill>
+                <a:latin typeface="Consolas" pitchFamily="49" charset="0"/>
+              </a:rPr>
+              <a:t> </a:t>
+            </a:r>
+            <a:r>
+              <a:rPr lang="de-DE" altLang="de-DE" sz="1200" dirty="0" err="1">
+                <a:solidFill>
+                  <a:srgbClr val="000000"/>
+                </a:solidFill>
+                <a:latin typeface="Consolas" pitchFamily="49" charset="0"/>
+              </a:rPr>
+              <a:t>number</a:t>
+            </a:r>
+            <a:r>
+              <a:rPr lang="de-DE" altLang="de-DE" sz="1200" dirty="0">
+                <a:solidFill>
+                  <a:srgbClr val="000000"/>
+                </a:solidFill>
+                <a:latin typeface="Consolas" pitchFamily="49" charset="0"/>
+              </a:rPr>
+              <a:t>):</a:t>
             </a:r>
           </a:p>
           <a:p>
@@ -42812,7 +46562,7 @@
               <a:buNone/>
             </a:pPr>
             <a:r>
-              <a:rPr lang="de-DE" altLang="de-DE" sz="1200" b="0">
+              <a:rPr lang="de-DE" altLang="de-DE" sz="1200" b="0" dirty="0" err="1">
                 <a:solidFill>
                   <a:srgbClr val="0000C0"/>
                 </a:solidFill>
@@ -42821,13 +46571,31 @@
               <a:t>number</a:t>
             </a:r>
             <a:r>
-              <a:rPr lang="de-DE" altLang="de-DE" sz="1200" b="0">
-                <a:solidFill>
-                  <a:srgbClr val="000000"/>
-                </a:solidFill>
-                <a:latin typeface="Consolas" pitchFamily="49" charset="0"/>
-              </a:rPr>
-              <a:t>(number) {</a:t>
+              <a:rPr lang="de-DE" altLang="de-DE" sz="1200" b="0" dirty="0">
+                <a:solidFill>
+                  <a:srgbClr val="000000"/>
+                </a:solidFill>
+                <a:latin typeface="Consolas" pitchFamily="49" charset="0"/>
+              </a:rPr>
+              <a:t>(</a:t>
+            </a:r>
+            <a:r>
+              <a:rPr lang="de-DE" altLang="de-DE" sz="1200" b="0" dirty="0" err="1">
+                <a:solidFill>
+                  <a:srgbClr val="000000"/>
+                </a:solidFill>
+                <a:latin typeface="Consolas" pitchFamily="49" charset="0"/>
+              </a:rPr>
+              <a:t>number</a:t>
+            </a:r>
+            <a:r>
+              <a:rPr lang="de-DE" altLang="de-DE" sz="1200" b="0" dirty="0">
+                <a:solidFill>
+                  <a:srgbClr val="000000"/>
+                </a:solidFill>
+                <a:latin typeface="Consolas" pitchFamily="49" charset="0"/>
+              </a:rPr>
+              <a:t>) {</a:t>
             </a:r>
           </a:p>
           <a:p>
@@ -42840,16 +46608,34 @@
               <a:buNone/>
             </a:pPr>
             <a:r>
-              <a:rPr lang="de-DE" altLang="de-DE" sz="1200" b="0">
-                <a:solidFill>
-                  <a:srgbClr val="000000"/>
-                </a:solidFill>
-                <a:latin typeface="Consolas" pitchFamily="49" charset="0"/>
-              </a:rPr>
-              <a:t>  cout &lt;&lt; </a:t>
-            </a:r>
-            <a:r>
-              <a:rPr lang="de-DE" altLang="de-DE" sz="1200" b="0">
+              <a:rPr lang="de-DE" altLang="de-DE" sz="1200" b="0" dirty="0">
+                <a:solidFill>
+                  <a:srgbClr val="000000"/>
+                </a:solidFill>
+                <a:latin typeface="Consolas" pitchFamily="49" charset="0"/>
+              </a:rPr>
+              <a:t>  </a:t>
+            </a:r>
+            <a:r>
+              <a:rPr lang="de-DE" altLang="de-DE" sz="1200" b="0" dirty="0" err="1">
+                <a:solidFill>
+                  <a:srgbClr val="000000"/>
+                </a:solidFill>
+                <a:latin typeface="Consolas" pitchFamily="49" charset="0"/>
+              </a:rPr>
+              <a:t>cout</a:t>
+            </a:r>
+            <a:r>
+              <a:rPr lang="de-DE" altLang="de-DE" sz="1200" b="0" dirty="0">
+                <a:solidFill>
+                  <a:srgbClr val="000000"/>
+                </a:solidFill>
+                <a:latin typeface="Consolas" pitchFamily="49" charset="0"/>
+              </a:rPr>
+              <a:t> &lt;&lt; </a:t>
+            </a:r>
+            <a:r>
+              <a:rPr lang="de-DE" altLang="de-DE" sz="1200" b="0" dirty="0">
                 <a:solidFill>
                   <a:srgbClr val="2A00FF"/>
                 </a:solidFill>
@@ -42868,7 +46654,7 @@
               <a:buNone/>
             </a:pPr>
             <a:r>
-              <a:rPr lang="de-DE" altLang="de-DE" sz="1200" b="0">
+              <a:rPr lang="de-DE" altLang="de-DE" sz="1200" b="0" dirty="0">
                 <a:solidFill>
                   <a:srgbClr val="000000"/>
                 </a:solidFill>
@@ -42877,13 +46663,49 @@
               <a:t>       &lt;&lt; </a:t>
             </a:r>
             <a:r>
-              <a:rPr lang="de-DE" altLang="de-DE" sz="1200" b="0">
+              <a:rPr lang="de-DE" altLang="de-DE" sz="1200" b="0" dirty="0">
                 <a:solidFill>
                   <a:srgbClr val="2A00FF"/>
                 </a:solidFill>
                 <a:latin typeface="Consolas" pitchFamily="49" charset="0"/>
               </a:rPr>
-              <a:t>"Creating floor ["</a:t>
+              <a:t>"</a:t>
+            </a:r>
+            <a:r>
+              <a:rPr lang="de-DE" altLang="de-DE" sz="1200" b="0" dirty="0" err="1">
+                <a:solidFill>
+                  <a:srgbClr val="2A00FF"/>
+                </a:solidFill>
+                <a:latin typeface="Consolas" pitchFamily="49" charset="0"/>
+              </a:rPr>
+              <a:t>Creating</a:t>
+            </a:r>
+            <a:r>
+              <a:rPr lang="de-DE" altLang="de-DE" sz="1200" b="0" dirty="0">
+                <a:solidFill>
+                  <a:srgbClr val="2A00FF"/>
+                </a:solidFill>
+                <a:latin typeface="Consolas" pitchFamily="49" charset="0"/>
+              </a:rPr>
+              <a:t> </a:t>
+            </a:r>
+            <a:r>
+              <a:rPr lang="de-DE" altLang="de-DE" sz="1200" b="0" dirty="0" err="1">
+                <a:solidFill>
+                  <a:srgbClr val="2A00FF"/>
+                </a:solidFill>
+                <a:latin typeface="Consolas" pitchFamily="49" charset="0"/>
+              </a:rPr>
+              <a:t>floor</a:t>
+            </a:r>
+            <a:r>
+              <a:rPr lang="de-DE" altLang="de-DE" sz="1200" b="0" dirty="0">
+                <a:solidFill>
+                  <a:srgbClr val="2A00FF"/>
+                </a:solidFill>
+                <a:latin typeface="Consolas" pitchFamily="49" charset="0"/>
+              </a:rPr>
+              <a:t> ["</a:t>
             </a:r>
           </a:p>
           <a:p>
@@ -42896,14 +46718,29 @@
               <a:buNone/>
             </a:pPr>
             <a:r>
-              <a:rPr lang="de-DE" altLang="de-DE" sz="1200" b="0">
-                <a:solidFill>
-                  <a:srgbClr val="000000"/>
-                </a:solidFill>
-                <a:latin typeface="Consolas" pitchFamily="49" charset="0"/>
-              </a:rPr>
-              <a:t>       &lt;&lt; number</a:t>
-            </a:r>
+              <a:rPr lang="de-DE" altLang="de-DE" sz="1200" b="0" dirty="0">
+                <a:solidFill>
+                  <a:srgbClr val="000000"/>
+                </a:solidFill>
+                <a:latin typeface="Consolas" pitchFamily="49" charset="0"/>
+              </a:rPr>
+              <a:t>       &lt;&lt; </a:t>
+            </a:r>
+            <a:r>
+              <a:rPr lang="de-DE" altLang="de-DE" sz="1200" b="0" dirty="0" err="1">
+                <a:solidFill>
+                  <a:srgbClr val="000000"/>
+                </a:solidFill>
+                <a:latin typeface="Consolas" pitchFamily="49" charset="0"/>
+              </a:rPr>
+              <a:t>number</a:t>
+            </a:r>
+            <a:endParaRPr lang="de-DE" altLang="de-DE" sz="1200" b="0" dirty="0">
+              <a:solidFill>
+                <a:srgbClr val="000000"/>
+              </a:solidFill>
+              <a:latin typeface="Consolas" pitchFamily="49" charset="0"/>
+            </a:endParaRPr>
           </a:p>
           <a:p>
             <a:pPr eaLnBrk="1" hangingPunct="1">
@@ -42915,7 +46752,7 @@
               <a:buNone/>
             </a:pPr>
             <a:r>
-              <a:rPr lang="de-DE" altLang="de-DE" sz="1200" b="0">
+              <a:rPr lang="de-DE" altLang="de-DE" sz="1200" b="0" dirty="0">
                 <a:solidFill>
                   <a:srgbClr val="000000"/>
                 </a:solidFill>
@@ -42924,7 +46761,7 @@
               <a:t>       &lt;&lt; </a:t>
             </a:r>
             <a:r>
-              <a:rPr lang="de-DE" altLang="de-DE" sz="1200" b="0">
+              <a:rPr lang="de-DE" altLang="de-DE" sz="1200" b="0" dirty="0">
                 <a:solidFill>
                   <a:srgbClr val="2A00FF"/>
                 </a:solidFill>
@@ -42933,7 +46770,7 @@
               <a:t>"]"</a:t>
             </a:r>
             <a:r>
-              <a:rPr lang="de-DE" altLang="de-DE" sz="1200" b="0">
+              <a:rPr lang="de-DE" altLang="de-DE" sz="1200" b="0" dirty="0">
                 <a:solidFill>
                   <a:srgbClr val="000000"/>
                 </a:solidFill>
@@ -42942,7 +46779,7 @@
               <a:t> &lt;&lt; </a:t>
             </a:r>
             <a:r>
-              <a:rPr lang="de-DE" altLang="de-DE" sz="1200">
+              <a:rPr lang="de-DE" altLang="de-DE" sz="1200" dirty="0" err="1">
                 <a:solidFill>
                   <a:srgbClr val="642880"/>
                 </a:solidFill>
@@ -42951,7 +46788,7 @@
               <a:t>endl</a:t>
             </a:r>
             <a:r>
-              <a:rPr lang="de-DE" altLang="de-DE" sz="1200">
+              <a:rPr lang="de-DE" altLang="de-DE" sz="1200" dirty="0">
                 <a:solidFill>
                   <a:srgbClr val="000000"/>
                 </a:solidFill>
@@ -42970,7 +46807,7 @@
               <a:buNone/>
             </a:pPr>
             <a:r>
-              <a:rPr lang="de-DE" altLang="de-DE" sz="1200" b="0">
+              <a:rPr lang="de-DE" altLang="de-DE" sz="1200" b="0" dirty="0">
                 <a:solidFill>
                   <a:srgbClr val="000000"/>
                 </a:solidFill>
@@ -42988,7 +46825,7 @@
               <a:buFont typeface="Arial" charset="0"/>
               <a:buNone/>
             </a:pPr>
-            <a:endParaRPr lang="de-DE" altLang="de-DE" sz="1200" b="0">
+            <a:endParaRPr lang="de-DE" altLang="de-DE" sz="1200" b="0" dirty="0">
               <a:latin typeface="Consolas" pitchFamily="49" charset="0"/>
             </a:endParaRPr>
           </a:p>
@@ -43002,7 +46839,7 @@
               <a:buNone/>
             </a:pPr>
             <a:r>
-              <a:rPr lang="de-DE" altLang="de-DE" sz="1200">
+              <a:rPr lang="de-DE" altLang="de-DE" sz="1200" dirty="0">
                 <a:solidFill>
                   <a:srgbClr val="000000"/>
                 </a:solidFill>
@@ -43011,7 +46848,7 @@
               <a:t>Floor::Floor(</a:t>
             </a:r>
             <a:r>
-              <a:rPr lang="de-DE" altLang="de-DE" sz="1200">
+              <a:rPr lang="de-DE" altLang="de-DE" sz="1200" dirty="0" err="1">
                 <a:solidFill>
                   <a:srgbClr val="7F0055"/>
                 </a:solidFill>
@@ -43020,7 +46857,7 @@
               <a:t>const</a:t>
             </a:r>
             <a:r>
-              <a:rPr lang="de-DE" altLang="de-DE" sz="1200">
+              <a:rPr lang="de-DE" altLang="de-DE" sz="1200" dirty="0">
                 <a:solidFill>
                   <a:srgbClr val="000000"/>
                 </a:solidFill>
@@ -43029,7 +46866,7 @@
               <a:t> </a:t>
             </a:r>
             <a:r>
-              <a:rPr lang="de-DE" altLang="de-DE" sz="1200">
+              <a:rPr lang="de-DE" altLang="de-DE" sz="1200" dirty="0">
                 <a:solidFill>
                   <a:srgbClr val="005032"/>
                 </a:solidFill>
@@ -43038,13 +46875,31 @@
               <a:t>Floor</a:t>
             </a:r>
             <a:r>
-              <a:rPr lang="de-DE" altLang="de-DE" sz="1200">
-                <a:solidFill>
-                  <a:srgbClr val="000000"/>
-                </a:solidFill>
-                <a:latin typeface="Consolas" pitchFamily="49" charset="0"/>
-              </a:rPr>
-              <a:t>&amp; floor):</a:t>
+              <a:rPr lang="de-DE" altLang="de-DE" sz="1200" dirty="0">
+                <a:solidFill>
+                  <a:srgbClr val="000000"/>
+                </a:solidFill>
+                <a:latin typeface="Consolas" pitchFamily="49" charset="0"/>
+              </a:rPr>
+              <a:t>&amp; </a:t>
+            </a:r>
+            <a:r>
+              <a:rPr lang="de-DE" altLang="de-DE" sz="1200" dirty="0" err="1">
+                <a:solidFill>
+                  <a:srgbClr val="000000"/>
+                </a:solidFill>
+                <a:latin typeface="Consolas" pitchFamily="49" charset="0"/>
+              </a:rPr>
+              <a:t>floor</a:t>
+            </a:r>
+            <a:r>
+              <a:rPr lang="de-DE" altLang="de-DE" sz="1200" dirty="0">
+                <a:solidFill>
+                  <a:srgbClr val="000000"/>
+                </a:solidFill>
+                <a:latin typeface="Consolas" pitchFamily="49" charset="0"/>
+              </a:rPr>
+              <a:t>):</a:t>
             </a:r>
           </a:p>
           <a:p>
@@ -43057,7 +46912,7 @@
               <a:buNone/>
             </a:pPr>
             <a:r>
-              <a:rPr lang="de-DE" altLang="de-DE" sz="1200" b="0">
+              <a:rPr lang="de-DE" altLang="de-DE" sz="1200" b="0" dirty="0" err="1">
                 <a:solidFill>
                   <a:srgbClr val="0000C0"/>
                 </a:solidFill>
@@ -43066,16 +46921,25 @@
               <a:t>number</a:t>
             </a:r>
             <a:r>
-              <a:rPr lang="de-DE" altLang="de-DE" sz="1200" b="0">
-                <a:solidFill>
-                  <a:srgbClr val="000000"/>
-                </a:solidFill>
-                <a:latin typeface="Consolas" pitchFamily="49" charset="0"/>
-              </a:rPr>
-              <a:t>(floor.</a:t>
-            </a:r>
-            <a:r>
-              <a:rPr lang="de-DE" altLang="de-DE" sz="1200" b="0">
+              <a:rPr lang="de-DE" altLang="de-DE" sz="1200" b="0" dirty="0">
+                <a:solidFill>
+                  <a:srgbClr val="000000"/>
+                </a:solidFill>
+                <a:latin typeface="Consolas" pitchFamily="49" charset="0"/>
+              </a:rPr>
+              <a:t>(</a:t>
+            </a:r>
+            <a:r>
+              <a:rPr lang="de-DE" altLang="de-DE" sz="1200" b="0" dirty="0" err="1">
+                <a:solidFill>
+                  <a:srgbClr val="000000"/>
+                </a:solidFill>
+                <a:latin typeface="Consolas" pitchFamily="49" charset="0"/>
+              </a:rPr>
+              <a:t>floor.</a:t>
+            </a:r>
+            <a:r>
+              <a:rPr lang="de-DE" altLang="de-DE" sz="1200" b="0" dirty="0" err="1">
                 <a:solidFill>
                   <a:srgbClr val="0000C0"/>
                 </a:solidFill>
@@ -43084,7 +46948,7 @@
               <a:t>number</a:t>
             </a:r>
             <a:r>
-              <a:rPr lang="de-DE" altLang="de-DE" sz="1200" b="0">
+              <a:rPr lang="de-DE" altLang="de-DE" sz="1200" b="0" dirty="0">
                 <a:solidFill>
                   <a:srgbClr val="000000"/>
                 </a:solidFill>
@@ -43103,22 +46967,58 @@
               <a:buNone/>
             </a:pPr>
             <a:r>
-              <a:rPr lang="de-DE" altLang="de-DE" sz="1200" b="0">
-                <a:solidFill>
-                  <a:srgbClr val="000000"/>
-                </a:solidFill>
-                <a:latin typeface="Consolas" pitchFamily="49" charset="0"/>
-              </a:rPr>
-              <a:t>  cout &lt;&lt; </a:t>
-            </a:r>
-            <a:r>
-              <a:rPr lang="de-DE" altLang="de-DE" sz="1200" b="0">
+              <a:rPr lang="de-DE" altLang="de-DE" sz="1200" b="0" dirty="0">
+                <a:solidFill>
+                  <a:srgbClr val="000000"/>
+                </a:solidFill>
+                <a:latin typeface="Consolas" pitchFamily="49" charset="0"/>
+              </a:rPr>
+              <a:t>  </a:t>
+            </a:r>
+            <a:r>
+              <a:rPr lang="de-DE" altLang="de-DE" sz="1200" b="0" dirty="0" err="1">
+                <a:solidFill>
+                  <a:srgbClr val="000000"/>
+                </a:solidFill>
+                <a:latin typeface="Consolas" pitchFamily="49" charset="0"/>
+              </a:rPr>
+              <a:t>cout</a:t>
+            </a:r>
+            <a:r>
+              <a:rPr lang="de-DE" altLang="de-DE" sz="1200" b="0" dirty="0">
+                <a:solidFill>
+                  <a:srgbClr val="000000"/>
+                </a:solidFill>
+                <a:latin typeface="Consolas" pitchFamily="49" charset="0"/>
+              </a:rPr>
+              <a:t> &lt;&lt; </a:t>
+            </a:r>
+            <a:r>
+              <a:rPr lang="de-DE" altLang="de-DE" sz="1200" b="0" dirty="0">
                 <a:solidFill>
                   <a:srgbClr val="2A00FF"/>
                 </a:solidFill>
                 <a:latin typeface="Consolas" pitchFamily="49" charset="0"/>
               </a:rPr>
-              <a:t>"Floor(const Floor&amp;): "</a:t>
+              <a:t>"Floor(</a:t>
+            </a:r>
+            <a:r>
+              <a:rPr lang="de-DE" altLang="de-DE" sz="1200" b="0" dirty="0" err="1">
+                <a:solidFill>
+                  <a:srgbClr val="2A00FF"/>
+                </a:solidFill>
+                <a:latin typeface="Consolas" pitchFamily="49" charset="0"/>
+              </a:rPr>
+              <a:t>const</a:t>
+            </a:r>
+            <a:r>
+              <a:rPr lang="de-DE" altLang="de-DE" sz="1200" b="0" dirty="0">
+                <a:solidFill>
+                  <a:srgbClr val="2A00FF"/>
+                </a:solidFill>
+                <a:latin typeface="Consolas" pitchFamily="49" charset="0"/>
+              </a:rPr>
+              <a:t> Floor&amp;): "</a:t>
             </a:r>
           </a:p>
           <a:p>
@@ -43131,7 +47031,7 @@
               <a:buNone/>
             </a:pPr>
             <a:r>
-              <a:rPr lang="de-DE" altLang="de-DE" sz="1200" b="0">
+              <a:rPr lang="de-DE" altLang="de-DE" sz="1200" b="0" dirty="0">
                 <a:solidFill>
                   <a:srgbClr val="000000"/>
                 </a:solidFill>
@@ -43140,13 +47040,49 @@
               <a:t>       &lt;&lt; </a:t>
             </a:r>
             <a:r>
-              <a:rPr lang="de-DE" altLang="de-DE" sz="1200" b="0">
+              <a:rPr lang="de-DE" altLang="de-DE" sz="1200" b="0" dirty="0">
                 <a:solidFill>
                   <a:srgbClr val="2A00FF"/>
                 </a:solidFill>
                 <a:latin typeface="Consolas" pitchFamily="49" charset="0"/>
               </a:rPr>
-              <a:t>"Copying floor ["</a:t>
+              <a:t>"</a:t>
+            </a:r>
+            <a:r>
+              <a:rPr lang="de-DE" altLang="de-DE" sz="1200" b="0" dirty="0" err="1">
+                <a:solidFill>
+                  <a:srgbClr val="2A00FF"/>
+                </a:solidFill>
+                <a:latin typeface="Consolas" pitchFamily="49" charset="0"/>
+              </a:rPr>
+              <a:t>Copying</a:t>
+            </a:r>
+            <a:r>
+              <a:rPr lang="de-DE" altLang="de-DE" sz="1200" b="0" dirty="0">
+                <a:solidFill>
+                  <a:srgbClr val="2A00FF"/>
+                </a:solidFill>
+                <a:latin typeface="Consolas" pitchFamily="49" charset="0"/>
+              </a:rPr>
+              <a:t> </a:t>
+            </a:r>
+            <a:r>
+              <a:rPr lang="de-DE" altLang="de-DE" sz="1200" b="0" dirty="0" err="1">
+                <a:solidFill>
+                  <a:srgbClr val="2A00FF"/>
+                </a:solidFill>
+                <a:latin typeface="Consolas" pitchFamily="49" charset="0"/>
+              </a:rPr>
+              <a:t>floor</a:t>
+            </a:r>
+            <a:r>
+              <a:rPr lang="de-DE" altLang="de-DE" sz="1200" b="0" dirty="0">
+                <a:solidFill>
+                  <a:srgbClr val="2A00FF"/>
+                </a:solidFill>
+                <a:latin typeface="Consolas" pitchFamily="49" charset="0"/>
+              </a:rPr>
+              <a:t> ["</a:t>
             </a:r>
           </a:p>
           <a:p>
@@ -43159,16 +47095,25 @@
               <a:buNone/>
             </a:pPr>
             <a:r>
-              <a:rPr lang="de-DE" altLang="de-DE" sz="1200" b="0">
-                <a:solidFill>
-                  <a:srgbClr val="000000"/>
-                </a:solidFill>
-                <a:latin typeface="Consolas" pitchFamily="49" charset="0"/>
-              </a:rPr>
-              <a:t>       &lt;&lt; floor.</a:t>
-            </a:r>
-            <a:r>
-              <a:rPr lang="de-DE" altLang="de-DE" sz="1200" b="0">
+              <a:rPr lang="de-DE" altLang="de-DE" sz="1200" b="0" dirty="0">
+                <a:solidFill>
+                  <a:srgbClr val="000000"/>
+                </a:solidFill>
+                <a:latin typeface="Consolas" pitchFamily="49" charset="0"/>
+              </a:rPr>
+              <a:t>       &lt;&lt; </a:t>
+            </a:r>
+            <a:r>
+              <a:rPr lang="de-DE" altLang="de-DE" sz="1200" b="0" dirty="0" err="1">
+                <a:solidFill>
+                  <a:srgbClr val="000000"/>
+                </a:solidFill>
+                <a:latin typeface="Consolas" pitchFamily="49" charset="0"/>
+              </a:rPr>
+              <a:t>floor.</a:t>
+            </a:r>
+            <a:r>
+              <a:rPr lang="de-DE" altLang="de-DE" sz="1200" b="0" dirty="0" err="1">
                 <a:solidFill>
                   <a:srgbClr val="0000C0"/>
                 </a:solidFill>
@@ -43176,6 +47121,12 @@
               </a:rPr>
               <a:t>number</a:t>
             </a:r>
+            <a:endParaRPr lang="de-DE" altLang="de-DE" sz="1200" b="0" dirty="0">
+              <a:solidFill>
+                <a:srgbClr val="0000C0"/>
+              </a:solidFill>
+              <a:latin typeface="Consolas" pitchFamily="49" charset="0"/>
+            </a:endParaRPr>
           </a:p>
           <a:p>
             <a:pPr eaLnBrk="1" hangingPunct="1">
@@ -43187,7 +47138,7 @@
               <a:buNone/>
             </a:pPr>
             <a:r>
-              <a:rPr lang="de-DE" altLang="de-DE" sz="1200" b="0">
+              <a:rPr lang="de-DE" altLang="de-DE" sz="1200" b="0" dirty="0">
                 <a:solidFill>
                   <a:srgbClr val="000000"/>
                 </a:solidFill>
@@ -43196,7 +47147,7 @@
               <a:t>       &lt;&lt; </a:t>
             </a:r>
             <a:r>
-              <a:rPr lang="de-DE" altLang="de-DE" sz="1200" b="0">
+              <a:rPr lang="de-DE" altLang="de-DE" sz="1200" b="0" dirty="0">
                 <a:solidFill>
                   <a:srgbClr val="2A00FF"/>
                 </a:solidFill>
@@ -43205,7 +47156,7 @@
               <a:t>"]"</a:t>
             </a:r>
             <a:r>
-              <a:rPr lang="de-DE" altLang="de-DE" sz="1200" b="0">
+              <a:rPr lang="de-DE" altLang="de-DE" sz="1200" b="0" dirty="0">
                 <a:solidFill>
                   <a:srgbClr val="000000"/>
                 </a:solidFill>
@@ -43214,7 +47165,7 @@
               <a:t> &lt;&lt; </a:t>
             </a:r>
             <a:r>
-              <a:rPr lang="de-DE" altLang="de-DE" sz="1200">
+              <a:rPr lang="de-DE" altLang="de-DE" sz="1200" dirty="0" err="1">
                 <a:solidFill>
                   <a:srgbClr val="642880"/>
                 </a:solidFill>
@@ -43223,7 +47174,7 @@
               <a:t>endl</a:t>
             </a:r>
             <a:r>
-              <a:rPr lang="de-DE" altLang="de-DE" sz="1200">
+              <a:rPr lang="de-DE" altLang="de-DE" sz="1200" dirty="0">
                 <a:solidFill>
                   <a:srgbClr val="000000"/>
                 </a:solidFill>
@@ -43242,7 +47193,7 @@
               <a:buNone/>
             </a:pPr>
             <a:r>
-              <a:rPr lang="de-DE" altLang="de-DE" sz="1200" b="0">
+              <a:rPr lang="de-DE" altLang="de-DE" sz="1200" b="0" dirty="0">
                 <a:solidFill>
                   <a:srgbClr val="000000"/>
                 </a:solidFill>
@@ -43260,7 +47211,7 @@
               <a:buFont typeface="Arial" charset="0"/>
               <a:buNone/>
             </a:pPr>
-            <a:endParaRPr lang="de-DE" altLang="de-DE" sz="1200" b="0">
+            <a:endParaRPr lang="de-DE" altLang="de-DE" sz="1200" b="0" dirty="0">
               <a:latin typeface="Consolas" pitchFamily="49" charset="0"/>
             </a:endParaRPr>
           </a:p>
@@ -43274,7 +47225,7 @@
               <a:buNone/>
             </a:pPr>
             <a:r>
-              <a:rPr lang="de-DE" altLang="de-DE" sz="1200">
+              <a:rPr lang="de-DE" altLang="de-DE" sz="1200" dirty="0">
                 <a:solidFill>
                   <a:srgbClr val="000000"/>
                 </a:solidFill>
@@ -43293,16 +47244,34 @@
               <a:buNone/>
             </a:pPr>
             <a:r>
-              <a:rPr lang="de-DE" altLang="de-DE" sz="1200" b="0">
-                <a:solidFill>
-                  <a:srgbClr val="000000"/>
-                </a:solidFill>
-                <a:latin typeface="Consolas" pitchFamily="49" charset="0"/>
-              </a:rPr>
-              <a:t>  cout &lt;&lt; </a:t>
-            </a:r>
-            <a:r>
-              <a:rPr lang="de-DE" altLang="de-DE" sz="1200" b="0">
+              <a:rPr lang="de-DE" altLang="de-DE" sz="1200" b="0" dirty="0">
+                <a:solidFill>
+                  <a:srgbClr val="000000"/>
+                </a:solidFill>
+                <a:latin typeface="Consolas" pitchFamily="49" charset="0"/>
+              </a:rPr>
+              <a:t>  </a:t>
+            </a:r>
+            <a:r>
+              <a:rPr lang="de-DE" altLang="de-DE" sz="1200" b="0" dirty="0" err="1">
+                <a:solidFill>
+                  <a:srgbClr val="000000"/>
+                </a:solidFill>
+                <a:latin typeface="Consolas" pitchFamily="49" charset="0"/>
+              </a:rPr>
+              <a:t>cout</a:t>
+            </a:r>
+            <a:r>
+              <a:rPr lang="de-DE" altLang="de-DE" sz="1200" b="0" dirty="0">
+                <a:solidFill>
+                  <a:srgbClr val="000000"/>
+                </a:solidFill>
+                <a:latin typeface="Consolas" pitchFamily="49" charset="0"/>
+              </a:rPr>
+              <a:t> &lt;&lt; </a:t>
+            </a:r>
+            <a:r>
+              <a:rPr lang="de-DE" altLang="de-DE" sz="1200" b="0" dirty="0">
                 <a:solidFill>
                   <a:srgbClr val="2A00FF"/>
                 </a:solidFill>
@@ -43321,7 +47290,7 @@
               <a:buNone/>
             </a:pPr>
             <a:r>
-              <a:rPr lang="de-DE" altLang="de-DE" sz="1200" b="0">
+              <a:rPr lang="de-DE" altLang="de-DE" sz="1200" b="0" dirty="0">
                 <a:solidFill>
                   <a:srgbClr val="000000"/>
                 </a:solidFill>
@@ -43330,13 +47299,49 @@
               <a:t>       &lt;&lt; </a:t>
             </a:r>
             <a:r>
-              <a:rPr lang="de-DE" altLang="de-DE" sz="1200" b="0">
+              <a:rPr lang="de-DE" altLang="de-DE" sz="1200" b="0" dirty="0">
                 <a:solidFill>
                   <a:srgbClr val="2A00FF"/>
                 </a:solidFill>
                 <a:latin typeface="Consolas" pitchFamily="49" charset="0"/>
               </a:rPr>
-              <a:t>"Destroying floor ["</a:t>
+              <a:t>"</a:t>
+            </a:r>
+            <a:r>
+              <a:rPr lang="de-DE" altLang="de-DE" sz="1200" b="0" dirty="0" err="1">
+                <a:solidFill>
+                  <a:srgbClr val="2A00FF"/>
+                </a:solidFill>
+                <a:latin typeface="Consolas" pitchFamily="49" charset="0"/>
+              </a:rPr>
+              <a:t>Destroying</a:t>
+            </a:r>
+            <a:r>
+              <a:rPr lang="de-DE" altLang="de-DE" sz="1200" b="0" dirty="0">
+                <a:solidFill>
+                  <a:srgbClr val="2A00FF"/>
+                </a:solidFill>
+                <a:latin typeface="Consolas" pitchFamily="49" charset="0"/>
+              </a:rPr>
+              <a:t> </a:t>
+            </a:r>
+            <a:r>
+              <a:rPr lang="de-DE" altLang="de-DE" sz="1200" b="0" dirty="0" err="1">
+                <a:solidFill>
+                  <a:srgbClr val="2A00FF"/>
+                </a:solidFill>
+                <a:latin typeface="Consolas" pitchFamily="49" charset="0"/>
+              </a:rPr>
+              <a:t>floor</a:t>
+            </a:r>
+            <a:r>
+              <a:rPr lang="de-DE" altLang="de-DE" sz="1200" b="0" dirty="0">
+                <a:solidFill>
+                  <a:srgbClr val="2A00FF"/>
+                </a:solidFill>
+                <a:latin typeface="Consolas" pitchFamily="49" charset="0"/>
+              </a:rPr>
+              <a:t> ["</a:t>
             </a:r>
           </a:p>
           <a:p>
@@ -43349,7 +47354,7 @@
               <a:buNone/>
             </a:pPr>
             <a:r>
-              <a:rPr lang="de-DE" altLang="de-DE" sz="1200" b="0">
+              <a:rPr lang="de-DE" altLang="de-DE" sz="1200" b="0" dirty="0">
                 <a:solidFill>
                   <a:srgbClr val="000000"/>
                 </a:solidFill>
@@ -43358,7 +47363,7 @@
               <a:t>       &lt;&lt; </a:t>
             </a:r>
             <a:r>
-              <a:rPr lang="de-DE" altLang="de-DE" sz="1200" b="0">
+              <a:rPr lang="de-DE" altLang="de-DE" sz="1200" b="0" dirty="0" err="1">
                 <a:solidFill>
                   <a:srgbClr val="0000C0"/>
                 </a:solidFill>
@@ -43366,6 +47371,12 @@
               </a:rPr>
               <a:t>number</a:t>
             </a:r>
+            <a:endParaRPr lang="de-DE" altLang="de-DE" sz="1200" b="0" dirty="0">
+              <a:solidFill>
+                <a:srgbClr val="0000C0"/>
+              </a:solidFill>
+              <a:latin typeface="Consolas" pitchFamily="49" charset="0"/>
+            </a:endParaRPr>
           </a:p>
           <a:p>
             <a:pPr eaLnBrk="1" hangingPunct="1">
@@ -43377,7 +47388,7 @@
               <a:buNone/>
             </a:pPr>
             <a:r>
-              <a:rPr lang="de-DE" altLang="de-DE" sz="1200" b="0">
+              <a:rPr lang="de-DE" altLang="de-DE" sz="1200" b="0" dirty="0">
                 <a:solidFill>
                   <a:srgbClr val="000000"/>
                 </a:solidFill>
@@ -43386,7 +47397,7 @@
               <a:t>       &lt;&lt; </a:t>
             </a:r>
             <a:r>
-              <a:rPr lang="de-DE" altLang="de-DE" sz="1200" b="0">
+              <a:rPr lang="de-DE" altLang="de-DE" sz="1200" b="0" dirty="0">
                 <a:solidFill>
                   <a:srgbClr val="2A00FF"/>
                 </a:solidFill>
@@ -43395,7 +47406,7 @@
               <a:t>"]"</a:t>
             </a:r>
             <a:r>
-              <a:rPr lang="de-DE" altLang="de-DE" sz="1200" b="0">
+              <a:rPr lang="de-DE" altLang="de-DE" sz="1200" b="0" dirty="0">
                 <a:solidFill>
                   <a:srgbClr val="000000"/>
                 </a:solidFill>
@@ -43404,7 +47415,7 @@
               <a:t> &lt;&lt; </a:t>
             </a:r>
             <a:r>
-              <a:rPr lang="de-DE" altLang="de-DE" sz="1200">
+              <a:rPr lang="de-DE" altLang="de-DE" sz="1200" dirty="0" err="1">
                 <a:solidFill>
                   <a:srgbClr val="642880"/>
                 </a:solidFill>
@@ -43413,7 +47424,7 @@
               <a:t>endl</a:t>
             </a:r>
             <a:r>
-              <a:rPr lang="de-DE" altLang="de-DE" sz="1200">
+              <a:rPr lang="de-DE" altLang="de-DE" sz="1200" dirty="0">
                 <a:solidFill>
                   <a:srgbClr val="000000"/>
                 </a:solidFill>
@@ -43432,7 +47443,7 @@
               <a:buNone/>
             </a:pPr>
             <a:r>
-              <a:rPr lang="de-DE" altLang="de-DE" sz="1200" b="0">
+              <a:rPr lang="de-DE" altLang="de-DE" sz="1200" b="0" dirty="0">
                 <a:solidFill>
                   <a:srgbClr val="000000"/>
                 </a:solidFill>
@@ -43893,9 +47904,10 @@
           <a:lstStyle/>
           <a:p>
             <a:r>
-              <a:rPr lang="de-DE" altLang="de-DE" smtClean="0"/>
+              <a:rPr lang="de-DE" altLang="de-DE" dirty="0" err="1" smtClean="0"/>
               <a:t>ElevatorStrategy</a:t>
             </a:r>
+            <a:endParaRPr lang="de-DE" altLang="de-DE" dirty="0" smtClean="0"/>
           </a:p>
         </p:txBody>
       </p:sp>

--- a/Vorlesung/3 Vererbung-Polymorphie.pptx
+++ b/Vorlesung/3 Vererbung-Polymorphie.pptx
@@ -2777,7 +2777,13 @@
               <a:rPr lang="de-DE" altLang="de-DE" dirty="0" smtClean="0">
                 <a:latin typeface="Times New Roman" pitchFamily="16" charset="0"/>
               </a:rPr>
-              <a:t>	- Andere Mechanismen als Polymorphie: </a:t>
+              <a:t>	- </a:t>
+            </a:r>
+            <a:r>
+              <a:rPr lang="de-DE" altLang="de-DE" dirty="0" smtClean="0">
+                <a:latin typeface="Times New Roman" pitchFamily="16" charset="0"/>
+              </a:rPr>
+              <a:t>Mechanismen für Polymorphie: Dynamisches Binden (Klassen), </a:t>
             </a:r>
             <a:r>
               <a:rPr lang="de-DE" altLang="de-DE" dirty="0" err="1" smtClean="0">
@@ -4653,48 +4659,16 @@
             </a:pPr>
             <a:r>
               <a:rPr lang="de-DE" baseline="0" dirty="0" smtClean="0"/>
-              <a:t>Intuitiv erwartet man: Hier </a:t>
+              <a:t> </a:t>
+            </a:r>
+            <a:r>
+              <a:rPr lang="de-DE" baseline="0" smtClean="0"/>
+              <a:t>siehe nächste </a:t>
             </a:r>
             <a:r>
               <a:rPr lang="de-DE" baseline="0" dirty="0" smtClean="0"/>
-              <a:t>wird zunächst eine Instanz per </a:t>
-            </a:r>
-            <a:r>
-              <a:rPr lang="de-DE" baseline="0" dirty="0" err="1" smtClean="0"/>
-              <a:t>Defaul</a:t>
-            </a:r>
-            <a:r>
-              <a:rPr lang="de-DE" baseline="0" dirty="0" smtClean="0"/>
-              <a:t>-Konstruktor angelegt und dann mittels </a:t>
-            </a:r>
-            <a:r>
-              <a:rPr lang="de-DE" baseline="0" dirty="0" err="1" smtClean="0"/>
-              <a:t>operator</a:t>
-            </a:r>
-            <a:r>
-              <a:rPr lang="de-DE" baseline="0" dirty="0" smtClean="0"/>
-              <a:t>= „</a:t>
-            </a:r>
-            <a:r>
-              <a:rPr lang="de-DE" baseline="0" dirty="0" smtClean="0"/>
-              <a:t>überschrieben/aktualisiert</a:t>
-            </a:r>
-          </a:p>
-          <a:p>
-            <a:pPr marL="914400" lvl="1" indent="-171450">
-              <a:buFontTx/>
-              <a:buChar char="-"/>
-              <a:defRPr/>
-            </a:pPr>
-            <a:r>
-              <a:rPr lang="de-DE" baseline="0" dirty="0" smtClean="0"/>
-              <a:t>siehe auch </a:t>
-            </a:r>
-            <a:r>
-              <a:rPr lang="de-DE" baseline="0" smtClean="0"/>
-              <a:t>nächste Folie!!</a:t>
-            </a:r>
-            <a:endParaRPr lang="de-DE" baseline="0" dirty="0" smtClean="0"/>
+              <a:t>Folie!!</a:t>
+            </a:r>
           </a:p>
           <a:p>
             <a:pPr marL="171450" marR="0" indent="-171450" algn="l" defTabSz="449263" rtl="0" eaLnBrk="0" fontAlgn="base" latinLnBrk="0" hangingPunct="0">
@@ -10066,7 +10040,7 @@
           <a:graphicData uri="http://schemas.openxmlformats.org/presentationml/2006/ole">
             <mc:AlternateContent xmlns:mc="http://schemas.openxmlformats.org/markup-compatibility/2006">
               <mc:Choice xmlns:v="urn:schemas-microsoft-com:vml" Requires="v">
-                <p:oleObj spid="_x0000_s1076" r:id="rId16" imgW="1038370" imgH="980952" progId="">
+                <p:oleObj spid="_x0000_s1078" r:id="rId16" imgW="1038370" imgH="980952" progId="">
                   <p:embed/>
                 </p:oleObj>
               </mc:Choice>
@@ -10504,7 +10478,7 @@
                 </a:lnSpc>
                 <a:defRPr/>
               </a:pPr>
-              <a:t>27.08.2014</a:t>
+              <a:t>08.09.2014</a:t>
             </a:fld>
             <a:r>
               <a:rPr lang="en-GB" altLang="de-DE" sz="1000" smtClean="0">
@@ -25701,7 +25675,23 @@
                   <a:schemeClr val="bg1"/>
                 </a:solidFill>
               </a:rPr>
-              <a:t>Dies muss nicht in Subklassen wiederholt werden, wird aber häufig der Übersichtshalber gemacht</a:t>
+              <a:t>Dies muss nicht in Subklassen wiederholt werden, wird aber häufig der </a:t>
+            </a:r>
+            <a:r>
+              <a:rPr lang="de-DE" dirty="0" smtClean="0">
+                <a:solidFill>
+                  <a:schemeClr val="bg1"/>
+                </a:solidFill>
+              </a:rPr>
+              <a:t>Übersicht halber </a:t>
+            </a:r>
+            <a:r>
+              <a:rPr lang="de-DE" dirty="0">
+                <a:solidFill>
+                  <a:schemeClr val="bg1"/>
+                </a:solidFill>
+              </a:rPr>
+              <a:t>gemacht</a:t>
             </a:r>
           </a:p>
         </p:txBody>
